--- a/courses/downloads/temp/AdvanceDB Lec2. ch17.pptx
+++ b/courses/downloads/temp/AdvanceDB Lec2. ch17.pptx
@@ -5,10 +5,10 @@
     <p:sldMasterId id="2147483801" r:id="rId1"/>
   </p:sldMasterIdLst>
   <p:notesMasterIdLst>
-    <p:notesMasterId r:id="rId48"/>
+    <p:notesMasterId r:id="rId49"/>
   </p:notesMasterIdLst>
   <p:handoutMasterIdLst>
-    <p:handoutMasterId r:id="rId49"/>
+    <p:handoutMasterId r:id="rId50"/>
   </p:handoutMasterIdLst>
   <p:sldIdLst>
     <p:sldId id="386" r:id="rId2"/>
@@ -50,13 +50,14 @@
     <p:sldId id="341" r:id="rId38"/>
     <p:sldId id="390" r:id="rId39"/>
     <p:sldId id="377" r:id="rId40"/>
-    <p:sldId id="387" r:id="rId41"/>
-    <p:sldId id="282" r:id="rId42"/>
-    <p:sldId id="281" r:id="rId43"/>
-    <p:sldId id="378" r:id="rId44"/>
-    <p:sldId id="379" r:id="rId45"/>
-    <p:sldId id="391" r:id="rId46"/>
-    <p:sldId id="380" r:id="rId47"/>
+    <p:sldId id="392" r:id="rId41"/>
+    <p:sldId id="387" r:id="rId42"/>
+    <p:sldId id="282" r:id="rId43"/>
+    <p:sldId id="281" r:id="rId44"/>
+    <p:sldId id="378" r:id="rId45"/>
+    <p:sldId id="379" r:id="rId46"/>
+    <p:sldId id="391" r:id="rId47"/>
+    <p:sldId id="380" r:id="rId48"/>
   </p:sldIdLst>
   <p:sldSz cx="9144000" cy="6858000" type="screen4x3"/>
   <p:notesSz cx="6997700" cy="9283700"/>
@@ -17158,444 +17159,7 @@
       </p:grpSpPr>
       <p:sp>
         <p:nvSpPr>
-          <p:cNvPr id="2" name="Slide Image Placeholder 1"/>
-          <p:cNvSpPr>
-            <a:spLocks noGrp="1" noRot="1" noChangeAspect="1"/>
-          </p:cNvSpPr>
-          <p:nvPr>
-            <p:ph type="sldImg"/>
-          </p:nvPr>
-        </p:nvSpPr>
-        <p:spPr/>
-      </p:sp>
-      <p:sp>
-        <p:nvSpPr>
-          <p:cNvPr id="3" name="Notes Placeholder 2"/>
-          <p:cNvSpPr>
-            <a:spLocks noGrp="1"/>
-          </p:cNvSpPr>
-          <p:nvPr>
-            <p:ph type="body" idx="1"/>
-          </p:nvPr>
-        </p:nvSpPr>
-        <p:spPr/>
-        <p:txBody>
-          <a:bodyPr/>
-          <a:lstStyle/>
-          <a:p>
-            <a:pPr algn="l"/>
-            <a:r>
-              <a:rPr lang="en-US" b="1" i="0" dirty="0">
-                <a:solidFill>
-                  <a:srgbClr val="1F1F1F"/>
-                </a:solidFill>
-                <a:effectLst/>
-                <a:latin typeface="Google Sans"/>
-              </a:rPr>
-              <a:t>Key Points:</a:t>
-            </a:r>
-            <a:endParaRPr lang="en-US" b="0" i="0" dirty="0">
-              <a:solidFill>
-                <a:srgbClr val="1F1F1F"/>
-              </a:solidFill>
-              <a:effectLst/>
-              <a:latin typeface="Google Sans"/>
-            </a:endParaRPr>
-          </a:p>
-          <a:p>
-            <a:pPr algn="l">
-              <a:buFont typeface="Arial" panose="020B0604020202020204" pitchFamily="34" charset="0"/>
-              <a:buChar char="•"/>
-            </a:pPr>
-            <a:r>
-              <a:rPr lang="en-US" b="0" i="0" dirty="0">
-                <a:solidFill>
-                  <a:srgbClr val="1F1F1F"/>
-                </a:solidFill>
-                <a:effectLst/>
-                <a:latin typeface="Google Sans"/>
-              </a:rPr>
-              <a:t>You only see committed data (borrowed novels are not visible).</a:t>
-            </a:r>
-          </a:p>
-          <a:p>
-            <a:pPr algn="l">
-              <a:buFont typeface="Arial" panose="020B0604020202020204" pitchFamily="34" charset="0"/>
-              <a:buChar char="•"/>
-            </a:pPr>
-            <a:r>
-              <a:rPr lang="en-US" b="0" i="0" dirty="0">
-                <a:solidFill>
-                  <a:srgbClr val="1F1F1F"/>
-                </a:solidFill>
-                <a:effectLst/>
-                <a:latin typeface="Google Sans"/>
-              </a:rPr>
-              <a:t>Your reads are consistent (you see the same three novels throughout your transaction).</a:t>
-            </a:r>
-          </a:p>
-          <a:p>
-            <a:pPr algn="l">
-              <a:buFont typeface="Arial" panose="020B0604020202020204" pitchFamily="34" charset="0"/>
-              <a:buChar char="•"/>
-            </a:pPr>
-            <a:r>
-              <a:rPr lang="en-US" b="0" i="0" dirty="0">
-                <a:solidFill>
-                  <a:srgbClr val="1F1F1F"/>
-                </a:solidFill>
-                <a:effectLst/>
-                <a:latin typeface="Google Sans"/>
-              </a:rPr>
-              <a:t>You might not see the latest changes from other transactions (the borrowed novel is not reflected).</a:t>
-            </a:r>
-          </a:p>
-          <a:p>
-            <a:pPr algn="l">
-              <a:buFont typeface="Arial" panose="020B0604020202020204" pitchFamily="34" charset="0"/>
-              <a:buChar char="•"/>
-            </a:pPr>
-            <a:endParaRPr lang="en-US" b="0" i="0" dirty="0">
-              <a:solidFill>
-                <a:srgbClr val="1F1F1F"/>
-              </a:solidFill>
-              <a:effectLst/>
-              <a:latin typeface="Google Sans"/>
-            </a:endParaRPr>
-          </a:p>
-          <a:p>
-            <a:pPr algn="l"/>
-            <a:r>
-              <a:rPr lang="en-US" b="1" i="0" dirty="0">
-                <a:solidFill>
-                  <a:srgbClr val="1F1F1F"/>
-                </a:solidFill>
-                <a:effectLst/>
-                <a:latin typeface="Google Sans"/>
-              </a:rPr>
-              <a:t>Benefits:</a:t>
-            </a:r>
-            <a:endParaRPr lang="en-US" b="0" i="0" dirty="0">
-              <a:solidFill>
-                <a:srgbClr val="1F1F1F"/>
-              </a:solidFill>
-              <a:effectLst/>
-              <a:latin typeface="Google Sans"/>
-            </a:endParaRPr>
-          </a:p>
-          <a:p>
-            <a:pPr algn="l">
-              <a:buFont typeface="Arial" panose="020B0604020202020204" pitchFamily="34" charset="0"/>
-              <a:buChar char="•"/>
-            </a:pPr>
-            <a:r>
-              <a:rPr lang="en-US" b="0" i="0" dirty="0">
-                <a:solidFill>
-                  <a:srgbClr val="1F1F1F"/>
-                </a:solidFill>
-                <a:effectLst/>
-                <a:latin typeface="Google Sans"/>
-              </a:rPr>
-              <a:t>Ensures </a:t>
-            </a:r>
-            <a:r>
-              <a:rPr lang="en-US" b="1" i="0" dirty="0">
-                <a:solidFill>
-                  <a:srgbClr val="1F1F1F"/>
-                </a:solidFill>
-                <a:effectLst/>
-                <a:latin typeface="Google Sans"/>
-              </a:rPr>
-              <a:t>consistent</a:t>
-            </a:r>
-            <a:r>
-              <a:rPr lang="en-US" b="0" i="0" dirty="0">
-                <a:solidFill>
-                  <a:srgbClr val="1F1F1F"/>
-                </a:solidFill>
-                <a:effectLst/>
-                <a:latin typeface="Google Sans"/>
-              </a:rPr>
-              <a:t> </a:t>
-            </a:r>
-            <a:r>
-              <a:rPr lang="en-US" b="1" i="0" dirty="0">
-                <a:solidFill>
-                  <a:srgbClr val="1F1F1F"/>
-                </a:solidFill>
-                <a:effectLst/>
-                <a:latin typeface="Google Sans"/>
-              </a:rPr>
-              <a:t>data</a:t>
-            </a:r>
-            <a:r>
-              <a:rPr lang="en-US" b="0" i="0" dirty="0">
-                <a:solidFill>
-                  <a:srgbClr val="1F1F1F"/>
-                </a:solidFill>
-                <a:effectLst/>
-                <a:latin typeface="Google Sans"/>
-              </a:rPr>
-              <a:t> within a </a:t>
-            </a:r>
-            <a:r>
-              <a:rPr lang="en-US" b="1" i="0" dirty="0">
-                <a:solidFill>
-                  <a:srgbClr val="1F1F1F"/>
-                </a:solidFill>
-                <a:effectLst/>
-                <a:latin typeface="Google Sans"/>
-              </a:rPr>
-              <a:t>transaction</a:t>
-            </a:r>
-            <a:r>
-              <a:rPr lang="en-US" b="0" i="0" dirty="0">
-                <a:solidFill>
-                  <a:srgbClr val="1F1F1F"/>
-                </a:solidFill>
-                <a:effectLst/>
-                <a:latin typeface="Google Sans"/>
-              </a:rPr>
-              <a:t>.</a:t>
-            </a:r>
-          </a:p>
-          <a:p>
-            <a:pPr algn="l">
-              <a:buFont typeface="Arial" panose="020B0604020202020204" pitchFamily="34" charset="0"/>
-              <a:buChar char="•"/>
-            </a:pPr>
-            <a:r>
-              <a:rPr lang="en-US" b="0" i="0" dirty="0">
-                <a:solidFill>
-                  <a:srgbClr val="1F1F1F"/>
-                </a:solidFill>
-                <a:effectLst/>
-                <a:latin typeface="Google Sans"/>
-              </a:rPr>
-              <a:t>Useful for scenarios where data shouldn't change during analysis (e.g., summarizing account balances).</a:t>
-            </a:r>
-          </a:p>
-          <a:p>
-            <a:pPr algn="l">
-              <a:buFont typeface="Arial" panose="020B0604020202020204" pitchFamily="34" charset="0"/>
-              <a:buChar char="•"/>
-            </a:pPr>
-            <a:endParaRPr lang="en-US" b="0" i="0" dirty="0">
-              <a:solidFill>
-                <a:srgbClr val="1F1F1F"/>
-              </a:solidFill>
-              <a:effectLst/>
-              <a:latin typeface="Google Sans"/>
-            </a:endParaRPr>
-          </a:p>
-          <a:p>
-            <a:pPr algn="l"/>
-            <a:r>
-              <a:rPr lang="en-US" b="1" i="0" dirty="0">
-                <a:solidFill>
-                  <a:srgbClr val="1F1F1F"/>
-                </a:solidFill>
-                <a:effectLst/>
-                <a:latin typeface="Google Sans"/>
-              </a:rPr>
-              <a:t>Drawbacks:</a:t>
-            </a:r>
-            <a:endParaRPr lang="en-US" b="0" i="0" dirty="0">
-              <a:solidFill>
-                <a:srgbClr val="1F1F1F"/>
-              </a:solidFill>
-              <a:effectLst/>
-              <a:latin typeface="Google Sans"/>
-            </a:endParaRPr>
-          </a:p>
-          <a:p>
-            <a:pPr algn="l">
-              <a:buFont typeface="Arial" panose="020B0604020202020204" pitchFamily="34" charset="0"/>
-              <a:buChar char="•"/>
-            </a:pPr>
-            <a:r>
-              <a:rPr lang="en-US" b="0" i="0" dirty="0">
-                <a:solidFill>
-                  <a:srgbClr val="1F1F1F"/>
-                </a:solidFill>
-                <a:effectLst/>
-                <a:latin typeface="Google Sans"/>
-              </a:rPr>
-              <a:t>Can lead to </a:t>
-            </a:r>
-            <a:r>
-              <a:rPr lang="en-US" b="1" i="0" dirty="0">
-                <a:solidFill>
-                  <a:srgbClr val="1F1F1F"/>
-                </a:solidFill>
-                <a:effectLst/>
-                <a:latin typeface="Google Sans"/>
-              </a:rPr>
-              <a:t>phantom</a:t>
-            </a:r>
-            <a:r>
-              <a:rPr lang="en-US" b="0" i="0" dirty="0">
-                <a:solidFill>
-                  <a:srgbClr val="1F1F1F"/>
-                </a:solidFill>
-                <a:effectLst/>
-                <a:latin typeface="Google Sans"/>
-              </a:rPr>
-              <a:t> reads (</a:t>
-            </a:r>
-            <a:r>
-              <a:rPr lang="en-US" b="1" i="0" dirty="0">
-                <a:solidFill>
-                  <a:srgbClr val="1F1F1F"/>
-                </a:solidFill>
-                <a:effectLst/>
-                <a:latin typeface="Google Sans"/>
-              </a:rPr>
-              <a:t>missing newly inserted </a:t>
-            </a:r>
-            <a:r>
-              <a:rPr lang="en-US" b="0" i="0" dirty="0">
-                <a:solidFill>
-                  <a:srgbClr val="1F1F1F"/>
-                </a:solidFill>
-                <a:effectLst/>
-                <a:latin typeface="Google Sans"/>
-              </a:rPr>
-              <a:t>data).</a:t>
-            </a:r>
-          </a:p>
-          <a:p>
-            <a:pPr algn="l">
-              <a:buFont typeface="Arial" panose="020B0604020202020204" pitchFamily="34" charset="0"/>
-              <a:buChar char="•"/>
-            </a:pPr>
-            <a:r>
-              <a:rPr lang="en-US" b="0" i="0" dirty="0">
-                <a:solidFill>
-                  <a:srgbClr val="1F1F1F"/>
-                </a:solidFill>
-                <a:effectLst/>
-                <a:latin typeface="Google Sans"/>
-              </a:rPr>
-              <a:t>Might </a:t>
-            </a:r>
-            <a:r>
-              <a:rPr lang="en-US" b="1" i="0" dirty="0">
-                <a:solidFill>
-                  <a:srgbClr val="1F1F1F"/>
-                </a:solidFill>
-                <a:effectLst/>
-                <a:latin typeface="Google Sans"/>
-              </a:rPr>
-              <a:t>not reflect the most recent state</a:t>
-            </a:r>
-            <a:r>
-              <a:rPr lang="en-US" b="0" i="0" dirty="0">
-                <a:solidFill>
-                  <a:srgbClr val="1F1F1F"/>
-                </a:solidFill>
-                <a:effectLst/>
-                <a:latin typeface="Google Sans"/>
-              </a:rPr>
-              <a:t> (other transactions can modify data after your initial read).</a:t>
-            </a:r>
-          </a:p>
-          <a:p>
-            <a:pPr algn="l">
-              <a:buFont typeface="Arial" panose="020B0604020202020204" pitchFamily="34" charset="0"/>
-              <a:buChar char="•"/>
-            </a:pPr>
-            <a:endParaRPr lang="en-US" b="0" i="0" dirty="0">
-              <a:solidFill>
-                <a:srgbClr val="1F1F1F"/>
-              </a:solidFill>
-              <a:effectLst/>
-              <a:latin typeface="Google Sans"/>
-            </a:endParaRPr>
-          </a:p>
-          <a:p>
-            <a:pPr algn="l"/>
-            <a:r>
-              <a:rPr lang="en-US" b="1" i="0" dirty="0">
-                <a:solidFill>
-                  <a:srgbClr val="1F1F1F"/>
-                </a:solidFill>
-                <a:effectLst/>
-                <a:latin typeface="Google Sans"/>
-              </a:rPr>
-              <a:t>In conclusion,</a:t>
-            </a:r>
-            <a:r>
-              <a:rPr lang="en-US" b="0" i="0" dirty="0">
-                <a:solidFill>
-                  <a:srgbClr val="1F1F1F"/>
-                </a:solidFill>
-                <a:effectLst/>
-                <a:latin typeface="Google Sans"/>
-              </a:rPr>
-              <a:t> Repeatable Read offers a balance between consistency and currency. You get a consistent view of data within your transaction, but it might not capture the absolute latest changes from other transactions.</a:t>
-            </a:r>
-            <a:endParaRPr lang="en-US" dirty="0"/>
-          </a:p>
-        </p:txBody>
-      </p:sp>
-      <p:sp>
-        <p:nvSpPr>
-          <p:cNvPr id="4" name="Slide Number Placeholder 3"/>
-          <p:cNvSpPr>
-            <a:spLocks noGrp="1"/>
-          </p:cNvSpPr>
-          <p:nvPr>
-            <p:ph type="sldNum" sz="quarter" idx="5"/>
-          </p:nvPr>
-        </p:nvSpPr>
-        <p:spPr/>
-        <p:txBody>
-          <a:bodyPr/>
-          <a:lstStyle/>
-          <a:p>
-            <a:fld id="{5B7CC90F-195F-4DEF-A4DA-F5B0A181CF9F}" type="slidenum">
-              <a:rPr lang="en-US" altLang="en-US" smtClean="0"/>
-              <a:pPr/>
-              <a:t>40</a:t>
-            </a:fld>
-            <a:endParaRPr lang="en-US" altLang="en-US"/>
-          </a:p>
-        </p:txBody>
-      </p:sp>
-    </p:spTree>
-    <p:extLst>
-      <p:ext uri="{BB962C8B-B14F-4D97-AF65-F5344CB8AC3E}">
-        <p14:creationId xmlns:p14="http://schemas.microsoft.com/office/powerpoint/2010/main" val="1930394811"/>
-      </p:ext>
-    </p:extLst>
-  </p:cSld>
-  <p:clrMapOvr>
-    <a:masterClrMapping/>
-  </p:clrMapOvr>
-</p:notes>
-</file>
-
-<file path=ppt/notesSlides/notesSlide41.xml><?xml version="1.0" encoding="utf-8"?>
-<p:notes xmlns:a="http://schemas.openxmlformats.org/drawingml/2006/main" xmlns:r="http://schemas.openxmlformats.org/officeDocument/2006/relationships" xmlns:p="http://schemas.openxmlformats.org/presentationml/2006/main">
-  <p:cSld>
-    <p:spTree>
-      <p:nvGrpSpPr>
-        <p:cNvPr id="1" name=""/>
-        <p:cNvGrpSpPr/>
-        <p:nvPr/>
-      </p:nvGrpSpPr>
-      <p:grpSpPr>
-        <a:xfrm>
-          <a:off x="0" y="0"/>
-          <a:ext cx="0" cy="0"/>
-          <a:chOff x="0" y="0"/>
-          <a:chExt cx="0" cy="0"/>
-        </a:xfrm>
-      </p:grpSpPr>
-      <p:sp>
-        <p:nvSpPr>
-          <p:cNvPr id="79874" name="Rectangle 7"/>
+          <p:cNvPr id="78850" name="Rectangle 7"/>
           <p:cNvSpPr>
             <a:spLocks noGrp="1" noChangeArrowheads="1"/>
           </p:cNvSpPr>
@@ -17736,12 +17300,12 @@
             </a:lvl9pPr>
           </a:lstStyle>
           <a:p>
-            <a:fld id="{8D4DD0DF-53A0-4666-9689-6AAB81C4795A}" type="slidenum">
+            <a:fld id="{07114055-A8AE-4C05-AC7A-46A0B6A29489}" type="slidenum">
               <a:rPr lang="en-US" altLang="en-US" sz="1300">
                 <a:latin typeface="Times New Roman" panose="02020603050405020304" pitchFamily="18" charset="0"/>
               </a:rPr>
               <a:pPr/>
-              <a:t>41</a:t>
+              <a:t>40</a:t>
             </a:fld>
             <a:endParaRPr lang="en-US" altLang="en-US" sz="1300">
               <a:latin typeface="Times New Roman" panose="02020603050405020304" pitchFamily="18" charset="0"/>
@@ -17751,7 +17315,7 @@
       </p:sp>
       <p:sp>
         <p:nvSpPr>
-          <p:cNvPr id="79875" name="Rectangle 2"/>
+          <p:cNvPr id="78851" name="Rectangle 2"/>
           <p:cNvSpPr>
             <a:spLocks noGrp="1" noRot="1" noChangeAspect="1" noChangeArrowheads="1" noTextEdit="1"/>
           </p:cNvSpPr>
@@ -17765,7 +17329,7 @@
       </p:sp>
       <p:sp>
         <p:nvSpPr>
-          <p:cNvPr id="79876" name="Rectangle 3"/>
+          <p:cNvPr id="78852" name="Rectangle 3"/>
           <p:cNvSpPr>
             <a:spLocks noGrp="1" noChangeArrowheads="1"/>
           </p:cNvSpPr>
@@ -17800,45 +17364,28 @@
           <a:bodyPr/>
           <a:lstStyle/>
           <a:p>
-            <a:pPr marL="342900" marR="0" lvl="0" indent="-342900" algn="r" rtl="1">
+            <a:pPr marL="0" marR="0">
               <a:lnSpc>
-                <a:spcPct val="107000"/>
+                <a:spcPts val="2145"/>
               </a:lnSpc>
               <a:spcBef>
-                <a:spcPts val="0"/>
+                <a:spcPts val="1030"/>
               </a:spcBef>
               <a:spcAft>
-                <a:spcPts val="800"/>
+                <a:spcPts val="1030"/>
               </a:spcAft>
-              <a:buFont typeface="Wingdings" panose="05000000000000000000" pitchFamily="2" charset="2"/>
-              <a:buChar char=""/>
-              <a:tabLst>
-                <a:tab pos="457200" algn="l"/>
-              </a:tabLst>
             </a:pPr>
             <a:r>
-              <a:rPr lang="ar-SA" sz="1800" dirty="0">
-                <a:solidFill>
-                  <a:srgbClr val="1F1F1F"/>
-                </a:solidFill>
-                <a:effectLst/>
-                <a:latin typeface="Arial" panose="020B0604020202020204" pitchFamily="34" charset="0"/>
-                <a:ea typeface="Times New Roman" panose="02020603050405020304" pitchFamily="18" charset="0"/>
-                <a:cs typeface="B Nazanin" panose="00000400000000000000" pitchFamily="2" charset="-78"/>
-              </a:rPr>
-              <a:t>سطح پایین‌تری از سازگاری برای جمع‌آوری اطلاعات تقریبی در مورد پایگاه داده مفید است</a:t>
-            </a:r>
-            <a:r>
               <a:rPr lang="en-US" sz="1800" dirty="0">
                 <a:solidFill>
-                  <a:srgbClr val="1F1F1F"/>
-                </a:solidFill>
-                <a:effectLst/>
-                <a:latin typeface="Arial" panose="020B0604020202020204" pitchFamily="34" charset="0"/>
-                <a:ea typeface="Times New Roman" panose="02020603050405020304" pitchFamily="18" charset="0"/>
-                <a:cs typeface="B Nazanin" panose="00000400000000000000" pitchFamily="2" charset="-78"/>
-              </a:rPr>
-              <a:t>.</a:t>
+                  <a:srgbClr val="404040"/>
+                </a:solidFill>
+                <a:effectLst/>
+                <a:latin typeface="Segoe UI" panose="020B0502040204020203" pitchFamily="34" charset="0"/>
+                <a:ea typeface="Times New Roman" panose="02020603050405020304" pitchFamily="18" charset="0"/>
+                <a:cs typeface="Arial" panose="020B0604020202020204" pitchFamily="34" charset="0"/>
+              </a:rPr>
+              <a:t>The truncation problem you're referring to occurs when a transaction sees some but not all of the data inserted by another committed transaction. This is a specific type of phantom read where:</a:t>
             </a:r>
             <a:endParaRPr lang="en-US" sz="1800" dirty="0">
               <a:effectLst/>
@@ -17848,592 +17395,9 @@
             </a:endParaRPr>
           </a:p>
           <a:p>
-            <a:pPr marL="0" marR="0" algn="r" rtl="1">
+            <a:pPr marL="342900" marR="0" lvl="0" indent="-342900">
               <a:lnSpc>
-                <a:spcPct val="107000"/>
-              </a:lnSpc>
-              <a:spcBef>
-                <a:spcPts val="0"/>
-              </a:spcBef>
-              <a:spcAft>
-                <a:spcPts val="800"/>
-              </a:spcAft>
-            </a:pPr>
-            <a:r>
-              <a:rPr lang="ar-SA" sz="1800" b="1" dirty="0">
-                <a:solidFill>
-                  <a:srgbClr val="1F1F1F"/>
-                </a:solidFill>
-                <a:effectLst/>
-                <a:latin typeface="Arial" panose="020B0604020202020204" pitchFamily="34" charset="0"/>
-                <a:ea typeface="Times New Roman" panose="02020603050405020304" pitchFamily="18" charset="0"/>
-                <a:cs typeface="B Nazanin" panose="00000400000000000000" pitchFamily="2" charset="-78"/>
-              </a:rPr>
-              <a:t>توجه</a:t>
-            </a:r>
-            <a:r>
-              <a:rPr lang="en-US" sz="1800" b="1" dirty="0">
-                <a:solidFill>
-                  <a:srgbClr val="1F1F1F"/>
-                </a:solidFill>
-                <a:effectLst/>
-                <a:latin typeface="Arial" panose="020B0604020202020204" pitchFamily="34" charset="0"/>
-                <a:ea typeface="Times New Roman" panose="02020603050405020304" pitchFamily="18" charset="0"/>
-                <a:cs typeface="B Nazanin" panose="00000400000000000000" pitchFamily="2" charset="-78"/>
-              </a:rPr>
-              <a:t>:</a:t>
-            </a:r>
-            <a:r>
-              <a:rPr lang="en-US" sz="1800" dirty="0">
-                <a:solidFill>
-                  <a:srgbClr val="1F1F1F"/>
-                </a:solidFill>
-                <a:effectLst/>
-                <a:latin typeface="Arial" panose="020B0604020202020204" pitchFamily="34" charset="0"/>
-                <a:ea typeface="Times New Roman" panose="02020603050405020304" pitchFamily="18" charset="0"/>
-                <a:cs typeface="B Nazanin" panose="00000400000000000000" pitchFamily="2" charset="-78"/>
-              </a:rPr>
-              <a:t> </a:t>
-            </a:r>
-            <a:r>
-              <a:rPr lang="ar-SA" sz="1800" dirty="0">
-                <a:solidFill>
-                  <a:srgbClr val="1F1F1F"/>
-                </a:solidFill>
-                <a:effectLst/>
-                <a:latin typeface="Arial" panose="020B0604020202020204" pitchFamily="34" charset="0"/>
-                <a:ea typeface="Times New Roman" panose="02020603050405020304" pitchFamily="18" charset="0"/>
-                <a:cs typeface="B Nazanin" panose="00000400000000000000" pitchFamily="2" charset="-78"/>
-              </a:rPr>
-              <a:t>برخی از سیستم‌های پایگاه داده به طور پیش فرض جداول قابل سریال‌پذیری را تضمین نمی‌کنند</a:t>
-            </a:r>
-            <a:r>
-              <a:rPr lang="en-US" sz="1800" dirty="0">
-                <a:solidFill>
-                  <a:srgbClr val="1F1F1F"/>
-                </a:solidFill>
-                <a:effectLst/>
-                <a:latin typeface="Arial" panose="020B0604020202020204" pitchFamily="34" charset="0"/>
-                <a:ea typeface="Times New Roman" panose="02020603050405020304" pitchFamily="18" charset="0"/>
-                <a:cs typeface="B Nazanin" panose="00000400000000000000" pitchFamily="2" charset="-78"/>
-              </a:rPr>
-              <a:t>.</a:t>
-            </a:r>
-            <a:endParaRPr lang="en-US" sz="1800" dirty="0">
-              <a:effectLst/>
-              <a:latin typeface="Calibri" panose="020F0502020204030204" pitchFamily="34" charset="0"/>
-              <a:ea typeface="Calibri" panose="020F0502020204030204" pitchFamily="34" charset="0"/>
-              <a:cs typeface="Arial" panose="020B0604020202020204" pitchFamily="34" charset="0"/>
-            </a:endParaRPr>
-          </a:p>
-          <a:p>
-            <a:pPr marL="0" marR="0" algn="r" rtl="1">
-              <a:lnSpc>
-                <a:spcPct val="107000"/>
-              </a:lnSpc>
-              <a:spcBef>
-                <a:spcPts val="0"/>
-              </a:spcBef>
-              <a:spcAft>
-                <a:spcPts val="800"/>
-              </a:spcAft>
-            </a:pPr>
-            <a:r>
-              <a:rPr lang="ar-SA" sz="1800" dirty="0">
-                <a:solidFill>
-                  <a:srgbClr val="1F1F1F"/>
-                </a:solidFill>
-                <a:effectLst/>
-                <a:latin typeface="Arial" panose="020B0604020202020204" pitchFamily="34" charset="0"/>
-                <a:ea typeface="Times New Roman" panose="02020603050405020304" pitchFamily="18" charset="0"/>
-                <a:cs typeface="B Nazanin" panose="00000400000000000000" pitchFamily="2" charset="-78"/>
-              </a:rPr>
-              <a:t>به عنوان مثال، اوراکل</a:t>
-            </a:r>
-            <a:r>
-              <a:rPr lang="en-US" sz="1800" dirty="0">
-                <a:solidFill>
-                  <a:srgbClr val="1F1F1F"/>
-                </a:solidFill>
-                <a:effectLst/>
-                <a:latin typeface="Arial" panose="020B0604020202020204" pitchFamily="34" charset="0"/>
-                <a:ea typeface="Times New Roman" panose="02020603050405020304" pitchFamily="18" charset="0"/>
-                <a:cs typeface="B Nazanin" panose="00000400000000000000" pitchFamily="2" charset="-78"/>
-              </a:rPr>
-              <a:t> (</a:t>
-            </a:r>
-            <a:r>
-              <a:rPr lang="ar-SA" sz="1800" dirty="0">
-                <a:solidFill>
-                  <a:srgbClr val="1F1F1F"/>
-                </a:solidFill>
-                <a:effectLst/>
-                <a:latin typeface="Arial" panose="020B0604020202020204" pitchFamily="34" charset="0"/>
-                <a:ea typeface="Times New Roman" panose="02020603050405020304" pitchFamily="18" charset="0"/>
-                <a:cs typeface="B Nazanin" panose="00000400000000000000" pitchFamily="2" charset="-78"/>
-              </a:rPr>
-              <a:t>و</a:t>
-            </a:r>
-            <a:r>
-              <a:rPr lang="en-US" sz="1800" dirty="0">
-                <a:solidFill>
-                  <a:srgbClr val="1F1F1F"/>
-                </a:solidFill>
-                <a:effectLst/>
-                <a:latin typeface="Arial" panose="020B0604020202020204" pitchFamily="34" charset="0"/>
-                <a:ea typeface="Times New Roman" panose="02020603050405020304" pitchFamily="18" charset="0"/>
-                <a:cs typeface="B Nazanin" panose="00000400000000000000" pitchFamily="2" charset="-78"/>
-              </a:rPr>
-              <a:t> PostgreSQL </a:t>
-            </a:r>
-            <a:r>
-              <a:rPr lang="ar-SA" sz="1800" dirty="0">
-                <a:solidFill>
-                  <a:srgbClr val="1F1F1F"/>
-                </a:solidFill>
-                <a:effectLst/>
-                <a:latin typeface="Arial" panose="020B0604020202020204" pitchFamily="34" charset="0"/>
-                <a:ea typeface="Times New Roman" panose="02020603050405020304" pitchFamily="18" charset="0"/>
-                <a:cs typeface="B Nazanin" panose="00000400000000000000" pitchFamily="2" charset="-78"/>
-              </a:rPr>
-              <a:t>قبل از نسخه </a:t>
-            </a:r>
-            <a:r>
-              <a:rPr lang="fa-IR" sz="1800" dirty="0">
-                <a:solidFill>
-                  <a:srgbClr val="1F1F1F"/>
-                </a:solidFill>
-                <a:effectLst/>
-                <a:latin typeface="Arial" panose="020B0604020202020204" pitchFamily="34" charset="0"/>
-                <a:ea typeface="Times New Roman" panose="02020603050405020304" pitchFamily="18" charset="0"/>
-                <a:cs typeface="B Nazanin" panose="00000400000000000000" pitchFamily="2" charset="-78"/>
-              </a:rPr>
-              <a:t>۹</a:t>
-            </a:r>
-            <a:r>
-              <a:rPr lang="en-US" sz="1800" dirty="0">
-                <a:solidFill>
-                  <a:srgbClr val="1F1F1F"/>
-                </a:solidFill>
-                <a:effectLst/>
-                <a:latin typeface="Arial" panose="020B0604020202020204" pitchFamily="34" charset="0"/>
-                <a:ea typeface="Times New Roman" panose="02020603050405020304" pitchFamily="18" charset="0"/>
-                <a:cs typeface="B Nazanin" panose="00000400000000000000" pitchFamily="2" charset="-78"/>
-              </a:rPr>
-              <a:t>) </a:t>
-            </a:r>
-            <a:r>
-              <a:rPr lang="ar-SA" sz="1800" dirty="0">
-                <a:solidFill>
-                  <a:srgbClr val="1F1F1F"/>
-                </a:solidFill>
-                <a:effectLst/>
-                <a:latin typeface="Arial" panose="020B0604020202020204" pitchFamily="34" charset="0"/>
-                <a:ea typeface="Times New Roman" panose="02020603050405020304" pitchFamily="18" charset="0"/>
-                <a:cs typeface="B Nazanin" panose="00000400000000000000" pitchFamily="2" charset="-78"/>
-              </a:rPr>
-              <a:t>به طور پیش فرض از سطحی از سازگاری به نام جداسازی</a:t>
-            </a:r>
-            <a:r>
-              <a:rPr lang="en-US" sz="1800" dirty="0">
-                <a:solidFill>
-                  <a:srgbClr val="1F1F1F"/>
-                </a:solidFill>
-                <a:effectLst/>
-                <a:latin typeface="Arial" panose="020B0604020202020204" pitchFamily="34" charset="0"/>
-                <a:ea typeface="Times New Roman" panose="02020603050405020304" pitchFamily="18" charset="0"/>
-                <a:cs typeface="B Nazanin" panose="00000400000000000000" pitchFamily="2" charset="-78"/>
-              </a:rPr>
-              <a:t> snapshot </a:t>
-            </a:r>
-            <a:r>
-              <a:rPr lang="ar-SA" sz="1800" dirty="0">
-                <a:solidFill>
-                  <a:srgbClr val="1F1F1F"/>
-                </a:solidFill>
-                <a:effectLst/>
-                <a:latin typeface="Arial" panose="020B0604020202020204" pitchFamily="34" charset="0"/>
-                <a:ea typeface="Times New Roman" panose="02020603050405020304" pitchFamily="18" charset="0"/>
-                <a:cs typeface="B Nazanin" panose="00000400000000000000" pitchFamily="2" charset="-78"/>
-              </a:rPr>
-              <a:t>پشتیبانی می‌کنند</a:t>
-            </a:r>
-            <a:r>
-              <a:rPr lang="en-US" sz="1800" dirty="0">
-                <a:solidFill>
-                  <a:srgbClr val="1F1F1F"/>
-                </a:solidFill>
-                <a:effectLst/>
-                <a:latin typeface="Arial" panose="020B0604020202020204" pitchFamily="34" charset="0"/>
-                <a:ea typeface="Times New Roman" panose="02020603050405020304" pitchFamily="18" charset="0"/>
-                <a:cs typeface="B Nazanin" panose="00000400000000000000" pitchFamily="2" charset="-78"/>
-              </a:rPr>
-              <a:t> (</a:t>
-            </a:r>
-            <a:r>
-              <a:rPr lang="ar-SA" sz="1800" dirty="0">
-                <a:solidFill>
-                  <a:srgbClr val="1F1F1F"/>
-                </a:solidFill>
-                <a:effectLst/>
-                <a:latin typeface="Arial" panose="020B0604020202020204" pitchFamily="34" charset="0"/>
-                <a:ea typeface="Times New Roman" panose="02020603050405020304" pitchFamily="18" charset="0"/>
-                <a:cs typeface="B Nazanin" panose="00000400000000000000" pitchFamily="2" charset="-78"/>
-              </a:rPr>
-              <a:t>که بخشی از استاندارد</a:t>
-            </a:r>
-            <a:r>
-              <a:rPr lang="en-US" sz="1800" dirty="0">
-                <a:solidFill>
-                  <a:srgbClr val="1F1F1F"/>
-                </a:solidFill>
-                <a:effectLst/>
-                <a:latin typeface="Arial" panose="020B0604020202020204" pitchFamily="34" charset="0"/>
-                <a:ea typeface="Times New Roman" panose="02020603050405020304" pitchFamily="18" charset="0"/>
-                <a:cs typeface="B Nazanin" panose="00000400000000000000" pitchFamily="2" charset="-78"/>
-              </a:rPr>
-              <a:t> SQL </a:t>
-            </a:r>
-            <a:r>
-              <a:rPr lang="ar-SA" sz="1800" dirty="0">
-                <a:solidFill>
-                  <a:srgbClr val="1F1F1F"/>
-                </a:solidFill>
-                <a:effectLst/>
-                <a:latin typeface="Arial" panose="020B0604020202020204" pitchFamily="34" charset="0"/>
-                <a:ea typeface="Times New Roman" panose="02020603050405020304" pitchFamily="18" charset="0"/>
-                <a:cs typeface="B Nazanin" panose="00000400000000000000" pitchFamily="2" charset="-78"/>
-              </a:rPr>
-              <a:t>نیست</a:t>
-            </a:r>
-            <a:r>
-              <a:rPr lang="en-US" sz="1800" dirty="0">
-                <a:solidFill>
-                  <a:srgbClr val="1F1F1F"/>
-                </a:solidFill>
-                <a:effectLst/>
-                <a:latin typeface="Arial" panose="020B0604020202020204" pitchFamily="34" charset="0"/>
-                <a:ea typeface="Times New Roman" panose="02020603050405020304" pitchFamily="18" charset="0"/>
-                <a:cs typeface="B Nazanin" panose="00000400000000000000" pitchFamily="2" charset="-78"/>
-              </a:rPr>
-              <a:t>).</a:t>
-            </a:r>
-            <a:endParaRPr lang="en-US" sz="1800" dirty="0">
-              <a:effectLst/>
-              <a:latin typeface="Calibri" panose="020F0502020204030204" pitchFamily="34" charset="0"/>
-              <a:ea typeface="Calibri" panose="020F0502020204030204" pitchFamily="34" charset="0"/>
-              <a:cs typeface="Arial" panose="020B0604020202020204" pitchFamily="34" charset="0"/>
-            </a:endParaRPr>
-          </a:p>
-          <a:p>
-            <a:endParaRPr lang="en-US" altLang="en-US" dirty="0">
-              <a:latin typeface="Times New Roman" panose="02020603050405020304" pitchFamily="18" charset="0"/>
-            </a:endParaRPr>
-          </a:p>
-        </p:txBody>
-      </p:sp>
-    </p:spTree>
-  </p:cSld>
-  <p:clrMapOvr>
-    <a:masterClrMapping/>
-  </p:clrMapOvr>
-</p:notes>
-</file>
-
-<file path=ppt/notesSlides/notesSlide42.xml><?xml version="1.0" encoding="utf-8"?>
-<p:notes xmlns:a="http://schemas.openxmlformats.org/drawingml/2006/main" xmlns:r="http://schemas.openxmlformats.org/officeDocument/2006/relationships" xmlns:p="http://schemas.openxmlformats.org/presentationml/2006/main">
-  <p:cSld>
-    <p:spTree>
-      <p:nvGrpSpPr>
-        <p:cNvPr id="1" name=""/>
-        <p:cNvGrpSpPr/>
-        <p:nvPr/>
-      </p:nvGrpSpPr>
-      <p:grpSpPr>
-        <a:xfrm>
-          <a:off x="0" y="0"/>
-          <a:ext cx="0" cy="0"/>
-          <a:chOff x="0" y="0"/>
-          <a:chExt cx="0" cy="0"/>
-        </a:xfrm>
-      </p:grpSpPr>
-      <p:sp>
-        <p:nvSpPr>
-          <p:cNvPr id="80898" name="Rectangle 7"/>
-          <p:cNvSpPr>
-            <a:spLocks noGrp="1" noChangeArrowheads="1"/>
-          </p:cNvSpPr>
-          <p:nvPr>
-            <p:ph type="sldNum" sz="quarter" idx="5"/>
-          </p:nvPr>
-        </p:nvSpPr>
-        <p:spPr>
-          <a:noFill/>
-          <a:ln/>
-          <a:extLst>
-            <a:ext uri="{909E8E84-426E-40DD-AFC4-6F175D3DCCD1}">
-              <a14:hiddenFill xmlns:a14="http://schemas.microsoft.com/office/drawing/2010/main">
-                <a:solidFill>
-                  <a:srgbClr val="FFFFFF"/>
-                </a:solidFill>
-              </a14:hiddenFill>
-            </a:ext>
-            <a:ext uri="{91240B29-F687-4F45-9708-019B960494DF}">
-              <a14:hiddenLine xmlns:a14="http://schemas.microsoft.com/office/drawing/2010/main" w="9525">
-                <a:solidFill>
-                  <a:srgbClr val="000000"/>
-                </a:solidFill>
-                <a:miter lim="800000"/>
-                <a:headEnd/>
-                <a:tailEnd/>
-              </a14:hiddenLine>
-            </a:ext>
-          </a:extLst>
-        </p:spPr>
-        <p:txBody>
-          <a:bodyPr/>
-          <a:lstStyle>
-            <a:lvl1pPr defTabSz="930275">
-              <a:defRPr sz="1600">
-                <a:solidFill>
-                  <a:schemeClr val="tx1"/>
-                </a:solidFill>
-                <a:latin typeface="Helvetica" panose="020B0604020202020204" pitchFamily="34" charset="0"/>
-                <a:ea typeface="MS PGothic" panose="020B0600070205080204" pitchFamily="34" charset="-128"/>
-              </a:defRPr>
-            </a:lvl1pPr>
-            <a:lvl2pPr marL="742950" indent="-285750" defTabSz="930275">
-              <a:defRPr sz="1600">
-                <a:solidFill>
-                  <a:schemeClr val="tx1"/>
-                </a:solidFill>
-                <a:latin typeface="Helvetica" panose="020B0604020202020204" pitchFamily="34" charset="0"/>
-                <a:ea typeface="MS PGothic" panose="020B0600070205080204" pitchFamily="34" charset="-128"/>
-              </a:defRPr>
-            </a:lvl2pPr>
-            <a:lvl3pPr marL="1143000" indent="-228600" defTabSz="930275">
-              <a:defRPr sz="1600">
-                <a:solidFill>
-                  <a:schemeClr val="tx1"/>
-                </a:solidFill>
-                <a:latin typeface="Helvetica" panose="020B0604020202020204" pitchFamily="34" charset="0"/>
-                <a:ea typeface="MS PGothic" panose="020B0600070205080204" pitchFamily="34" charset="-128"/>
-              </a:defRPr>
-            </a:lvl3pPr>
-            <a:lvl4pPr marL="1600200" indent="-228600" defTabSz="930275">
-              <a:defRPr sz="1600">
-                <a:solidFill>
-                  <a:schemeClr val="tx1"/>
-                </a:solidFill>
-                <a:latin typeface="Helvetica" panose="020B0604020202020204" pitchFamily="34" charset="0"/>
-                <a:ea typeface="MS PGothic" panose="020B0600070205080204" pitchFamily="34" charset="-128"/>
-              </a:defRPr>
-            </a:lvl4pPr>
-            <a:lvl5pPr marL="2057400" indent="-228600" defTabSz="930275">
-              <a:defRPr sz="1600">
-                <a:solidFill>
-                  <a:schemeClr val="tx1"/>
-                </a:solidFill>
-                <a:latin typeface="Helvetica" panose="020B0604020202020204" pitchFamily="34" charset="0"/>
-                <a:ea typeface="MS PGothic" panose="020B0600070205080204" pitchFamily="34" charset="-128"/>
-              </a:defRPr>
-            </a:lvl5pPr>
-            <a:lvl6pPr marL="2514600" indent="-228600" defTabSz="930275" eaLnBrk="0" fontAlgn="base" hangingPunct="0">
-              <a:spcBef>
-                <a:spcPct val="0"/>
-              </a:spcBef>
-              <a:spcAft>
-                <a:spcPct val="0"/>
-              </a:spcAft>
-              <a:defRPr sz="1600">
-                <a:solidFill>
-                  <a:schemeClr val="tx1"/>
-                </a:solidFill>
-                <a:latin typeface="Helvetica" panose="020B0604020202020204" pitchFamily="34" charset="0"/>
-                <a:ea typeface="MS PGothic" panose="020B0600070205080204" pitchFamily="34" charset="-128"/>
-              </a:defRPr>
-            </a:lvl6pPr>
-            <a:lvl7pPr marL="2971800" indent="-228600" defTabSz="930275" eaLnBrk="0" fontAlgn="base" hangingPunct="0">
-              <a:spcBef>
-                <a:spcPct val="0"/>
-              </a:spcBef>
-              <a:spcAft>
-                <a:spcPct val="0"/>
-              </a:spcAft>
-              <a:defRPr sz="1600">
-                <a:solidFill>
-                  <a:schemeClr val="tx1"/>
-                </a:solidFill>
-                <a:latin typeface="Helvetica" panose="020B0604020202020204" pitchFamily="34" charset="0"/>
-                <a:ea typeface="MS PGothic" panose="020B0600070205080204" pitchFamily="34" charset="-128"/>
-              </a:defRPr>
-            </a:lvl7pPr>
-            <a:lvl8pPr marL="3429000" indent="-228600" defTabSz="930275" eaLnBrk="0" fontAlgn="base" hangingPunct="0">
-              <a:spcBef>
-                <a:spcPct val="0"/>
-              </a:spcBef>
-              <a:spcAft>
-                <a:spcPct val="0"/>
-              </a:spcAft>
-              <a:defRPr sz="1600">
-                <a:solidFill>
-                  <a:schemeClr val="tx1"/>
-                </a:solidFill>
-                <a:latin typeface="Helvetica" panose="020B0604020202020204" pitchFamily="34" charset="0"/>
-                <a:ea typeface="MS PGothic" panose="020B0600070205080204" pitchFamily="34" charset="-128"/>
-              </a:defRPr>
-            </a:lvl8pPr>
-            <a:lvl9pPr marL="3886200" indent="-228600" defTabSz="930275" eaLnBrk="0" fontAlgn="base" hangingPunct="0">
-              <a:spcBef>
-                <a:spcPct val="0"/>
-              </a:spcBef>
-              <a:spcAft>
-                <a:spcPct val="0"/>
-              </a:spcAft>
-              <a:defRPr sz="1600">
-                <a:solidFill>
-                  <a:schemeClr val="tx1"/>
-                </a:solidFill>
-                <a:latin typeface="Helvetica" panose="020B0604020202020204" pitchFamily="34" charset="0"/>
-                <a:ea typeface="MS PGothic" panose="020B0600070205080204" pitchFamily="34" charset="-128"/>
-              </a:defRPr>
-            </a:lvl9pPr>
-          </a:lstStyle>
-          <a:p>
-            <a:fld id="{4BBB09A6-5E06-46D1-A99F-E344CBBF67B7}" type="slidenum">
-              <a:rPr lang="en-US" altLang="en-US" sz="1300">
-                <a:latin typeface="Times New Roman" panose="02020603050405020304" pitchFamily="18" charset="0"/>
-              </a:rPr>
-              <a:pPr/>
-              <a:t>42</a:t>
-            </a:fld>
-            <a:endParaRPr lang="en-US" altLang="en-US" sz="1300">
-              <a:latin typeface="Times New Roman" panose="02020603050405020304" pitchFamily="18" charset="0"/>
-            </a:endParaRPr>
-          </a:p>
-        </p:txBody>
-      </p:sp>
-      <p:sp>
-        <p:nvSpPr>
-          <p:cNvPr id="80899" name="Rectangle 2"/>
-          <p:cNvSpPr>
-            <a:spLocks noGrp="1" noRot="1" noChangeAspect="1" noChangeArrowheads="1" noTextEdit="1"/>
-          </p:cNvSpPr>
-          <p:nvPr>
-            <p:ph type="sldImg"/>
-          </p:nvPr>
-        </p:nvSpPr>
-        <p:spPr>
-          <a:ln/>
-        </p:spPr>
-      </p:sp>
-      <p:sp>
-        <p:nvSpPr>
-          <p:cNvPr id="80900" name="Rectangle 3"/>
-          <p:cNvSpPr>
-            <a:spLocks noGrp="1" noChangeArrowheads="1"/>
-          </p:cNvSpPr>
-          <p:nvPr>
-            <p:ph type="body" idx="1"/>
-          </p:nvPr>
-        </p:nvSpPr>
-        <p:spPr>
-          <a:noFill/>
-          <a:ln/>
-          <a:extLst>
-            <a:ext uri="{909E8E84-426E-40DD-AFC4-6F175D3DCCD1}">
-              <a14:hiddenFill xmlns:a14="http://schemas.microsoft.com/office/drawing/2010/main">
-                <a:solidFill>
-                  <a:srgbClr val="FFFFFF"/>
-                </a:solidFill>
-              </a14:hiddenFill>
-            </a:ext>
-            <a:ext uri="{91240B29-F687-4F45-9708-019B960494DF}">
-              <a14:hiddenLine xmlns:a14="http://schemas.microsoft.com/office/drawing/2010/main" w="9525">
-                <a:solidFill>
-                  <a:srgbClr val="000000"/>
-                </a:solidFill>
-                <a:miter lim="800000"/>
-                <a:headEnd/>
-                <a:tailEnd/>
-              </a14:hiddenLine>
-            </a:ext>
-          </a:extLst>
-        </p:spPr>
-        <p:txBody>
-          <a:bodyPr/>
-          <a:lstStyle/>
-          <a:p>
-            <a:pPr marL="0" marR="0" algn="r" rtl="1">
-              <a:lnSpc>
-                <a:spcPct val="107000"/>
-              </a:lnSpc>
-              <a:spcBef>
-                <a:spcPts val="0"/>
-              </a:spcBef>
-              <a:spcAft>
-                <a:spcPts val="800"/>
-              </a:spcAft>
-            </a:pPr>
-            <a:r>
-              <a:rPr lang="ar-SA" sz="1500" b="1" dirty="0">
-                <a:solidFill>
-                  <a:srgbClr val="1F1F1F"/>
-                </a:solidFill>
-                <a:effectLst/>
-                <a:latin typeface="Arial" panose="020B0604020202020204" pitchFamily="34" charset="0"/>
-                <a:ea typeface="Times New Roman" panose="02020603050405020304" pitchFamily="18" charset="0"/>
-                <a:cs typeface="B Nazanin" panose="00000400000000000000" pitchFamily="2" charset="-78"/>
-              </a:rPr>
-              <a:t>تعهد و بازگشت</a:t>
-            </a:r>
-            <a:r>
-              <a:rPr lang="en-US" sz="1500" b="1" dirty="0">
-                <a:solidFill>
-                  <a:srgbClr val="1F1F1F"/>
-                </a:solidFill>
-                <a:effectLst/>
-                <a:latin typeface="Arial" panose="020B0604020202020204" pitchFamily="34" charset="0"/>
-                <a:ea typeface="Times New Roman" panose="02020603050405020304" pitchFamily="18" charset="0"/>
-                <a:cs typeface="B Nazanin" panose="00000400000000000000" pitchFamily="2" charset="-78"/>
-              </a:rPr>
-              <a:t> (Commit and Rollback) </a:t>
-            </a:r>
-            <a:r>
-              <a:rPr lang="ar-SA" sz="1500" b="1" dirty="0">
-                <a:solidFill>
-                  <a:srgbClr val="1F1F1F"/>
-                </a:solidFill>
-                <a:effectLst/>
-                <a:latin typeface="Arial" panose="020B0604020202020204" pitchFamily="34" charset="0"/>
-                <a:ea typeface="Times New Roman" panose="02020603050405020304" pitchFamily="18" charset="0"/>
-                <a:cs typeface="B Nazanin" panose="00000400000000000000" pitchFamily="2" charset="-78"/>
-              </a:rPr>
-              <a:t>در</a:t>
-            </a:r>
-            <a:r>
-              <a:rPr lang="en-US" sz="1500" b="1" dirty="0">
-                <a:solidFill>
-                  <a:srgbClr val="1F1F1F"/>
-                </a:solidFill>
-                <a:effectLst/>
-                <a:latin typeface="Arial" panose="020B0604020202020204" pitchFamily="34" charset="0"/>
-                <a:ea typeface="Times New Roman" panose="02020603050405020304" pitchFamily="18" charset="0"/>
-                <a:cs typeface="B Nazanin" panose="00000400000000000000" pitchFamily="2" charset="-78"/>
-              </a:rPr>
-              <a:t> SQL:</a:t>
-            </a:r>
-            <a:endParaRPr lang="en-US" sz="1100" dirty="0">
-              <a:effectLst/>
-              <a:latin typeface="Calibri" panose="020F0502020204030204" pitchFamily="34" charset="0"/>
-              <a:ea typeface="Calibri" panose="020F0502020204030204" pitchFamily="34" charset="0"/>
-              <a:cs typeface="Arial" panose="020B0604020202020204" pitchFamily="34" charset="0"/>
-            </a:endParaRPr>
-          </a:p>
-          <a:p>
-            <a:pPr marL="342900" marR="0" lvl="0" indent="-342900" algn="r" rtl="1">
-              <a:lnSpc>
-                <a:spcPct val="107000"/>
+                <a:spcPts val="2145"/>
               </a:lnSpc>
               <a:spcBef>
                 <a:spcPts val="0"/>
@@ -18449,56 +17413,20 @@
               </a:tabLst>
             </a:pPr>
             <a:r>
-              <a:rPr lang="ar-SA" sz="1500" dirty="0">
-                <a:solidFill>
-                  <a:srgbClr val="1F1F1F"/>
-                </a:solidFill>
-                <a:effectLst/>
-                <a:latin typeface="Arial" panose="020B0604020202020204" pitchFamily="34" charset="0"/>
-                <a:ea typeface="Times New Roman" panose="02020603050405020304" pitchFamily="18" charset="0"/>
-                <a:cs typeface="B Nazanin" panose="00000400000000000000" pitchFamily="2" charset="-78"/>
-              </a:rPr>
-              <a:t>در</a:t>
-            </a:r>
-            <a:r>
-              <a:rPr lang="en-US" sz="1500" dirty="0">
-                <a:solidFill>
-                  <a:srgbClr val="1F1F1F"/>
-                </a:solidFill>
-                <a:effectLst/>
-                <a:latin typeface="Arial" panose="020B0604020202020204" pitchFamily="34" charset="0"/>
-                <a:ea typeface="Times New Roman" panose="02020603050405020304" pitchFamily="18" charset="0"/>
-                <a:cs typeface="B Nazanin" panose="00000400000000000000" pitchFamily="2" charset="-78"/>
-              </a:rPr>
-              <a:t> SQL</a:t>
-            </a:r>
-            <a:r>
-              <a:rPr lang="ar-SA" sz="1500" dirty="0">
-                <a:solidFill>
-                  <a:srgbClr val="1F1F1F"/>
-                </a:solidFill>
-                <a:effectLst/>
-                <a:latin typeface="Arial" panose="020B0604020202020204" pitchFamily="34" charset="0"/>
-                <a:ea typeface="Times New Roman" panose="02020603050405020304" pitchFamily="18" charset="0"/>
-                <a:cs typeface="B Nazanin" panose="00000400000000000000" pitchFamily="2" charset="-78"/>
-              </a:rPr>
-              <a:t>، یک تراکنش به طور ضمنی شروع می‌شود</a:t>
-            </a:r>
-            <a:r>
-              <a:rPr lang="en-US" sz="1500" dirty="0">
-                <a:solidFill>
-                  <a:srgbClr val="1F1F1F"/>
-                </a:solidFill>
-                <a:effectLst/>
-                <a:latin typeface="Arial" panose="020B0604020202020204" pitchFamily="34" charset="0"/>
-                <a:ea typeface="Times New Roman" panose="02020603050405020304" pitchFamily="18" charset="0"/>
-                <a:cs typeface="B Nazanin" panose="00000400000000000000" pitchFamily="2" charset="-78"/>
-              </a:rPr>
-              <a:t>.</a:t>
-            </a:r>
-            <a:endParaRPr lang="en-US" sz="1100" dirty="0">
+              <a:rPr lang="en-US" sz="1800" dirty="0">
+                <a:solidFill>
+                  <a:srgbClr val="404040"/>
+                </a:solidFill>
+                <a:effectLst/>
+                <a:latin typeface="Segoe UI" panose="020B0502040204020203" pitchFamily="34" charset="0"/>
+                <a:ea typeface="Times New Roman" panose="02020603050405020304" pitchFamily="18" charset="0"/>
+                <a:cs typeface="Arial" panose="020B0604020202020204" pitchFamily="34" charset="0"/>
+              </a:rPr>
+              <a:t>Transaction A sees a subset of records inserted by Transaction B</a:t>
+            </a:r>
+            <a:endParaRPr lang="en-US" sz="1800" dirty="0">
               <a:solidFill>
-                <a:srgbClr val="1F1F1F"/>
+                <a:srgbClr val="404040"/>
               </a:solidFill>
               <a:effectLst/>
               <a:latin typeface="Calibri" panose="020F0502020204030204" pitchFamily="34" charset="0"/>
@@ -18507,9 +17435,9 @@
             </a:endParaRPr>
           </a:p>
           <a:p>
-            <a:pPr marL="342900" marR="0" lvl="0" indent="-342900" algn="r" rtl="1">
+            <a:pPr marL="342900" marR="0" lvl="0" indent="-342900">
               <a:lnSpc>
-                <a:spcPct val="107000"/>
+                <a:spcPts val="2145"/>
               </a:lnSpc>
               <a:spcBef>
                 <a:spcPts val="0"/>
@@ -18525,56 +17453,20 @@
               </a:tabLst>
             </a:pPr>
             <a:r>
-              <a:rPr lang="ar-SA" sz="1500" dirty="0">
-                <a:solidFill>
-                  <a:srgbClr val="1F1F1F"/>
-                </a:solidFill>
-                <a:effectLst/>
-                <a:latin typeface="Arial" panose="020B0604020202020204" pitchFamily="34" charset="0"/>
-                <a:ea typeface="Times New Roman" panose="02020603050405020304" pitchFamily="18" charset="0"/>
-                <a:cs typeface="B Nazanin" panose="00000400000000000000" pitchFamily="2" charset="-78"/>
-              </a:rPr>
-              <a:t>یک تراکنش در</a:t>
-            </a:r>
-            <a:r>
-              <a:rPr lang="en-US" sz="1500" dirty="0">
-                <a:solidFill>
-                  <a:srgbClr val="1F1F1F"/>
-                </a:solidFill>
-                <a:effectLst/>
-                <a:latin typeface="Arial" panose="020B0604020202020204" pitchFamily="34" charset="0"/>
-                <a:ea typeface="Times New Roman" panose="02020603050405020304" pitchFamily="18" charset="0"/>
-                <a:cs typeface="B Nazanin" panose="00000400000000000000" pitchFamily="2" charset="-78"/>
-              </a:rPr>
-              <a:t> SQL </a:t>
-            </a:r>
-            <a:r>
-              <a:rPr lang="ar-SA" sz="1500" dirty="0">
-                <a:solidFill>
-                  <a:srgbClr val="1F1F1F"/>
-                </a:solidFill>
-                <a:effectLst/>
-                <a:latin typeface="Arial" panose="020B0604020202020204" pitchFamily="34" charset="0"/>
-                <a:ea typeface="Times New Roman" panose="02020603050405020304" pitchFamily="18" charset="0"/>
-                <a:cs typeface="B Nazanin" panose="00000400000000000000" pitchFamily="2" charset="-78"/>
-              </a:rPr>
-              <a:t>با موارد زیر پایان می‌یابد</a:t>
-            </a:r>
-            <a:r>
-              <a:rPr lang="en-US" sz="1500" dirty="0">
-                <a:solidFill>
-                  <a:srgbClr val="1F1F1F"/>
-                </a:solidFill>
-                <a:effectLst/>
-                <a:latin typeface="Arial" panose="020B0604020202020204" pitchFamily="34" charset="0"/>
-                <a:ea typeface="Times New Roman" panose="02020603050405020304" pitchFamily="18" charset="0"/>
-                <a:cs typeface="B Nazanin" panose="00000400000000000000" pitchFamily="2" charset="-78"/>
-              </a:rPr>
-              <a:t>:</a:t>
-            </a:r>
-            <a:endParaRPr lang="en-US" sz="1100" dirty="0">
+              <a:rPr lang="en-US" sz="1800" dirty="0">
+                <a:solidFill>
+                  <a:srgbClr val="404040"/>
+                </a:solidFill>
+                <a:effectLst/>
+                <a:latin typeface="Segoe UI" panose="020B0502040204020203" pitchFamily="34" charset="0"/>
+                <a:ea typeface="Times New Roman" panose="02020603050405020304" pitchFamily="18" charset="0"/>
+                <a:cs typeface="Arial" panose="020B0604020202020204" pitchFamily="34" charset="0"/>
+              </a:rPr>
+              <a:t>But doesn't see other records inserted by the same Transaction B</a:t>
+            </a:r>
+            <a:endParaRPr lang="en-US" sz="1800" dirty="0">
               <a:solidFill>
-                <a:srgbClr val="1F1F1F"/>
+                <a:srgbClr val="404040"/>
               </a:solidFill>
               <a:effectLst/>
               <a:latin typeface="Calibri" panose="020F0502020204030204" pitchFamily="34" charset="0"/>
@@ -18583,9 +17475,9 @@
             </a:endParaRPr>
           </a:p>
           <a:p>
-            <a:pPr marL="742950" marR="0" lvl="1" indent="-285750" algn="r" rtl="1">
+            <a:pPr marL="342900" marR="0" lvl="0" indent="-342900">
               <a:lnSpc>
-                <a:spcPct val="107000"/>
+                <a:spcPts val="2145"/>
               </a:lnSpc>
               <a:spcBef>
                 <a:spcPts val="0"/>
@@ -18594,74 +17486,29 @@
                 <a:spcPts val="0"/>
               </a:spcAft>
               <a:buSzPts val="1000"/>
-              <a:buFont typeface="Courier New" panose="02070309020205020404" pitchFamily="49" charset="0"/>
-              <a:buChar char="o"/>
+              <a:buFont typeface="Symbol" panose="05050102010706020507" pitchFamily="18" charset="2"/>
+              <a:buChar char=""/>
               <a:tabLst>
-                <a:tab pos="914400" algn="l"/>
+                <a:tab pos="457200" algn="l"/>
               </a:tabLst>
             </a:pPr>
             <a:r>
-              <a:rPr lang="en-US" sz="1000" dirty="0">
-                <a:solidFill>
-                  <a:srgbClr val="1F1F1F"/>
-                </a:solidFill>
-                <a:effectLst/>
-                <a:latin typeface="Courier New" panose="02070309020205020404" pitchFamily="49" charset="0"/>
-                <a:ea typeface="Times New Roman" panose="02020603050405020304" pitchFamily="18" charset="0"/>
-                <a:cs typeface="B Nazanin" panose="00000400000000000000" pitchFamily="2" charset="-78"/>
-              </a:rPr>
-              <a:t>commit work</a:t>
-            </a:r>
-            <a:r>
-              <a:rPr lang="en-US" sz="1500" dirty="0">
-                <a:solidFill>
-                  <a:srgbClr val="1F1F1F"/>
-                </a:solidFill>
-                <a:effectLst/>
-                <a:latin typeface="Arial" panose="020B0604020202020204" pitchFamily="34" charset="0"/>
-                <a:ea typeface="Times New Roman" panose="02020603050405020304" pitchFamily="18" charset="0"/>
-                <a:cs typeface="B Nazanin" panose="00000400000000000000" pitchFamily="2" charset="-78"/>
-              </a:rPr>
-              <a:t>: </a:t>
-            </a:r>
-            <a:r>
-              <a:rPr lang="ar-SA" sz="1500" dirty="0">
-                <a:solidFill>
-                  <a:srgbClr val="1F1F1F"/>
-                </a:solidFill>
-                <a:effectLst/>
-                <a:latin typeface="Arial" panose="020B0604020202020204" pitchFamily="34" charset="0"/>
-                <a:ea typeface="Times New Roman" panose="02020603050405020304" pitchFamily="18" charset="0"/>
-                <a:cs typeface="B Nazanin" panose="00000400000000000000" pitchFamily="2" charset="-78"/>
-              </a:rPr>
-              <a:t>تراکنش جاری را متعهد می‌کند و یک تراکنش جدید را آغاز می‌کند</a:t>
-            </a:r>
-            <a:r>
-              <a:rPr lang="en-US" sz="1500" dirty="0">
-                <a:solidFill>
-                  <a:srgbClr val="1F1F1F"/>
-                </a:solidFill>
-                <a:effectLst/>
-                <a:latin typeface="Arial" panose="020B0604020202020204" pitchFamily="34" charset="0"/>
-                <a:ea typeface="Times New Roman" panose="02020603050405020304" pitchFamily="18" charset="0"/>
-                <a:cs typeface="B Nazanin" panose="00000400000000000000" pitchFamily="2" charset="-78"/>
-              </a:rPr>
-              <a:t>.</a:t>
-            </a:r>
-            <a:endParaRPr lang="en-US" sz="1100" dirty="0">
-              <a:solidFill>
-                <a:srgbClr val="1F1F1F"/>
-              </a:solidFill>
-              <a:effectLst/>
-              <a:latin typeface="Calibri" panose="020F0502020204030204" pitchFamily="34" charset="0"/>
-              <a:ea typeface="Calibri" panose="020F0502020204030204" pitchFamily="34" charset="0"/>
-              <a:cs typeface="Times New Roman" panose="02020603050405020304" pitchFamily="18" charset="0"/>
-            </a:endParaRPr>
-          </a:p>
-          <a:p>
-            <a:pPr marL="742950" marR="0" lvl="1" indent="-285750" algn="r" rtl="1">
+              <a:rPr lang="en-US" sz="1800" dirty="0">
+                <a:solidFill>
+                  <a:srgbClr val="404040"/>
+                </a:solidFill>
+                <a:effectLst/>
+                <a:latin typeface="Segoe UI" panose="020B0502040204020203" pitchFamily="34" charset="0"/>
+                <a:ea typeface="Times New Roman" panose="02020603050405020304" pitchFamily="18" charset="0"/>
+                <a:cs typeface="Arial" panose="020B0604020202020204" pitchFamily="34" charset="0"/>
+              </a:rPr>
+              <a:t>This creates an inconsistent view of the data</a:t>
+            </a:r>
+          </a:p>
+          <a:p>
+            <a:pPr marL="342900" marR="0" lvl="0" indent="-342900">
               <a:lnSpc>
-                <a:spcPct val="107000"/>
+                <a:spcPts val="2145"/>
               </a:lnSpc>
               <a:spcBef>
                 <a:spcPts val="0"/>
@@ -18670,487 +17517,116 @@
                 <a:spcPts val="0"/>
               </a:spcAft>
               <a:buSzPts val="1000"/>
-              <a:buFont typeface="Courier New" panose="02070309020205020404" pitchFamily="49" charset="0"/>
-              <a:buChar char="o"/>
+              <a:buFont typeface="Symbol" panose="05050102010706020507" pitchFamily="18" charset="2"/>
+              <a:buChar char=""/>
               <a:tabLst>
-                <a:tab pos="914400" algn="l"/>
+                <a:tab pos="457200" algn="l"/>
               </a:tabLst>
             </a:pPr>
-            <a:r>
-              <a:rPr lang="en-US" sz="1000" dirty="0">
-                <a:solidFill>
-                  <a:srgbClr val="1F1F1F"/>
-                </a:solidFill>
-                <a:effectLst/>
-                <a:latin typeface="Courier New" panose="02070309020205020404" pitchFamily="49" charset="0"/>
-                <a:ea typeface="Times New Roman" panose="02020603050405020304" pitchFamily="18" charset="0"/>
-                <a:cs typeface="B Nazanin" panose="00000400000000000000" pitchFamily="2" charset="-78"/>
-              </a:rPr>
-              <a:t>rollback work</a:t>
-            </a:r>
-            <a:r>
-              <a:rPr lang="en-US" sz="1500" dirty="0">
-                <a:solidFill>
-                  <a:srgbClr val="1F1F1F"/>
-                </a:solidFill>
-                <a:effectLst/>
-                <a:latin typeface="Arial" panose="020B0604020202020204" pitchFamily="34" charset="0"/>
-                <a:ea typeface="Times New Roman" panose="02020603050405020304" pitchFamily="18" charset="0"/>
-                <a:cs typeface="B Nazanin" panose="00000400000000000000" pitchFamily="2" charset="-78"/>
-              </a:rPr>
-              <a:t>: </a:t>
-            </a:r>
-            <a:r>
-              <a:rPr lang="ar-SA" sz="1500" dirty="0">
-                <a:solidFill>
-                  <a:srgbClr val="1F1F1F"/>
-                </a:solidFill>
-                <a:effectLst/>
-                <a:latin typeface="Arial" panose="020B0604020202020204" pitchFamily="34" charset="0"/>
-                <a:ea typeface="Times New Roman" panose="02020603050405020304" pitchFamily="18" charset="0"/>
-                <a:cs typeface="B Nazanin" panose="00000400000000000000" pitchFamily="2" charset="-78"/>
-              </a:rPr>
-              <a:t>باعث می‌شود تراکنش جاری لغو شود</a:t>
-            </a:r>
-            <a:r>
-              <a:rPr lang="en-US" sz="1500" dirty="0">
-                <a:solidFill>
-                  <a:srgbClr val="1F1F1F"/>
-                </a:solidFill>
-                <a:effectLst/>
-                <a:latin typeface="Arial" panose="020B0604020202020204" pitchFamily="34" charset="0"/>
-                <a:ea typeface="Times New Roman" panose="02020603050405020304" pitchFamily="18" charset="0"/>
-                <a:cs typeface="B Nazanin" panose="00000400000000000000" pitchFamily="2" charset="-78"/>
-              </a:rPr>
-              <a:t>.</a:t>
-            </a:r>
-            <a:endParaRPr lang="en-US" sz="1100" dirty="0">
+            <a:endParaRPr lang="en-US" sz="1800" dirty="0">
               <a:solidFill>
-                <a:srgbClr val="1F1F1F"/>
+                <a:srgbClr val="404040"/>
               </a:solidFill>
               <a:effectLst/>
-              <a:latin typeface="Calibri" panose="020F0502020204030204" pitchFamily="34" charset="0"/>
+              <a:latin typeface="Segoe UI" panose="020B0502040204020203" pitchFamily="34" charset="0"/>
               <a:ea typeface="Calibri" panose="020F0502020204030204" pitchFamily="34" charset="0"/>
-              <a:cs typeface="Times New Roman" panose="02020603050405020304" pitchFamily="18" charset="0"/>
+              <a:cs typeface="Arial" panose="020B0604020202020204" pitchFamily="34" charset="0"/>
             </a:endParaRPr>
           </a:p>
           <a:p>
-            <a:pPr marL="0" marR="0" algn="r" rtl="1">
+            <a:pPr algn="l"/>
+            <a:r>
+              <a:rPr lang="en-US" sz="2400" b="0" i="0" dirty="0">
+                <a:solidFill>
+                  <a:srgbClr val="404040"/>
+                </a:solidFill>
+                <a:effectLst/>
+                <a:latin typeface="DeepSeek-CJK-patch"/>
+              </a:rPr>
+              <a:t>Under true Serializable isolation, the database would either:</a:t>
+            </a:r>
+          </a:p>
+          <a:p>
+            <a:pPr algn="l">
+              <a:buFont typeface="+mj-lt"/>
+              <a:buAutoNum type="arabicPeriod"/>
+            </a:pPr>
+            <a:r>
+              <a:rPr lang="en-US" sz="2400" b="0" i="0" dirty="0">
+                <a:solidFill>
+                  <a:srgbClr val="404040"/>
+                </a:solidFill>
+                <a:effectLst/>
+                <a:latin typeface="DeepSeek-CJK-patch"/>
+              </a:rPr>
+              <a:t>Make Transaction A see all committed changes (including both new accounts), or</a:t>
+            </a:r>
+          </a:p>
+          <a:p>
+            <a:pPr algn="l">
+              <a:buFont typeface="+mj-lt"/>
+              <a:buAutoNum type="arabicPeriod"/>
+            </a:pPr>
+            <a:r>
+              <a:rPr lang="en-US" sz="2400" b="0" i="0" dirty="0">
+                <a:solidFill>
+                  <a:srgbClr val="404040"/>
+                </a:solidFill>
+                <a:effectLst/>
+                <a:latin typeface="DeepSeek-CJK-patch"/>
+              </a:rPr>
+              <a:t>Make Transaction B wait until Transaction A completes before committing</a:t>
+            </a:r>
+          </a:p>
+          <a:p>
+            <a:pPr algn="l"/>
+            <a:r>
+              <a:rPr lang="en-US" sz="2400" b="0" i="0" dirty="0">
+                <a:solidFill>
+                  <a:srgbClr val="404040"/>
+                </a:solidFill>
+                <a:effectLst/>
+                <a:latin typeface="DeepSeek-CJK-patch"/>
+              </a:rPr>
+              <a:t>Repeatable Read allows this inconsistent partial visibility, which is why it doesn't guarantee full serializability.</a:t>
+            </a:r>
+          </a:p>
+          <a:p>
+            <a:pPr marL="342900" marR="0" lvl="0" indent="-342900">
               <a:lnSpc>
-                <a:spcPct val="107000"/>
+                <a:spcPts val="2145"/>
               </a:lnSpc>
               <a:spcBef>
                 <a:spcPts val="0"/>
               </a:spcBef>
               <a:spcAft>
-                <a:spcPts val="800"/>
+                <a:spcPts val="0"/>
               </a:spcAft>
+              <a:buSzPts val="1000"/>
+              <a:buFont typeface="Symbol" panose="05050102010706020507" pitchFamily="18" charset="2"/>
+              <a:buChar char=""/>
+              <a:tabLst>
+                <a:tab pos="457200" algn="l"/>
+              </a:tabLst>
             </a:pPr>
-            <a:r>
-              <a:rPr lang="ar-SA" sz="1500" dirty="0">
-                <a:solidFill>
-                  <a:srgbClr val="1F1F1F"/>
-                </a:solidFill>
-                <a:effectLst/>
-                <a:latin typeface="Arial" panose="020B0604020202020204" pitchFamily="34" charset="0"/>
-                <a:ea typeface="Times New Roman" panose="02020603050405020304" pitchFamily="18" charset="0"/>
-                <a:cs typeface="B Nazanin" panose="00000400000000000000" pitchFamily="2" charset="-78"/>
-              </a:rPr>
-              <a:t>در اکثر سیستم‌های پایگاه داده، به طور پیش فرض، هر دستور</a:t>
-            </a:r>
-            <a:r>
-              <a:rPr lang="en-US" sz="1500" dirty="0">
-                <a:solidFill>
-                  <a:srgbClr val="1F1F1F"/>
-                </a:solidFill>
-                <a:effectLst/>
-                <a:latin typeface="Arial" panose="020B0604020202020204" pitchFamily="34" charset="0"/>
-                <a:ea typeface="Times New Roman" panose="02020603050405020304" pitchFamily="18" charset="0"/>
-                <a:cs typeface="B Nazanin" panose="00000400000000000000" pitchFamily="2" charset="-78"/>
-              </a:rPr>
-              <a:t> SQL </a:t>
-            </a:r>
-            <a:r>
-              <a:rPr lang="ar-SA" sz="1500" dirty="0">
-                <a:solidFill>
-                  <a:srgbClr val="1F1F1F"/>
-                </a:solidFill>
-                <a:effectLst/>
-                <a:latin typeface="Arial" panose="020B0604020202020204" pitchFamily="34" charset="0"/>
-                <a:ea typeface="Times New Roman" panose="02020603050405020304" pitchFamily="18" charset="0"/>
-                <a:cs typeface="B Nazanin" panose="00000400000000000000" pitchFamily="2" charset="-78"/>
-              </a:rPr>
-              <a:t>نیز در صورت اجرای موفقیت آمیز، به طور ضمنی انجام می‌شود</a:t>
-            </a:r>
-            <a:r>
-              <a:rPr lang="en-US" sz="1500" dirty="0">
-                <a:solidFill>
-                  <a:srgbClr val="1F1F1F"/>
-                </a:solidFill>
-                <a:effectLst/>
-                <a:latin typeface="Arial" panose="020B0604020202020204" pitchFamily="34" charset="0"/>
-                <a:ea typeface="Times New Roman" panose="02020603050405020304" pitchFamily="18" charset="0"/>
-                <a:cs typeface="B Nazanin" panose="00000400000000000000" pitchFamily="2" charset="-78"/>
-              </a:rPr>
-              <a:t>.</a:t>
-            </a:r>
-            <a:endParaRPr lang="en-US" sz="1100" dirty="0">
+            <a:endParaRPr lang="en-US" sz="1800" dirty="0">
+              <a:solidFill>
+                <a:srgbClr val="404040"/>
+              </a:solidFill>
               <a:effectLst/>
               <a:latin typeface="Calibri" panose="020F0502020204030204" pitchFamily="34" charset="0"/>
               <a:ea typeface="Calibri" panose="020F0502020204030204" pitchFamily="34" charset="0"/>
               <a:cs typeface="Arial" panose="020B0604020202020204" pitchFamily="34" charset="0"/>
             </a:endParaRPr>
           </a:p>
-          <a:p>
-            <a:pPr marL="0" marR="0" algn="r" rtl="1">
-              <a:lnSpc>
-                <a:spcPct val="107000"/>
-              </a:lnSpc>
-              <a:spcBef>
-                <a:spcPts val="0"/>
-              </a:spcBef>
-              <a:spcAft>
-                <a:spcPts val="800"/>
-              </a:spcAft>
-            </a:pPr>
-            <a:r>
-              <a:rPr lang="ar-SA" sz="1500" dirty="0">
-                <a:solidFill>
-                  <a:srgbClr val="1F1F1F"/>
-                </a:solidFill>
-                <a:effectLst/>
-                <a:latin typeface="Arial" panose="020B0604020202020204" pitchFamily="34" charset="0"/>
-                <a:ea typeface="Times New Roman" panose="02020603050405020304" pitchFamily="18" charset="0"/>
-                <a:cs typeface="B Nazanin" panose="00000400000000000000" pitchFamily="2" charset="-78"/>
-              </a:rPr>
-              <a:t>تعهد ضمنی را می‌توان با یک دستور پایگاه داده خاموش کرد</a:t>
-            </a:r>
-            <a:r>
-              <a:rPr lang="en-US" sz="1500" dirty="0">
-                <a:solidFill>
-                  <a:srgbClr val="1F1F1F"/>
-                </a:solidFill>
-                <a:effectLst/>
-                <a:latin typeface="Arial" panose="020B0604020202020204" pitchFamily="34" charset="0"/>
-                <a:ea typeface="Times New Roman" panose="02020603050405020304" pitchFamily="18" charset="0"/>
-                <a:cs typeface="B Nazanin" panose="00000400000000000000" pitchFamily="2" charset="-78"/>
-              </a:rPr>
-              <a:t>.</a:t>
-            </a:r>
-            <a:endParaRPr lang="en-US" sz="1100" dirty="0">
-              <a:effectLst/>
-              <a:latin typeface="Calibri" panose="020F0502020204030204" pitchFamily="34" charset="0"/>
-              <a:ea typeface="Calibri" panose="020F0502020204030204" pitchFamily="34" charset="0"/>
-              <a:cs typeface="Arial" panose="020B0604020202020204" pitchFamily="34" charset="0"/>
-            </a:endParaRPr>
-          </a:p>
-          <a:p>
-            <a:pPr marL="0" marR="0" algn="r" rtl="1">
-              <a:lnSpc>
-                <a:spcPct val="107000"/>
-              </a:lnSpc>
-              <a:spcBef>
-                <a:spcPts val="0"/>
-              </a:spcBef>
-              <a:spcAft>
-                <a:spcPts val="800"/>
-              </a:spcAft>
-            </a:pPr>
-            <a:r>
-              <a:rPr lang="ar-SA" sz="1500" dirty="0">
-                <a:solidFill>
-                  <a:srgbClr val="1F1F1F"/>
-                </a:solidFill>
-                <a:effectLst/>
-                <a:latin typeface="Arial" panose="020B0604020202020204" pitchFamily="34" charset="0"/>
-                <a:ea typeface="Times New Roman" panose="02020603050405020304" pitchFamily="18" charset="0"/>
-                <a:cs typeface="B Nazanin" panose="00000400000000000000" pitchFamily="2" charset="-78"/>
-              </a:rPr>
-              <a:t>به عنوان مثال، در</a:t>
-            </a:r>
-            <a:r>
-              <a:rPr lang="en-US" sz="1500" dirty="0">
-                <a:solidFill>
-                  <a:srgbClr val="1F1F1F"/>
-                </a:solidFill>
-                <a:effectLst/>
-                <a:latin typeface="Arial" panose="020B0604020202020204" pitchFamily="34" charset="0"/>
-                <a:ea typeface="Times New Roman" panose="02020603050405020304" pitchFamily="18" charset="0"/>
-                <a:cs typeface="B Nazanin" panose="00000400000000000000" pitchFamily="2" charset="-78"/>
-              </a:rPr>
-              <a:t> JDBC: </a:t>
-            </a:r>
-            <a:r>
-              <a:rPr lang="en-US" sz="1000" dirty="0" err="1">
-                <a:solidFill>
-                  <a:srgbClr val="1F1F1F"/>
-                </a:solidFill>
-                <a:effectLst/>
-                <a:latin typeface="Courier New" panose="02070309020205020404" pitchFamily="49" charset="0"/>
-                <a:ea typeface="Times New Roman" panose="02020603050405020304" pitchFamily="18" charset="0"/>
-                <a:cs typeface="B Nazanin" panose="00000400000000000000" pitchFamily="2" charset="-78"/>
-              </a:rPr>
-              <a:t>connection.setAutoCommit</a:t>
-            </a:r>
-            <a:r>
-              <a:rPr lang="en-US" sz="1000" dirty="0">
-                <a:solidFill>
-                  <a:srgbClr val="1F1F1F"/>
-                </a:solidFill>
-                <a:effectLst/>
-                <a:latin typeface="Courier New" panose="02070309020205020404" pitchFamily="49" charset="0"/>
-                <a:ea typeface="Times New Roman" panose="02020603050405020304" pitchFamily="18" charset="0"/>
-                <a:cs typeface="B Nazanin" panose="00000400000000000000" pitchFamily="2" charset="-78"/>
-              </a:rPr>
-              <a:t>(false);</a:t>
-            </a:r>
-            <a:endParaRPr lang="en-US" sz="1100" dirty="0">
-              <a:effectLst/>
-              <a:latin typeface="Calibri" panose="020F0502020204030204" pitchFamily="34" charset="0"/>
-              <a:ea typeface="Calibri" panose="020F0502020204030204" pitchFamily="34" charset="0"/>
-              <a:cs typeface="Arial" panose="020B0604020202020204" pitchFamily="34" charset="0"/>
-            </a:endParaRPr>
-          </a:p>
-          <a:p>
-            <a:pPr marL="0" marR="0" algn="r" rtl="1">
-              <a:lnSpc>
-                <a:spcPct val="107000"/>
-              </a:lnSpc>
-              <a:spcBef>
-                <a:spcPts val="0"/>
-              </a:spcBef>
-              <a:spcAft>
-                <a:spcPts val="800"/>
-              </a:spcAft>
-            </a:pPr>
-            <a:r>
-              <a:rPr lang="ar-SA" sz="1500" dirty="0">
-                <a:solidFill>
-                  <a:srgbClr val="1F1F1F"/>
-                </a:solidFill>
-                <a:effectLst/>
-                <a:latin typeface="Arial" panose="020B0604020202020204" pitchFamily="34" charset="0"/>
-                <a:ea typeface="Times New Roman" panose="02020603050405020304" pitchFamily="18" charset="0"/>
-                <a:cs typeface="B Nazanin" panose="00000400000000000000" pitchFamily="2" charset="-78"/>
-              </a:rPr>
-              <a:t>سطح جداسازی را می‌توان در سطح پایگاه داده تنظیم کرد</a:t>
-            </a:r>
-            <a:r>
-              <a:rPr lang="en-US" sz="1500" dirty="0">
-                <a:solidFill>
-                  <a:srgbClr val="1F1F1F"/>
-                </a:solidFill>
-                <a:effectLst/>
-                <a:latin typeface="Arial" panose="020B0604020202020204" pitchFamily="34" charset="0"/>
-                <a:ea typeface="Times New Roman" panose="02020603050405020304" pitchFamily="18" charset="0"/>
-                <a:cs typeface="B Nazanin" panose="00000400000000000000" pitchFamily="2" charset="-78"/>
-              </a:rPr>
-              <a:t>.</a:t>
-            </a:r>
-            <a:endParaRPr lang="en-US" sz="1100" dirty="0">
-              <a:effectLst/>
-              <a:latin typeface="Calibri" panose="020F0502020204030204" pitchFamily="34" charset="0"/>
-              <a:ea typeface="Calibri" panose="020F0502020204030204" pitchFamily="34" charset="0"/>
-              <a:cs typeface="Arial" panose="020B0604020202020204" pitchFamily="34" charset="0"/>
-            </a:endParaRPr>
-          </a:p>
-          <a:p>
-            <a:pPr marL="0" marR="0" algn="r" rtl="1">
-              <a:lnSpc>
-                <a:spcPct val="107000"/>
-              </a:lnSpc>
-              <a:spcBef>
-                <a:spcPts val="0"/>
-              </a:spcBef>
-              <a:spcAft>
-                <a:spcPts val="800"/>
-              </a:spcAft>
-            </a:pPr>
-            <a:r>
-              <a:rPr lang="ar-SA" sz="1500" dirty="0">
-                <a:solidFill>
-                  <a:srgbClr val="1F1F1F"/>
-                </a:solidFill>
-                <a:effectLst/>
-                <a:latin typeface="Arial" panose="020B0604020202020204" pitchFamily="34" charset="0"/>
-                <a:ea typeface="Times New Roman" panose="02020603050405020304" pitchFamily="18" charset="0"/>
-                <a:cs typeface="B Nazanin" panose="00000400000000000000" pitchFamily="2" charset="-78"/>
-              </a:rPr>
-              <a:t>سطح جداسازی را می‌توان در ابتدای تراکنش تغییر داد</a:t>
-            </a:r>
-            <a:r>
-              <a:rPr lang="en-US" sz="1500" dirty="0">
-                <a:solidFill>
-                  <a:srgbClr val="1F1F1F"/>
-                </a:solidFill>
-                <a:effectLst/>
-                <a:latin typeface="Arial" panose="020B0604020202020204" pitchFamily="34" charset="0"/>
-                <a:ea typeface="Times New Roman" panose="02020603050405020304" pitchFamily="18" charset="0"/>
-                <a:cs typeface="B Nazanin" panose="00000400000000000000" pitchFamily="2" charset="-78"/>
-              </a:rPr>
-              <a:t>.</a:t>
-            </a:r>
-            <a:endParaRPr lang="en-US" sz="1100" dirty="0">
-              <a:effectLst/>
-              <a:latin typeface="Calibri" panose="020F0502020204030204" pitchFamily="34" charset="0"/>
-              <a:ea typeface="Calibri" panose="020F0502020204030204" pitchFamily="34" charset="0"/>
-              <a:cs typeface="Arial" panose="020B0604020202020204" pitchFamily="34" charset="0"/>
-            </a:endParaRPr>
-          </a:p>
-          <a:p>
-            <a:pPr marL="0" marR="0" algn="r" rtl="1">
-              <a:lnSpc>
-                <a:spcPct val="107000"/>
-              </a:lnSpc>
-              <a:spcBef>
-                <a:spcPts val="0"/>
-              </a:spcBef>
-              <a:spcAft>
-                <a:spcPts val="800"/>
-              </a:spcAft>
-            </a:pPr>
-            <a:r>
-              <a:rPr lang="ar-SA" sz="1500" dirty="0">
-                <a:solidFill>
-                  <a:srgbClr val="1F1F1F"/>
-                </a:solidFill>
-                <a:effectLst/>
-                <a:latin typeface="Arial" panose="020B0604020202020204" pitchFamily="34" charset="0"/>
-                <a:ea typeface="Times New Roman" panose="02020603050405020304" pitchFamily="18" charset="0"/>
-                <a:cs typeface="B Nazanin" panose="00000400000000000000" pitchFamily="2" charset="-78"/>
-              </a:rPr>
-              <a:t>به عنوان مثال، در</a:t>
-            </a:r>
-            <a:r>
-              <a:rPr lang="en-US" sz="1500" dirty="0">
-                <a:solidFill>
-                  <a:srgbClr val="1F1F1F"/>
-                </a:solidFill>
-                <a:effectLst/>
-                <a:latin typeface="Arial" panose="020B0604020202020204" pitchFamily="34" charset="0"/>
-                <a:ea typeface="Times New Roman" panose="02020603050405020304" pitchFamily="18" charset="0"/>
-                <a:cs typeface="B Nazanin" panose="00000400000000000000" pitchFamily="2" charset="-78"/>
-              </a:rPr>
-              <a:t> SQL: </a:t>
-            </a:r>
-            <a:r>
-              <a:rPr lang="en-US" sz="1000" dirty="0">
-                <a:solidFill>
-                  <a:srgbClr val="1F1F1F"/>
-                </a:solidFill>
-                <a:effectLst/>
-                <a:latin typeface="Courier New" panose="02070309020205020404" pitchFamily="49" charset="0"/>
-                <a:ea typeface="Times New Roman" panose="02020603050405020304" pitchFamily="18" charset="0"/>
-                <a:cs typeface="B Nazanin" panose="00000400000000000000" pitchFamily="2" charset="-78"/>
-              </a:rPr>
-              <a:t>set transaction isolation level serializable</a:t>
-            </a:r>
-            <a:endParaRPr lang="en-US" sz="1100" dirty="0">
-              <a:effectLst/>
-              <a:latin typeface="Calibri" panose="020F0502020204030204" pitchFamily="34" charset="0"/>
-              <a:ea typeface="Calibri" panose="020F0502020204030204" pitchFamily="34" charset="0"/>
-              <a:cs typeface="Arial" panose="020B0604020202020204" pitchFamily="34" charset="0"/>
-            </a:endParaRPr>
-          </a:p>
-          <a:p>
-            <a:pPr marL="0" marR="0" algn="r" rtl="1">
-              <a:lnSpc>
-                <a:spcPct val="107000"/>
-              </a:lnSpc>
-              <a:spcBef>
-                <a:spcPts val="0"/>
-              </a:spcBef>
-              <a:spcAft>
-                <a:spcPts val="800"/>
-              </a:spcAft>
-            </a:pPr>
-            <a:r>
-              <a:rPr lang="ar-SA" sz="1500" dirty="0">
-                <a:solidFill>
-                  <a:srgbClr val="1F1F1F"/>
-                </a:solidFill>
-                <a:effectLst/>
-                <a:latin typeface="Arial" panose="020B0604020202020204" pitchFamily="34" charset="0"/>
-                <a:ea typeface="Times New Roman" panose="02020603050405020304" pitchFamily="18" charset="0"/>
-                <a:cs typeface="B Nazanin" panose="00000400000000000000" pitchFamily="2" charset="-78"/>
-              </a:rPr>
-              <a:t>به عنوان مثال، در</a:t>
-            </a:r>
-            <a:r>
-              <a:rPr lang="en-US" sz="1500" dirty="0">
-                <a:solidFill>
-                  <a:srgbClr val="1F1F1F"/>
-                </a:solidFill>
-                <a:effectLst/>
-                <a:latin typeface="Arial" panose="020B0604020202020204" pitchFamily="34" charset="0"/>
-                <a:ea typeface="Times New Roman" panose="02020603050405020304" pitchFamily="18" charset="0"/>
-                <a:cs typeface="B Nazanin" panose="00000400000000000000" pitchFamily="2" charset="-78"/>
-              </a:rPr>
-              <a:t> JDBC: </a:t>
-            </a:r>
-            <a:r>
-              <a:rPr lang="en-US" sz="1000" dirty="0" err="1">
-                <a:solidFill>
-                  <a:srgbClr val="1F1F1F"/>
-                </a:solidFill>
-                <a:effectLst/>
-                <a:latin typeface="Courier New" panose="02070309020205020404" pitchFamily="49" charset="0"/>
-                <a:ea typeface="Times New Roman" panose="02020603050405020304" pitchFamily="18" charset="0"/>
-                <a:cs typeface="B Nazanin" panose="00000400000000000000" pitchFamily="2" charset="-78"/>
-              </a:rPr>
-              <a:t>connection.setTransactionIsolation</a:t>
-            </a:r>
-            <a:r>
-              <a:rPr lang="en-US" sz="1000" dirty="0">
-                <a:solidFill>
-                  <a:srgbClr val="1F1F1F"/>
-                </a:solidFill>
-                <a:effectLst/>
-                <a:latin typeface="Courier New" panose="02070309020205020404" pitchFamily="49" charset="0"/>
-                <a:ea typeface="Times New Roman" panose="02020603050405020304" pitchFamily="18" charset="0"/>
-                <a:cs typeface="B Nazanin" panose="00000400000000000000" pitchFamily="2" charset="-78"/>
-              </a:rPr>
-              <a:t>(</a:t>
-            </a:r>
-            <a:r>
-              <a:rPr lang="en-US" sz="1000" dirty="0" err="1">
-                <a:solidFill>
-                  <a:srgbClr val="1F1F1F"/>
-                </a:solidFill>
-                <a:effectLst/>
-                <a:latin typeface="Courier New" panose="02070309020205020404" pitchFamily="49" charset="0"/>
-                <a:ea typeface="Times New Roman" panose="02020603050405020304" pitchFamily="18" charset="0"/>
-                <a:cs typeface="B Nazanin" panose="00000400000000000000" pitchFamily="2" charset="-78"/>
-              </a:rPr>
-              <a:t>Connection.TRANSACTION_SERIALIZABLE</a:t>
-            </a:r>
-            <a:r>
-              <a:rPr lang="en-US" sz="1000" dirty="0">
-                <a:solidFill>
-                  <a:srgbClr val="1F1F1F"/>
-                </a:solidFill>
-                <a:effectLst/>
-                <a:latin typeface="Courier New" panose="02070309020205020404" pitchFamily="49" charset="0"/>
-                <a:ea typeface="Times New Roman" panose="02020603050405020304" pitchFamily="18" charset="0"/>
-                <a:cs typeface="B Nazanin" panose="00000400000000000000" pitchFamily="2" charset="-78"/>
-              </a:rPr>
-              <a:t>)</a:t>
-            </a:r>
-            <a:endParaRPr lang="en-US" sz="1100" dirty="0">
-              <a:effectLst/>
-              <a:latin typeface="Calibri" panose="020F0502020204030204" pitchFamily="34" charset="0"/>
-              <a:ea typeface="Calibri" panose="020F0502020204030204" pitchFamily="34" charset="0"/>
-              <a:cs typeface="Arial" panose="020B0604020202020204" pitchFamily="34" charset="0"/>
-            </a:endParaRPr>
-          </a:p>
-          <a:p>
-            <a:endParaRPr lang="en-US" altLang="en-US" dirty="0">
-              <a:latin typeface="Times New Roman" panose="02020603050405020304" pitchFamily="18" charset="0"/>
-            </a:endParaRPr>
-          </a:p>
         </p:txBody>
       </p:sp>
     </p:spTree>
+    <p:extLst>
+      <p:ext uri="{BB962C8B-B14F-4D97-AF65-F5344CB8AC3E}">
+        <p14:creationId xmlns:p14="http://schemas.microsoft.com/office/powerpoint/2010/main" val="1665921104"/>
+      </p:ext>
+    </p:extLst>
   </p:cSld>
   <p:clrMapOvr>
     <a:masterClrMapping/>
@@ -19158,7 +17634,7 @@
 </p:notes>
 </file>
 
-<file path=ppt/notesSlides/notesSlide43.xml><?xml version="1.0" encoding="utf-8"?>
+<file path=ppt/notesSlides/notesSlide41.xml><?xml version="1.0" encoding="utf-8"?>
 <p:notes xmlns:a="http://schemas.openxmlformats.org/drawingml/2006/main" xmlns:r="http://schemas.openxmlformats.org/officeDocument/2006/relationships" xmlns:p="http://schemas.openxmlformats.org/presentationml/2006/main">
   <p:cSld>
     <p:spTree>
@@ -19202,6 +17678,623 @@
           <a:bodyPr/>
           <a:lstStyle/>
           <a:p>
+            <a:pPr algn="l"/>
+            <a:r>
+              <a:rPr lang="en-US" b="1" i="0" dirty="0">
+                <a:solidFill>
+                  <a:srgbClr val="1F1F1F"/>
+                </a:solidFill>
+                <a:effectLst/>
+                <a:latin typeface="Google Sans"/>
+              </a:rPr>
+              <a:t>Key Points:</a:t>
+            </a:r>
+            <a:endParaRPr lang="en-US" b="0" i="0" dirty="0">
+              <a:solidFill>
+                <a:srgbClr val="1F1F1F"/>
+              </a:solidFill>
+              <a:effectLst/>
+              <a:latin typeface="Google Sans"/>
+            </a:endParaRPr>
+          </a:p>
+          <a:p>
+            <a:pPr algn="l">
+              <a:buFont typeface="Arial" panose="020B0604020202020204" pitchFamily="34" charset="0"/>
+              <a:buChar char="•"/>
+            </a:pPr>
+            <a:r>
+              <a:rPr lang="en-US" b="0" i="0" dirty="0">
+                <a:solidFill>
+                  <a:srgbClr val="1F1F1F"/>
+                </a:solidFill>
+                <a:effectLst/>
+                <a:latin typeface="Google Sans"/>
+              </a:rPr>
+              <a:t>You only see committed data (borrowed novels are not visible).</a:t>
+            </a:r>
+          </a:p>
+          <a:p>
+            <a:pPr algn="l">
+              <a:buFont typeface="Arial" panose="020B0604020202020204" pitchFamily="34" charset="0"/>
+              <a:buChar char="•"/>
+            </a:pPr>
+            <a:r>
+              <a:rPr lang="en-US" b="0" i="0" dirty="0">
+                <a:solidFill>
+                  <a:srgbClr val="1F1F1F"/>
+                </a:solidFill>
+                <a:effectLst/>
+                <a:latin typeface="Google Sans"/>
+              </a:rPr>
+              <a:t>Your reads are consistent (you see the same three novels throughout your transaction).</a:t>
+            </a:r>
+          </a:p>
+          <a:p>
+            <a:pPr algn="l">
+              <a:buFont typeface="Arial" panose="020B0604020202020204" pitchFamily="34" charset="0"/>
+              <a:buChar char="•"/>
+            </a:pPr>
+            <a:r>
+              <a:rPr lang="en-US" b="0" i="0" dirty="0">
+                <a:solidFill>
+                  <a:srgbClr val="1F1F1F"/>
+                </a:solidFill>
+                <a:effectLst/>
+                <a:latin typeface="Google Sans"/>
+              </a:rPr>
+              <a:t>You might not see the latest changes from other transactions (the borrowed novel is not reflected).</a:t>
+            </a:r>
+          </a:p>
+          <a:p>
+            <a:pPr algn="l">
+              <a:buFont typeface="Arial" panose="020B0604020202020204" pitchFamily="34" charset="0"/>
+              <a:buChar char="•"/>
+            </a:pPr>
+            <a:endParaRPr lang="en-US" b="0" i="0" dirty="0">
+              <a:solidFill>
+                <a:srgbClr val="1F1F1F"/>
+              </a:solidFill>
+              <a:effectLst/>
+              <a:latin typeface="Google Sans"/>
+            </a:endParaRPr>
+          </a:p>
+          <a:p>
+            <a:pPr algn="l"/>
+            <a:r>
+              <a:rPr lang="en-US" b="1" i="0" dirty="0">
+                <a:solidFill>
+                  <a:srgbClr val="1F1F1F"/>
+                </a:solidFill>
+                <a:effectLst/>
+                <a:latin typeface="Google Sans"/>
+              </a:rPr>
+              <a:t>Benefits:</a:t>
+            </a:r>
+            <a:endParaRPr lang="en-US" b="0" i="0" dirty="0">
+              <a:solidFill>
+                <a:srgbClr val="1F1F1F"/>
+              </a:solidFill>
+              <a:effectLst/>
+              <a:latin typeface="Google Sans"/>
+            </a:endParaRPr>
+          </a:p>
+          <a:p>
+            <a:pPr algn="l">
+              <a:buFont typeface="Arial" panose="020B0604020202020204" pitchFamily="34" charset="0"/>
+              <a:buChar char="•"/>
+            </a:pPr>
+            <a:r>
+              <a:rPr lang="en-US" b="0" i="0" dirty="0">
+                <a:solidFill>
+                  <a:srgbClr val="1F1F1F"/>
+                </a:solidFill>
+                <a:effectLst/>
+                <a:latin typeface="Google Sans"/>
+              </a:rPr>
+              <a:t>Ensures </a:t>
+            </a:r>
+            <a:r>
+              <a:rPr lang="en-US" b="1" i="0" dirty="0">
+                <a:solidFill>
+                  <a:srgbClr val="1F1F1F"/>
+                </a:solidFill>
+                <a:effectLst/>
+                <a:latin typeface="Google Sans"/>
+              </a:rPr>
+              <a:t>consistent</a:t>
+            </a:r>
+            <a:r>
+              <a:rPr lang="en-US" b="0" i="0" dirty="0">
+                <a:solidFill>
+                  <a:srgbClr val="1F1F1F"/>
+                </a:solidFill>
+                <a:effectLst/>
+                <a:latin typeface="Google Sans"/>
+              </a:rPr>
+              <a:t> </a:t>
+            </a:r>
+            <a:r>
+              <a:rPr lang="en-US" b="1" i="0" dirty="0">
+                <a:solidFill>
+                  <a:srgbClr val="1F1F1F"/>
+                </a:solidFill>
+                <a:effectLst/>
+                <a:latin typeface="Google Sans"/>
+              </a:rPr>
+              <a:t>data</a:t>
+            </a:r>
+            <a:r>
+              <a:rPr lang="en-US" b="0" i="0" dirty="0">
+                <a:solidFill>
+                  <a:srgbClr val="1F1F1F"/>
+                </a:solidFill>
+                <a:effectLst/>
+                <a:latin typeface="Google Sans"/>
+              </a:rPr>
+              <a:t> within a </a:t>
+            </a:r>
+            <a:r>
+              <a:rPr lang="en-US" b="1" i="0" dirty="0">
+                <a:solidFill>
+                  <a:srgbClr val="1F1F1F"/>
+                </a:solidFill>
+                <a:effectLst/>
+                <a:latin typeface="Google Sans"/>
+              </a:rPr>
+              <a:t>transaction</a:t>
+            </a:r>
+            <a:r>
+              <a:rPr lang="en-US" b="0" i="0" dirty="0">
+                <a:solidFill>
+                  <a:srgbClr val="1F1F1F"/>
+                </a:solidFill>
+                <a:effectLst/>
+                <a:latin typeface="Google Sans"/>
+              </a:rPr>
+              <a:t>.</a:t>
+            </a:r>
+          </a:p>
+          <a:p>
+            <a:pPr algn="l">
+              <a:buFont typeface="Arial" panose="020B0604020202020204" pitchFamily="34" charset="0"/>
+              <a:buChar char="•"/>
+            </a:pPr>
+            <a:r>
+              <a:rPr lang="en-US" b="0" i="0" dirty="0">
+                <a:solidFill>
+                  <a:srgbClr val="1F1F1F"/>
+                </a:solidFill>
+                <a:effectLst/>
+                <a:latin typeface="Google Sans"/>
+              </a:rPr>
+              <a:t>Useful for scenarios where data shouldn't change during analysis (e.g., summarizing account balances).</a:t>
+            </a:r>
+          </a:p>
+          <a:p>
+            <a:pPr algn="l">
+              <a:buFont typeface="Arial" panose="020B0604020202020204" pitchFamily="34" charset="0"/>
+              <a:buChar char="•"/>
+            </a:pPr>
+            <a:endParaRPr lang="en-US" b="0" i="0" dirty="0">
+              <a:solidFill>
+                <a:srgbClr val="1F1F1F"/>
+              </a:solidFill>
+              <a:effectLst/>
+              <a:latin typeface="Google Sans"/>
+            </a:endParaRPr>
+          </a:p>
+          <a:p>
+            <a:pPr algn="l"/>
+            <a:r>
+              <a:rPr lang="en-US" b="1" i="0" dirty="0">
+                <a:solidFill>
+                  <a:srgbClr val="1F1F1F"/>
+                </a:solidFill>
+                <a:effectLst/>
+                <a:latin typeface="Google Sans"/>
+              </a:rPr>
+              <a:t>Drawbacks:</a:t>
+            </a:r>
+            <a:endParaRPr lang="en-US" b="0" i="0" dirty="0">
+              <a:solidFill>
+                <a:srgbClr val="1F1F1F"/>
+              </a:solidFill>
+              <a:effectLst/>
+              <a:latin typeface="Google Sans"/>
+            </a:endParaRPr>
+          </a:p>
+          <a:p>
+            <a:pPr algn="l">
+              <a:buFont typeface="Arial" panose="020B0604020202020204" pitchFamily="34" charset="0"/>
+              <a:buChar char="•"/>
+            </a:pPr>
+            <a:r>
+              <a:rPr lang="en-US" b="0" i="0" dirty="0">
+                <a:solidFill>
+                  <a:srgbClr val="1F1F1F"/>
+                </a:solidFill>
+                <a:effectLst/>
+                <a:latin typeface="Google Sans"/>
+              </a:rPr>
+              <a:t>Can lead to </a:t>
+            </a:r>
+            <a:r>
+              <a:rPr lang="en-US" b="1" i="0" dirty="0">
+                <a:solidFill>
+                  <a:srgbClr val="1F1F1F"/>
+                </a:solidFill>
+                <a:effectLst/>
+                <a:latin typeface="Google Sans"/>
+              </a:rPr>
+              <a:t>phantom</a:t>
+            </a:r>
+            <a:r>
+              <a:rPr lang="en-US" b="0" i="0" dirty="0">
+                <a:solidFill>
+                  <a:srgbClr val="1F1F1F"/>
+                </a:solidFill>
+                <a:effectLst/>
+                <a:latin typeface="Google Sans"/>
+              </a:rPr>
+              <a:t> reads (</a:t>
+            </a:r>
+            <a:r>
+              <a:rPr lang="en-US" b="1" i="0" dirty="0">
+                <a:solidFill>
+                  <a:srgbClr val="1F1F1F"/>
+                </a:solidFill>
+                <a:effectLst/>
+                <a:latin typeface="Google Sans"/>
+              </a:rPr>
+              <a:t>missing newly inserted </a:t>
+            </a:r>
+            <a:r>
+              <a:rPr lang="en-US" b="0" i="0" dirty="0">
+                <a:solidFill>
+                  <a:srgbClr val="1F1F1F"/>
+                </a:solidFill>
+                <a:effectLst/>
+                <a:latin typeface="Google Sans"/>
+              </a:rPr>
+              <a:t>data).</a:t>
+            </a:r>
+          </a:p>
+          <a:p>
+            <a:pPr algn="l">
+              <a:buFont typeface="Arial" panose="020B0604020202020204" pitchFamily="34" charset="0"/>
+              <a:buChar char="•"/>
+            </a:pPr>
+            <a:r>
+              <a:rPr lang="en-US" b="0" i="0" dirty="0">
+                <a:solidFill>
+                  <a:srgbClr val="1F1F1F"/>
+                </a:solidFill>
+                <a:effectLst/>
+                <a:latin typeface="Google Sans"/>
+              </a:rPr>
+              <a:t>Might </a:t>
+            </a:r>
+            <a:r>
+              <a:rPr lang="en-US" b="1" i="0" dirty="0">
+                <a:solidFill>
+                  <a:srgbClr val="1F1F1F"/>
+                </a:solidFill>
+                <a:effectLst/>
+                <a:latin typeface="Google Sans"/>
+              </a:rPr>
+              <a:t>not reflect the most recent state</a:t>
+            </a:r>
+            <a:r>
+              <a:rPr lang="en-US" b="0" i="0" dirty="0">
+                <a:solidFill>
+                  <a:srgbClr val="1F1F1F"/>
+                </a:solidFill>
+                <a:effectLst/>
+                <a:latin typeface="Google Sans"/>
+              </a:rPr>
+              <a:t> (other transactions can modify data after your initial read).</a:t>
+            </a:r>
+          </a:p>
+          <a:p>
+            <a:pPr algn="l">
+              <a:buFont typeface="Arial" panose="020B0604020202020204" pitchFamily="34" charset="0"/>
+              <a:buChar char="•"/>
+            </a:pPr>
+            <a:endParaRPr lang="en-US" b="0" i="0" dirty="0">
+              <a:solidFill>
+                <a:srgbClr val="1F1F1F"/>
+              </a:solidFill>
+              <a:effectLst/>
+              <a:latin typeface="Google Sans"/>
+            </a:endParaRPr>
+          </a:p>
+          <a:p>
+            <a:pPr algn="l"/>
+            <a:r>
+              <a:rPr lang="en-US" b="1" i="0" dirty="0">
+                <a:solidFill>
+                  <a:srgbClr val="1F1F1F"/>
+                </a:solidFill>
+                <a:effectLst/>
+                <a:latin typeface="Google Sans"/>
+              </a:rPr>
+              <a:t>In conclusion,</a:t>
+            </a:r>
+            <a:r>
+              <a:rPr lang="en-US" b="0" i="0" dirty="0">
+                <a:solidFill>
+                  <a:srgbClr val="1F1F1F"/>
+                </a:solidFill>
+                <a:effectLst/>
+                <a:latin typeface="Google Sans"/>
+              </a:rPr>
+              <a:t> Repeatable Read offers a balance between consistency and currency. You get a consistent view of data within your transaction, but it might not capture the absolute latest changes from other transactions.</a:t>
+            </a:r>
+            <a:endParaRPr lang="en-US" dirty="0"/>
+          </a:p>
+        </p:txBody>
+      </p:sp>
+      <p:sp>
+        <p:nvSpPr>
+          <p:cNvPr id="4" name="Slide Number Placeholder 3"/>
+          <p:cNvSpPr>
+            <a:spLocks noGrp="1"/>
+          </p:cNvSpPr>
+          <p:nvPr>
+            <p:ph type="sldNum" sz="quarter" idx="5"/>
+          </p:nvPr>
+        </p:nvSpPr>
+        <p:spPr/>
+        <p:txBody>
+          <a:bodyPr/>
+          <a:lstStyle/>
+          <a:p>
+            <a:fld id="{5B7CC90F-195F-4DEF-A4DA-F5B0A181CF9F}" type="slidenum">
+              <a:rPr lang="en-US" altLang="en-US" smtClean="0"/>
+              <a:pPr/>
+              <a:t>41</a:t>
+            </a:fld>
+            <a:endParaRPr lang="en-US" altLang="en-US"/>
+          </a:p>
+        </p:txBody>
+      </p:sp>
+    </p:spTree>
+    <p:extLst>
+      <p:ext uri="{BB962C8B-B14F-4D97-AF65-F5344CB8AC3E}">
+        <p14:creationId xmlns:p14="http://schemas.microsoft.com/office/powerpoint/2010/main" val="1930394811"/>
+      </p:ext>
+    </p:extLst>
+  </p:cSld>
+  <p:clrMapOvr>
+    <a:masterClrMapping/>
+  </p:clrMapOvr>
+</p:notes>
+</file>
+
+<file path=ppt/notesSlides/notesSlide42.xml><?xml version="1.0" encoding="utf-8"?>
+<p:notes xmlns:a="http://schemas.openxmlformats.org/drawingml/2006/main" xmlns:r="http://schemas.openxmlformats.org/officeDocument/2006/relationships" xmlns:p="http://schemas.openxmlformats.org/presentationml/2006/main">
+  <p:cSld>
+    <p:spTree>
+      <p:nvGrpSpPr>
+        <p:cNvPr id="1" name=""/>
+        <p:cNvGrpSpPr/>
+        <p:nvPr/>
+      </p:nvGrpSpPr>
+      <p:grpSpPr>
+        <a:xfrm>
+          <a:off x="0" y="0"/>
+          <a:ext cx="0" cy="0"/>
+          <a:chOff x="0" y="0"/>
+          <a:chExt cx="0" cy="0"/>
+        </a:xfrm>
+      </p:grpSpPr>
+      <p:sp>
+        <p:nvSpPr>
+          <p:cNvPr id="79874" name="Rectangle 7"/>
+          <p:cNvSpPr>
+            <a:spLocks noGrp="1" noChangeArrowheads="1"/>
+          </p:cNvSpPr>
+          <p:nvPr>
+            <p:ph type="sldNum" sz="quarter" idx="5"/>
+          </p:nvPr>
+        </p:nvSpPr>
+        <p:spPr>
+          <a:noFill/>
+          <a:ln/>
+          <a:extLst>
+            <a:ext uri="{909E8E84-426E-40DD-AFC4-6F175D3DCCD1}">
+              <a14:hiddenFill xmlns:a14="http://schemas.microsoft.com/office/drawing/2010/main">
+                <a:solidFill>
+                  <a:srgbClr val="FFFFFF"/>
+                </a:solidFill>
+              </a14:hiddenFill>
+            </a:ext>
+            <a:ext uri="{91240B29-F687-4F45-9708-019B960494DF}">
+              <a14:hiddenLine xmlns:a14="http://schemas.microsoft.com/office/drawing/2010/main" w="9525">
+                <a:solidFill>
+                  <a:srgbClr val="000000"/>
+                </a:solidFill>
+                <a:miter lim="800000"/>
+                <a:headEnd/>
+                <a:tailEnd/>
+              </a14:hiddenLine>
+            </a:ext>
+          </a:extLst>
+        </p:spPr>
+        <p:txBody>
+          <a:bodyPr/>
+          <a:lstStyle>
+            <a:lvl1pPr defTabSz="930275">
+              <a:defRPr sz="1600">
+                <a:solidFill>
+                  <a:schemeClr val="tx1"/>
+                </a:solidFill>
+                <a:latin typeface="Helvetica" panose="020B0604020202020204" pitchFamily="34" charset="0"/>
+                <a:ea typeface="MS PGothic" panose="020B0600070205080204" pitchFamily="34" charset="-128"/>
+              </a:defRPr>
+            </a:lvl1pPr>
+            <a:lvl2pPr marL="742950" indent="-285750" defTabSz="930275">
+              <a:defRPr sz="1600">
+                <a:solidFill>
+                  <a:schemeClr val="tx1"/>
+                </a:solidFill>
+                <a:latin typeface="Helvetica" panose="020B0604020202020204" pitchFamily="34" charset="0"/>
+                <a:ea typeface="MS PGothic" panose="020B0600070205080204" pitchFamily="34" charset="-128"/>
+              </a:defRPr>
+            </a:lvl2pPr>
+            <a:lvl3pPr marL="1143000" indent="-228600" defTabSz="930275">
+              <a:defRPr sz="1600">
+                <a:solidFill>
+                  <a:schemeClr val="tx1"/>
+                </a:solidFill>
+                <a:latin typeface="Helvetica" panose="020B0604020202020204" pitchFamily="34" charset="0"/>
+                <a:ea typeface="MS PGothic" panose="020B0600070205080204" pitchFamily="34" charset="-128"/>
+              </a:defRPr>
+            </a:lvl3pPr>
+            <a:lvl4pPr marL="1600200" indent="-228600" defTabSz="930275">
+              <a:defRPr sz="1600">
+                <a:solidFill>
+                  <a:schemeClr val="tx1"/>
+                </a:solidFill>
+                <a:latin typeface="Helvetica" panose="020B0604020202020204" pitchFamily="34" charset="0"/>
+                <a:ea typeface="MS PGothic" panose="020B0600070205080204" pitchFamily="34" charset="-128"/>
+              </a:defRPr>
+            </a:lvl4pPr>
+            <a:lvl5pPr marL="2057400" indent="-228600" defTabSz="930275">
+              <a:defRPr sz="1600">
+                <a:solidFill>
+                  <a:schemeClr val="tx1"/>
+                </a:solidFill>
+                <a:latin typeface="Helvetica" panose="020B0604020202020204" pitchFamily="34" charset="0"/>
+                <a:ea typeface="MS PGothic" panose="020B0600070205080204" pitchFamily="34" charset="-128"/>
+              </a:defRPr>
+            </a:lvl5pPr>
+            <a:lvl6pPr marL="2514600" indent="-228600" defTabSz="930275" eaLnBrk="0" fontAlgn="base" hangingPunct="0">
+              <a:spcBef>
+                <a:spcPct val="0"/>
+              </a:spcBef>
+              <a:spcAft>
+                <a:spcPct val="0"/>
+              </a:spcAft>
+              <a:defRPr sz="1600">
+                <a:solidFill>
+                  <a:schemeClr val="tx1"/>
+                </a:solidFill>
+                <a:latin typeface="Helvetica" panose="020B0604020202020204" pitchFamily="34" charset="0"/>
+                <a:ea typeface="MS PGothic" panose="020B0600070205080204" pitchFamily="34" charset="-128"/>
+              </a:defRPr>
+            </a:lvl6pPr>
+            <a:lvl7pPr marL="2971800" indent="-228600" defTabSz="930275" eaLnBrk="0" fontAlgn="base" hangingPunct="0">
+              <a:spcBef>
+                <a:spcPct val="0"/>
+              </a:spcBef>
+              <a:spcAft>
+                <a:spcPct val="0"/>
+              </a:spcAft>
+              <a:defRPr sz="1600">
+                <a:solidFill>
+                  <a:schemeClr val="tx1"/>
+                </a:solidFill>
+                <a:latin typeface="Helvetica" panose="020B0604020202020204" pitchFamily="34" charset="0"/>
+                <a:ea typeface="MS PGothic" panose="020B0600070205080204" pitchFamily="34" charset="-128"/>
+              </a:defRPr>
+            </a:lvl7pPr>
+            <a:lvl8pPr marL="3429000" indent="-228600" defTabSz="930275" eaLnBrk="0" fontAlgn="base" hangingPunct="0">
+              <a:spcBef>
+                <a:spcPct val="0"/>
+              </a:spcBef>
+              <a:spcAft>
+                <a:spcPct val="0"/>
+              </a:spcAft>
+              <a:defRPr sz="1600">
+                <a:solidFill>
+                  <a:schemeClr val="tx1"/>
+                </a:solidFill>
+                <a:latin typeface="Helvetica" panose="020B0604020202020204" pitchFamily="34" charset="0"/>
+                <a:ea typeface="MS PGothic" panose="020B0600070205080204" pitchFamily="34" charset="-128"/>
+              </a:defRPr>
+            </a:lvl8pPr>
+            <a:lvl9pPr marL="3886200" indent="-228600" defTabSz="930275" eaLnBrk="0" fontAlgn="base" hangingPunct="0">
+              <a:spcBef>
+                <a:spcPct val="0"/>
+              </a:spcBef>
+              <a:spcAft>
+                <a:spcPct val="0"/>
+              </a:spcAft>
+              <a:defRPr sz="1600">
+                <a:solidFill>
+                  <a:schemeClr val="tx1"/>
+                </a:solidFill>
+                <a:latin typeface="Helvetica" panose="020B0604020202020204" pitchFamily="34" charset="0"/>
+                <a:ea typeface="MS PGothic" panose="020B0600070205080204" pitchFamily="34" charset="-128"/>
+              </a:defRPr>
+            </a:lvl9pPr>
+          </a:lstStyle>
+          <a:p>
+            <a:fld id="{8D4DD0DF-53A0-4666-9689-6AAB81C4795A}" type="slidenum">
+              <a:rPr lang="en-US" altLang="en-US" sz="1300">
+                <a:latin typeface="Times New Roman" panose="02020603050405020304" pitchFamily="18" charset="0"/>
+              </a:rPr>
+              <a:pPr/>
+              <a:t>42</a:t>
+            </a:fld>
+            <a:endParaRPr lang="en-US" altLang="en-US" sz="1300">
+              <a:latin typeface="Times New Roman" panose="02020603050405020304" pitchFamily="18" charset="0"/>
+            </a:endParaRPr>
+          </a:p>
+        </p:txBody>
+      </p:sp>
+      <p:sp>
+        <p:nvSpPr>
+          <p:cNvPr id="79875" name="Rectangle 2"/>
+          <p:cNvSpPr>
+            <a:spLocks noGrp="1" noRot="1" noChangeAspect="1" noChangeArrowheads="1" noTextEdit="1"/>
+          </p:cNvSpPr>
+          <p:nvPr>
+            <p:ph type="sldImg"/>
+          </p:nvPr>
+        </p:nvSpPr>
+        <p:spPr>
+          <a:ln/>
+        </p:spPr>
+      </p:sp>
+      <p:sp>
+        <p:nvSpPr>
+          <p:cNvPr id="79876" name="Rectangle 3"/>
+          <p:cNvSpPr>
+            <a:spLocks noGrp="1" noChangeArrowheads="1"/>
+          </p:cNvSpPr>
+          <p:nvPr>
+            <p:ph type="body" idx="1"/>
+          </p:nvPr>
+        </p:nvSpPr>
+        <p:spPr>
+          <a:noFill/>
+          <a:ln/>
+          <a:extLst>
+            <a:ext uri="{909E8E84-426E-40DD-AFC4-6F175D3DCCD1}">
+              <a14:hiddenFill xmlns:a14="http://schemas.microsoft.com/office/drawing/2010/main">
+                <a:solidFill>
+                  <a:srgbClr val="FFFFFF"/>
+                </a:solidFill>
+              </a14:hiddenFill>
+            </a:ext>
+            <a:ext uri="{91240B29-F687-4F45-9708-019B960494DF}">
+              <a14:hiddenLine xmlns:a14="http://schemas.microsoft.com/office/drawing/2010/main" w="9525">
+                <a:solidFill>
+                  <a:srgbClr val="000000"/>
+                </a:solidFill>
+                <a:miter lim="800000"/>
+                <a:headEnd/>
+                <a:tailEnd/>
+              </a14:hiddenLine>
+            </a:ext>
+          </a:extLst>
+        </p:spPr>
+        <p:txBody>
+          <a:bodyPr/>
+          <a:lstStyle/>
+          <a:p>
             <a:pPr marL="342900" marR="0" lvl="0" indent="-342900" algn="r" rtl="1">
               <a:lnSpc>
                 <a:spcPct val="107000"/>
@@ -19212,6 +18305,637 @@
               <a:spcAft>
                 <a:spcPts val="800"/>
               </a:spcAft>
+              <a:buFont typeface="Wingdings" panose="05000000000000000000" pitchFamily="2" charset="2"/>
+              <a:buChar char=""/>
+              <a:tabLst>
+                <a:tab pos="457200" algn="l"/>
+              </a:tabLst>
+            </a:pPr>
+            <a:r>
+              <a:rPr lang="ar-SA" sz="1800" dirty="0">
+                <a:solidFill>
+                  <a:srgbClr val="1F1F1F"/>
+                </a:solidFill>
+                <a:effectLst/>
+                <a:latin typeface="Arial" panose="020B0604020202020204" pitchFamily="34" charset="0"/>
+                <a:ea typeface="Times New Roman" panose="02020603050405020304" pitchFamily="18" charset="0"/>
+                <a:cs typeface="B Nazanin" panose="00000400000000000000" pitchFamily="2" charset="-78"/>
+              </a:rPr>
+              <a:t>سطح پایین‌تری از سازگاری برای جمع‌آوری اطلاعات تقریبی در مورد پایگاه داده مفید است</a:t>
+            </a:r>
+            <a:r>
+              <a:rPr lang="en-US" sz="1800" dirty="0">
+                <a:solidFill>
+                  <a:srgbClr val="1F1F1F"/>
+                </a:solidFill>
+                <a:effectLst/>
+                <a:latin typeface="Arial" panose="020B0604020202020204" pitchFamily="34" charset="0"/>
+                <a:ea typeface="Times New Roman" panose="02020603050405020304" pitchFamily="18" charset="0"/>
+                <a:cs typeface="B Nazanin" panose="00000400000000000000" pitchFamily="2" charset="-78"/>
+              </a:rPr>
+              <a:t>.</a:t>
+            </a:r>
+            <a:endParaRPr lang="en-US" sz="1800" dirty="0">
+              <a:effectLst/>
+              <a:latin typeface="Calibri" panose="020F0502020204030204" pitchFamily="34" charset="0"/>
+              <a:ea typeface="Calibri" panose="020F0502020204030204" pitchFamily="34" charset="0"/>
+              <a:cs typeface="Arial" panose="020B0604020202020204" pitchFamily="34" charset="0"/>
+            </a:endParaRPr>
+          </a:p>
+          <a:p>
+            <a:pPr marL="0" marR="0" algn="r" rtl="1">
+              <a:lnSpc>
+                <a:spcPct val="107000"/>
+              </a:lnSpc>
+              <a:spcBef>
+                <a:spcPts val="0"/>
+              </a:spcBef>
+              <a:spcAft>
+                <a:spcPts val="800"/>
+              </a:spcAft>
+            </a:pPr>
+            <a:r>
+              <a:rPr lang="ar-SA" sz="1800" b="1" dirty="0">
+                <a:solidFill>
+                  <a:srgbClr val="1F1F1F"/>
+                </a:solidFill>
+                <a:effectLst/>
+                <a:latin typeface="Arial" panose="020B0604020202020204" pitchFamily="34" charset="0"/>
+                <a:ea typeface="Times New Roman" panose="02020603050405020304" pitchFamily="18" charset="0"/>
+                <a:cs typeface="B Nazanin" panose="00000400000000000000" pitchFamily="2" charset="-78"/>
+              </a:rPr>
+              <a:t>توجه</a:t>
+            </a:r>
+            <a:r>
+              <a:rPr lang="en-US" sz="1800" b="1" dirty="0">
+                <a:solidFill>
+                  <a:srgbClr val="1F1F1F"/>
+                </a:solidFill>
+                <a:effectLst/>
+                <a:latin typeface="Arial" panose="020B0604020202020204" pitchFamily="34" charset="0"/>
+                <a:ea typeface="Times New Roman" panose="02020603050405020304" pitchFamily="18" charset="0"/>
+                <a:cs typeface="B Nazanin" panose="00000400000000000000" pitchFamily="2" charset="-78"/>
+              </a:rPr>
+              <a:t>:</a:t>
+            </a:r>
+            <a:r>
+              <a:rPr lang="en-US" sz="1800" dirty="0">
+                <a:solidFill>
+                  <a:srgbClr val="1F1F1F"/>
+                </a:solidFill>
+                <a:effectLst/>
+                <a:latin typeface="Arial" panose="020B0604020202020204" pitchFamily="34" charset="0"/>
+                <a:ea typeface="Times New Roman" panose="02020603050405020304" pitchFamily="18" charset="0"/>
+                <a:cs typeface="B Nazanin" panose="00000400000000000000" pitchFamily="2" charset="-78"/>
+              </a:rPr>
+              <a:t> </a:t>
+            </a:r>
+            <a:r>
+              <a:rPr lang="ar-SA" sz="1800" dirty="0">
+                <a:solidFill>
+                  <a:srgbClr val="1F1F1F"/>
+                </a:solidFill>
+                <a:effectLst/>
+                <a:latin typeface="Arial" panose="020B0604020202020204" pitchFamily="34" charset="0"/>
+                <a:ea typeface="Times New Roman" panose="02020603050405020304" pitchFamily="18" charset="0"/>
+                <a:cs typeface="B Nazanin" panose="00000400000000000000" pitchFamily="2" charset="-78"/>
+              </a:rPr>
+              <a:t>برخی از سیستم‌های پایگاه داده به طور پیش فرض جداول قابل سریال‌پذیری را تضمین نمی‌کنند</a:t>
+            </a:r>
+            <a:r>
+              <a:rPr lang="en-US" sz="1800" dirty="0">
+                <a:solidFill>
+                  <a:srgbClr val="1F1F1F"/>
+                </a:solidFill>
+                <a:effectLst/>
+                <a:latin typeface="Arial" panose="020B0604020202020204" pitchFamily="34" charset="0"/>
+                <a:ea typeface="Times New Roman" panose="02020603050405020304" pitchFamily="18" charset="0"/>
+                <a:cs typeface="B Nazanin" panose="00000400000000000000" pitchFamily="2" charset="-78"/>
+              </a:rPr>
+              <a:t>.</a:t>
+            </a:r>
+            <a:endParaRPr lang="en-US" sz="1800" dirty="0">
+              <a:effectLst/>
+              <a:latin typeface="Calibri" panose="020F0502020204030204" pitchFamily="34" charset="0"/>
+              <a:ea typeface="Calibri" panose="020F0502020204030204" pitchFamily="34" charset="0"/>
+              <a:cs typeface="Arial" panose="020B0604020202020204" pitchFamily="34" charset="0"/>
+            </a:endParaRPr>
+          </a:p>
+          <a:p>
+            <a:pPr marL="0" marR="0" algn="r" rtl="1">
+              <a:lnSpc>
+                <a:spcPct val="107000"/>
+              </a:lnSpc>
+              <a:spcBef>
+                <a:spcPts val="0"/>
+              </a:spcBef>
+              <a:spcAft>
+                <a:spcPts val="800"/>
+              </a:spcAft>
+            </a:pPr>
+            <a:r>
+              <a:rPr lang="ar-SA" sz="1800" dirty="0">
+                <a:solidFill>
+                  <a:srgbClr val="1F1F1F"/>
+                </a:solidFill>
+                <a:effectLst/>
+                <a:latin typeface="Arial" panose="020B0604020202020204" pitchFamily="34" charset="0"/>
+                <a:ea typeface="Times New Roman" panose="02020603050405020304" pitchFamily="18" charset="0"/>
+                <a:cs typeface="B Nazanin" panose="00000400000000000000" pitchFamily="2" charset="-78"/>
+              </a:rPr>
+              <a:t>به عنوان مثال، اوراکل</a:t>
+            </a:r>
+            <a:r>
+              <a:rPr lang="en-US" sz="1800" dirty="0">
+                <a:solidFill>
+                  <a:srgbClr val="1F1F1F"/>
+                </a:solidFill>
+                <a:effectLst/>
+                <a:latin typeface="Arial" panose="020B0604020202020204" pitchFamily="34" charset="0"/>
+                <a:ea typeface="Times New Roman" panose="02020603050405020304" pitchFamily="18" charset="0"/>
+                <a:cs typeface="B Nazanin" panose="00000400000000000000" pitchFamily="2" charset="-78"/>
+              </a:rPr>
+              <a:t> (</a:t>
+            </a:r>
+            <a:r>
+              <a:rPr lang="ar-SA" sz="1800" dirty="0">
+                <a:solidFill>
+                  <a:srgbClr val="1F1F1F"/>
+                </a:solidFill>
+                <a:effectLst/>
+                <a:latin typeface="Arial" panose="020B0604020202020204" pitchFamily="34" charset="0"/>
+                <a:ea typeface="Times New Roman" panose="02020603050405020304" pitchFamily="18" charset="0"/>
+                <a:cs typeface="B Nazanin" panose="00000400000000000000" pitchFamily="2" charset="-78"/>
+              </a:rPr>
+              <a:t>و</a:t>
+            </a:r>
+            <a:r>
+              <a:rPr lang="en-US" sz="1800" dirty="0">
+                <a:solidFill>
+                  <a:srgbClr val="1F1F1F"/>
+                </a:solidFill>
+                <a:effectLst/>
+                <a:latin typeface="Arial" panose="020B0604020202020204" pitchFamily="34" charset="0"/>
+                <a:ea typeface="Times New Roman" panose="02020603050405020304" pitchFamily="18" charset="0"/>
+                <a:cs typeface="B Nazanin" panose="00000400000000000000" pitchFamily="2" charset="-78"/>
+              </a:rPr>
+              <a:t> PostgreSQL </a:t>
+            </a:r>
+            <a:r>
+              <a:rPr lang="ar-SA" sz="1800" dirty="0">
+                <a:solidFill>
+                  <a:srgbClr val="1F1F1F"/>
+                </a:solidFill>
+                <a:effectLst/>
+                <a:latin typeface="Arial" panose="020B0604020202020204" pitchFamily="34" charset="0"/>
+                <a:ea typeface="Times New Roman" panose="02020603050405020304" pitchFamily="18" charset="0"/>
+                <a:cs typeface="B Nazanin" panose="00000400000000000000" pitchFamily="2" charset="-78"/>
+              </a:rPr>
+              <a:t>قبل از نسخه </a:t>
+            </a:r>
+            <a:r>
+              <a:rPr lang="fa-IR" sz="1800" dirty="0">
+                <a:solidFill>
+                  <a:srgbClr val="1F1F1F"/>
+                </a:solidFill>
+                <a:effectLst/>
+                <a:latin typeface="Arial" panose="020B0604020202020204" pitchFamily="34" charset="0"/>
+                <a:ea typeface="Times New Roman" panose="02020603050405020304" pitchFamily="18" charset="0"/>
+                <a:cs typeface="B Nazanin" panose="00000400000000000000" pitchFamily="2" charset="-78"/>
+              </a:rPr>
+              <a:t>۹</a:t>
+            </a:r>
+            <a:r>
+              <a:rPr lang="en-US" sz="1800" dirty="0">
+                <a:solidFill>
+                  <a:srgbClr val="1F1F1F"/>
+                </a:solidFill>
+                <a:effectLst/>
+                <a:latin typeface="Arial" panose="020B0604020202020204" pitchFamily="34" charset="0"/>
+                <a:ea typeface="Times New Roman" panose="02020603050405020304" pitchFamily="18" charset="0"/>
+                <a:cs typeface="B Nazanin" panose="00000400000000000000" pitchFamily="2" charset="-78"/>
+              </a:rPr>
+              <a:t>) </a:t>
+            </a:r>
+            <a:r>
+              <a:rPr lang="ar-SA" sz="1800" dirty="0">
+                <a:solidFill>
+                  <a:srgbClr val="1F1F1F"/>
+                </a:solidFill>
+                <a:effectLst/>
+                <a:latin typeface="Arial" panose="020B0604020202020204" pitchFamily="34" charset="0"/>
+                <a:ea typeface="Times New Roman" panose="02020603050405020304" pitchFamily="18" charset="0"/>
+                <a:cs typeface="B Nazanin" panose="00000400000000000000" pitchFamily="2" charset="-78"/>
+              </a:rPr>
+              <a:t>به طور پیش فرض از سطحی از سازگاری به نام جداسازی</a:t>
+            </a:r>
+            <a:r>
+              <a:rPr lang="en-US" sz="1800" dirty="0">
+                <a:solidFill>
+                  <a:srgbClr val="1F1F1F"/>
+                </a:solidFill>
+                <a:effectLst/>
+                <a:latin typeface="Arial" panose="020B0604020202020204" pitchFamily="34" charset="0"/>
+                <a:ea typeface="Times New Roman" panose="02020603050405020304" pitchFamily="18" charset="0"/>
+                <a:cs typeface="B Nazanin" panose="00000400000000000000" pitchFamily="2" charset="-78"/>
+              </a:rPr>
+              <a:t> snapshot </a:t>
+            </a:r>
+            <a:r>
+              <a:rPr lang="ar-SA" sz="1800" dirty="0">
+                <a:solidFill>
+                  <a:srgbClr val="1F1F1F"/>
+                </a:solidFill>
+                <a:effectLst/>
+                <a:latin typeface="Arial" panose="020B0604020202020204" pitchFamily="34" charset="0"/>
+                <a:ea typeface="Times New Roman" panose="02020603050405020304" pitchFamily="18" charset="0"/>
+                <a:cs typeface="B Nazanin" panose="00000400000000000000" pitchFamily="2" charset="-78"/>
+              </a:rPr>
+              <a:t>پشتیبانی می‌کنند</a:t>
+            </a:r>
+            <a:r>
+              <a:rPr lang="en-US" sz="1800" dirty="0">
+                <a:solidFill>
+                  <a:srgbClr val="1F1F1F"/>
+                </a:solidFill>
+                <a:effectLst/>
+                <a:latin typeface="Arial" panose="020B0604020202020204" pitchFamily="34" charset="0"/>
+                <a:ea typeface="Times New Roman" panose="02020603050405020304" pitchFamily="18" charset="0"/>
+                <a:cs typeface="B Nazanin" panose="00000400000000000000" pitchFamily="2" charset="-78"/>
+              </a:rPr>
+              <a:t> (</a:t>
+            </a:r>
+            <a:r>
+              <a:rPr lang="ar-SA" sz="1800" dirty="0">
+                <a:solidFill>
+                  <a:srgbClr val="1F1F1F"/>
+                </a:solidFill>
+                <a:effectLst/>
+                <a:latin typeface="Arial" panose="020B0604020202020204" pitchFamily="34" charset="0"/>
+                <a:ea typeface="Times New Roman" panose="02020603050405020304" pitchFamily="18" charset="0"/>
+                <a:cs typeface="B Nazanin" panose="00000400000000000000" pitchFamily="2" charset="-78"/>
+              </a:rPr>
+              <a:t>که بخشی از استاندارد</a:t>
+            </a:r>
+            <a:r>
+              <a:rPr lang="en-US" sz="1800" dirty="0">
+                <a:solidFill>
+                  <a:srgbClr val="1F1F1F"/>
+                </a:solidFill>
+                <a:effectLst/>
+                <a:latin typeface="Arial" panose="020B0604020202020204" pitchFamily="34" charset="0"/>
+                <a:ea typeface="Times New Roman" panose="02020603050405020304" pitchFamily="18" charset="0"/>
+                <a:cs typeface="B Nazanin" panose="00000400000000000000" pitchFamily="2" charset="-78"/>
+              </a:rPr>
+              <a:t> SQL </a:t>
+            </a:r>
+            <a:r>
+              <a:rPr lang="ar-SA" sz="1800" dirty="0">
+                <a:solidFill>
+                  <a:srgbClr val="1F1F1F"/>
+                </a:solidFill>
+                <a:effectLst/>
+                <a:latin typeface="Arial" panose="020B0604020202020204" pitchFamily="34" charset="0"/>
+                <a:ea typeface="Times New Roman" panose="02020603050405020304" pitchFamily="18" charset="0"/>
+                <a:cs typeface="B Nazanin" panose="00000400000000000000" pitchFamily="2" charset="-78"/>
+              </a:rPr>
+              <a:t>نیست</a:t>
+            </a:r>
+            <a:r>
+              <a:rPr lang="en-US" sz="1800" dirty="0">
+                <a:solidFill>
+                  <a:srgbClr val="1F1F1F"/>
+                </a:solidFill>
+                <a:effectLst/>
+                <a:latin typeface="Arial" panose="020B0604020202020204" pitchFamily="34" charset="0"/>
+                <a:ea typeface="Times New Roman" panose="02020603050405020304" pitchFamily="18" charset="0"/>
+                <a:cs typeface="B Nazanin" panose="00000400000000000000" pitchFamily="2" charset="-78"/>
+              </a:rPr>
+              <a:t>).</a:t>
+            </a:r>
+            <a:endParaRPr lang="en-US" sz="1800" dirty="0">
+              <a:effectLst/>
+              <a:latin typeface="Calibri" panose="020F0502020204030204" pitchFamily="34" charset="0"/>
+              <a:ea typeface="Calibri" panose="020F0502020204030204" pitchFamily="34" charset="0"/>
+              <a:cs typeface="Arial" panose="020B0604020202020204" pitchFamily="34" charset="0"/>
+            </a:endParaRPr>
+          </a:p>
+          <a:p>
+            <a:endParaRPr lang="en-US" altLang="en-US" dirty="0">
+              <a:latin typeface="Times New Roman" panose="02020603050405020304" pitchFamily="18" charset="0"/>
+            </a:endParaRPr>
+          </a:p>
+        </p:txBody>
+      </p:sp>
+    </p:spTree>
+  </p:cSld>
+  <p:clrMapOvr>
+    <a:masterClrMapping/>
+  </p:clrMapOvr>
+</p:notes>
+</file>
+
+<file path=ppt/notesSlides/notesSlide43.xml><?xml version="1.0" encoding="utf-8"?>
+<p:notes xmlns:a="http://schemas.openxmlformats.org/drawingml/2006/main" xmlns:r="http://schemas.openxmlformats.org/officeDocument/2006/relationships" xmlns:p="http://schemas.openxmlformats.org/presentationml/2006/main">
+  <p:cSld>
+    <p:spTree>
+      <p:nvGrpSpPr>
+        <p:cNvPr id="1" name=""/>
+        <p:cNvGrpSpPr/>
+        <p:nvPr/>
+      </p:nvGrpSpPr>
+      <p:grpSpPr>
+        <a:xfrm>
+          <a:off x="0" y="0"/>
+          <a:ext cx="0" cy="0"/>
+          <a:chOff x="0" y="0"/>
+          <a:chExt cx="0" cy="0"/>
+        </a:xfrm>
+      </p:grpSpPr>
+      <p:sp>
+        <p:nvSpPr>
+          <p:cNvPr id="80898" name="Rectangle 7"/>
+          <p:cNvSpPr>
+            <a:spLocks noGrp="1" noChangeArrowheads="1"/>
+          </p:cNvSpPr>
+          <p:nvPr>
+            <p:ph type="sldNum" sz="quarter" idx="5"/>
+          </p:nvPr>
+        </p:nvSpPr>
+        <p:spPr>
+          <a:noFill/>
+          <a:ln/>
+          <a:extLst>
+            <a:ext uri="{909E8E84-426E-40DD-AFC4-6F175D3DCCD1}">
+              <a14:hiddenFill xmlns:a14="http://schemas.microsoft.com/office/drawing/2010/main">
+                <a:solidFill>
+                  <a:srgbClr val="FFFFFF"/>
+                </a:solidFill>
+              </a14:hiddenFill>
+            </a:ext>
+            <a:ext uri="{91240B29-F687-4F45-9708-019B960494DF}">
+              <a14:hiddenLine xmlns:a14="http://schemas.microsoft.com/office/drawing/2010/main" w="9525">
+                <a:solidFill>
+                  <a:srgbClr val="000000"/>
+                </a:solidFill>
+                <a:miter lim="800000"/>
+                <a:headEnd/>
+                <a:tailEnd/>
+              </a14:hiddenLine>
+            </a:ext>
+          </a:extLst>
+        </p:spPr>
+        <p:txBody>
+          <a:bodyPr/>
+          <a:lstStyle>
+            <a:lvl1pPr defTabSz="930275">
+              <a:defRPr sz="1600">
+                <a:solidFill>
+                  <a:schemeClr val="tx1"/>
+                </a:solidFill>
+                <a:latin typeface="Helvetica" panose="020B0604020202020204" pitchFamily="34" charset="0"/>
+                <a:ea typeface="MS PGothic" panose="020B0600070205080204" pitchFamily="34" charset="-128"/>
+              </a:defRPr>
+            </a:lvl1pPr>
+            <a:lvl2pPr marL="742950" indent="-285750" defTabSz="930275">
+              <a:defRPr sz="1600">
+                <a:solidFill>
+                  <a:schemeClr val="tx1"/>
+                </a:solidFill>
+                <a:latin typeface="Helvetica" panose="020B0604020202020204" pitchFamily="34" charset="0"/>
+                <a:ea typeface="MS PGothic" panose="020B0600070205080204" pitchFamily="34" charset="-128"/>
+              </a:defRPr>
+            </a:lvl2pPr>
+            <a:lvl3pPr marL="1143000" indent="-228600" defTabSz="930275">
+              <a:defRPr sz="1600">
+                <a:solidFill>
+                  <a:schemeClr val="tx1"/>
+                </a:solidFill>
+                <a:latin typeface="Helvetica" panose="020B0604020202020204" pitchFamily="34" charset="0"/>
+                <a:ea typeface="MS PGothic" panose="020B0600070205080204" pitchFamily="34" charset="-128"/>
+              </a:defRPr>
+            </a:lvl3pPr>
+            <a:lvl4pPr marL="1600200" indent="-228600" defTabSz="930275">
+              <a:defRPr sz="1600">
+                <a:solidFill>
+                  <a:schemeClr val="tx1"/>
+                </a:solidFill>
+                <a:latin typeface="Helvetica" panose="020B0604020202020204" pitchFamily="34" charset="0"/>
+                <a:ea typeface="MS PGothic" panose="020B0600070205080204" pitchFamily="34" charset="-128"/>
+              </a:defRPr>
+            </a:lvl4pPr>
+            <a:lvl5pPr marL="2057400" indent="-228600" defTabSz="930275">
+              <a:defRPr sz="1600">
+                <a:solidFill>
+                  <a:schemeClr val="tx1"/>
+                </a:solidFill>
+                <a:latin typeface="Helvetica" panose="020B0604020202020204" pitchFamily="34" charset="0"/>
+                <a:ea typeface="MS PGothic" panose="020B0600070205080204" pitchFamily="34" charset="-128"/>
+              </a:defRPr>
+            </a:lvl5pPr>
+            <a:lvl6pPr marL="2514600" indent="-228600" defTabSz="930275" eaLnBrk="0" fontAlgn="base" hangingPunct="0">
+              <a:spcBef>
+                <a:spcPct val="0"/>
+              </a:spcBef>
+              <a:spcAft>
+                <a:spcPct val="0"/>
+              </a:spcAft>
+              <a:defRPr sz="1600">
+                <a:solidFill>
+                  <a:schemeClr val="tx1"/>
+                </a:solidFill>
+                <a:latin typeface="Helvetica" panose="020B0604020202020204" pitchFamily="34" charset="0"/>
+                <a:ea typeface="MS PGothic" panose="020B0600070205080204" pitchFamily="34" charset="-128"/>
+              </a:defRPr>
+            </a:lvl6pPr>
+            <a:lvl7pPr marL="2971800" indent="-228600" defTabSz="930275" eaLnBrk="0" fontAlgn="base" hangingPunct="0">
+              <a:spcBef>
+                <a:spcPct val="0"/>
+              </a:spcBef>
+              <a:spcAft>
+                <a:spcPct val="0"/>
+              </a:spcAft>
+              <a:defRPr sz="1600">
+                <a:solidFill>
+                  <a:schemeClr val="tx1"/>
+                </a:solidFill>
+                <a:latin typeface="Helvetica" panose="020B0604020202020204" pitchFamily="34" charset="0"/>
+                <a:ea typeface="MS PGothic" panose="020B0600070205080204" pitchFamily="34" charset="-128"/>
+              </a:defRPr>
+            </a:lvl7pPr>
+            <a:lvl8pPr marL="3429000" indent="-228600" defTabSz="930275" eaLnBrk="0" fontAlgn="base" hangingPunct="0">
+              <a:spcBef>
+                <a:spcPct val="0"/>
+              </a:spcBef>
+              <a:spcAft>
+                <a:spcPct val="0"/>
+              </a:spcAft>
+              <a:defRPr sz="1600">
+                <a:solidFill>
+                  <a:schemeClr val="tx1"/>
+                </a:solidFill>
+                <a:latin typeface="Helvetica" panose="020B0604020202020204" pitchFamily="34" charset="0"/>
+                <a:ea typeface="MS PGothic" panose="020B0600070205080204" pitchFamily="34" charset="-128"/>
+              </a:defRPr>
+            </a:lvl8pPr>
+            <a:lvl9pPr marL="3886200" indent="-228600" defTabSz="930275" eaLnBrk="0" fontAlgn="base" hangingPunct="0">
+              <a:spcBef>
+                <a:spcPct val="0"/>
+              </a:spcBef>
+              <a:spcAft>
+                <a:spcPct val="0"/>
+              </a:spcAft>
+              <a:defRPr sz="1600">
+                <a:solidFill>
+                  <a:schemeClr val="tx1"/>
+                </a:solidFill>
+                <a:latin typeface="Helvetica" panose="020B0604020202020204" pitchFamily="34" charset="0"/>
+                <a:ea typeface="MS PGothic" panose="020B0600070205080204" pitchFamily="34" charset="-128"/>
+              </a:defRPr>
+            </a:lvl9pPr>
+          </a:lstStyle>
+          <a:p>
+            <a:fld id="{4BBB09A6-5E06-46D1-A99F-E344CBBF67B7}" type="slidenum">
+              <a:rPr lang="en-US" altLang="en-US" sz="1300">
+                <a:latin typeface="Times New Roman" panose="02020603050405020304" pitchFamily="18" charset="0"/>
+              </a:rPr>
+              <a:pPr/>
+              <a:t>43</a:t>
+            </a:fld>
+            <a:endParaRPr lang="en-US" altLang="en-US" sz="1300">
+              <a:latin typeface="Times New Roman" panose="02020603050405020304" pitchFamily="18" charset="0"/>
+            </a:endParaRPr>
+          </a:p>
+        </p:txBody>
+      </p:sp>
+      <p:sp>
+        <p:nvSpPr>
+          <p:cNvPr id="80899" name="Rectangle 2"/>
+          <p:cNvSpPr>
+            <a:spLocks noGrp="1" noRot="1" noChangeAspect="1" noChangeArrowheads="1" noTextEdit="1"/>
+          </p:cNvSpPr>
+          <p:nvPr>
+            <p:ph type="sldImg"/>
+          </p:nvPr>
+        </p:nvSpPr>
+        <p:spPr>
+          <a:ln/>
+        </p:spPr>
+      </p:sp>
+      <p:sp>
+        <p:nvSpPr>
+          <p:cNvPr id="80900" name="Rectangle 3"/>
+          <p:cNvSpPr>
+            <a:spLocks noGrp="1" noChangeArrowheads="1"/>
+          </p:cNvSpPr>
+          <p:nvPr>
+            <p:ph type="body" idx="1"/>
+          </p:nvPr>
+        </p:nvSpPr>
+        <p:spPr>
+          <a:noFill/>
+          <a:ln/>
+          <a:extLst>
+            <a:ext uri="{909E8E84-426E-40DD-AFC4-6F175D3DCCD1}">
+              <a14:hiddenFill xmlns:a14="http://schemas.microsoft.com/office/drawing/2010/main">
+                <a:solidFill>
+                  <a:srgbClr val="FFFFFF"/>
+                </a:solidFill>
+              </a14:hiddenFill>
+            </a:ext>
+            <a:ext uri="{91240B29-F687-4F45-9708-019B960494DF}">
+              <a14:hiddenLine xmlns:a14="http://schemas.microsoft.com/office/drawing/2010/main" w="9525">
+                <a:solidFill>
+                  <a:srgbClr val="000000"/>
+                </a:solidFill>
+                <a:miter lim="800000"/>
+                <a:headEnd/>
+                <a:tailEnd/>
+              </a14:hiddenLine>
+            </a:ext>
+          </a:extLst>
+        </p:spPr>
+        <p:txBody>
+          <a:bodyPr/>
+          <a:lstStyle/>
+          <a:p>
+            <a:pPr marL="0" marR="0" algn="r" rtl="1">
+              <a:lnSpc>
+                <a:spcPct val="107000"/>
+              </a:lnSpc>
+              <a:spcBef>
+                <a:spcPts val="0"/>
+              </a:spcBef>
+              <a:spcAft>
+                <a:spcPts val="800"/>
+              </a:spcAft>
+            </a:pPr>
+            <a:r>
+              <a:rPr lang="ar-SA" sz="1500" b="1" dirty="0">
+                <a:solidFill>
+                  <a:srgbClr val="1F1F1F"/>
+                </a:solidFill>
+                <a:effectLst/>
+                <a:latin typeface="Arial" panose="020B0604020202020204" pitchFamily="34" charset="0"/>
+                <a:ea typeface="Times New Roman" panose="02020603050405020304" pitchFamily="18" charset="0"/>
+                <a:cs typeface="B Nazanin" panose="00000400000000000000" pitchFamily="2" charset="-78"/>
+              </a:rPr>
+              <a:t>تعهد و بازگشت</a:t>
+            </a:r>
+            <a:r>
+              <a:rPr lang="en-US" sz="1500" b="1" dirty="0">
+                <a:solidFill>
+                  <a:srgbClr val="1F1F1F"/>
+                </a:solidFill>
+                <a:effectLst/>
+                <a:latin typeface="Arial" panose="020B0604020202020204" pitchFamily="34" charset="0"/>
+                <a:ea typeface="Times New Roman" panose="02020603050405020304" pitchFamily="18" charset="0"/>
+                <a:cs typeface="B Nazanin" panose="00000400000000000000" pitchFamily="2" charset="-78"/>
+              </a:rPr>
+              <a:t> (Commit and Rollback) </a:t>
+            </a:r>
+            <a:r>
+              <a:rPr lang="ar-SA" sz="1500" b="1" dirty="0">
+                <a:solidFill>
+                  <a:srgbClr val="1F1F1F"/>
+                </a:solidFill>
+                <a:effectLst/>
+                <a:latin typeface="Arial" panose="020B0604020202020204" pitchFamily="34" charset="0"/>
+                <a:ea typeface="Times New Roman" panose="02020603050405020304" pitchFamily="18" charset="0"/>
+                <a:cs typeface="B Nazanin" panose="00000400000000000000" pitchFamily="2" charset="-78"/>
+              </a:rPr>
+              <a:t>در</a:t>
+            </a:r>
+            <a:r>
+              <a:rPr lang="en-US" sz="1500" b="1" dirty="0">
+                <a:solidFill>
+                  <a:srgbClr val="1F1F1F"/>
+                </a:solidFill>
+                <a:effectLst/>
+                <a:latin typeface="Arial" panose="020B0604020202020204" pitchFamily="34" charset="0"/>
+                <a:ea typeface="Times New Roman" panose="02020603050405020304" pitchFamily="18" charset="0"/>
+                <a:cs typeface="B Nazanin" panose="00000400000000000000" pitchFamily="2" charset="-78"/>
+              </a:rPr>
+              <a:t> SQL:</a:t>
+            </a:r>
+            <a:endParaRPr lang="en-US" sz="1100" dirty="0">
+              <a:effectLst/>
+              <a:latin typeface="Calibri" panose="020F0502020204030204" pitchFamily="34" charset="0"/>
+              <a:ea typeface="Calibri" panose="020F0502020204030204" pitchFamily="34" charset="0"/>
+              <a:cs typeface="Arial" panose="020B0604020202020204" pitchFamily="34" charset="0"/>
+            </a:endParaRPr>
+          </a:p>
+          <a:p>
+            <a:pPr marL="342900" marR="0" lvl="0" indent="-342900" algn="r" rtl="1">
+              <a:lnSpc>
+                <a:spcPct val="107000"/>
+              </a:lnSpc>
+              <a:spcBef>
+                <a:spcPts val="0"/>
+              </a:spcBef>
+              <a:spcAft>
+                <a:spcPts val="0"/>
+              </a:spcAft>
               <a:buSzPts val="1000"/>
               <a:buFont typeface="Symbol" panose="05050102010706020507" pitchFamily="18" charset="2"/>
               <a:buChar char=""/>
@@ -19220,7 +18944,7 @@
               </a:tabLst>
             </a:pPr>
             <a:r>
-              <a:rPr lang="ar-SA" sz="1500" b="1" dirty="0">
+              <a:rPr lang="ar-SA" sz="1500" dirty="0">
                 <a:solidFill>
                   <a:srgbClr val="1F1F1F"/>
                 </a:solidFill>
@@ -19229,10 +18953,110 @@
                 <a:ea typeface="Times New Roman" panose="02020603050405020304" pitchFamily="18" charset="0"/>
                 <a:cs typeface="B Nazanin" panose="00000400000000000000" pitchFamily="2" charset="-78"/>
               </a:rPr>
-              <a:t>قفل کل پایگاه داده در مقابل قفل کردن روی آیتم‌ها</a:t>
-            </a:r>
-            <a:r>
-              <a:rPr lang="en-US" sz="1500" b="1" dirty="0">
+              <a:t>در</a:t>
+            </a:r>
+            <a:r>
+              <a:rPr lang="en-US" sz="1500" dirty="0">
+                <a:solidFill>
+                  <a:srgbClr val="1F1F1F"/>
+                </a:solidFill>
+                <a:effectLst/>
+                <a:latin typeface="Arial" panose="020B0604020202020204" pitchFamily="34" charset="0"/>
+                <a:ea typeface="Times New Roman" panose="02020603050405020304" pitchFamily="18" charset="0"/>
+                <a:cs typeface="B Nazanin" panose="00000400000000000000" pitchFamily="2" charset="-78"/>
+              </a:rPr>
+              <a:t> SQL</a:t>
+            </a:r>
+            <a:r>
+              <a:rPr lang="ar-SA" sz="1500" dirty="0">
+                <a:solidFill>
+                  <a:srgbClr val="1F1F1F"/>
+                </a:solidFill>
+                <a:effectLst/>
+                <a:latin typeface="Arial" panose="020B0604020202020204" pitchFamily="34" charset="0"/>
+                <a:ea typeface="Times New Roman" panose="02020603050405020304" pitchFamily="18" charset="0"/>
+                <a:cs typeface="B Nazanin" panose="00000400000000000000" pitchFamily="2" charset="-78"/>
+              </a:rPr>
+              <a:t>، یک تراکنش به طور ضمنی شروع می‌شود</a:t>
+            </a:r>
+            <a:r>
+              <a:rPr lang="en-US" sz="1500" dirty="0">
+                <a:solidFill>
+                  <a:srgbClr val="1F1F1F"/>
+                </a:solidFill>
+                <a:effectLst/>
+                <a:latin typeface="Arial" panose="020B0604020202020204" pitchFamily="34" charset="0"/>
+                <a:ea typeface="Times New Roman" panose="02020603050405020304" pitchFamily="18" charset="0"/>
+                <a:cs typeface="B Nazanin" panose="00000400000000000000" pitchFamily="2" charset="-78"/>
+              </a:rPr>
+              <a:t>.</a:t>
+            </a:r>
+            <a:endParaRPr lang="en-US" sz="1100" dirty="0">
+              <a:solidFill>
+                <a:srgbClr val="1F1F1F"/>
+              </a:solidFill>
+              <a:effectLst/>
+              <a:latin typeface="Calibri" panose="020F0502020204030204" pitchFamily="34" charset="0"/>
+              <a:ea typeface="Calibri" panose="020F0502020204030204" pitchFamily="34" charset="0"/>
+              <a:cs typeface="Arial" panose="020B0604020202020204" pitchFamily="34" charset="0"/>
+            </a:endParaRPr>
+          </a:p>
+          <a:p>
+            <a:pPr marL="342900" marR="0" lvl="0" indent="-342900" algn="r" rtl="1">
+              <a:lnSpc>
+                <a:spcPct val="107000"/>
+              </a:lnSpc>
+              <a:spcBef>
+                <a:spcPts val="0"/>
+              </a:spcBef>
+              <a:spcAft>
+                <a:spcPts val="0"/>
+              </a:spcAft>
+              <a:buSzPts val="1000"/>
+              <a:buFont typeface="Symbol" panose="05050102010706020507" pitchFamily="18" charset="2"/>
+              <a:buChar char=""/>
+              <a:tabLst>
+                <a:tab pos="457200" algn="l"/>
+              </a:tabLst>
+            </a:pPr>
+            <a:r>
+              <a:rPr lang="ar-SA" sz="1500" dirty="0">
+                <a:solidFill>
+                  <a:srgbClr val="1F1F1F"/>
+                </a:solidFill>
+                <a:effectLst/>
+                <a:latin typeface="Arial" panose="020B0604020202020204" pitchFamily="34" charset="0"/>
+                <a:ea typeface="Times New Roman" panose="02020603050405020304" pitchFamily="18" charset="0"/>
+                <a:cs typeface="B Nazanin" panose="00000400000000000000" pitchFamily="2" charset="-78"/>
+              </a:rPr>
+              <a:t>یک تراکنش در</a:t>
+            </a:r>
+            <a:r>
+              <a:rPr lang="en-US" sz="1500" dirty="0">
+                <a:solidFill>
+                  <a:srgbClr val="1F1F1F"/>
+                </a:solidFill>
+                <a:effectLst/>
+                <a:latin typeface="Arial" panose="020B0604020202020204" pitchFamily="34" charset="0"/>
+                <a:ea typeface="Times New Roman" panose="02020603050405020304" pitchFamily="18" charset="0"/>
+                <a:cs typeface="B Nazanin" panose="00000400000000000000" pitchFamily="2" charset="-78"/>
+              </a:rPr>
+              <a:t> SQL </a:t>
+            </a:r>
+            <a:r>
+              <a:rPr lang="ar-SA" sz="1500" dirty="0">
+                <a:solidFill>
+                  <a:srgbClr val="1F1F1F"/>
+                </a:solidFill>
+                <a:effectLst/>
+                <a:latin typeface="Arial" panose="020B0604020202020204" pitchFamily="34" charset="0"/>
+                <a:ea typeface="Times New Roman" panose="02020603050405020304" pitchFamily="18" charset="0"/>
+                <a:cs typeface="B Nazanin" panose="00000400000000000000" pitchFamily="2" charset="-78"/>
+              </a:rPr>
+              <a:t>با موارد زیر پایان می‌یابد</a:t>
+            </a:r>
+            <a:r>
+              <a:rPr lang="en-US" sz="1500" dirty="0">
                 <a:solidFill>
                   <a:srgbClr val="1F1F1F"/>
                 </a:solidFill>
@@ -19272,6 +19096,30 @@
               </a:tabLst>
             </a:pPr>
             <a:r>
+              <a:rPr lang="en-US" sz="1000" dirty="0">
+                <a:solidFill>
+                  <a:srgbClr val="1F1F1F"/>
+                </a:solidFill>
+                <a:effectLst/>
+                <a:latin typeface="Courier New" panose="02070309020205020404" pitchFamily="49" charset="0"/>
+                <a:ea typeface="Times New Roman" panose="02020603050405020304" pitchFamily="18" charset="0"/>
+                <a:cs typeface="B Nazanin" panose="00000400000000000000" pitchFamily="2" charset="-78"/>
+              </a:rPr>
+              <a:t>commit work</a:t>
+            </a:r>
+            <a:r>
+              <a:rPr lang="en-US" sz="1500" dirty="0">
+                <a:solidFill>
+                  <a:srgbClr val="1F1F1F"/>
+                </a:solidFill>
+                <a:effectLst/>
+                <a:latin typeface="Arial" panose="020B0604020202020204" pitchFamily="34" charset="0"/>
+                <a:ea typeface="Times New Roman" panose="02020603050405020304" pitchFamily="18" charset="0"/>
+                <a:cs typeface="B Nazanin" panose="00000400000000000000" pitchFamily="2" charset="-78"/>
+              </a:rPr>
+              <a:t>: </a:t>
+            </a:r>
+            <a:r>
               <a:rPr lang="ar-SA" sz="1500" dirty="0">
                 <a:solidFill>
                   <a:srgbClr val="1F1F1F"/>
@@ -19281,7 +19129,7 @@
                 <a:ea typeface="Times New Roman" panose="02020603050405020304" pitchFamily="18" charset="0"/>
                 <a:cs typeface="B Nazanin" panose="00000400000000000000" pitchFamily="2" charset="-78"/>
               </a:rPr>
-              <a:t>قفل کل پایگاه داده: ساده برای اجرا اما باعث همزمانی ضعیف می‌شود (زیرا هیچ تراکنشی نمی‌تواند در حین اجرای تراکنش دیگر اجرا شود)</a:t>
+              <a:t>تراکنش جاری را متعهد می‌کند و یک تراکنش جدید را آغاز می‌کند</a:t>
             </a:r>
             <a:r>
               <a:rPr lang="en-US" sz="1500" dirty="0">
@@ -19324,6 +19172,30 @@
               </a:tabLst>
             </a:pPr>
             <a:r>
+              <a:rPr lang="en-US" sz="1000" dirty="0">
+                <a:solidFill>
+                  <a:srgbClr val="1F1F1F"/>
+                </a:solidFill>
+                <a:effectLst/>
+                <a:latin typeface="Courier New" panose="02070309020205020404" pitchFamily="49" charset="0"/>
+                <a:ea typeface="Times New Roman" panose="02020603050405020304" pitchFamily="18" charset="0"/>
+                <a:cs typeface="B Nazanin" panose="00000400000000000000" pitchFamily="2" charset="-78"/>
+              </a:rPr>
+              <a:t>rollback work</a:t>
+            </a:r>
+            <a:r>
+              <a:rPr lang="en-US" sz="1500" dirty="0">
+                <a:solidFill>
+                  <a:srgbClr val="1F1F1F"/>
+                </a:solidFill>
+                <a:effectLst/>
+                <a:latin typeface="Arial" panose="020B0604020202020204" pitchFamily="34" charset="0"/>
+                <a:ea typeface="Times New Roman" panose="02020603050405020304" pitchFamily="18" charset="0"/>
+                <a:cs typeface="B Nazanin" panose="00000400000000000000" pitchFamily="2" charset="-78"/>
+              </a:rPr>
+              <a:t>: </a:t>
+            </a:r>
+            <a:r>
               <a:rPr lang="ar-SA" sz="1500" dirty="0">
                 <a:solidFill>
                   <a:srgbClr val="1F1F1F"/>
@@ -19333,307 +19205,7 @@
                 <a:ea typeface="Times New Roman" panose="02020603050405020304" pitchFamily="18" charset="0"/>
                 <a:cs typeface="B Nazanin" panose="00000400000000000000" pitchFamily="2" charset="-78"/>
               </a:rPr>
-              <a:t>قفل کردن روی آیتم‌ها: باعث همزمانی بهتر می‌شود، اما پیچیدگی بیشتری دارد (نیاز به ردیابی این است که کدام تراکنش‌ها کدام آیتم‌ها را قفل کرده‌اند)</a:t>
-            </a:r>
-            <a:r>
-              <a:rPr lang="en-US" sz="1500" dirty="0">
-                <a:solidFill>
-                  <a:srgbClr val="1F1F1F"/>
-                </a:solidFill>
-                <a:effectLst/>
-                <a:latin typeface="Arial" panose="020B0604020202020204" pitchFamily="34" charset="0"/>
-                <a:ea typeface="Times New Roman" panose="02020603050405020304" pitchFamily="18" charset="0"/>
-                <a:cs typeface="B Nazanin" panose="00000400000000000000" pitchFamily="2" charset="-78"/>
-              </a:rPr>
-              <a:t>.</a:t>
-            </a:r>
-            <a:endParaRPr lang="en-US" sz="1100" dirty="0">
-              <a:solidFill>
-                <a:srgbClr val="1F1F1F"/>
-              </a:solidFill>
-              <a:effectLst/>
-              <a:latin typeface="Calibri" panose="020F0502020204030204" pitchFamily="34" charset="0"/>
-              <a:ea typeface="Calibri" panose="020F0502020204030204" pitchFamily="34" charset="0"/>
-              <a:cs typeface="Times New Roman" panose="02020603050405020304" pitchFamily="18" charset="0"/>
-            </a:endParaRPr>
-          </a:p>
-          <a:p>
-            <a:pPr marL="342900" marR="0" lvl="0" indent="-342900" algn="r" rtl="1">
-              <a:lnSpc>
-                <a:spcPct val="107000"/>
-              </a:lnSpc>
-              <a:spcBef>
-                <a:spcPts val="0"/>
-              </a:spcBef>
-              <a:spcAft>
-                <a:spcPts val="800"/>
-              </a:spcAft>
-              <a:buSzPts val="1000"/>
-              <a:buFont typeface="Symbol" panose="05050102010706020507" pitchFamily="18" charset="2"/>
-              <a:buChar char=""/>
-              <a:tabLst>
-                <a:tab pos="457200" algn="l"/>
-              </a:tabLst>
-            </a:pPr>
-            <a:r>
-              <a:rPr lang="ar-SA" sz="1500" b="1" dirty="0">
-                <a:solidFill>
-                  <a:srgbClr val="1F1F1F"/>
-                </a:solidFill>
-                <a:effectLst/>
-                <a:latin typeface="Arial" panose="020B0604020202020204" pitchFamily="34" charset="0"/>
-                <a:ea typeface="Times New Roman" panose="02020603050405020304" pitchFamily="18" charset="0"/>
-                <a:cs typeface="B Nazanin" panose="00000400000000000000" pitchFamily="2" charset="-78"/>
-              </a:rPr>
-              <a:t>نگهداشتن قفل برای چه مدت؟</a:t>
-            </a:r>
-            <a:endParaRPr lang="en-US" sz="1100" dirty="0">
-              <a:solidFill>
-                <a:srgbClr val="1F1F1F"/>
-              </a:solidFill>
-              <a:effectLst/>
-              <a:latin typeface="Calibri" panose="020F0502020204030204" pitchFamily="34" charset="0"/>
-              <a:ea typeface="Calibri" panose="020F0502020204030204" pitchFamily="34" charset="0"/>
-              <a:cs typeface="Arial" panose="020B0604020202020204" pitchFamily="34" charset="0"/>
-            </a:endParaRPr>
-          </a:p>
-          <a:p>
-            <a:pPr marL="742950" marR="0" lvl="1" indent="-285750" algn="r" rtl="1">
-              <a:lnSpc>
-                <a:spcPct val="107000"/>
-              </a:lnSpc>
-              <a:spcBef>
-                <a:spcPts val="0"/>
-              </a:spcBef>
-              <a:spcAft>
-                <a:spcPts val="0"/>
-              </a:spcAft>
-              <a:buSzPts val="1000"/>
-              <a:buFont typeface="Courier New" panose="02070309020205020404" pitchFamily="49" charset="0"/>
-              <a:buChar char="o"/>
-              <a:tabLst>
-                <a:tab pos="914400" algn="l"/>
-              </a:tabLst>
-            </a:pPr>
-            <a:r>
-              <a:rPr lang="ar-SA" sz="1500" dirty="0">
-                <a:solidFill>
-                  <a:srgbClr val="1F1F1F"/>
-                </a:solidFill>
-                <a:effectLst/>
-                <a:latin typeface="Arial" panose="020B0604020202020204" pitchFamily="34" charset="0"/>
-                <a:ea typeface="Times New Roman" panose="02020603050405020304" pitchFamily="18" charset="0"/>
-                <a:cs typeface="B Nazanin" panose="00000400000000000000" pitchFamily="2" charset="-78"/>
-              </a:rPr>
-              <a:t>قفل‌ها را می‌توان تا زمانی که تراکنش به آن آیتم نیاز دارد، نگه داشت (نگهداشتن کوتاه مدت قفل)</a:t>
-            </a:r>
-            <a:r>
-              <a:rPr lang="en-US" sz="1500" dirty="0">
-                <a:solidFill>
-                  <a:srgbClr val="1F1F1F"/>
-                </a:solidFill>
-                <a:effectLst/>
-                <a:latin typeface="Arial" panose="020B0604020202020204" pitchFamily="34" charset="0"/>
-                <a:ea typeface="Times New Roman" panose="02020603050405020304" pitchFamily="18" charset="0"/>
-                <a:cs typeface="B Nazanin" panose="00000400000000000000" pitchFamily="2" charset="-78"/>
-              </a:rPr>
-              <a:t>.</a:t>
-            </a:r>
-            <a:endParaRPr lang="en-US" sz="1100" dirty="0">
-              <a:solidFill>
-                <a:srgbClr val="1F1F1F"/>
-              </a:solidFill>
-              <a:effectLst/>
-              <a:latin typeface="Calibri" panose="020F0502020204030204" pitchFamily="34" charset="0"/>
-              <a:ea typeface="Calibri" panose="020F0502020204030204" pitchFamily="34" charset="0"/>
-              <a:cs typeface="Times New Roman" panose="02020603050405020304" pitchFamily="18" charset="0"/>
-            </a:endParaRPr>
-          </a:p>
-          <a:p>
-            <a:pPr marL="742950" marR="0" lvl="1" indent="-285750" algn="r" rtl="1">
-              <a:lnSpc>
-                <a:spcPct val="107000"/>
-              </a:lnSpc>
-              <a:spcBef>
-                <a:spcPts val="0"/>
-              </a:spcBef>
-              <a:spcAft>
-                <a:spcPts val="0"/>
-              </a:spcAft>
-              <a:buSzPts val="1000"/>
-              <a:buFont typeface="Courier New" panose="02070309020205020404" pitchFamily="49" charset="0"/>
-              <a:buChar char="o"/>
-              <a:tabLst>
-                <a:tab pos="914400" algn="l"/>
-              </a:tabLst>
-            </a:pPr>
-            <a:r>
-              <a:rPr lang="ar-SA" sz="1500" dirty="0">
-                <a:solidFill>
-                  <a:srgbClr val="1F1F1F"/>
-                </a:solidFill>
-                <a:effectLst/>
-                <a:latin typeface="Arial" panose="020B0604020202020204" pitchFamily="34" charset="0"/>
-                <a:ea typeface="Times New Roman" panose="02020603050405020304" pitchFamily="18" charset="0"/>
-                <a:cs typeface="B Nazanin" panose="00000400000000000000" pitchFamily="2" charset="-78"/>
-              </a:rPr>
-              <a:t>قفل‌ها را می‌توان تا زمانی که کل تراکنش کامل شود، نگه داشت (نگهداشتن بلند مدت قفل)</a:t>
-            </a:r>
-            <a:r>
-              <a:rPr lang="en-US" sz="1500" dirty="0">
-                <a:solidFill>
-                  <a:srgbClr val="1F1F1F"/>
-                </a:solidFill>
-                <a:effectLst/>
-                <a:latin typeface="Arial" panose="020B0604020202020204" pitchFamily="34" charset="0"/>
-                <a:ea typeface="Times New Roman" panose="02020603050405020304" pitchFamily="18" charset="0"/>
-                <a:cs typeface="B Nazanin" panose="00000400000000000000" pitchFamily="2" charset="-78"/>
-              </a:rPr>
-              <a:t>.</a:t>
-            </a:r>
-            <a:endParaRPr lang="en-US" sz="1100" dirty="0">
-              <a:solidFill>
-                <a:srgbClr val="1F1F1F"/>
-              </a:solidFill>
-              <a:effectLst/>
-              <a:latin typeface="Calibri" panose="020F0502020204030204" pitchFamily="34" charset="0"/>
-              <a:ea typeface="Calibri" panose="020F0502020204030204" pitchFamily="34" charset="0"/>
-              <a:cs typeface="Times New Roman" panose="02020603050405020304" pitchFamily="18" charset="0"/>
-            </a:endParaRPr>
-          </a:p>
-          <a:p>
-            <a:pPr marL="342900" marR="0" lvl="0" indent="-342900" algn="r" rtl="1">
-              <a:lnSpc>
-                <a:spcPct val="107000"/>
-              </a:lnSpc>
-              <a:spcBef>
-                <a:spcPts val="0"/>
-              </a:spcBef>
-              <a:spcAft>
-                <a:spcPts val="800"/>
-              </a:spcAft>
-              <a:buSzPts val="1000"/>
-              <a:buFont typeface="Symbol" panose="05050102010706020507" pitchFamily="18" charset="2"/>
-              <a:buChar char=""/>
-              <a:tabLst>
-                <a:tab pos="457200" algn="l"/>
-              </a:tabLst>
-            </a:pPr>
-            <a:r>
-              <a:rPr lang="ar-SA" sz="1500" b="1" dirty="0">
-                <a:solidFill>
-                  <a:srgbClr val="1F1F1F"/>
-                </a:solidFill>
-                <a:effectLst/>
-                <a:latin typeface="Arial" panose="020B0604020202020204" pitchFamily="34" charset="0"/>
-                <a:ea typeface="Times New Roman" panose="02020603050405020304" pitchFamily="18" charset="0"/>
-                <a:cs typeface="B Nazanin" panose="00000400000000000000" pitchFamily="2" charset="-78"/>
-              </a:rPr>
-              <a:t>قفل‌های اشتراکی در مقابل قفل‌های انحصاری</a:t>
-            </a:r>
-            <a:r>
-              <a:rPr lang="en-US" sz="1500" b="1" dirty="0">
-                <a:solidFill>
-                  <a:srgbClr val="1F1F1F"/>
-                </a:solidFill>
-                <a:effectLst/>
-                <a:latin typeface="Arial" panose="020B0604020202020204" pitchFamily="34" charset="0"/>
-                <a:ea typeface="Times New Roman" panose="02020603050405020304" pitchFamily="18" charset="0"/>
-                <a:cs typeface="B Nazanin" panose="00000400000000000000" pitchFamily="2" charset="-78"/>
-              </a:rPr>
-              <a:t>:</a:t>
-            </a:r>
-            <a:endParaRPr lang="en-US" sz="1100" dirty="0">
-              <a:solidFill>
-                <a:srgbClr val="1F1F1F"/>
-              </a:solidFill>
-              <a:effectLst/>
-              <a:latin typeface="Calibri" panose="020F0502020204030204" pitchFamily="34" charset="0"/>
-              <a:ea typeface="Calibri" panose="020F0502020204030204" pitchFamily="34" charset="0"/>
-              <a:cs typeface="Arial" panose="020B0604020202020204" pitchFamily="34" charset="0"/>
-            </a:endParaRPr>
-          </a:p>
-          <a:p>
-            <a:pPr marL="742950" marR="0" lvl="1" indent="-285750" algn="r" rtl="1">
-              <a:lnSpc>
-                <a:spcPct val="107000"/>
-              </a:lnSpc>
-              <a:spcBef>
-                <a:spcPts val="0"/>
-              </a:spcBef>
-              <a:spcAft>
-                <a:spcPts val="0"/>
-              </a:spcAft>
-              <a:buSzPts val="1000"/>
-              <a:buFont typeface="Courier New" panose="02070309020205020404" pitchFamily="49" charset="0"/>
-              <a:buChar char="o"/>
-              <a:tabLst>
-                <a:tab pos="914400" algn="l"/>
-              </a:tabLst>
-            </a:pPr>
-            <a:r>
-              <a:rPr lang="ar-SA" sz="1500" dirty="0">
-                <a:solidFill>
-                  <a:srgbClr val="1F1F1F"/>
-                </a:solidFill>
-                <a:effectLst/>
-                <a:latin typeface="Arial" panose="020B0604020202020204" pitchFamily="34" charset="0"/>
-                <a:ea typeface="Times New Roman" panose="02020603050405020304" pitchFamily="18" charset="0"/>
-                <a:cs typeface="B Nazanin" panose="00000400000000000000" pitchFamily="2" charset="-78"/>
-              </a:rPr>
-              <a:t>قفل اشتراکی: به چندین تراکنش اجازه می‌دهد همزمان یک آیتم را بخوانند، اما هیچ تراکنشی نمی‌تواند آن را بنویسد</a:t>
-            </a:r>
-            <a:r>
-              <a:rPr lang="en-US" sz="1500" dirty="0">
-                <a:solidFill>
-                  <a:srgbClr val="1F1F1F"/>
-                </a:solidFill>
-                <a:effectLst/>
-                <a:latin typeface="Arial" panose="020B0604020202020204" pitchFamily="34" charset="0"/>
-                <a:ea typeface="Times New Roman" panose="02020603050405020304" pitchFamily="18" charset="0"/>
-                <a:cs typeface="B Nazanin" panose="00000400000000000000" pitchFamily="2" charset="-78"/>
-              </a:rPr>
-              <a:t>.</a:t>
-            </a:r>
-            <a:endParaRPr lang="en-US" sz="1100" dirty="0">
-              <a:solidFill>
-                <a:srgbClr val="1F1F1F"/>
-              </a:solidFill>
-              <a:effectLst/>
-              <a:latin typeface="Calibri" panose="020F0502020204030204" pitchFamily="34" charset="0"/>
-              <a:ea typeface="Calibri" panose="020F0502020204030204" pitchFamily="34" charset="0"/>
-              <a:cs typeface="Times New Roman" panose="02020603050405020304" pitchFamily="18" charset="0"/>
-            </a:endParaRPr>
-          </a:p>
-          <a:p>
-            <a:pPr marL="742950" marR="0" lvl="1" indent="-285750" algn="r" rtl="1">
-              <a:lnSpc>
-                <a:spcPct val="107000"/>
-              </a:lnSpc>
-              <a:spcBef>
-                <a:spcPts val="0"/>
-              </a:spcBef>
-              <a:spcAft>
-                <a:spcPts val="0"/>
-              </a:spcAft>
-              <a:buSzPts val="1000"/>
-              <a:buFont typeface="Courier New" panose="02070309020205020404" pitchFamily="49" charset="0"/>
-              <a:buChar char="o"/>
-              <a:tabLst>
-                <a:tab pos="914400" algn="l"/>
-              </a:tabLst>
-            </a:pPr>
-            <a:r>
-              <a:rPr lang="ar-SA" sz="1500" dirty="0">
-                <a:solidFill>
-                  <a:srgbClr val="1F1F1F"/>
-                </a:solidFill>
-                <a:effectLst/>
-                <a:latin typeface="Arial" panose="020B0604020202020204" pitchFamily="34" charset="0"/>
-                <a:ea typeface="Times New Roman" panose="02020603050405020304" pitchFamily="18" charset="0"/>
-                <a:cs typeface="B Nazanin" panose="00000400000000000000" pitchFamily="2" charset="-78"/>
-              </a:rPr>
-              <a:t>قفل انحصاری: فقط به یک تراکنش اجازه می‌دهد یک آیتم را بخواند یا بنویسد. هیچ تراکنش دیگری نمی‌تواند در همان زمان به آن آیتم دسترسی داشته باشد</a:t>
+              <a:t>باعث می‌شود تراکنش جاری لغو شود</a:t>
             </a:r>
             <a:r>
               <a:rPr lang="en-US" sz="1500" dirty="0">
@@ -19670,7 +19242,7 @@
               </a:spcAft>
             </a:pPr>
             <a:r>
-              <a:rPr lang="ar-SA" sz="1500" b="1" dirty="0">
+              <a:rPr lang="ar-SA" sz="1500" dirty="0">
                 <a:solidFill>
                   <a:srgbClr val="1F1F1F"/>
                 </a:solidFill>
@@ -19679,10 +19251,10 @@
                 <a:ea typeface="Times New Roman" panose="02020603050405020304" pitchFamily="18" charset="0"/>
                 <a:cs typeface="B Nazanin" panose="00000400000000000000" pitchFamily="2" charset="-78"/>
               </a:rPr>
-              <a:t>برچسب‌های زمانی</a:t>
-            </a:r>
-            <a:r>
-              <a:rPr lang="en-US" sz="1500" b="1" dirty="0">
+              <a:t>در اکثر سیستم‌های پایگاه داده، به طور پیش فرض، هر دستور</a:t>
+            </a:r>
+            <a:r>
+              <a:rPr lang="en-US" sz="1500" dirty="0">
                 <a:solidFill>
                   <a:srgbClr val="1F1F1F"/>
                 </a:solidFill>
@@ -19691,617 +19263,37 @@
                 <a:ea typeface="Times New Roman" panose="02020603050405020304" pitchFamily="18" charset="0"/>
                 <a:cs typeface="B Nazanin" panose="00000400000000000000" pitchFamily="2" charset="-78"/>
               </a:rPr>
-              <a:t> (Timestamps):</a:t>
+              <a:t> SQL </a:t>
+            </a:r>
+            <a:r>
+              <a:rPr lang="ar-SA" sz="1500" dirty="0">
+                <a:solidFill>
+                  <a:srgbClr val="1F1F1F"/>
+                </a:solidFill>
+                <a:effectLst/>
+                <a:latin typeface="Arial" panose="020B0604020202020204" pitchFamily="34" charset="0"/>
+                <a:ea typeface="Times New Roman" panose="02020603050405020304" pitchFamily="18" charset="0"/>
+                <a:cs typeface="B Nazanin" panose="00000400000000000000" pitchFamily="2" charset="-78"/>
+              </a:rPr>
+              <a:t>نیز در صورت اجرای موفقیت آمیز، به طور ضمنی انجام می‌شود</a:t>
+            </a:r>
+            <a:r>
+              <a:rPr lang="en-US" sz="1500" dirty="0">
+                <a:solidFill>
+                  <a:srgbClr val="1F1F1F"/>
+                </a:solidFill>
+                <a:effectLst/>
+                <a:latin typeface="Arial" panose="020B0604020202020204" pitchFamily="34" charset="0"/>
+                <a:ea typeface="Times New Roman" panose="02020603050405020304" pitchFamily="18" charset="0"/>
+                <a:cs typeface="B Nazanin" panose="00000400000000000000" pitchFamily="2" charset="-78"/>
+              </a:rPr>
+              <a:t>.</a:t>
             </a:r>
             <a:endParaRPr lang="en-US" sz="1100" dirty="0">
               <a:effectLst/>
               <a:latin typeface="Calibri" panose="020F0502020204030204" pitchFamily="34" charset="0"/>
               <a:ea typeface="Calibri" panose="020F0502020204030204" pitchFamily="34" charset="0"/>
               <a:cs typeface="Arial" panose="020B0604020202020204" pitchFamily="34" charset="0"/>
-            </a:endParaRPr>
-          </a:p>
-          <a:p>
-            <a:pPr marL="342900" marR="0" lvl="0" indent="-342900" algn="r" rtl="1">
-              <a:lnSpc>
-                <a:spcPct val="107000"/>
-              </a:lnSpc>
-              <a:spcBef>
-                <a:spcPts val="0"/>
-              </a:spcBef>
-              <a:spcAft>
-                <a:spcPts val="800"/>
-              </a:spcAft>
-              <a:buSzPts val="1000"/>
-              <a:buFont typeface="Symbol" panose="05050102010706020507" pitchFamily="18" charset="2"/>
-              <a:buChar char=""/>
-              <a:tabLst>
-                <a:tab pos="457200" algn="l"/>
-              </a:tabLst>
-            </a:pPr>
-            <a:r>
-              <a:rPr lang="ar-SA" sz="1500" dirty="0">
-                <a:solidFill>
-                  <a:srgbClr val="1F1F1F"/>
-                </a:solidFill>
-                <a:effectLst/>
-                <a:latin typeface="Arial" panose="020B0604020202020204" pitchFamily="34" charset="0"/>
-                <a:ea typeface="Times New Roman" panose="02020603050405020304" pitchFamily="18" charset="0"/>
-                <a:cs typeface="B Nazanin" panose="00000400000000000000" pitchFamily="2" charset="-78"/>
-              </a:rPr>
-              <a:t>به هر تراکنش، هنگام شروع آن، یک برچسب زمانی اختصاص داده می‌شود</a:t>
-            </a:r>
-            <a:r>
-              <a:rPr lang="en-US" sz="1500" dirty="0">
-                <a:solidFill>
-                  <a:srgbClr val="1F1F1F"/>
-                </a:solidFill>
-                <a:effectLst/>
-                <a:latin typeface="Arial" panose="020B0604020202020204" pitchFamily="34" charset="0"/>
-                <a:ea typeface="Times New Roman" panose="02020603050405020304" pitchFamily="18" charset="0"/>
-                <a:cs typeface="B Nazanin" panose="00000400000000000000" pitchFamily="2" charset="-78"/>
-              </a:rPr>
-              <a:t>.</a:t>
-            </a:r>
-            <a:endParaRPr lang="en-US" sz="1100" dirty="0">
-              <a:solidFill>
-                <a:srgbClr val="1F1F1F"/>
-              </a:solidFill>
-              <a:effectLst/>
-              <a:latin typeface="Calibri" panose="020F0502020204030204" pitchFamily="34" charset="0"/>
-              <a:ea typeface="Calibri" panose="020F0502020204030204" pitchFamily="34" charset="0"/>
-              <a:cs typeface="Arial" panose="020B0604020202020204" pitchFamily="34" charset="0"/>
-            </a:endParaRPr>
-          </a:p>
-          <a:p>
-            <a:pPr marL="342900" marR="0" lvl="0" indent="-342900" algn="r" rtl="1">
-              <a:lnSpc>
-                <a:spcPct val="107000"/>
-              </a:lnSpc>
-              <a:spcBef>
-                <a:spcPts val="0"/>
-              </a:spcBef>
-              <a:spcAft>
-                <a:spcPts val="800"/>
-              </a:spcAft>
-              <a:buSzPts val="1000"/>
-              <a:buFont typeface="Symbol" panose="05050102010706020507" pitchFamily="18" charset="2"/>
-              <a:buChar char=""/>
-              <a:tabLst>
-                <a:tab pos="457200" algn="l"/>
-              </a:tabLst>
-            </a:pPr>
-            <a:r>
-              <a:rPr lang="ar-SA" sz="1500" dirty="0">
-                <a:solidFill>
-                  <a:srgbClr val="1F1F1F"/>
-                </a:solidFill>
-                <a:effectLst/>
-                <a:latin typeface="Arial" panose="020B0604020202020204" pitchFamily="34" charset="0"/>
-                <a:ea typeface="Times New Roman" panose="02020603050405020304" pitchFamily="18" charset="0"/>
-                <a:cs typeface="B Nazanin" panose="00000400000000000000" pitchFamily="2" charset="-78"/>
-              </a:rPr>
-              <a:t>هر آیتم داده دو برچسب زمانی را ذخیره می‌کند</a:t>
-            </a:r>
-            <a:r>
-              <a:rPr lang="en-US" sz="1500" dirty="0">
-                <a:solidFill>
-                  <a:srgbClr val="1F1F1F"/>
-                </a:solidFill>
-                <a:effectLst/>
-                <a:latin typeface="Arial" panose="020B0604020202020204" pitchFamily="34" charset="0"/>
-                <a:ea typeface="Times New Roman" panose="02020603050405020304" pitchFamily="18" charset="0"/>
-                <a:cs typeface="B Nazanin" panose="00000400000000000000" pitchFamily="2" charset="-78"/>
-              </a:rPr>
-              <a:t>:</a:t>
-            </a:r>
-            <a:endParaRPr lang="en-US" sz="1100" dirty="0">
-              <a:solidFill>
-                <a:srgbClr val="1F1F1F"/>
-              </a:solidFill>
-              <a:effectLst/>
-              <a:latin typeface="Calibri" panose="020F0502020204030204" pitchFamily="34" charset="0"/>
-              <a:ea typeface="Calibri" panose="020F0502020204030204" pitchFamily="34" charset="0"/>
-              <a:cs typeface="Arial" panose="020B0604020202020204" pitchFamily="34" charset="0"/>
-            </a:endParaRPr>
-          </a:p>
-          <a:p>
-            <a:pPr marL="742950" marR="0" lvl="1" indent="-285750" algn="r" rtl="1">
-              <a:lnSpc>
-                <a:spcPct val="107000"/>
-              </a:lnSpc>
-              <a:spcBef>
-                <a:spcPts val="0"/>
-              </a:spcBef>
-              <a:spcAft>
-                <a:spcPts val="0"/>
-              </a:spcAft>
-              <a:buSzPts val="1000"/>
-              <a:buFont typeface="Courier New" panose="02070309020205020404" pitchFamily="49" charset="0"/>
-              <a:buChar char="o"/>
-              <a:tabLst>
-                <a:tab pos="914400" algn="l"/>
-              </a:tabLst>
-            </a:pPr>
-            <a:r>
-              <a:rPr lang="ar-SA" sz="1500" dirty="0">
-                <a:solidFill>
-                  <a:srgbClr val="1F1F1F"/>
-                </a:solidFill>
-                <a:effectLst/>
-                <a:latin typeface="Arial" panose="020B0604020202020204" pitchFamily="34" charset="0"/>
-                <a:ea typeface="Times New Roman" panose="02020603050405020304" pitchFamily="18" charset="0"/>
-                <a:cs typeface="B Nazanin" panose="00000400000000000000" pitchFamily="2" charset="-78"/>
-              </a:rPr>
-              <a:t>برچسب زمانی خواندن</a:t>
-            </a:r>
-            <a:r>
-              <a:rPr lang="en-US" sz="1500" dirty="0">
-                <a:solidFill>
-                  <a:srgbClr val="1F1F1F"/>
-                </a:solidFill>
-                <a:effectLst/>
-                <a:latin typeface="Arial" panose="020B0604020202020204" pitchFamily="34" charset="0"/>
-                <a:ea typeface="Times New Roman" panose="02020603050405020304" pitchFamily="18" charset="0"/>
-                <a:cs typeface="B Nazanin" panose="00000400000000000000" pitchFamily="2" charset="-78"/>
-              </a:rPr>
-              <a:t> (Read Timestamp): </a:t>
-            </a:r>
-            <a:r>
-              <a:rPr lang="ar-SA" sz="1500" dirty="0">
-                <a:solidFill>
-                  <a:srgbClr val="1F1F1F"/>
-                </a:solidFill>
-                <a:effectLst/>
-                <a:latin typeface="Arial" panose="020B0604020202020204" pitchFamily="34" charset="0"/>
-                <a:ea typeface="Times New Roman" panose="02020603050405020304" pitchFamily="18" charset="0"/>
-                <a:cs typeface="B Nazanin" panose="00000400000000000000" pitchFamily="2" charset="-78"/>
-              </a:rPr>
-              <a:t>زمانی که آخرین بار یک تراکنش آن آیتم را خوانده است</a:t>
-            </a:r>
-            <a:r>
-              <a:rPr lang="en-US" sz="1500" dirty="0">
-                <a:solidFill>
-                  <a:srgbClr val="1F1F1F"/>
-                </a:solidFill>
-                <a:effectLst/>
-                <a:latin typeface="Arial" panose="020B0604020202020204" pitchFamily="34" charset="0"/>
-                <a:ea typeface="Times New Roman" panose="02020603050405020304" pitchFamily="18" charset="0"/>
-                <a:cs typeface="B Nazanin" panose="00000400000000000000" pitchFamily="2" charset="-78"/>
-              </a:rPr>
-              <a:t>.</a:t>
-            </a:r>
-            <a:endParaRPr lang="en-US" sz="1100" dirty="0">
-              <a:solidFill>
-                <a:srgbClr val="1F1F1F"/>
-              </a:solidFill>
-              <a:effectLst/>
-              <a:latin typeface="Calibri" panose="020F0502020204030204" pitchFamily="34" charset="0"/>
-              <a:ea typeface="Calibri" panose="020F0502020204030204" pitchFamily="34" charset="0"/>
-              <a:cs typeface="Times New Roman" panose="02020603050405020304" pitchFamily="18" charset="0"/>
-            </a:endParaRPr>
-          </a:p>
-          <a:p>
-            <a:pPr marL="742950" marR="0" lvl="1" indent="-285750" algn="r" rtl="1">
-              <a:lnSpc>
-                <a:spcPct val="107000"/>
-              </a:lnSpc>
-              <a:spcBef>
-                <a:spcPts val="0"/>
-              </a:spcBef>
-              <a:spcAft>
-                <a:spcPts val="0"/>
-              </a:spcAft>
-              <a:buSzPts val="1000"/>
-              <a:buFont typeface="Courier New" panose="02070309020205020404" pitchFamily="49" charset="0"/>
-              <a:buChar char="o"/>
-              <a:tabLst>
-                <a:tab pos="914400" algn="l"/>
-              </a:tabLst>
-            </a:pPr>
-            <a:r>
-              <a:rPr lang="ar-SA" sz="1500" dirty="0">
-                <a:solidFill>
-                  <a:srgbClr val="1F1F1F"/>
-                </a:solidFill>
-                <a:effectLst/>
-                <a:latin typeface="Arial" panose="020B0604020202020204" pitchFamily="34" charset="0"/>
-                <a:ea typeface="Times New Roman" panose="02020603050405020304" pitchFamily="18" charset="0"/>
-                <a:cs typeface="B Nazanin" panose="00000400000000000000" pitchFamily="2" charset="-78"/>
-              </a:rPr>
-              <a:t>برچسب زمانی نوشتن</a:t>
-            </a:r>
-            <a:r>
-              <a:rPr lang="en-US" sz="1500" dirty="0">
-                <a:solidFill>
-                  <a:srgbClr val="1F1F1F"/>
-                </a:solidFill>
-                <a:effectLst/>
-                <a:latin typeface="Arial" panose="020B0604020202020204" pitchFamily="34" charset="0"/>
-                <a:ea typeface="Times New Roman" panose="02020603050405020304" pitchFamily="18" charset="0"/>
-                <a:cs typeface="B Nazanin" panose="00000400000000000000" pitchFamily="2" charset="-78"/>
-              </a:rPr>
-              <a:t> (Write Timestamp): </a:t>
-            </a:r>
-            <a:r>
-              <a:rPr lang="ar-SA" sz="1500" dirty="0">
-                <a:solidFill>
-                  <a:srgbClr val="1F1F1F"/>
-                </a:solidFill>
-                <a:effectLst/>
-                <a:latin typeface="Arial" panose="020B0604020202020204" pitchFamily="34" charset="0"/>
-                <a:ea typeface="Times New Roman" panose="02020603050405020304" pitchFamily="18" charset="0"/>
-                <a:cs typeface="B Nazanin" panose="00000400000000000000" pitchFamily="2" charset="-78"/>
-              </a:rPr>
-              <a:t>زمانی که آخرین بار یک تراکنش آن آیتم را نوشته است</a:t>
-            </a:r>
-            <a:r>
-              <a:rPr lang="en-US" sz="1500" dirty="0">
-                <a:solidFill>
-                  <a:srgbClr val="1F1F1F"/>
-                </a:solidFill>
-                <a:effectLst/>
-                <a:latin typeface="Arial" panose="020B0604020202020204" pitchFamily="34" charset="0"/>
-                <a:ea typeface="Times New Roman" panose="02020603050405020304" pitchFamily="18" charset="0"/>
-                <a:cs typeface="B Nazanin" panose="00000400000000000000" pitchFamily="2" charset="-78"/>
-              </a:rPr>
-              <a:t>.</a:t>
-            </a:r>
-            <a:endParaRPr lang="en-US" sz="1100" dirty="0">
-              <a:solidFill>
-                <a:srgbClr val="1F1F1F"/>
-              </a:solidFill>
-              <a:effectLst/>
-              <a:latin typeface="Calibri" panose="020F0502020204030204" pitchFamily="34" charset="0"/>
-              <a:ea typeface="Calibri" panose="020F0502020204030204" pitchFamily="34" charset="0"/>
-              <a:cs typeface="Times New Roman" panose="02020603050405020304" pitchFamily="18" charset="0"/>
-            </a:endParaRPr>
-          </a:p>
-          <a:p>
-            <a:pPr marL="342900" marR="0" lvl="0" indent="-342900" algn="r" rtl="1">
-              <a:lnSpc>
-                <a:spcPct val="107000"/>
-              </a:lnSpc>
-              <a:spcBef>
-                <a:spcPts val="0"/>
-              </a:spcBef>
-              <a:spcAft>
-                <a:spcPts val="800"/>
-              </a:spcAft>
-              <a:buSzPts val="1000"/>
-              <a:buFont typeface="Symbol" panose="05050102010706020507" pitchFamily="18" charset="2"/>
-              <a:buChar char=""/>
-              <a:tabLst>
-                <a:tab pos="457200" algn="l"/>
-              </a:tabLst>
-            </a:pPr>
-            <a:r>
-              <a:rPr lang="ar-SA" sz="1500" dirty="0">
-                <a:solidFill>
-                  <a:srgbClr val="1F1F1F"/>
-                </a:solidFill>
-                <a:effectLst/>
-                <a:latin typeface="Arial" panose="020B0604020202020204" pitchFamily="34" charset="0"/>
-                <a:ea typeface="Times New Roman" panose="02020603050405020304" pitchFamily="18" charset="0"/>
-                <a:cs typeface="B Nazanin" panose="00000400000000000000" pitchFamily="2" charset="-78"/>
-              </a:rPr>
-              <a:t>از برچسب‌های زمانی برای تشخیص دسترسی‌های خارج از ترتیب استفاده می‌شود</a:t>
-            </a:r>
-            <a:r>
-              <a:rPr lang="en-US" sz="1500" dirty="0">
-                <a:solidFill>
-                  <a:srgbClr val="1F1F1F"/>
-                </a:solidFill>
-                <a:effectLst/>
-                <a:latin typeface="Arial" panose="020B0604020202020204" pitchFamily="34" charset="0"/>
-                <a:ea typeface="Times New Roman" panose="02020603050405020304" pitchFamily="18" charset="0"/>
-                <a:cs typeface="B Nazanin" panose="00000400000000000000" pitchFamily="2" charset="-78"/>
-              </a:rPr>
-              <a:t>.</a:t>
-            </a:r>
-            <a:endParaRPr lang="en-US" sz="1100" dirty="0">
-              <a:solidFill>
-                <a:srgbClr val="1F1F1F"/>
-              </a:solidFill>
-              <a:effectLst/>
-              <a:latin typeface="Calibri" panose="020F0502020204030204" pitchFamily="34" charset="0"/>
-              <a:ea typeface="Calibri" panose="020F0502020204030204" pitchFamily="34" charset="0"/>
-              <a:cs typeface="Arial" panose="020B0604020202020204" pitchFamily="34" charset="0"/>
-            </a:endParaRPr>
-          </a:p>
-          <a:p>
-            <a:pPr marL="742950" marR="0" lvl="1" indent="-285750" algn="r" rtl="1">
-              <a:lnSpc>
-                <a:spcPct val="107000"/>
-              </a:lnSpc>
-              <a:spcBef>
-                <a:spcPts val="0"/>
-              </a:spcBef>
-              <a:spcAft>
-                <a:spcPts val="0"/>
-              </a:spcAft>
-              <a:buSzPts val="1000"/>
-              <a:buFont typeface="Courier New" panose="02070309020205020404" pitchFamily="49" charset="0"/>
-              <a:buChar char="o"/>
-              <a:tabLst>
-                <a:tab pos="914400" algn="l"/>
-              </a:tabLst>
-            </a:pPr>
-            <a:r>
-              <a:rPr lang="ar-SA" sz="1500" dirty="0">
-                <a:solidFill>
-                  <a:srgbClr val="1F1F1F"/>
-                </a:solidFill>
-                <a:effectLst/>
-                <a:latin typeface="Arial" panose="020B0604020202020204" pitchFamily="34" charset="0"/>
-                <a:ea typeface="Times New Roman" panose="02020603050405020304" pitchFamily="18" charset="0"/>
-                <a:cs typeface="B Nazanin" panose="00000400000000000000" pitchFamily="2" charset="-78"/>
-              </a:rPr>
-              <a:t>فرض کنید تراکنش</a:t>
-            </a:r>
-            <a:r>
-              <a:rPr lang="en-US" sz="1500" dirty="0">
-                <a:solidFill>
-                  <a:srgbClr val="1F1F1F"/>
-                </a:solidFill>
-                <a:effectLst/>
-                <a:latin typeface="Arial" panose="020B0604020202020204" pitchFamily="34" charset="0"/>
-                <a:ea typeface="Times New Roman" panose="02020603050405020304" pitchFamily="18" charset="0"/>
-                <a:cs typeface="B Nazanin" panose="00000400000000000000" pitchFamily="2" charset="-78"/>
-              </a:rPr>
-              <a:t> T1 </a:t>
-            </a:r>
-            <a:r>
-              <a:rPr lang="ar-SA" sz="1500" dirty="0">
-                <a:solidFill>
-                  <a:srgbClr val="1F1F1F"/>
-                </a:solidFill>
-                <a:effectLst/>
-                <a:latin typeface="Arial" panose="020B0604020202020204" pitchFamily="34" charset="0"/>
-                <a:ea typeface="Times New Roman" panose="02020603050405020304" pitchFamily="18" charset="0"/>
-                <a:cs typeface="B Nazanin" panose="00000400000000000000" pitchFamily="2" charset="-78"/>
-              </a:rPr>
-              <a:t>یک آیتم را در زمان</a:t>
-            </a:r>
-            <a:r>
-              <a:rPr lang="en-US" sz="1500" dirty="0">
-                <a:solidFill>
-                  <a:srgbClr val="1F1F1F"/>
-                </a:solidFill>
-                <a:effectLst/>
-                <a:latin typeface="Arial" panose="020B0604020202020204" pitchFamily="34" charset="0"/>
-                <a:ea typeface="Times New Roman" panose="02020603050405020304" pitchFamily="18" charset="0"/>
-                <a:cs typeface="B Nazanin" panose="00000400000000000000" pitchFamily="2" charset="-78"/>
-              </a:rPr>
-              <a:t> t1 </a:t>
-            </a:r>
-            <a:r>
-              <a:rPr lang="ar-SA" sz="1500" dirty="0">
-                <a:solidFill>
-                  <a:srgbClr val="1F1F1F"/>
-                </a:solidFill>
-                <a:effectLst/>
-                <a:latin typeface="Arial" panose="020B0604020202020204" pitchFamily="34" charset="0"/>
-                <a:ea typeface="Times New Roman" panose="02020603050405020304" pitchFamily="18" charset="0"/>
-                <a:cs typeface="B Nazanin" panose="00000400000000000000" pitchFamily="2" charset="-78"/>
-              </a:rPr>
-              <a:t>می‌خواند و برچسب زمانی خواندن آن آیتم را به</a:t>
-            </a:r>
-            <a:r>
-              <a:rPr lang="en-US" sz="1500" dirty="0">
-                <a:solidFill>
-                  <a:srgbClr val="1F1F1F"/>
-                </a:solidFill>
-                <a:effectLst/>
-                <a:latin typeface="Arial" panose="020B0604020202020204" pitchFamily="34" charset="0"/>
-                <a:ea typeface="Times New Roman" panose="02020603050405020304" pitchFamily="18" charset="0"/>
-                <a:cs typeface="B Nazanin" panose="00000400000000000000" pitchFamily="2" charset="-78"/>
-              </a:rPr>
-              <a:t> t1 </a:t>
-            </a:r>
-            <a:r>
-              <a:rPr lang="ar-SA" sz="1500" dirty="0">
-                <a:solidFill>
-                  <a:srgbClr val="1F1F1F"/>
-                </a:solidFill>
-                <a:effectLst/>
-                <a:latin typeface="Arial" panose="020B0604020202020204" pitchFamily="34" charset="0"/>
-                <a:ea typeface="Times New Roman" panose="02020603050405020304" pitchFamily="18" charset="0"/>
-                <a:cs typeface="B Nazanin" panose="00000400000000000000" pitchFamily="2" charset="-78"/>
-              </a:rPr>
-              <a:t>به‌روزرسانی می‌کند</a:t>
-            </a:r>
-            <a:r>
-              <a:rPr lang="en-US" sz="1500" dirty="0">
-                <a:solidFill>
-                  <a:srgbClr val="1F1F1F"/>
-                </a:solidFill>
-                <a:effectLst/>
-                <a:latin typeface="Arial" panose="020B0604020202020204" pitchFamily="34" charset="0"/>
-                <a:ea typeface="Times New Roman" panose="02020603050405020304" pitchFamily="18" charset="0"/>
-                <a:cs typeface="B Nazanin" panose="00000400000000000000" pitchFamily="2" charset="-78"/>
-              </a:rPr>
-              <a:t>.</a:t>
-            </a:r>
-            <a:endParaRPr lang="en-US" sz="1100" dirty="0">
-              <a:solidFill>
-                <a:srgbClr val="1F1F1F"/>
-              </a:solidFill>
-              <a:effectLst/>
-              <a:latin typeface="Calibri" panose="020F0502020204030204" pitchFamily="34" charset="0"/>
-              <a:ea typeface="Calibri" panose="020F0502020204030204" pitchFamily="34" charset="0"/>
-              <a:cs typeface="Times New Roman" panose="02020603050405020304" pitchFamily="18" charset="0"/>
-            </a:endParaRPr>
-          </a:p>
-          <a:p>
-            <a:pPr marL="742950" marR="0" lvl="1" indent="-285750" algn="r" rtl="1">
-              <a:lnSpc>
-                <a:spcPct val="107000"/>
-              </a:lnSpc>
-              <a:spcBef>
-                <a:spcPts val="0"/>
-              </a:spcBef>
-              <a:spcAft>
-                <a:spcPts val="0"/>
-              </a:spcAft>
-              <a:buSzPts val="1000"/>
-              <a:buFont typeface="Courier New" panose="02070309020205020404" pitchFamily="49" charset="0"/>
-              <a:buChar char="o"/>
-              <a:tabLst>
-                <a:tab pos="914400" algn="l"/>
-              </a:tabLst>
-            </a:pPr>
-            <a:r>
-              <a:rPr lang="ar-SA" sz="1500" dirty="0">
-                <a:solidFill>
-                  <a:srgbClr val="1F1F1F"/>
-                </a:solidFill>
-                <a:effectLst/>
-                <a:latin typeface="Arial" panose="020B0604020202020204" pitchFamily="34" charset="0"/>
-                <a:ea typeface="Times New Roman" panose="02020603050405020304" pitchFamily="18" charset="0"/>
-                <a:cs typeface="B Nazanin" panose="00000400000000000000" pitchFamily="2" charset="-78"/>
-              </a:rPr>
-              <a:t>اگر تراکنش</a:t>
-            </a:r>
-            <a:r>
-              <a:rPr lang="en-US" sz="1500" dirty="0">
-                <a:solidFill>
-                  <a:srgbClr val="1F1F1F"/>
-                </a:solidFill>
-                <a:effectLst/>
-                <a:latin typeface="Arial" panose="020B0604020202020204" pitchFamily="34" charset="0"/>
-                <a:ea typeface="Times New Roman" panose="02020603050405020304" pitchFamily="18" charset="0"/>
-                <a:cs typeface="B Nazanin" panose="00000400000000000000" pitchFamily="2" charset="-78"/>
-              </a:rPr>
-              <a:t> T2 </a:t>
-            </a:r>
-            <a:r>
-              <a:rPr lang="ar-SA" sz="1500" dirty="0">
-                <a:solidFill>
-                  <a:srgbClr val="1F1F1F"/>
-                </a:solidFill>
-                <a:effectLst/>
-                <a:latin typeface="Arial" panose="020B0604020202020204" pitchFamily="34" charset="0"/>
-                <a:ea typeface="Times New Roman" panose="02020603050405020304" pitchFamily="18" charset="0"/>
-                <a:cs typeface="B Nazanin" panose="00000400000000000000" pitchFamily="2" charset="-78"/>
-              </a:rPr>
-              <a:t>بعداً آن آیتم را می‌نویسد و برچسب زمانی نوشتن آن را به</a:t>
-            </a:r>
-            <a:r>
-              <a:rPr lang="en-US" sz="1500" dirty="0">
-                <a:solidFill>
-                  <a:srgbClr val="1F1F1F"/>
-                </a:solidFill>
-                <a:effectLst/>
-                <a:latin typeface="Arial" panose="020B0604020202020204" pitchFamily="34" charset="0"/>
-                <a:ea typeface="Times New Roman" panose="02020603050405020304" pitchFamily="18" charset="0"/>
-                <a:cs typeface="B Nazanin" panose="00000400000000000000" pitchFamily="2" charset="-78"/>
-              </a:rPr>
-              <a:t> t2 </a:t>
-            </a:r>
-            <a:r>
-              <a:rPr lang="ar-SA" sz="1500" dirty="0">
-                <a:solidFill>
-                  <a:srgbClr val="1F1F1F"/>
-                </a:solidFill>
-                <a:effectLst/>
-                <a:latin typeface="Arial" panose="020B0604020202020204" pitchFamily="34" charset="0"/>
-                <a:ea typeface="Times New Roman" panose="02020603050405020304" pitchFamily="18" charset="0"/>
-                <a:cs typeface="B Nazanin" panose="00000400000000000000" pitchFamily="2" charset="-78"/>
-              </a:rPr>
-              <a:t>به‌روزرسانی می‌کند، هر تراکنشی که بعد از</a:t>
-            </a:r>
-            <a:r>
-              <a:rPr lang="en-US" sz="1500" dirty="0">
-                <a:solidFill>
-                  <a:srgbClr val="1F1F1F"/>
-                </a:solidFill>
-                <a:effectLst/>
-                <a:latin typeface="Arial" panose="020B0604020202020204" pitchFamily="34" charset="0"/>
-                <a:ea typeface="Times New Roman" panose="02020603050405020304" pitchFamily="18" charset="0"/>
-                <a:cs typeface="B Nazanin" panose="00000400000000000000" pitchFamily="2" charset="-78"/>
-              </a:rPr>
-              <a:t> T1 </a:t>
-            </a:r>
-            <a:r>
-              <a:rPr lang="ar-SA" sz="1500" dirty="0">
-                <a:solidFill>
-                  <a:srgbClr val="1F1F1F"/>
-                </a:solidFill>
-                <a:effectLst/>
-                <a:latin typeface="Arial" panose="020B0604020202020204" pitchFamily="34" charset="0"/>
-                <a:ea typeface="Times New Roman" panose="02020603050405020304" pitchFamily="18" charset="0"/>
-                <a:cs typeface="B Nazanin" panose="00000400000000000000" pitchFamily="2" charset="-78"/>
-              </a:rPr>
-              <a:t>شروع می‌شود، اما قبل از</a:t>
-            </a:r>
-            <a:r>
-              <a:rPr lang="en-US" sz="1500" dirty="0">
-                <a:solidFill>
-                  <a:srgbClr val="1F1F1F"/>
-                </a:solidFill>
-                <a:effectLst/>
-                <a:latin typeface="Arial" panose="020B0604020202020204" pitchFamily="34" charset="0"/>
-                <a:ea typeface="Times New Roman" panose="02020603050405020304" pitchFamily="18" charset="0"/>
-                <a:cs typeface="B Nazanin" panose="00000400000000000000" pitchFamily="2" charset="-78"/>
-              </a:rPr>
-              <a:t> T2</a:t>
-            </a:r>
-            <a:r>
-              <a:rPr lang="ar-SA" sz="1500" dirty="0">
-                <a:solidFill>
-                  <a:srgbClr val="1F1F1F"/>
-                </a:solidFill>
-                <a:effectLst/>
-                <a:latin typeface="Arial" panose="020B0604020202020204" pitchFamily="34" charset="0"/>
-                <a:ea typeface="Times New Roman" panose="02020603050405020304" pitchFamily="18" charset="0"/>
-                <a:cs typeface="B Nazanin" panose="00000400000000000000" pitchFamily="2" charset="-78"/>
-              </a:rPr>
-              <a:t>، می‌تواند با خیال راحت آن آیتم را با برچسب زمانی خواندن کمتر از</a:t>
-            </a:r>
-            <a:r>
-              <a:rPr lang="en-US" sz="1500" dirty="0">
-                <a:solidFill>
-                  <a:srgbClr val="1F1F1F"/>
-                </a:solidFill>
-                <a:effectLst/>
-                <a:latin typeface="Arial" panose="020B0604020202020204" pitchFamily="34" charset="0"/>
-                <a:ea typeface="Times New Roman" panose="02020603050405020304" pitchFamily="18" charset="0"/>
-                <a:cs typeface="B Nazanin" panose="00000400000000000000" pitchFamily="2" charset="-78"/>
-              </a:rPr>
-              <a:t> t2 </a:t>
-            </a:r>
-            <a:r>
-              <a:rPr lang="ar-SA" sz="1500" dirty="0">
-                <a:solidFill>
-                  <a:srgbClr val="1F1F1F"/>
-                </a:solidFill>
-                <a:effectLst/>
-                <a:latin typeface="Arial" panose="020B0604020202020204" pitchFamily="34" charset="0"/>
-                <a:ea typeface="Times New Roman" panose="02020603050405020304" pitchFamily="18" charset="0"/>
-                <a:cs typeface="B Nazanin" panose="00000400000000000000" pitchFamily="2" charset="-78"/>
-              </a:rPr>
-              <a:t>بخواند</a:t>
-            </a:r>
-            <a:r>
-              <a:rPr lang="en-US" sz="1500" dirty="0">
-                <a:solidFill>
-                  <a:srgbClr val="1F1F1F"/>
-                </a:solidFill>
-                <a:effectLst/>
-                <a:latin typeface="Arial" panose="020B0604020202020204" pitchFamily="34" charset="0"/>
-                <a:ea typeface="Times New Roman" panose="02020603050405020304" pitchFamily="18" charset="0"/>
-                <a:cs typeface="B Nazanin" panose="00000400000000000000" pitchFamily="2" charset="-78"/>
-              </a:rPr>
-              <a:t>.</a:t>
-            </a:r>
-            <a:endParaRPr lang="en-US" sz="1100" dirty="0">
-              <a:solidFill>
-                <a:srgbClr val="1F1F1F"/>
-              </a:solidFill>
-              <a:effectLst/>
-              <a:latin typeface="Calibri" panose="020F0502020204030204" pitchFamily="34" charset="0"/>
-              <a:ea typeface="Calibri" panose="020F0502020204030204" pitchFamily="34" charset="0"/>
-              <a:cs typeface="Times New Roman" panose="02020603050405020304" pitchFamily="18" charset="0"/>
             </a:endParaRPr>
           </a:p>
           <a:p>
@@ -20317,7 +19309,7 @@
               </a:spcAft>
             </a:pPr>
             <a:r>
-              <a:rPr lang="ar-SA" sz="1500" b="1" dirty="0">
+              <a:rPr lang="ar-SA" sz="1500" dirty="0">
                 <a:solidFill>
                   <a:srgbClr val="1F1F1F"/>
                 </a:solidFill>
@@ -20326,10 +19318,10 @@
                 <a:ea typeface="Times New Roman" panose="02020603050405020304" pitchFamily="18" charset="0"/>
                 <a:cs typeface="B Nazanin" panose="00000400000000000000" pitchFamily="2" charset="-78"/>
               </a:rPr>
-              <a:t>چند نسخه از هر آیتم داده</a:t>
-            </a:r>
-            <a:r>
-              <a:rPr lang="en-US" sz="1500" b="1" dirty="0">
+              <a:t>تعهد ضمنی را می‌توان با یک دستور پایگاه داده خاموش کرد</a:t>
+            </a:r>
+            <a:r>
+              <a:rPr lang="en-US" sz="1500" dirty="0">
                 <a:solidFill>
                   <a:srgbClr val="1F1F1F"/>
                 </a:solidFill>
@@ -20338,7 +19330,7 @@
                 <a:ea typeface="Times New Roman" panose="02020603050405020304" pitchFamily="18" charset="0"/>
                 <a:cs typeface="B Nazanin" panose="00000400000000000000" pitchFamily="2" charset="-78"/>
               </a:rPr>
-              <a:t> (Multi-Version Concurrency Control - MVCC):</a:t>
+              <a:t>.</a:t>
             </a:r>
             <a:endParaRPr lang="en-US" sz="1100" dirty="0">
               <a:effectLst/>
@@ -20348,7 +19340,7 @@
             </a:endParaRPr>
           </a:p>
           <a:p>
-            <a:pPr marL="342900" marR="0" lvl="0" indent="-342900" algn="r" rtl="1">
+            <a:pPr marL="0" marR="0" algn="r" rtl="1">
               <a:lnSpc>
                 <a:spcPct val="107000"/>
               </a:lnSpc>
@@ -20356,14 +19348,8 @@
                 <a:spcPts val="0"/>
               </a:spcBef>
               <a:spcAft>
-                <a:spcPts val="0"/>
+                <a:spcPts val="800"/>
               </a:spcAft>
-              <a:buSzPts val="1000"/>
-              <a:buFont typeface="Symbol" panose="05050102010706020507" pitchFamily="18" charset="2"/>
-              <a:buChar char=""/>
-              <a:tabLst>
-                <a:tab pos="457200" algn="l"/>
-              </a:tabLst>
             </a:pPr>
             <a:r>
               <a:rPr lang="ar-SA" sz="1500" dirty="0">
@@ -20375,7 +19361,7 @@
                 <a:ea typeface="Times New Roman" panose="02020603050405020304" pitchFamily="18" charset="0"/>
                 <a:cs typeface="B Nazanin" panose="00000400000000000000" pitchFamily="2" charset="-78"/>
               </a:rPr>
-              <a:t>چند نسخه از هر آیتم داده را در پایگاه داده ذخیره کنید</a:t>
+              <a:t>به عنوان مثال، در</a:t>
             </a:r>
             <a:r>
               <a:rPr lang="en-US" sz="1500" dirty="0">
@@ -20387,12 +19373,33 @@
                 <a:ea typeface="Times New Roman" panose="02020603050405020304" pitchFamily="18" charset="0"/>
                 <a:cs typeface="B Nazanin" panose="00000400000000000000" pitchFamily="2" charset="-78"/>
               </a:rPr>
-              <a:t>.</a:t>
+              <a:t> JDBC: </a:t>
+            </a:r>
+            <a:r>
+              <a:rPr lang="en-US" sz="1000" dirty="0" err="1">
+                <a:solidFill>
+                  <a:srgbClr val="1F1F1F"/>
+                </a:solidFill>
+                <a:effectLst/>
+                <a:latin typeface="Courier New" panose="02070309020205020404" pitchFamily="49" charset="0"/>
+                <a:ea typeface="Times New Roman" panose="02020603050405020304" pitchFamily="18" charset="0"/>
+                <a:cs typeface="B Nazanin" panose="00000400000000000000" pitchFamily="2" charset="-78"/>
+              </a:rPr>
+              <a:t>connection.setAutoCommit</a:t>
+            </a:r>
+            <a:r>
+              <a:rPr lang="en-US" sz="1000" dirty="0">
+                <a:solidFill>
+                  <a:srgbClr val="1F1F1F"/>
+                </a:solidFill>
+                <a:effectLst/>
+                <a:latin typeface="Courier New" panose="02070309020205020404" pitchFamily="49" charset="0"/>
+                <a:ea typeface="Times New Roman" panose="02020603050405020304" pitchFamily="18" charset="0"/>
+                <a:cs typeface="B Nazanin" panose="00000400000000000000" pitchFamily="2" charset="-78"/>
+              </a:rPr>
+              <a:t>(false);</a:t>
             </a:r>
             <a:endParaRPr lang="en-US" sz="1100" dirty="0">
-              <a:solidFill>
-                <a:srgbClr val="1F1F1F"/>
-              </a:solidFill>
               <a:effectLst/>
               <a:latin typeface="Calibri" panose="020F0502020204030204" pitchFamily="34" charset="0"/>
               <a:ea typeface="Calibri" panose="020F0502020204030204" pitchFamily="34" charset="0"/>
@@ -20400,7 +19407,7 @@
             </a:endParaRPr>
           </a:p>
           <a:p>
-            <a:pPr marL="342900" marR="0" lvl="0" indent="-342900" algn="r" rtl="1">
+            <a:pPr marL="0" marR="0" algn="r" rtl="1">
               <a:lnSpc>
                 <a:spcPct val="107000"/>
               </a:lnSpc>
@@ -20408,14 +19415,8 @@
                 <a:spcPts val="0"/>
               </a:spcBef>
               <a:spcAft>
-                <a:spcPts val="0"/>
+                <a:spcPts val="800"/>
               </a:spcAft>
-              <a:buSzPts val="1000"/>
-              <a:buFont typeface="Symbol" panose="05050102010706020507" pitchFamily="18" charset="2"/>
-              <a:buChar char=""/>
-              <a:tabLst>
-                <a:tab pos="457200" algn="l"/>
-              </a:tabLst>
             </a:pPr>
             <a:r>
               <a:rPr lang="ar-SA" sz="1500" dirty="0">
@@ -20427,7 +19428,7 @@
                 <a:ea typeface="Times New Roman" panose="02020603050405020304" pitchFamily="18" charset="0"/>
                 <a:cs typeface="B Nazanin" panose="00000400000000000000" pitchFamily="2" charset="-78"/>
               </a:rPr>
-              <a:t>هر نسخه با یک برچسب زمانی تراکنش همراه است که آن نسخه را نوشته است</a:t>
+              <a:t>سطح جداسازی را می‌توان در سطح پایگاه داده تنظیم کرد</a:t>
             </a:r>
             <a:r>
               <a:rPr lang="en-US" sz="1500" dirty="0">
@@ -20442,9 +19443,6 @@
               <a:t>.</a:t>
             </a:r>
             <a:endParaRPr lang="en-US" sz="1100" dirty="0">
-              <a:solidFill>
-                <a:srgbClr val="1F1F1F"/>
-              </a:solidFill>
               <a:effectLst/>
               <a:latin typeface="Calibri" panose="020F0502020204030204" pitchFamily="34" charset="0"/>
               <a:ea typeface="Calibri" panose="020F0502020204030204" pitchFamily="34" charset="0"/>
@@ -20452,7 +19450,7 @@
             </a:endParaRPr>
           </a:p>
           <a:p>
-            <a:pPr marL="342900" marR="0" lvl="0" indent="-342900" algn="r" rtl="1">
+            <a:pPr marL="0" marR="0" algn="r" rtl="1">
               <a:lnSpc>
                 <a:spcPct val="107000"/>
               </a:lnSpc>
@@ -20460,14 +19458,8 @@
                 <a:spcPts val="0"/>
               </a:spcBef>
               <a:spcAft>
-                <a:spcPts val="0"/>
+                <a:spcPts val="800"/>
               </a:spcAft>
-              <a:buSzPts val="1000"/>
-              <a:buFont typeface="Symbol" panose="05050102010706020507" pitchFamily="18" charset="2"/>
-              <a:buChar char=""/>
-              <a:tabLst>
-                <a:tab pos="457200" algn="l"/>
-              </a:tabLst>
             </a:pPr>
             <a:r>
               <a:rPr lang="ar-SA" sz="1500" dirty="0">
@@ -20479,7 +19471,7 @@
                 <a:ea typeface="Times New Roman" panose="02020603050405020304" pitchFamily="18" charset="0"/>
                 <a:cs typeface="B Nazanin" panose="00000400000000000000" pitchFamily="2" charset="-78"/>
               </a:rPr>
-              <a:t>به تراکنش‌ها اجازه می‌دهد تا از یک «تصویر فوری</a:t>
+              <a:t>سطح جداسازی را می‌توان در ابتدای تراکنش تغییر داد</a:t>
             </a:r>
             <a:r>
               <a:rPr lang="en-US" sz="1500" dirty="0">
@@ -20491,36 +19483,9 @@
                 <a:ea typeface="Times New Roman" panose="02020603050405020304" pitchFamily="18" charset="0"/>
                 <a:cs typeface="B Nazanin" panose="00000400000000000000" pitchFamily="2" charset="-78"/>
               </a:rPr>
-              <a:t>» (Snapshot) </a:t>
-            </a:r>
-            <a:r>
-              <a:rPr lang="ar-SA" sz="1500" dirty="0">
-                <a:solidFill>
-                  <a:srgbClr val="1F1F1F"/>
-                </a:solidFill>
-                <a:effectLst/>
-                <a:latin typeface="Arial" panose="020B0604020202020204" pitchFamily="34" charset="0"/>
-                <a:ea typeface="Times New Roman" panose="02020603050405020304" pitchFamily="18" charset="0"/>
-                <a:cs typeface="B Nazanin" panose="00000400000000000000" pitchFamily="2" charset="-78"/>
-              </a:rPr>
-              <a:t>از پایگاه داده در زمان شروع تراکنش بخوانند</a:t>
-            </a:r>
-            <a:r>
-              <a:rPr lang="en-US" sz="1500" dirty="0">
-                <a:solidFill>
-                  <a:srgbClr val="1F1F1F"/>
-                </a:solidFill>
-                <a:effectLst/>
-                <a:latin typeface="Arial" panose="020B0604020202020204" pitchFamily="34" charset="0"/>
-                <a:ea typeface="Times New Roman" panose="02020603050405020304" pitchFamily="18" charset="0"/>
-                <a:cs typeface="B Nazanin" panose="00000400000000000000" pitchFamily="2" charset="-78"/>
-              </a:rPr>
               <a:t>.</a:t>
             </a:r>
             <a:endParaRPr lang="en-US" sz="1100" dirty="0">
-              <a:solidFill>
-                <a:srgbClr val="1F1F1F"/>
-              </a:solidFill>
               <a:effectLst/>
               <a:latin typeface="Calibri" panose="020F0502020204030204" pitchFamily="34" charset="0"/>
               <a:ea typeface="Calibri" panose="020F0502020204030204" pitchFamily="34" charset="0"/>
@@ -20528,7 +19493,7 @@
             </a:endParaRPr>
           </a:p>
           <a:p>
-            <a:pPr marL="342900" marR="0" lvl="0" indent="-342900" algn="r" rtl="1">
+            <a:pPr marL="0" marR="0" algn="r" rtl="1">
               <a:lnSpc>
                 <a:spcPct val="107000"/>
               </a:lnSpc>
@@ -20536,14 +19501,8 @@
                 <a:spcPts val="0"/>
               </a:spcBef>
               <a:spcAft>
-                <a:spcPts val="0"/>
+                <a:spcPts val="800"/>
               </a:spcAft>
-              <a:buSzPts val="1000"/>
-              <a:buFont typeface="Symbol" panose="05050102010706020507" pitchFamily="18" charset="2"/>
-              <a:buChar char=""/>
-              <a:tabLst>
-                <a:tab pos="457200" algn="l"/>
-              </a:tabLst>
             </a:pPr>
             <a:r>
               <a:rPr lang="ar-SA" sz="1500" dirty="0">
@@ -20555,10 +19514,10 @@
                 <a:ea typeface="Times New Roman" panose="02020603050405020304" pitchFamily="18" charset="0"/>
                 <a:cs typeface="B Nazanin" panose="00000400000000000000" pitchFamily="2" charset="-78"/>
               </a:rPr>
-              <a:t>این تصویر فوری از تمام نسخه‌های آیتم‌های داده تشکیل شده است </a:t>
-            </a:r>
-            <a:r>
-              <a:rPr lang="ar-SA" sz="1500" b="1" dirty="0">
+              <a:t>به عنوان مثال، در</a:t>
+            </a:r>
+            <a:r>
+              <a:rPr lang="en-US" sz="1500" dirty="0">
                 <a:solidFill>
                   <a:srgbClr val="1F1F1F"/>
                 </a:solidFill>
@@ -20567,24 +19526,21 @@
                 <a:ea typeface="Times New Roman" panose="02020603050405020304" pitchFamily="18" charset="0"/>
                 <a:cs typeface="B Nazanin" panose="00000400000000000000" pitchFamily="2" charset="-78"/>
               </a:rPr>
-              <a:t>که برچسب زمانی نوشتن آن‌ها کمتر از برچسب زمانی تراکنش جاری است</a:t>
-            </a:r>
-            <a:r>
-              <a:rPr lang="en-US" sz="1500" b="1" dirty="0">
-                <a:solidFill>
-                  <a:srgbClr val="1F1F1F"/>
-                </a:solidFill>
-                <a:effectLst/>
-                <a:latin typeface="Arial" panose="020B0604020202020204" pitchFamily="34" charset="0"/>
+              <a:t> SQL: </a:t>
+            </a:r>
+            <a:r>
+              <a:rPr lang="en-US" sz="1000" dirty="0">
+                <a:solidFill>
+                  <a:srgbClr val="1F1F1F"/>
+                </a:solidFill>
+                <a:effectLst/>
+                <a:latin typeface="Courier New" panose="02070309020205020404" pitchFamily="49" charset="0"/>
                 <a:ea typeface="Times New Roman" panose="02020603050405020304" pitchFamily="18" charset="0"/>
                 <a:cs typeface="B Nazanin" panose="00000400000000000000" pitchFamily="2" charset="-78"/>
               </a:rPr>
-              <a:t>.</a:t>
-            </a:r>
-            <a:endParaRPr lang="en-US" sz="1100" b="1" dirty="0">
-              <a:solidFill>
-                <a:srgbClr val="1F1F1F"/>
-              </a:solidFill>
+              <a:t>set transaction isolation level serializable</a:t>
+            </a:r>
+            <a:endParaRPr lang="en-US" sz="1100" dirty="0">
               <a:effectLst/>
               <a:latin typeface="Calibri" panose="020F0502020204030204" pitchFamily="34" charset="0"/>
               <a:ea typeface="Calibri" panose="020F0502020204030204" pitchFamily="34" charset="0"/>
@@ -20592,40 +19548,104 @@
             </a:endParaRPr>
           </a:p>
           <a:p>
-            <a:endParaRPr lang="en-US" dirty="0"/>
-          </a:p>
-        </p:txBody>
-      </p:sp>
-      <p:sp>
-        <p:nvSpPr>
-          <p:cNvPr id="4" name="Slide Number Placeholder 3"/>
-          <p:cNvSpPr>
-            <a:spLocks noGrp="1"/>
-          </p:cNvSpPr>
-          <p:nvPr>
-            <p:ph type="sldNum" sz="quarter" idx="5"/>
-          </p:nvPr>
-        </p:nvSpPr>
-        <p:spPr/>
-        <p:txBody>
-          <a:bodyPr/>
-          <a:lstStyle/>
-          <a:p>
-            <a:fld id="{5B7CC90F-195F-4DEF-A4DA-F5B0A181CF9F}" type="slidenum">
-              <a:rPr lang="en-US" altLang="en-US" smtClean="0"/>
-              <a:pPr/>
-              <a:t>43</a:t>
-            </a:fld>
-            <a:endParaRPr lang="en-US" altLang="en-US"/>
+            <a:pPr marL="0" marR="0" algn="r" rtl="1">
+              <a:lnSpc>
+                <a:spcPct val="107000"/>
+              </a:lnSpc>
+              <a:spcBef>
+                <a:spcPts val="0"/>
+              </a:spcBef>
+              <a:spcAft>
+                <a:spcPts val="800"/>
+              </a:spcAft>
+            </a:pPr>
+            <a:r>
+              <a:rPr lang="ar-SA" sz="1500" dirty="0">
+                <a:solidFill>
+                  <a:srgbClr val="1F1F1F"/>
+                </a:solidFill>
+                <a:effectLst/>
+                <a:latin typeface="Arial" panose="020B0604020202020204" pitchFamily="34" charset="0"/>
+                <a:ea typeface="Times New Roman" panose="02020603050405020304" pitchFamily="18" charset="0"/>
+                <a:cs typeface="B Nazanin" panose="00000400000000000000" pitchFamily="2" charset="-78"/>
+              </a:rPr>
+              <a:t>به عنوان مثال، در</a:t>
+            </a:r>
+            <a:r>
+              <a:rPr lang="en-US" sz="1500" dirty="0">
+                <a:solidFill>
+                  <a:srgbClr val="1F1F1F"/>
+                </a:solidFill>
+                <a:effectLst/>
+                <a:latin typeface="Arial" panose="020B0604020202020204" pitchFamily="34" charset="0"/>
+                <a:ea typeface="Times New Roman" panose="02020603050405020304" pitchFamily="18" charset="0"/>
+                <a:cs typeface="B Nazanin" panose="00000400000000000000" pitchFamily="2" charset="-78"/>
+              </a:rPr>
+              <a:t> JDBC: </a:t>
+            </a:r>
+            <a:r>
+              <a:rPr lang="en-US" sz="1000" dirty="0" err="1">
+                <a:solidFill>
+                  <a:srgbClr val="1F1F1F"/>
+                </a:solidFill>
+                <a:effectLst/>
+                <a:latin typeface="Courier New" panose="02070309020205020404" pitchFamily="49" charset="0"/>
+                <a:ea typeface="Times New Roman" panose="02020603050405020304" pitchFamily="18" charset="0"/>
+                <a:cs typeface="B Nazanin" panose="00000400000000000000" pitchFamily="2" charset="-78"/>
+              </a:rPr>
+              <a:t>connection.setTransactionIsolation</a:t>
+            </a:r>
+            <a:r>
+              <a:rPr lang="en-US" sz="1000" dirty="0">
+                <a:solidFill>
+                  <a:srgbClr val="1F1F1F"/>
+                </a:solidFill>
+                <a:effectLst/>
+                <a:latin typeface="Courier New" panose="02070309020205020404" pitchFamily="49" charset="0"/>
+                <a:ea typeface="Times New Roman" panose="02020603050405020304" pitchFamily="18" charset="0"/>
+                <a:cs typeface="B Nazanin" panose="00000400000000000000" pitchFamily="2" charset="-78"/>
+              </a:rPr>
+              <a:t>(</a:t>
+            </a:r>
+            <a:r>
+              <a:rPr lang="en-US" sz="1000" dirty="0" err="1">
+                <a:solidFill>
+                  <a:srgbClr val="1F1F1F"/>
+                </a:solidFill>
+                <a:effectLst/>
+                <a:latin typeface="Courier New" panose="02070309020205020404" pitchFamily="49" charset="0"/>
+                <a:ea typeface="Times New Roman" panose="02020603050405020304" pitchFamily="18" charset="0"/>
+                <a:cs typeface="B Nazanin" panose="00000400000000000000" pitchFamily="2" charset="-78"/>
+              </a:rPr>
+              <a:t>Connection.TRANSACTION_SERIALIZABLE</a:t>
+            </a:r>
+            <a:r>
+              <a:rPr lang="en-US" sz="1000" dirty="0">
+                <a:solidFill>
+                  <a:srgbClr val="1F1F1F"/>
+                </a:solidFill>
+                <a:effectLst/>
+                <a:latin typeface="Courier New" panose="02070309020205020404" pitchFamily="49" charset="0"/>
+                <a:ea typeface="Times New Roman" panose="02020603050405020304" pitchFamily="18" charset="0"/>
+                <a:cs typeface="B Nazanin" panose="00000400000000000000" pitchFamily="2" charset="-78"/>
+              </a:rPr>
+              <a:t>)</a:t>
+            </a:r>
+            <a:endParaRPr lang="en-US" sz="1100" dirty="0">
+              <a:effectLst/>
+              <a:latin typeface="Calibri" panose="020F0502020204030204" pitchFamily="34" charset="0"/>
+              <a:ea typeface="Calibri" panose="020F0502020204030204" pitchFamily="34" charset="0"/>
+              <a:cs typeface="Arial" panose="020B0604020202020204" pitchFamily="34" charset="0"/>
+            </a:endParaRPr>
+          </a:p>
+          <a:p>
+            <a:endParaRPr lang="en-US" altLang="en-US" dirty="0">
+              <a:latin typeface="Times New Roman" panose="02020603050405020304" pitchFamily="18" charset="0"/>
+            </a:endParaRPr>
           </a:p>
         </p:txBody>
       </p:sp>
     </p:spTree>
-    <p:extLst>
-      <p:ext uri="{BB962C8B-B14F-4D97-AF65-F5344CB8AC3E}">
-        <p14:creationId xmlns:p14="http://schemas.microsoft.com/office/powerpoint/2010/main" val="2381917310"/>
-      </p:ext>
-    </p:extLst>
   </p:cSld>
   <p:clrMapOvr>
     <a:masterClrMapping/>
@@ -20677,95 +19697,1396 @@
           <a:bodyPr/>
           <a:lstStyle/>
           <a:p>
-            <a:pPr marL="171450" indent="-171450">
-              <a:buFont typeface="Arial" panose="020B0604020202020204" pitchFamily="34" charset="0"/>
-              <a:buChar char="•"/>
+            <a:pPr marL="342900" marR="0" lvl="0" indent="-342900" algn="r" rtl="1">
+              <a:lnSpc>
+                <a:spcPct val="107000"/>
+              </a:lnSpc>
+              <a:spcBef>
+                <a:spcPts val="0"/>
+              </a:spcBef>
+              <a:spcAft>
+                <a:spcPts val="800"/>
+              </a:spcAft>
+              <a:buSzPts val="1000"/>
+              <a:buFont typeface="Symbol" panose="05050102010706020507" pitchFamily="18" charset="2"/>
+              <a:buChar char=""/>
+              <a:tabLst>
+                <a:tab pos="457200" algn="l"/>
+              </a:tabLst>
             </a:pPr>
             <a:r>
-              <a:rPr lang="en-US" dirty="0"/>
-              <a:t>So the same transaction, if run more than once, might reference different data items each time it is run if the values in the database change between runs.</a:t>
-            </a:r>
-          </a:p>
-          <a:p>
-            <a:pPr marL="171450" indent="-171450">
-              <a:buFont typeface="Arial" panose="020B0604020202020204" pitchFamily="34" charset="0"/>
-              <a:buChar char="•"/>
+              <a:rPr lang="ar-SA" sz="1500" b="1" dirty="0">
+                <a:solidFill>
+                  <a:srgbClr val="1F1F1F"/>
+                </a:solidFill>
+                <a:effectLst/>
+                <a:latin typeface="Arial" panose="020B0604020202020204" pitchFamily="34" charset="0"/>
+                <a:ea typeface="Times New Roman" panose="02020603050405020304" pitchFamily="18" charset="0"/>
+                <a:cs typeface="B Nazanin" panose="00000400000000000000" pitchFamily="2" charset="-78"/>
+              </a:rPr>
+              <a:t>قفل کل پایگاه داده در مقابل قفل کردن روی آیتم‌ها</a:t>
+            </a:r>
+            <a:r>
+              <a:rPr lang="en-US" sz="1500" b="1" dirty="0">
+                <a:solidFill>
+                  <a:srgbClr val="1F1F1F"/>
+                </a:solidFill>
+                <a:effectLst/>
+                <a:latin typeface="Arial" panose="020B0604020202020204" pitchFamily="34" charset="0"/>
+                <a:ea typeface="Times New Roman" panose="02020603050405020304" pitchFamily="18" charset="0"/>
+                <a:cs typeface="B Nazanin" panose="00000400000000000000" pitchFamily="2" charset="-78"/>
+              </a:rPr>
+              <a:t>:</a:t>
+            </a:r>
+            <a:endParaRPr lang="en-US" sz="1100" dirty="0">
+              <a:solidFill>
+                <a:srgbClr val="1F1F1F"/>
+              </a:solidFill>
+              <a:effectLst/>
+              <a:latin typeface="Calibri" panose="020F0502020204030204" pitchFamily="34" charset="0"/>
+              <a:ea typeface="Calibri" panose="020F0502020204030204" pitchFamily="34" charset="0"/>
+              <a:cs typeface="Arial" panose="020B0604020202020204" pitchFamily="34" charset="0"/>
+            </a:endParaRPr>
+          </a:p>
+          <a:p>
+            <a:pPr marL="742950" marR="0" lvl="1" indent="-285750" algn="r" rtl="1">
+              <a:lnSpc>
+                <a:spcPct val="107000"/>
+              </a:lnSpc>
+              <a:spcBef>
+                <a:spcPts val="0"/>
+              </a:spcBef>
+              <a:spcAft>
+                <a:spcPts val="0"/>
+              </a:spcAft>
+              <a:buSzPts val="1000"/>
+              <a:buFont typeface="Courier New" panose="02070309020205020404" pitchFamily="49" charset="0"/>
+              <a:buChar char="o"/>
+              <a:tabLst>
+                <a:tab pos="914400" algn="l"/>
+              </a:tabLst>
             </a:pPr>
-            <a:endParaRPr lang="en-US" dirty="0"/>
-          </a:p>
-          <a:p>
-            <a:pPr marL="171450" indent="-171450">
-              <a:buFont typeface="Arial" panose="020B0604020202020204" pitchFamily="34" charset="0"/>
-              <a:buChar char="•"/>
+            <a:r>
+              <a:rPr lang="ar-SA" sz="1500" dirty="0">
+                <a:solidFill>
+                  <a:srgbClr val="1F1F1F"/>
+                </a:solidFill>
+                <a:effectLst/>
+                <a:latin typeface="Arial" panose="020B0604020202020204" pitchFamily="34" charset="0"/>
+                <a:ea typeface="Times New Roman" panose="02020603050405020304" pitchFamily="18" charset="0"/>
+                <a:cs typeface="B Nazanin" panose="00000400000000000000" pitchFamily="2" charset="-78"/>
+              </a:rPr>
+              <a:t>قفل کل پایگاه داده: ساده برای اجرا اما باعث همزمانی ضعیف می‌شود (زیرا هیچ تراکنشی نمی‌تواند در حین اجرای تراکنش دیگر اجرا شود)</a:t>
+            </a:r>
+            <a:r>
+              <a:rPr lang="en-US" sz="1500" dirty="0">
+                <a:solidFill>
+                  <a:srgbClr val="1F1F1F"/>
+                </a:solidFill>
+                <a:effectLst/>
+                <a:latin typeface="Arial" panose="020B0604020202020204" pitchFamily="34" charset="0"/>
+                <a:ea typeface="Times New Roman" panose="02020603050405020304" pitchFamily="18" charset="0"/>
+                <a:cs typeface="B Nazanin" panose="00000400000000000000" pitchFamily="2" charset="-78"/>
+              </a:rPr>
+              <a:t>.</a:t>
+            </a:r>
+            <a:endParaRPr lang="en-US" sz="1100" dirty="0">
+              <a:solidFill>
+                <a:srgbClr val="1F1F1F"/>
+              </a:solidFill>
+              <a:effectLst/>
+              <a:latin typeface="Calibri" panose="020F0502020204030204" pitchFamily="34" charset="0"/>
+              <a:ea typeface="Calibri" panose="020F0502020204030204" pitchFamily="34" charset="0"/>
+              <a:cs typeface="Times New Roman" panose="02020603050405020304" pitchFamily="18" charset="0"/>
+            </a:endParaRPr>
+          </a:p>
+          <a:p>
+            <a:pPr marL="742950" marR="0" lvl="1" indent="-285750" algn="r" rtl="1">
+              <a:lnSpc>
+                <a:spcPct val="107000"/>
+              </a:lnSpc>
+              <a:spcBef>
+                <a:spcPts val="0"/>
+              </a:spcBef>
+              <a:spcAft>
+                <a:spcPts val="0"/>
+              </a:spcAft>
+              <a:buSzPts val="1000"/>
+              <a:buFont typeface="Courier New" panose="02070309020205020404" pitchFamily="49" charset="0"/>
+              <a:buChar char="o"/>
+              <a:tabLst>
+                <a:tab pos="914400" algn="l"/>
+              </a:tabLst>
             </a:pPr>
             <a:r>
-              <a:rPr lang="en-US" dirty="0"/>
-              <a:t>In our example, the 'James' tuple is referenced only if our query comes after the insertion. Let </a:t>
-            </a:r>
-            <a:r>
-              <a:rPr lang="en-US" b="1" dirty="0"/>
-              <a:t>T </a:t>
-            </a:r>
-            <a:r>
-              <a:rPr lang="en-US" dirty="0"/>
-              <a:t>denote the </a:t>
-            </a:r>
-            <a:r>
-              <a:rPr lang="en-US" b="1" dirty="0"/>
-              <a:t>select query</a:t>
-            </a:r>
-            <a:r>
-              <a:rPr lang="en-US" dirty="0"/>
-              <a:t> and let </a:t>
-            </a:r>
-            <a:r>
-              <a:rPr lang="en-US" b="1" dirty="0"/>
-              <a:t>T′</a:t>
-            </a:r>
-            <a:r>
-              <a:rPr lang="en-US" dirty="0"/>
-              <a:t> denote the </a:t>
-            </a:r>
-            <a:r>
-              <a:rPr lang="en-US" b="1" dirty="0"/>
-              <a:t>insert</a:t>
-            </a:r>
-            <a:r>
-              <a:rPr lang="en-US" dirty="0"/>
-              <a:t>. </a:t>
-            </a:r>
-          </a:p>
-          <a:p>
-            <a:pPr marL="628650" lvl="1" indent="-171450">
-              <a:buFont typeface="Arial" panose="020B0604020202020204" pitchFamily="34" charset="0"/>
-              <a:buChar char="•"/>
+              <a:rPr lang="ar-SA" sz="1500" dirty="0">
+                <a:solidFill>
+                  <a:srgbClr val="1F1F1F"/>
+                </a:solidFill>
+                <a:effectLst/>
+                <a:latin typeface="Arial" panose="020B0604020202020204" pitchFamily="34" charset="0"/>
+                <a:ea typeface="Times New Roman" panose="02020603050405020304" pitchFamily="18" charset="0"/>
+                <a:cs typeface="B Nazanin" panose="00000400000000000000" pitchFamily="2" charset="-78"/>
+              </a:rPr>
+              <a:t>قفل کردن روی آیتم‌ها: باعث همزمانی بهتر می‌شود، اما پیچیدگی بیشتری دارد (نیاز به ردیابی این است که کدام تراکنش‌ها کدام آیتم‌ها را قفل کرده‌اند)</a:t>
+            </a:r>
+            <a:r>
+              <a:rPr lang="en-US" sz="1500" dirty="0">
+                <a:solidFill>
+                  <a:srgbClr val="1F1F1F"/>
+                </a:solidFill>
+                <a:effectLst/>
+                <a:latin typeface="Arial" panose="020B0604020202020204" pitchFamily="34" charset="0"/>
+                <a:ea typeface="Times New Roman" panose="02020603050405020304" pitchFamily="18" charset="0"/>
+                <a:cs typeface="B Nazanin" panose="00000400000000000000" pitchFamily="2" charset="-78"/>
+              </a:rPr>
+              <a:t>.</a:t>
+            </a:r>
+            <a:endParaRPr lang="en-US" sz="1100" dirty="0">
+              <a:solidFill>
+                <a:srgbClr val="1F1F1F"/>
+              </a:solidFill>
+              <a:effectLst/>
+              <a:latin typeface="Calibri" panose="020F0502020204030204" pitchFamily="34" charset="0"/>
+              <a:ea typeface="Calibri" panose="020F0502020204030204" pitchFamily="34" charset="0"/>
+              <a:cs typeface="Times New Roman" panose="02020603050405020304" pitchFamily="18" charset="0"/>
+            </a:endParaRPr>
+          </a:p>
+          <a:p>
+            <a:pPr marL="342900" marR="0" lvl="0" indent="-342900" algn="r" rtl="1">
+              <a:lnSpc>
+                <a:spcPct val="107000"/>
+              </a:lnSpc>
+              <a:spcBef>
+                <a:spcPts val="0"/>
+              </a:spcBef>
+              <a:spcAft>
+                <a:spcPts val="800"/>
+              </a:spcAft>
+              <a:buSzPts val="1000"/>
+              <a:buFont typeface="Symbol" panose="05050102010706020507" pitchFamily="18" charset="2"/>
+              <a:buChar char=""/>
+              <a:tabLst>
+                <a:tab pos="457200" algn="l"/>
+              </a:tabLst>
             </a:pPr>
             <a:r>
-              <a:rPr lang="en-US" dirty="0"/>
-              <a:t>If </a:t>
-            </a:r>
-            <a:r>
-              <a:rPr lang="en-US" b="1" dirty="0"/>
-              <a:t>T′</a:t>
-            </a:r>
-            <a:r>
-              <a:rPr lang="en-US" dirty="0"/>
-              <a:t> comes first, then there is an edge </a:t>
-            </a:r>
-            <a:r>
-              <a:rPr lang="en-US" b="1" dirty="0"/>
-              <a:t>T′ → T </a:t>
-            </a:r>
-            <a:r>
-              <a:rPr lang="en-US" dirty="0"/>
-              <a:t>in the precedence graph. However, in the case where the query T comes first, there is no edge in the precedence graph between T and T′ despite the actual conflict on phantom data that forces T to be serialized before T′ </a:t>
-            </a:r>
-          </a:p>
-          <a:p>
-            <a:pPr marL="171450" indent="-171450">
-              <a:buFont typeface="Arial" panose="020B0604020202020204" pitchFamily="34" charset="0"/>
-              <a:buChar char="•"/>
+              <a:rPr lang="ar-SA" sz="1500" b="1" dirty="0">
+                <a:solidFill>
+                  <a:srgbClr val="1F1F1F"/>
+                </a:solidFill>
+                <a:effectLst/>
+                <a:latin typeface="Arial" panose="020B0604020202020204" pitchFamily="34" charset="0"/>
+                <a:ea typeface="Times New Roman" panose="02020603050405020304" pitchFamily="18" charset="0"/>
+                <a:cs typeface="B Nazanin" panose="00000400000000000000" pitchFamily="2" charset="-78"/>
+              </a:rPr>
+              <a:t>نگهداشتن قفل برای چه مدت؟</a:t>
+            </a:r>
+            <a:endParaRPr lang="en-US" sz="1100" dirty="0">
+              <a:solidFill>
+                <a:srgbClr val="1F1F1F"/>
+              </a:solidFill>
+              <a:effectLst/>
+              <a:latin typeface="Calibri" panose="020F0502020204030204" pitchFamily="34" charset="0"/>
+              <a:ea typeface="Calibri" panose="020F0502020204030204" pitchFamily="34" charset="0"/>
+              <a:cs typeface="Arial" panose="020B0604020202020204" pitchFamily="34" charset="0"/>
+            </a:endParaRPr>
+          </a:p>
+          <a:p>
+            <a:pPr marL="742950" marR="0" lvl="1" indent="-285750" algn="r" rtl="1">
+              <a:lnSpc>
+                <a:spcPct val="107000"/>
+              </a:lnSpc>
+              <a:spcBef>
+                <a:spcPts val="0"/>
+              </a:spcBef>
+              <a:spcAft>
+                <a:spcPts val="0"/>
+              </a:spcAft>
+              <a:buSzPts val="1000"/>
+              <a:buFont typeface="Courier New" panose="02070309020205020404" pitchFamily="49" charset="0"/>
+              <a:buChar char="o"/>
+              <a:tabLst>
+                <a:tab pos="914400" algn="l"/>
+              </a:tabLst>
             </a:pPr>
+            <a:r>
+              <a:rPr lang="ar-SA" sz="1500" dirty="0">
+                <a:solidFill>
+                  <a:srgbClr val="1F1F1F"/>
+                </a:solidFill>
+                <a:effectLst/>
+                <a:latin typeface="Arial" panose="020B0604020202020204" pitchFamily="34" charset="0"/>
+                <a:ea typeface="Times New Roman" panose="02020603050405020304" pitchFamily="18" charset="0"/>
+                <a:cs typeface="B Nazanin" panose="00000400000000000000" pitchFamily="2" charset="-78"/>
+              </a:rPr>
+              <a:t>قفل‌ها را می‌توان تا زمانی که تراکنش به آن آیتم نیاز دارد، نگه داشت (نگهداشتن کوتاه مدت قفل)</a:t>
+            </a:r>
+            <a:r>
+              <a:rPr lang="en-US" sz="1500" dirty="0">
+                <a:solidFill>
+                  <a:srgbClr val="1F1F1F"/>
+                </a:solidFill>
+                <a:effectLst/>
+                <a:latin typeface="Arial" panose="020B0604020202020204" pitchFamily="34" charset="0"/>
+                <a:ea typeface="Times New Roman" panose="02020603050405020304" pitchFamily="18" charset="0"/>
+                <a:cs typeface="B Nazanin" panose="00000400000000000000" pitchFamily="2" charset="-78"/>
+              </a:rPr>
+              <a:t>.</a:t>
+            </a:r>
+            <a:endParaRPr lang="en-US" sz="1100" dirty="0">
+              <a:solidFill>
+                <a:srgbClr val="1F1F1F"/>
+              </a:solidFill>
+              <a:effectLst/>
+              <a:latin typeface="Calibri" panose="020F0502020204030204" pitchFamily="34" charset="0"/>
+              <a:ea typeface="Calibri" panose="020F0502020204030204" pitchFamily="34" charset="0"/>
+              <a:cs typeface="Times New Roman" panose="02020603050405020304" pitchFamily="18" charset="0"/>
+            </a:endParaRPr>
+          </a:p>
+          <a:p>
+            <a:pPr marL="742950" marR="0" lvl="1" indent="-285750" algn="r" rtl="1">
+              <a:lnSpc>
+                <a:spcPct val="107000"/>
+              </a:lnSpc>
+              <a:spcBef>
+                <a:spcPts val="0"/>
+              </a:spcBef>
+              <a:spcAft>
+                <a:spcPts val="0"/>
+              </a:spcAft>
+              <a:buSzPts val="1000"/>
+              <a:buFont typeface="Courier New" panose="02070309020205020404" pitchFamily="49" charset="0"/>
+              <a:buChar char="o"/>
+              <a:tabLst>
+                <a:tab pos="914400" algn="l"/>
+              </a:tabLst>
+            </a:pPr>
+            <a:r>
+              <a:rPr lang="ar-SA" sz="1500" dirty="0">
+                <a:solidFill>
+                  <a:srgbClr val="1F1F1F"/>
+                </a:solidFill>
+                <a:effectLst/>
+                <a:latin typeface="Arial" panose="020B0604020202020204" pitchFamily="34" charset="0"/>
+                <a:ea typeface="Times New Roman" panose="02020603050405020304" pitchFamily="18" charset="0"/>
+                <a:cs typeface="B Nazanin" panose="00000400000000000000" pitchFamily="2" charset="-78"/>
+              </a:rPr>
+              <a:t>قفل‌ها را می‌توان تا زمانی که کل تراکنش کامل شود، نگه داشت (نگهداشتن بلند مدت قفل)</a:t>
+            </a:r>
+            <a:r>
+              <a:rPr lang="en-US" sz="1500" dirty="0">
+                <a:solidFill>
+                  <a:srgbClr val="1F1F1F"/>
+                </a:solidFill>
+                <a:effectLst/>
+                <a:latin typeface="Arial" panose="020B0604020202020204" pitchFamily="34" charset="0"/>
+                <a:ea typeface="Times New Roman" panose="02020603050405020304" pitchFamily="18" charset="0"/>
+                <a:cs typeface="B Nazanin" panose="00000400000000000000" pitchFamily="2" charset="-78"/>
+              </a:rPr>
+              <a:t>.</a:t>
+            </a:r>
+            <a:endParaRPr lang="en-US" sz="1100" dirty="0">
+              <a:solidFill>
+                <a:srgbClr val="1F1F1F"/>
+              </a:solidFill>
+              <a:effectLst/>
+              <a:latin typeface="Calibri" panose="020F0502020204030204" pitchFamily="34" charset="0"/>
+              <a:ea typeface="Calibri" panose="020F0502020204030204" pitchFamily="34" charset="0"/>
+              <a:cs typeface="Times New Roman" panose="02020603050405020304" pitchFamily="18" charset="0"/>
+            </a:endParaRPr>
+          </a:p>
+          <a:p>
+            <a:pPr marL="342900" marR="0" lvl="0" indent="-342900" algn="r" rtl="1">
+              <a:lnSpc>
+                <a:spcPct val="107000"/>
+              </a:lnSpc>
+              <a:spcBef>
+                <a:spcPts val="0"/>
+              </a:spcBef>
+              <a:spcAft>
+                <a:spcPts val="800"/>
+              </a:spcAft>
+              <a:buSzPts val="1000"/>
+              <a:buFont typeface="Symbol" panose="05050102010706020507" pitchFamily="18" charset="2"/>
+              <a:buChar char=""/>
+              <a:tabLst>
+                <a:tab pos="457200" algn="l"/>
+              </a:tabLst>
+            </a:pPr>
+            <a:r>
+              <a:rPr lang="ar-SA" sz="1500" b="1" dirty="0">
+                <a:solidFill>
+                  <a:srgbClr val="1F1F1F"/>
+                </a:solidFill>
+                <a:effectLst/>
+                <a:latin typeface="Arial" panose="020B0604020202020204" pitchFamily="34" charset="0"/>
+                <a:ea typeface="Times New Roman" panose="02020603050405020304" pitchFamily="18" charset="0"/>
+                <a:cs typeface="B Nazanin" panose="00000400000000000000" pitchFamily="2" charset="-78"/>
+              </a:rPr>
+              <a:t>قفل‌های اشتراکی در مقابل قفل‌های انحصاری</a:t>
+            </a:r>
+            <a:r>
+              <a:rPr lang="en-US" sz="1500" b="1" dirty="0">
+                <a:solidFill>
+                  <a:srgbClr val="1F1F1F"/>
+                </a:solidFill>
+                <a:effectLst/>
+                <a:latin typeface="Arial" panose="020B0604020202020204" pitchFamily="34" charset="0"/>
+                <a:ea typeface="Times New Roman" panose="02020603050405020304" pitchFamily="18" charset="0"/>
+                <a:cs typeface="B Nazanin" panose="00000400000000000000" pitchFamily="2" charset="-78"/>
+              </a:rPr>
+              <a:t>:</a:t>
+            </a:r>
+            <a:endParaRPr lang="en-US" sz="1100" dirty="0">
+              <a:solidFill>
+                <a:srgbClr val="1F1F1F"/>
+              </a:solidFill>
+              <a:effectLst/>
+              <a:latin typeface="Calibri" panose="020F0502020204030204" pitchFamily="34" charset="0"/>
+              <a:ea typeface="Calibri" panose="020F0502020204030204" pitchFamily="34" charset="0"/>
+              <a:cs typeface="Arial" panose="020B0604020202020204" pitchFamily="34" charset="0"/>
+            </a:endParaRPr>
+          </a:p>
+          <a:p>
+            <a:pPr marL="742950" marR="0" lvl="1" indent="-285750" algn="r" rtl="1">
+              <a:lnSpc>
+                <a:spcPct val="107000"/>
+              </a:lnSpc>
+              <a:spcBef>
+                <a:spcPts val="0"/>
+              </a:spcBef>
+              <a:spcAft>
+                <a:spcPts val="0"/>
+              </a:spcAft>
+              <a:buSzPts val="1000"/>
+              <a:buFont typeface="Courier New" panose="02070309020205020404" pitchFamily="49" charset="0"/>
+              <a:buChar char="o"/>
+              <a:tabLst>
+                <a:tab pos="914400" algn="l"/>
+              </a:tabLst>
+            </a:pPr>
+            <a:r>
+              <a:rPr lang="ar-SA" sz="1500" dirty="0">
+                <a:solidFill>
+                  <a:srgbClr val="1F1F1F"/>
+                </a:solidFill>
+                <a:effectLst/>
+                <a:latin typeface="Arial" panose="020B0604020202020204" pitchFamily="34" charset="0"/>
+                <a:ea typeface="Times New Roman" panose="02020603050405020304" pitchFamily="18" charset="0"/>
+                <a:cs typeface="B Nazanin" panose="00000400000000000000" pitchFamily="2" charset="-78"/>
+              </a:rPr>
+              <a:t>قفل اشتراکی: به چندین تراکنش اجازه می‌دهد همزمان یک آیتم را بخوانند، اما هیچ تراکنشی نمی‌تواند آن را بنویسد</a:t>
+            </a:r>
+            <a:r>
+              <a:rPr lang="en-US" sz="1500" dirty="0">
+                <a:solidFill>
+                  <a:srgbClr val="1F1F1F"/>
+                </a:solidFill>
+                <a:effectLst/>
+                <a:latin typeface="Arial" panose="020B0604020202020204" pitchFamily="34" charset="0"/>
+                <a:ea typeface="Times New Roman" panose="02020603050405020304" pitchFamily="18" charset="0"/>
+                <a:cs typeface="B Nazanin" panose="00000400000000000000" pitchFamily="2" charset="-78"/>
+              </a:rPr>
+              <a:t>.</a:t>
+            </a:r>
+            <a:endParaRPr lang="en-US" sz="1100" dirty="0">
+              <a:solidFill>
+                <a:srgbClr val="1F1F1F"/>
+              </a:solidFill>
+              <a:effectLst/>
+              <a:latin typeface="Calibri" panose="020F0502020204030204" pitchFamily="34" charset="0"/>
+              <a:ea typeface="Calibri" panose="020F0502020204030204" pitchFamily="34" charset="0"/>
+              <a:cs typeface="Times New Roman" panose="02020603050405020304" pitchFamily="18" charset="0"/>
+            </a:endParaRPr>
+          </a:p>
+          <a:p>
+            <a:pPr marL="742950" marR="0" lvl="1" indent="-285750" algn="r" rtl="1">
+              <a:lnSpc>
+                <a:spcPct val="107000"/>
+              </a:lnSpc>
+              <a:spcBef>
+                <a:spcPts val="0"/>
+              </a:spcBef>
+              <a:spcAft>
+                <a:spcPts val="0"/>
+              </a:spcAft>
+              <a:buSzPts val="1000"/>
+              <a:buFont typeface="Courier New" panose="02070309020205020404" pitchFamily="49" charset="0"/>
+              <a:buChar char="o"/>
+              <a:tabLst>
+                <a:tab pos="914400" algn="l"/>
+              </a:tabLst>
+            </a:pPr>
+            <a:r>
+              <a:rPr lang="ar-SA" sz="1500" dirty="0">
+                <a:solidFill>
+                  <a:srgbClr val="1F1F1F"/>
+                </a:solidFill>
+                <a:effectLst/>
+                <a:latin typeface="Arial" panose="020B0604020202020204" pitchFamily="34" charset="0"/>
+                <a:ea typeface="Times New Roman" panose="02020603050405020304" pitchFamily="18" charset="0"/>
+                <a:cs typeface="B Nazanin" panose="00000400000000000000" pitchFamily="2" charset="-78"/>
+              </a:rPr>
+              <a:t>قفل انحصاری: فقط به یک تراکنش اجازه می‌دهد یک آیتم را بخواند یا بنویسد. هیچ تراکنش دیگری نمی‌تواند در همان زمان به آن آیتم دسترسی داشته باشد</a:t>
+            </a:r>
+            <a:r>
+              <a:rPr lang="en-US" sz="1500" dirty="0">
+                <a:solidFill>
+                  <a:srgbClr val="1F1F1F"/>
+                </a:solidFill>
+                <a:effectLst/>
+                <a:latin typeface="Arial" panose="020B0604020202020204" pitchFamily="34" charset="0"/>
+                <a:ea typeface="Times New Roman" panose="02020603050405020304" pitchFamily="18" charset="0"/>
+                <a:cs typeface="B Nazanin" panose="00000400000000000000" pitchFamily="2" charset="-78"/>
+              </a:rPr>
+              <a:t>.</a:t>
+            </a:r>
+            <a:endParaRPr lang="en-US" sz="1100" dirty="0">
+              <a:solidFill>
+                <a:srgbClr val="1F1F1F"/>
+              </a:solidFill>
+              <a:effectLst/>
+              <a:latin typeface="Calibri" panose="020F0502020204030204" pitchFamily="34" charset="0"/>
+              <a:ea typeface="Calibri" panose="020F0502020204030204" pitchFamily="34" charset="0"/>
+              <a:cs typeface="Times New Roman" panose="02020603050405020304" pitchFamily="18" charset="0"/>
+            </a:endParaRPr>
+          </a:p>
+          <a:p>
+            <a:pPr marL="0" marR="0" algn="r" rtl="1">
+              <a:lnSpc>
+                <a:spcPct val="107000"/>
+              </a:lnSpc>
+              <a:spcBef>
+                <a:spcPts val="0"/>
+              </a:spcBef>
+              <a:spcAft>
+                <a:spcPts val="800"/>
+              </a:spcAft>
+            </a:pPr>
+            <a:r>
+              <a:rPr lang="ar-SA" sz="1500" b="1" dirty="0">
+                <a:solidFill>
+                  <a:srgbClr val="1F1F1F"/>
+                </a:solidFill>
+                <a:effectLst/>
+                <a:latin typeface="Arial" panose="020B0604020202020204" pitchFamily="34" charset="0"/>
+                <a:ea typeface="Times New Roman" panose="02020603050405020304" pitchFamily="18" charset="0"/>
+                <a:cs typeface="B Nazanin" panose="00000400000000000000" pitchFamily="2" charset="-78"/>
+              </a:rPr>
+              <a:t>برچسب‌های زمانی</a:t>
+            </a:r>
+            <a:r>
+              <a:rPr lang="en-US" sz="1500" b="1" dirty="0">
+                <a:solidFill>
+                  <a:srgbClr val="1F1F1F"/>
+                </a:solidFill>
+                <a:effectLst/>
+                <a:latin typeface="Arial" panose="020B0604020202020204" pitchFamily="34" charset="0"/>
+                <a:ea typeface="Times New Roman" panose="02020603050405020304" pitchFamily="18" charset="0"/>
+                <a:cs typeface="B Nazanin" panose="00000400000000000000" pitchFamily="2" charset="-78"/>
+              </a:rPr>
+              <a:t> (Timestamps):</a:t>
+            </a:r>
+            <a:endParaRPr lang="en-US" sz="1100" dirty="0">
+              <a:effectLst/>
+              <a:latin typeface="Calibri" panose="020F0502020204030204" pitchFamily="34" charset="0"/>
+              <a:ea typeface="Calibri" panose="020F0502020204030204" pitchFamily="34" charset="0"/>
+              <a:cs typeface="Arial" panose="020B0604020202020204" pitchFamily="34" charset="0"/>
+            </a:endParaRPr>
+          </a:p>
+          <a:p>
+            <a:pPr marL="342900" marR="0" lvl="0" indent="-342900" algn="r" rtl="1">
+              <a:lnSpc>
+                <a:spcPct val="107000"/>
+              </a:lnSpc>
+              <a:spcBef>
+                <a:spcPts val="0"/>
+              </a:spcBef>
+              <a:spcAft>
+                <a:spcPts val="800"/>
+              </a:spcAft>
+              <a:buSzPts val="1000"/>
+              <a:buFont typeface="Symbol" panose="05050102010706020507" pitchFamily="18" charset="2"/>
+              <a:buChar char=""/>
+              <a:tabLst>
+                <a:tab pos="457200" algn="l"/>
+              </a:tabLst>
+            </a:pPr>
+            <a:r>
+              <a:rPr lang="ar-SA" sz="1500" dirty="0">
+                <a:solidFill>
+                  <a:srgbClr val="1F1F1F"/>
+                </a:solidFill>
+                <a:effectLst/>
+                <a:latin typeface="Arial" panose="020B0604020202020204" pitchFamily="34" charset="0"/>
+                <a:ea typeface="Times New Roman" panose="02020603050405020304" pitchFamily="18" charset="0"/>
+                <a:cs typeface="B Nazanin" panose="00000400000000000000" pitchFamily="2" charset="-78"/>
+              </a:rPr>
+              <a:t>به هر تراکنش، هنگام شروع آن، یک برچسب زمانی اختصاص داده می‌شود</a:t>
+            </a:r>
+            <a:r>
+              <a:rPr lang="en-US" sz="1500" dirty="0">
+                <a:solidFill>
+                  <a:srgbClr val="1F1F1F"/>
+                </a:solidFill>
+                <a:effectLst/>
+                <a:latin typeface="Arial" panose="020B0604020202020204" pitchFamily="34" charset="0"/>
+                <a:ea typeface="Times New Roman" panose="02020603050405020304" pitchFamily="18" charset="0"/>
+                <a:cs typeface="B Nazanin" panose="00000400000000000000" pitchFamily="2" charset="-78"/>
+              </a:rPr>
+              <a:t>.</a:t>
+            </a:r>
+            <a:endParaRPr lang="en-US" sz="1100" dirty="0">
+              <a:solidFill>
+                <a:srgbClr val="1F1F1F"/>
+              </a:solidFill>
+              <a:effectLst/>
+              <a:latin typeface="Calibri" panose="020F0502020204030204" pitchFamily="34" charset="0"/>
+              <a:ea typeface="Calibri" panose="020F0502020204030204" pitchFamily="34" charset="0"/>
+              <a:cs typeface="Arial" panose="020B0604020202020204" pitchFamily="34" charset="0"/>
+            </a:endParaRPr>
+          </a:p>
+          <a:p>
+            <a:pPr marL="342900" marR="0" lvl="0" indent="-342900" algn="r" rtl="1">
+              <a:lnSpc>
+                <a:spcPct val="107000"/>
+              </a:lnSpc>
+              <a:spcBef>
+                <a:spcPts val="0"/>
+              </a:spcBef>
+              <a:spcAft>
+                <a:spcPts val="800"/>
+              </a:spcAft>
+              <a:buSzPts val="1000"/>
+              <a:buFont typeface="Symbol" panose="05050102010706020507" pitchFamily="18" charset="2"/>
+              <a:buChar char=""/>
+              <a:tabLst>
+                <a:tab pos="457200" algn="l"/>
+              </a:tabLst>
+            </a:pPr>
+            <a:r>
+              <a:rPr lang="ar-SA" sz="1500" dirty="0">
+                <a:solidFill>
+                  <a:srgbClr val="1F1F1F"/>
+                </a:solidFill>
+                <a:effectLst/>
+                <a:latin typeface="Arial" panose="020B0604020202020204" pitchFamily="34" charset="0"/>
+                <a:ea typeface="Times New Roman" panose="02020603050405020304" pitchFamily="18" charset="0"/>
+                <a:cs typeface="B Nazanin" panose="00000400000000000000" pitchFamily="2" charset="-78"/>
+              </a:rPr>
+              <a:t>هر آیتم داده دو برچسب زمانی را ذخیره می‌کند</a:t>
+            </a:r>
+            <a:r>
+              <a:rPr lang="en-US" sz="1500" dirty="0">
+                <a:solidFill>
+                  <a:srgbClr val="1F1F1F"/>
+                </a:solidFill>
+                <a:effectLst/>
+                <a:latin typeface="Arial" panose="020B0604020202020204" pitchFamily="34" charset="0"/>
+                <a:ea typeface="Times New Roman" panose="02020603050405020304" pitchFamily="18" charset="0"/>
+                <a:cs typeface="B Nazanin" panose="00000400000000000000" pitchFamily="2" charset="-78"/>
+              </a:rPr>
+              <a:t>:</a:t>
+            </a:r>
+            <a:endParaRPr lang="en-US" sz="1100" dirty="0">
+              <a:solidFill>
+                <a:srgbClr val="1F1F1F"/>
+              </a:solidFill>
+              <a:effectLst/>
+              <a:latin typeface="Calibri" panose="020F0502020204030204" pitchFamily="34" charset="0"/>
+              <a:ea typeface="Calibri" panose="020F0502020204030204" pitchFamily="34" charset="0"/>
+              <a:cs typeface="Arial" panose="020B0604020202020204" pitchFamily="34" charset="0"/>
+            </a:endParaRPr>
+          </a:p>
+          <a:p>
+            <a:pPr marL="742950" marR="0" lvl="1" indent="-285750" algn="r" rtl="1">
+              <a:lnSpc>
+                <a:spcPct val="107000"/>
+              </a:lnSpc>
+              <a:spcBef>
+                <a:spcPts val="0"/>
+              </a:spcBef>
+              <a:spcAft>
+                <a:spcPts val="0"/>
+              </a:spcAft>
+              <a:buSzPts val="1000"/>
+              <a:buFont typeface="Courier New" panose="02070309020205020404" pitchFamily="49" charset="0"/>
+              <a:buChar char="o"/>
+              <a:tabLst>
+                <a:tab pos="914400" algn="l"/>
+              </a:tabLst>
+            </a:pPr>
+            <a:r>
+              <a:rPr lang="ar-SA" sz="1500" dirty="0">
+                <a:solidFill>
+                  <a:srgbClr val="1F1F1F"/>
+                </a:solidFill>
+                <a:effectLst/>
+                <a:latin typeface="Arial" panose="020B0604020202020204" pitchFamily="34" charset="0"/>
+                <a:ea typeface="Times New Roman" panose="02020603050405020304" pitchFamily="18" charset="0"/>
+                <a:cs typeface="B Nazanin" panose="00000400000000000000" pitchFamily="2" charset="-78"/>
+              </a:rPr>
+              <a:t>برچسب زمانی خواندن</a:t>
+            </a:r>
+            <a:r>
+              <a:rPr lang="en-US" sz="1500" dirty="0">
+                <a:solidFill>
+                  <a:srgbClr val="1F1F1F"/>
+                </a:solidFill>
+                <a:effectLst/>
+                <a:latin typeface="Arial" panose="020B0604020202020204" pitchFamily="34" charset="0"/>
+                <a:ea typeface="Times New Roman" panose="02020603050405020304" pitchFamily="18" charset="0"/>
+                <a:cs typeface="B Nazanin" panose="00000400000000000000" pitchFamily="2" charset="-78"/>
+              </a:rPr>
+              <a:t> (Read Timestamp): </a:t>
+            </a:r>
+            <a:r>
+              <a:rPr lang="ar-SA" sz="1500" dirty="0">
+                <a:solidFill>
+                  <a:srgbClr val="1F1F1F"/>
+                </a:solidFill>
+                <a:effectLst/>
+                <a:latin typeface="Arial" panose="020B0604020202020204" pitchFamily="34" charset="0"/>
+                <a:ea typeface="Times New Roman" panose="02020603050405020304" pitchFamily="18" charset="0"/>
+                <a:cs typeface="B Nazanin" panose="00000400000000000000" pitchFamily="2" charset="-78"/>
+              </a:rPr>
+              <a:t>زمانی که آخرین بار یک تراکنش آن آیتم را خوانده است</a:t>
+            </a:r>
+            <a:r>
+              <a:rPr lang="en-US" sz="1500" dirty="0">
+                <a:solidFill>
+                  <a:srgbClr val="1F1F1F"/>
+                </a:solidFill>
+                <a:effectLst/>
+                <a:latin typeface="Arial" panose="020B0604020202020204" pitchFamily="34" charset="0"/>
+                <a:ea typeface="Times New Roman" panose="02020603050405020304" pitchFamily="18" charset="0"/>
+                <a:cs typeface="B Nazanin" panose="00000400000000000000" pitchFamily="2" charset="-78"/>
+              </a:rPr>
+              <a:t>.</a:t>
+            </a:r>
+            <a:endParaRPr lang="en-US" sz="1100" dirty="0">
+              <a:solidFill>
+                <a:srgbClr val="1F1F1F"/>
+              </a:solidFill>
+              <a:effectLst/>
+              <a:latin typeface="Calibri" panose="020F0502020204030204" pitchFamily="34" charset="0"/>
+              <a:ea typeface="Calibri" panose="020F0502020204030204" pitchFamily="34" charset="0"/>
+              <a:cs typeface="Times New Roman" panose="02020603050405020304" pitchFamily="18" charset="0"/>
+            </a:endParaRPr>
+          </a:p>
+          <a:p>
+            <a:pPr marL="742950" marR="0" lvl="1" indent="-285750" algn="r" rtl="1">
+              <a:lnSpc>
+                <a:spcPct val="107000"/>
+              </a:lnSpc>
+              <a:spcBef>
+                <a:spcPts val="0"/>
+              </a:spcBef>
+              <a:spcAft>
+                <a:spcPts val="0"/>
+              </a:spcAft>
+              <a:buSzPts val="1000"/>
+              <a:buFont typeface="Courier New" panose="02070309020205020404" pitchFamily="49" charset="0"/>
+              <a:buChar char="o"/>
+              <a:tabLst>
+                <a:tab pos="914400" algn="l"/>
+              </a:tabLst>
+            </a:pPr>
+            <a:r>
+              <a:rPr lang="ar-SA" sz="1500" dirty="0">
+                <a:solidFill>
+                  <a:srgbClr val="1F1F1F"/>
+                </a:solidFill>
+                <a:effectLst/>
+                <a:latin typeface="Arial" panose="020B0604020202020204" pitchFamily="34" charset="0"/>
+                <a:ea typeface="Times New Roman" panose="02020603050405020304" pitchFamily="18" charset="0"/>
+                <a:cs typeface="B Nazanin" panose="00000400000000000000" pitchFamily="2" charset="-78"/>
+              </a:rPr>
+              <a:t>برچسب زمانی نوشتن</a:t>
+            </a:r>
+            <a:r>
+              <a:rPr lang="en-US" sz="1500" dirty="0">
+                <a:solidFill>
+                  <a:srgbClr val="1F1F1F"/>
+                </a:solidFill>
+                <a:effectLst/>
+                <a:latin typeface="Arial" panose="020B0604020202020204" pitchFamily="34" charset="0"/>
+                <a:ea typeface="Times New Roman" panose="02020603050405020304" pitchFamily="18" charset="0"/>
+                <a:cs typeface="B Nazanin" panose="00000400000000000000" pitchFamily="2" charset="-78"/>
+              </a:rPr>
+              <a:t> (Write Timestamp): </a:t>
+            </a:r>
+            <a:r>
+              <a:rPr lang="ar-SA" sz="1500" dirty="0">
+                <a:solidFill>
+                  <a:srgbClr val="1F1F1F"/>
+                </a:solidFill>
+                <a:effectLst/>
+                <a:latin typeface="Arial" panose="020B0604020202020204" pitchFamily="34" charset="0"/>
+                <a:ea typeface="Times New Roman" panose="02020603050405020304" pitchFamily="18" charset="0"/>
+                <a:cs typeface="B Nazanin" panose="00000400000000000000" pitchFamily="2" charset="-78"/>
+              </a:rPr>
+              <a:t>زمانی که آخرین بار یک تراکنش آن آیتم را نوشته است</a:t>
+            </a:r>
+            <a:r>
+              <a:rPr lang="en-US" sz="1500" dirty="0">
+                <a:solidFill>
+                  <a:srgbClr val="1F1F1F"/>
+                </a:solidFill>
+                <a:effectLst/>
+                <a:latin typeface="Arial" panose="020B0604020202020204" pitchFamily="34" charset="0"/>
+                <a:ea typeface="Times New Roman" panose="02020603050405020304" pitchFamily="18" charset="0"/>
+                <a:cs typeface="B Nazanin" panose="00000400000000000000" pitchFamily="2" charset="-78"/>
+              </a:rPr>
+              <a:t>.</a:t>
+            </a:r>
+            <a:endParaRPr lang="en-US" sz="1100" dirty="0">
+              <a:solidFill>
+                <a:srgbClr val="1F1F1F"/>
+              </a:solidFill>
+              <a:effectLst/>
+              <a:latin typeface="Calibri" panose="020F0502020204030204" pitchFamily="34" charset="0"/>
+              <a:ea typeface="Calibri" panose="020F0502020204030204" pitchFamily="34" charset="0"/>
+              <a:cs typeface="Times New Roman" panose="02020603050405020304" pitchFamily="18" charset="0"/>
+            </a:endParaRPr>
+          </a:p>
+          <a:p>
+            <a:pPr marL="342900" marR="0" lvl="0" indent="-342900" algn="r" rtl="1">
+              <a:lnSpc>
+                <a:spcPct val="107000"/>
+              </a:lnSpc>
+              <a:spcBef>
+                <a:spcPts val="0"/>
+              </a:spcBef>
+              <a:spcAft>
+                <a:spcPts val="800"/>
+              </a:spcAft>
+              <a:buSzPts val="1000"/>
+              <a:buFont typeface="Symbol" panose="05050102010706020507" pitchFamily="18" charset="2"/>
+              <a:buChar char=""/>
+              <a:tabLst>
+                <a:tab pos="457200" algn="l"/>
+              </a:tabLst>
+            </a:pPr>
+            <a:r>
+              <a:rPr lang="ar-SA" sz="1500" dirty="0">
+                <a:solidFill>
+                  <a:srgbClr val="1F1F1F"/>
+                </a:solidFill>
+                <a:effectLst/>
+                <a:latin typeface="Arial" panose="020B0604020202020204" pitchFamily="34" charset="0"/>
+                <a:ea typeface="Times New Roman" panose="02020603050405020304" pitchFamily="18" charset="0"/>
+                <a:cs typeface="B Nazanin" panose="00000400000000000000" pitchFamily="2" charset="-78"/>
+              </a:rPr>
+              <a:t>از برچسب‌های زمانی برای تشخیص دسترسی‌های خارج از ترتیب استفاده می‌شود</a:t>
+            </a:r>
+            <a:r>
+              <a:rPr lang="en-US" sz="1500" dirty="0">
+                <a:solidFill>
+                  <a:srgbClr val="1F1F1F"/>
+                </a:solidFill>
+                <a:effectLst/>
+                <a:latin typeface="Arial" panose="020B0604020202020204" pitchFamily="34" charset="0"/>
+                <a:ea typeface="Times New Roman" panose="02020603050405020304" pitchFamily="18" charset="0"/>
+                <a:cs typeface="B Nazanin" panose="00000400000000000000" pitchFamily="2" charset="-78"/>
+              </a:rPr>
+              <a:t>.</a:t>
+            </a:r>
+            <a:endParaRPr lang="en-US" sz="1100" dirty="0">
+              <a:solidFill>
+                <a:srgbClr val="1F1F1F"/>
+              </a:solidFill>
+              <a:effectLst/>
+              <a:latin typeface="Calibri" panose="020F0502020204030204" pitchFamily="34" charset="0"/>
+              <a:ea typeface="Calibri" panose="020F0502020204030204" pitchFamily="34" charset="0"/>
+              <a:cs typeface="Arial" panose="020B0604020202020204" pitchFamily="34" charset="0"/>
+            </a:endParaRPr>
+          </a:p>
+          <a:p>
+            <a:pPr marL="742950" marR="0" lvl="1" indent="-285750" algn="r" rtl="1">
+              <a:lnSpc>
+                <a:spcPct val="107000"/>
+              </a:lnSpc>
+              <a:spcBef>
+                <a:spcPts val="0"/>
+              </a:spcBef>
+              <a:spcAft>
+                <a:spcPts val="0"/>
+              </a:spcAft>
+              <a:buSzPts val="1000"/>
+              <a:buFont typeface="Courier New" panose="02070309020205020404" pitchFamily="49" charset="0"/>
+              <a:buChar char="o"/>
+              <a:tabLst>
+                <a:tab pos="914400" algn="l"/>
+              </a:tabLst>
+            </a:pPr>
+            <a:r>
+              <a:rPr lang="ar-SA" sz="1500" dirty="0">
+                <a:solidFill>
+                  <a:srgbClr val="1F1F1F"/>
+                </a:solidFill>
+                <a:effectLst/>
+                <a:latin typeface="Arial" panose="020B0604020202020204" pitchFamily="34" charset="0"/>
+                <a:ea typeface="Times New Roman" panose="02020603050405020304" pitchFamily="18" charset="0"/>
+                <a:cs typeface="B Nazanin" panose="00000400000000000000" pitchFamily="2" charset="-78"/>
+              </a:rPr>
+              <a:t>فرض کنید تراکنش</a:t>
+            </a:r>
+            <a:r>
+              <a:rPr lang="en-US" sz="1500" dirty="0">
+                <a:solidFill>
+                  <a:srgbClr val="1F1F1F"/>
+                </a:solidFill>
+                <a:effectLst/>
+                <a:latin typeface="Arial" panose="020B0604020202020204" pitchFamily="34" charset="0"/>
+                <a:ea typeface="Times New Roman" panose="02020603050405020304" pitchFamily="18" charset="0"/>
+                <a:cs typeface="B Nazanin" panose="00000400000000000000" pitchFamily="2" charset="-78"/>
+              </a:rPr>
+              <a:t> T1 </a:t>
+            </a:r>
+            <a:r>
+              <a:rPr lang="ar-SA" sz="1500" dirty="0">
+                <a:solidFill>
+                  <a:srgbClr val="1F1F1F"/>
+                </a:solidFill>
+                <a:effectLst/>
+                <a:latin typeface="Arial" panose="020B0604020202020204" pitchFamily="34" charset="0"/>
+                <a:ea typeface="Times New Roman" panose="02020603050405020304" pitchFamily="18" charset="0"/>
+                <a:cs typeface="B Nazanin" panose="00000400000000000000" pitchFamily="2" charset="-78"/>
+              </a:rPr>
+              <a:t>یک آیتم را در زمان</a:t>
+            </a:r>
+            <a:r>
+              <a:rPr lang="en-US" sz="1500" dirty="0">
+                <a:solidFill>
+                  <a:srgbClr val="1F1F1F"/>
+                </a:solidFill>
+                <a:effectLst/>
+                <a:latin typeface="Arial" panose="020B0604020202020204" pitchFamily="34" charset="0"/>
+                <a:ea typeface="Times New Roman" panose="02020603050405020304" pitchFamily="18" charset="0"/>
+                <a:cs typeface="B Nazanin" panose="00000400000000000000" pitchFamily="2" charset="-78"/>
+              </a:rPr>
+              <a:t> t1 </a:t>
+            </a:r>
+            <a:r>
+              <a:rPr lang="ar-SA" sz="1500" dirty="0">
+                <a:solidFill>
+                  <a:srgbClr val="1F1F1F"/>
+                </a:solidFill>
+                <a:effectLst/>
+                <a:latin typeface="Arial" panose="020B0604020202020204" pitchFamily="34" charset="0"/>
+                <a:ea typeface="Times New Roman" panose="02020603050405020304" pitchFamily="18" charset="0"/>
+                <a:cs typeface="B Nazanin" panose="00000400000000000000" pitchFamily="2" charset="-78"/>
+              </a:rPr>
+              <a:t>می‌خواند و برچسب زمانی خواندن آن آیتم را به</a:t>
+            </a:r>
+            <a:r>
+              <a:rPr lang="en-US" sz="1500" dirty="0">
+                <a:solidFill>
+                  <a:srgbClr val="1F1F1F"/>
+                </a:solidFill>
+                <a:effectLst/>
+                <a:latin typeface="Arial" panose="020B0604020202020204" pitchFamily="34" charset="0"/>
+                <a:ea typeface="Times New Roman" panose="02020603050405020304" pitchFamily="18" charset="0"/>
+                <a:cs typeface="B Nazanin" panose="00000400000000000000" pitchFamily="2" charset="-78"/>
+              </a:rPr>
+              <a:t> t1 </a:t>
+            </a:r>
+            <a:r>
+              <a:rPr lang="ar-SA" sz="1500" dirty="0">
+                <a:solidFill>
+                  <a:srgbClr val="1F1F1F"/>
+                </a:solidFill>
+                <a:effectLst/>
+                <a:latin typeface="Arial" panose="020B0604020202020204" pitchFamily="34" charset="0"/>
+                <a:ea typeface="Times New Roman" panose="02020603050405020304" pitchFamily="18" charset="0"/>
+                <a:cs typeface="B Nazanin" panose="00000400000000000000" pitchFamily="2" charset="-78"/>
+              </a:rPr>
+              <a:t>به‌روزرسانی می‌کند</a:t>
+            </a:r>
+            <a:r>
+              <a:rPr lang="en-US" sz="1500" dirty="0">
+                <a:solidFill>
+                  <a:srgbClr val="1F1F1F"/>
+                </a:solidFill>
+                <a:effectLst/>
+                <a:latin typeface="Arial" panose="020B0604020202020204" pitchFamily="34" charset="0"/>
+                <a:ea typeface="Times New Roman" panose="02020603050405020304" pitchFamily="18" charset="0"/>
+                <a:cs typeface="B Nazanin" panose="00000400000000000000" pitchFamily="2" charset="-78"/>
+              </a:rPr>
+              <a:t>.</a:t>
+            </a:r>
+            <a:endParaRPr lang="en-US" sz="1100" dirty="0">
+              <a:solidFill>
+                <a:srgbClr val="1F1F1F"/>
+              </a:solidFill>
+              <a:effectLst/>
+              <a:latin typeface="Calibri" panose="020F0502020204030204" pitchFamily="34" charset="0"/>
+              <a:ea typeface="Calibri" panose="020F0502020204030204" pitchFamily="34" charset="0"/>
+              <a:cs typeface="Times New Roman" panose="02020603050405020304" pitchFamily="18" charset="0"/>
+            </a:endParaRPr>
+          </a:p>
+          <a:p>
+            <a:pPr marL="742950" marR="0" lvl="1" indent="-285750" algn="r" rtl="1">
+              <a:lnSpc>
+                <a:spcPct val="107000"/>
+              </a:lnSpc>
+              <a:spcBef>
+                <a:spcPts val="0"/>
+              </a:spcBef>
+              <a:spcAft>
+                <a:spcPts val="0"/>
+              </a:spcAft>
+              <a:buSzPts val="1000"/>
+              <a:buFont typeface="Courier New" panose="02070309020205020404" pitchFamily="49" charset="0"/>
+              <a:buChar char="o"/>
+              <a:tabLst>
+                <a:tab pos="914400" algn="l"/>
+              </a:tabLst>
+            </a:pPr>
+            <a:r>
+              <a:rPr lang="ar-SA" sz="1500" dirty="0">
+                <a:solidFill>
+                  <a:srgbClr val="1F1F1F"/>
+                </a:solidFill>
+                <a:effectLst/>
+                <a:latin typeface="Arial" panose="020B0604020202020204" pitchFamily="34" charset="0"/>
+                <a:ea typeface="Times New Roman" panose="02020603050405020304" pitchFamily="18" charset="0"/>
+                <a:cs typeface="B Nazanin" panose="00000400000000000000" pitchFamily="2" charset="-78"/>
+              </a:rPr>
+              <a:t>اگر تراکنش</a:t>
+            </a:r>
+            <a:r>
+              <a:rPr lang="en-US" sz="1500" dirty="0">
+                <a:solidFill>
+                  <a:srgbClr val="1F1F1F"/>
+                </a:solidFill>
+                <a:effectLst/>
+                <a:latin typeface="Arial" panose="020B0604020202020204" pitchFamily="34" charset="0"/>
+                <a:ea typeface="Times New Roman" panose="02020603050405020304" pitchFamily="18" charset="0"/>
+                <a:cs typeface="B Nazanin" panose="00000400000000000000" pitchFamily="2" charset="-78"/>
+              </a:rPr>
+              <a:t> T2 </a:t>
+            </a:r>
+            <a:r>
+              <a:rPr lang="ar-SA" sz="1500" dirty="0">
+                <a:solidFill>
+                  <a:srgbClr val="1F1F1F"/>
+                </a:solidFill>
+                <a:effectLst/>
+                <a:latin typeface="Arial" panose="020B0604020202020204" pitchFamily="34" charset="0"/>
+                <a:ea typeface="Times New Roman" panose="02020603050405020304" pitchFamily="18" charset="0"/>
+                <a:cs typeface="B Nazanin" panose="00000400000000000000" pitchFamily="2" charset="-78"/>
+              </a:rPr>
+              <a:t>بعداً آن آیتم را می‌نویسد و برچسب زمانی نوشتن آن را به</a:t>
+            </a:r>
+            <a:r>
+              <a:rPr lang="en-US" sz="1500" dirty="0">
+                <a:solidFill>
+                  <a:srgbClr val="1F1F1F"/>
+                </a:solidFill>
+                <a:effectLst/>
+                <a:latin typeface="Arial" panose="020B0604020202020204" pitchFamily="34" charset="0"/>
+                <a:ea typeface="Times New Roman" panose="02020603050405020304" pitchFamily="18" charset="0"/>
+                <a:cs typeface="B Nazanin" panose="00000400000000000000" pitchFamily="2" charset="-78"/>
+              </a:rPr>
+              <a:t> t2 </a:t>
+            </a:r>
+            <a:r>
+              <a:rPr lang="ar-SA" sz="1500" dirty="0">
+                <a:solidFill>
+                  <a:srgbClr val="1F1F1F"/>
+                </a:solidFill>
+                <a:effectLst/>
+                <a:latin typeface="Arial" panose="020B0604020202020204" pitchFamily="34" charset="0"/>
+                <a:ea typeface="Times New Roman" panose="02020603050405020304" pitchFamily="18" charset="0"/>
+                <a:cs typeface="B Nazanin" panose="00000400000000000000" pitchFamily="2" charset="-78"/>
+              </a:rPr>
+              <a:t>به‌روزرسانی می‌کند، هر تراکنشی که بعد از</a:t>
+            </a:r>
+            <a:r>
+              <a:rPr lang="en-US" sz="1500" dirty="0">
+                <a:solidFill>
+                  <a:srgbClr val="1F1F1F"/>
+                </a:solidFill>
+                <a:effectLst/>
+                <a:latin typeface="Arial" panose="020B0604020202020204" pitchFamily="34" charset="0"/>
+                <a:ea typeface="Times New Roman" panose="02020603050405020304" pitchFamily="18" charset="0"/>
+                <a:cs typeface="B Nazanin" panose="00000400000000000000" pitchFamily="2" charset="-78"/>
+              </a:rPr>
+              <a:t> T1 </a:t>
+            </a:r>
+            <a:r>
+              <a:rPr lang="ar-SA" sz="1500" dirty="0">
+                <a:solidFill>
+                  <a:srgbClr val="1F1F1F"/>
+                </a:solidFill>
+                <a:effectLst/>
+                <a:latin typeface="Arial" panose="020B0604020202020204" pitchFamily="34" charset="0"/>
+                <a:ea typeface="Times New Roman" panose="02020603050405020304" pitchFamily="18" charset="0"/>
+                <a:cs typeface="B Nazanin" panose="00000400000000000000" pitchFamily="2" charset="-78"/>
+              </a:rPr>
+              <a:t>شروع می‌شود، اما قبل از</a:t>
+            </a:r>
+            <a:r>
+              <a:rPr lang="en-US" sz="1500" dirty="0">
+                <a:solidFill>
+                  <a:srgbClr val="1F1F1F"/>
+                </a:solidFill>
+                <a:effectLst/>
+                <a:latin typeface="Arial" panose="020B0604020202020204" pitchFamily="34" charset="0"/>
+                <a:ea typeface="Times New Roman" panose="02020603050405020304" pitchFamily="18" charset="0"/>
+                <a:cs typeface="B Nazanin" panose="00000400000000000000" pitchFamily="2" charset="-78"/>
+              </a:rPr>
+              <a:t> T2</a:t>
+            </a:r>
+            <a:r>
+              <a:rPr lang="ar-SA" sz="1500" dirty="0">
+                <a:solidFill>
+                  <a:srgbClr val="1F1F1F"/>
+                </a:solidFill>
+                <a:effectLst/>
+                <a:latin typeface="Arial" panose="020B0604020202020204" pitchFamily="34" charset="0"/>
+                <a:ea typeface="Times New Roman" panose="02020603050405020304" pitchFamily="18" charset="0"/>
+                <a:cs typeface="B Nazanin" panose="00000400000000000000" pitchFamily="2" charset="-78"/>
+              </a:rPr>
+              <a:t>، می‌تواند با خیال راحت آن آیتم را با برچسب زمانی خواندن کمتر از</a:t>
+            </a:r>
+            <a:r>
+              <a:rPr lang="en-US" sz="1500" dirty="0">
+                <a:solidFill>
+                  <a:srgbClr val="1F1F1F"/>
+                </a:solidFill>
+                <a:effectLst/>
+                <a:latin typeface="Arial" panose="020B0604020202020204" pitchFamily="34" charset="0"/>
+                <a:ea typeface="Times New Roman" panose="02020603050405020304" pitchFamily="18" charset="0"/>
+                <a:cs typeface="B Nazanin" panose="00000400000000000000" pitchFamily="2" charset="-78"/>
+              </a:rPr>
+              <a:t> t2 </a:t>
+            </a:r>
+            <a:r>
+              <a:rPr lang="ar-SA" sz="1500" dirty="0">
+                <a:solidFill>
+                  <a:srgbClr val="1F1F1F"/>
+                </a:solidFill>
+                <a:effectLst/>
+                <a:latin typeface="Arial" panose="020B0604020202020204" pitchFamily="34" charset="0"/>
+                <a:ea typeface="Times New Roman" panose="02020603050405020304" pitchFamily="18" charset="0"/>
+                <a:cs typeface="B Nazanin" panose="00000400000000000000" pitchFamily="2" charset="-78"/>
+              </a:rPr>
+              <a:t>بخواند</a:t>
+            </a:r>
+            <a:r>
+              <a:rPr lang="en-US" sz="1500" dirty="0">
+                <a:solidFill>
+                  <a:srgbClr val="1F1F1F"/>
+                </a:solidFill>
+                <a:effectLst/>
+                <a:latin typeface="Arial" panose="020B0604020202020204" pitchFamily="34" charset="0"/>
+                <a:ea typeface="Times New Roman" panose="02020603050405020304" pitchFamily="18" charset="0"/>
+                <a:cs typeface="B Nazanin" panose="00000400000000000000" pitchFamily="2" charset="-78"/>
+              </a:rPr>
+              <a:t>.</a:t>
+            </a:r>
+            <a:endParaRPr lang="en-US" sz="1100" dirty="0">
+              <a:solidFill>
+                <a:srgbClr val="1F1F1F"/>
+              </a:solidFill>
+              <a:effectLst/>
+              <a:latin typeface="Calibri" panose="020F0502020204030204" pitchFamily="34" charset="0"/>
+              <a:ea typeface="Calibri" panose="020F0502020204030204" pitchFamily="34" charset="0"/>
+              <a:cs typeface="Times New Roman" panose="02020603050405020304" pitchFamily="18" charset="0"/>
+            </a:endParaRPr>
+          </a:p>
+          <a:p>
+            <a:pPr marL="0" marR="0" algn="r" rtl="1">
+              <a:lnSpc>
+                <a:spcPct val="107000"/>
+              </a:lnSpc>
+              <a:spcBef>
+                <a:spcPts val="0"/>
+              </a:spcBef>
+              <a:spcAft>
+                <a:spcPts val="800"/>
+              </a:spcAft>
+            </a:pPr>
+            <a:r>
+              <a:rPr lang="ar-SA" sz="1500" b="1" dirty="0">
+                <a:solidFill>
+                  <a:srgbClr val="1F1F1F"/>
+                </a:solidFill>
+                <a:effectLst/>
+                <a:latin typeface="Arial" panose="020B0604020202020204" pitchFamily="34" charset="0"/>
+                <a:ea typeface="Times New Roman" panose="02020603050405020304" pitchFamily="18" charset="0"/>
+                <a:cs typeface="B Nazanin" panose="00000400000000000000" pitchFamily="2" charset="-78"/>
+              </a:rPr>
+              <a:t>چند نسخه از هر آیتم داده</a:t>
+            </a:r>
+            <a:r>
+              <a:rPr lang="en-US" sz="1500" b="1" dirty="0">
+                <a:solidFill>
+                  <a:srgbClr val="1F1F1F"/>
+                </a:solidFill>
+                <a:effectLst/>
+                <a:latin typeface="Arial" panose="020B0604020202020204" pitchFamily="34" charset="0"/>
+                <a:ea typeface="Times New Roman" panose="02020603050405020304" pitchFamily="18" charset="0"/>
+                <a:cs typeface="B Nazanin" panose="00000400000000000000" pitchFamily="2" charset="-78"/>
+              </a:rPr>
+              <a:t> (Multi-Version Concurrency Control - MVCC):</a:t>
+            </a:r>
+            <a:endParaRPr lang="en-US" sz="1100" dirty="0">
+              <a:effectLst/>
+              <a:latin typeface="Calibri" panose="020F0502020204030204" pitchFamily="34" charset="0"/>
+              <a:ea typeface="Calibri" panose="020F0502020204030204" pitchFamily="34" charset="0"/>
+              <a:cs typeface="Arial" panose="020B0604020202020204" pitchFamily="34" charset="0"/>
+            </a:endParaRPr>
+          </a:p>
+          <a:p>
+            <a:pPr marL="342900" marR="0" lvl="0" indent="-342900" algn="r" rtl="1">
+              <a:lnSpc>
+                <a:spcPct val="107000"/>
+              </a:lnSpc>
+              <a:spcBef>
+                <a:spcPts val="0"/>
+              </a:spcBef>
+              <a:spcAft>
+                <a:spcPts val="0"/>
+              </a:spcAft>
+              <a:buSzPts val="1000"/>
+              <a:buFont typeface="Symbol" panose="05050102010706020507" pitchFamily="18" charset="2"/>
+              <a:buChar char=""/>
+              <a:tabLst>
+                <a:tab pos="457200" algn="l"/>
+              </a:tabLst>
+            </a:pPr>
+            <a:r>
+              <a:rPr lang="ar-SA" sz="1500" dirty="0">
+                <a:solidFill>
+                  <a:srgbClr val="1F1F1F"/>
+                </a:solidFill>
+                <a:effectLst/>
+                <a:latin typeface="Arial" panose="020B0604020202020204" pitchFamily="34" charset="0"/>
+                <a:ea typeface="Times New Roman" panose="02020603050405020304" pitchFamily="18" charset="0"/>
+                <a:cs typeface="B Nazanin" panose="00000400000000000000" pitchFamily="2" charset="-78"/>
+              </a:rPr>
+              <a:t>چند نسخه از هر آیتم داده را در پایگاه داده ذخیره کنید</a:t>
+            </a:r>
+            <a:r>
+              <a:rPr lang="en-US" sz="1500" dirty="0">
+                <a:solidFill>
+                  <a:srgbClr val="1F1F1F"/>
+                </a:solidFill>
+                <a:effectLst/>
+                <a:latin typeface="Arial" panose="020B0604020202020204" pitchFamily="34" charset="0"/>
+                <a:ea typeface="Times New Roman" panose="02020603050405020304" pitchFamily="18" charset="0"/>
+                <a:cs typeface="B Nazanin" panose="00000400000000000000" pitchFamily="2" charset="-78"/>
+              </a:rPr>
+              <a:t>.</a:t>
+            </a:r>
+            <a:endParaRPr lang="en-US" sz="1100" dirty="0">
+              <a:solidFill>
+                <a:srgbClr val="1F1F1F"/>
+              </a:solidFill>
+              <a:effectLst/>
+              <a:latin typeface="Calibri" panose="020F0502020204030204" pitchFamily="34" charset="0"/>
+              <a:ea typeface="Calibri" panose="020F0502020204030204" pitchFamily="34" charset="0"/>
+              <a:cs typeface="Arial" panose="020B0604020202020204" pitchFamily="34" charset="0"/>
+            </a:endParaRPr>
+          </a:p>
+          <a:p>
+            <a:pPr marL="342900" marR="0" lvl="0" indent="-342900" algn="r" rtl="1">
+              <a:lnSpc>
+                <a:spcPct val="107000"/>
+              </a:lnSpc>
+              <a:spcBef>
+                <a:spcPts val="0"/>
+              </a:spcBef>
+              <a:spcAft>
+                <a:spcPts val="0"/>
+              </a:spcAft>
+              <a:buSzPts val="1000"/>
+              <a:buFont typeface="Symbol" panose="05050102010706020507" pitchFamily="18" charset="2"/>
+              <a:buChar char=""/>
+              <a:tabLst>
+                <a:tab pos="457200" algn="l"/>
+              </a:tabLst>
+            </a:pPr>
+            <a:r>
+              <a:rPr lang="ar-SA" sz="1500" dirty="0">
+                <a:solidFill>
+                  <a:srgbClr val="1F1F1F"/>
+                </a:solidFill>
+                <a:effectLst/>
+                <a:latin typeface="Arial" panose="020B0604020202020204" pitchFamily="34" charset="0"/>
+                <a:ea typeface="Times New Roman" panose="02020603050405020304" pitchFamily="18" charset="0"/>
+                <a:cs typeface="B Nazanin" panose="00000400000000000000" pitchFamily="2" charset="-78"/>
+              </a:rPr>
+              <a:t>هر نسخه با یک برچسب زمانی تراکنش همراه است که آن نسخه را نوشته است</a:t>
+            </a:r>
+            <a:r>
+              <a:rPr lang="en-US" sz="1500" dirty="0">
+                <a:solidFill>
+                  <a:srgbClr val="1F1F1F"/>
+                </a:solidFill>
+                <a:effectLst/>
+                <a:latin typeface="Arial" panose="020B0604020202020204" pitchFamily="34" charset="0"/>
+                <a:ea typeface="Times New Roman" panose="02020603050405020304" pitchFamily="18" charset="0"/>
+                <a:cs typeface="B Nazanin" panose="00000400000000000000" pitchFamily="2" charset="-78"/>
+              </a:rPr>
+              <a:t>.</a:t>
+            </a:r>
+            <a:endParaRPr lang="en-US" sz="1100" dirty="0">
+              <a:solidFill>
+                <a:srgbClr val="1F1F1F"/>
+              </a:solidFill>
+              <a:effectLst/>
+              <a:latin typeface="Calibri" panose="020F0502020204030204" pitchFamily="34" charset="0"/>
+              <a:ea typeface="Calibri" panose="020F0502020204030204" pitchFamily="34" charset="0"/>
+              <a:cs typeface="Arial" panose="020B0604020202020204" pitchFamily="34" charset="0"/>
+            </a:endParaRPr>
+          </a:p>
+          <a:p>
+            <a:pPr marL="342900" marR="0" lvl="0" indent="-342900" algn="r" rtl="1">
+              <a:lnSpc>
+                <a:spcPct val="107000"/>
+              </a:lnSpc>
+              <a:spcBef>
+                <a:spcPts val="0"/>
+              </a:spcBef>
+              <a:spcAft>
+                <a:spcPts val="0"/>
+              </a:spcAft>
+              <a:buSzPts val="1000"/>
+              <a:buFont typeface="Symbol" panose="05050102010706020507" pitchFamily="18" charset="2"/>
+              <a:buChar char=""/>
+              <a:tabLst>
+                <a:tab pos="457200" algn="l"/>
+              </a:tabLst>
+            </a:pPr>
+            <a:r>
+              <a:rPr lang="ar-SA" sz="1500" dirty="0">
+                <a:solidFill>
+                  <a:srgbClr val="1F1F1F"/>
+                </a:solidFill>
+                <a:effectLst/>
+                <a:latin typeface="Arial" panose="020B0604020202020204" pitchFamily="34" charset="0"/>
+                <a:ea typeface="Times New Roman" panose="02020603050405020304" pitchFamily="18" charset="0"/>
+                <a:cs typeface="B Nazanin" panose="00000400000000000000" pitchFamily="2" charset="-78"/>
+              </a:rPr>
+              <a:t>به تراکنش‌ها اجازه می‌دهد تا از یک «تصویر فوری</a:t>
+            </a:r>
+            <a:r>
+              <a:rPr lang="en-US" sz="1500" dirty="0">
+                <a:solidFill>
+                  <a:srgbClr val="1F1F1F"/>
+                </a:solidFill>
+                <a:effectLst/>
+                <a:latin typeface="Arial" panose="020B0604020202020204" pitchFamily="34" charset="0"/>
+                <a:ea typeface="Times New Roman" panose="02020603050405020304" pitchFamily="18" charset="0"/>
+                <a:cs typeface="B Nazanin" panose="00000400000000000000" pitchFamily="2" charset="-78"/>
+              </a:rPr>
+              <a:t>» (Snapshot) </a:t>
+            </a:r>
+            <a:r>
+              <a:rPr lang="ar-SA" sz="1500" dirty="0">
+                <a:solidFill>
+                  <a:srgbClr val="1F1F1F"/>
+                </a:solidFill>
+                <a:effectLst/>
+                <a:latin typeface="Arial" panose="020B0604020202020204" pitchFamily="34" charset="0"/>
+                <a:ea typeface="Times New Roman" panose="02020603050405020304" pitchFamily="18" charset="0"/>
+                <a:cs typeface="B Nazanin" panose="00000400000000000000" pitchFamily="2" charset="-78"/>
+              </a:rPr>
+              <a:t>از پایگاه داده در زمان شروع تراکنش بخوانند</a:t>
+            </a:r>
+            <a:r>
+              <a:rPr lang="en-US" sz="1500" dirty="0">
+                <a:solidFill>
+                  <a:srgbClr val="1F1F1F"/>
+                </a:solidFill>
+                <a:effectLst/>
+                <a:latin typeface="Arial" panose="020B0604020202020204" pitchFamily="34" charset="0"/>
+                <a:ea typeface="Times New Roman" panose="02020603050405020304" pitchFamily="18" charset="0"/>
+                <a:cs typeface="B Nazanin" panose="00000400000000000000" pitchFamily="2" charset="-78"/>
+              </a:rPr>
+              <a:t>.</a:t>
+            </a:r>
+            <a:endParaRPr lang="en-US" sz="1100" dirty="0">
+              <a:solidFill>
+                <a:srgbClr val="1F1F1F"/>
+              </a:solidFill>
+              <a:effectLst/>
+              <a:latin typeface="Calibri" panose="020F0502020204030204" pitchFamily="34" charset="0"/>
+              <a:ea typeface="Calibri" panose="020F0502020204030204" pitchFamily="34" charset="0"/>
+              <a:cs typeface="Arial" panose="020B0604020202020204" pitchFamily="34" charset="0"/>
+            </a:endParaRPr>
+          </a:p>
+          <a:p>
+            <a:pPr marL="342900" marR="0" lvl="0" indent="-342900" algn="r" rtl="1">
+              <a:lnSpc>
+                <a:spcPct val="107000"/>
+              </a:lnSpc>
+              <a:spcBef>
+                <a:spcPts val="0"/>
+              </a:spcBef>
+              <a:spcAft>
+                <a:spcPts val="0"/>
+              </a:spcAft>
+              <a:buSzPts val="1000"/>
+              <a:buFont typeface="Symbol" panose="05050102010706020507" pitchFamily="18" charset="2"/>
+              <a:buChar char=""/>
+              <a:tabLst>
+                <a:tab pos="457200" algn="l"/>
+              </a:tabLst>
+            </a:pPr>
+            <a:r>
+              <a:rPr lang="ar-SA" sz="1500" dirty="0">
+                <a:solidFill>
+                  <a:srgbClr val="1F1F1F"/>
+                </a:solidFill>
+                <a:effectLst/>
+                <a:latin typeface="Arial" panose="020B0604020202020204" pitchFamily="34" charset="0"/>
+                <a:ea typeface="Times New Roman" panose="02020603050405020304" pitchFamily="18" charset="0"/>
+                <a:cs typeface="B Nazanin" panose="00000400000000000000" pitchFamily="2" charset="-78"/>
+              </a:rPr>
+              <a:t>این تصویر فوری از تمام نسخه‌های آیتم‌های داده تشکیل شده است </a:t>
+            </a:r>
+            <a:r>
+              <a:rPr lang="ar-SA" sz="1500" b="1" dirty="0">
+                <a:solidFill>
+                  <a:srgbClr val="1F1F1F"/>
+                </a:solidFill>
+                <a:effectLst/>
+                <a:latin typeface="Arial" panose="020B0604020202020204" pitchFamily="34" charset="0"/>
+                <a:ea typeface="Times New Roman" panose="02020603050405020304" pitchFamily="18" charset="0"/>
+                <a:cs typeface="B Nazanin" panose="00000400000000000000" pitchFamily="2" charset="-78"/>
+              </a:rPr>
+              <a:t>که برچسب زمانی نوشتن آن‌ها کمتر از برچسب زمانی تراکنش جاری است</a:t>
+            </a:r>
+            <a:r>
+              <a:rPr lang="en-US" sz="1500" b="1" dirty="0">
+                <a:solidFill>
+                  <a:srgbClr val="1F1F1F"/>
+                </a:solidFill>
+                <a:effectLst/>
+                <a:latin typeface="Arial" panose="020B0604020202020204" pitchFamily="34" charset="0"/>
+                <a:ea typeface="Times New Roman" panose="02020603050405020304" pitchFamily="18" charset="0"/>
+                <a:cs typeface="B Nazanin" panose="00000400000000000000" pitchFamily="2" charset="-78"/>
+              </a:rPr>
+              <a:t>.</a:t>
+            </a:r>
+            <a:endParaRPr lang="en-US" sz="1100" b="1" dirty="0">
+              <a:solidFill>
+                <a:srgbClr val="1F1F1F"/>
+              </a:solidFill>
+              <a:effectLst/>
+              <a:latin typeface="Calibri" panose="020F0502020204030204" pitchFamily="34" charset="0"/>
+              <a:ea typeface="Calibri" panose="020F0502020204030204" pitchFamily="34" charset="0"/>
+              <a:cs typeface="Arial" panose="020B0604020202020204" pitchFamily="34" charset="0"/>
+            </a:endParaRPr>
+          </a:p>
+          <a:p>
             <a:endParaRPr lang="en-US" dirty="0"/>
           </a:p>
         </p:txBody>
@@ -20797,7 +21118,7 @@
     </p:spTree>
     <p:extLst>
       <p:ext uri="{BB962C8B-B14F-4D97-AF65-F5344CB8AC3E}">
-        <p14:creationId xmlns:p14="http://schemas.microsoft.com/office/powerpoint/2010/main" val="3362093316"/>
+        <p14:creationId xmlns:p14="http://schemas.microsoft.com/office/powerpoint/2010/main" val="2381917310"/>
       </p:ext>
     </p:extLst>
   </p:cSld>
@@ -20851,78 +21172,96 @@
           <a:bodyPr/>
           <a:lstStyle/>
           <a:p>
-            <a:pPr marL="285750" indent="-285750">
+            <a:pPr marL="171450" indent="-171450">
               <a:buFont typeface="Arial" panose="020B0604020202020204" pitchFamily="34" charset="0"/>
               <a:buChar char="•"/>
             </a:pPr>
             <a:r>
-              <a:rPr lang="en-US" sz="1800" dirty="0"/>
-              <a:t>If our query reads the entire instructor relation, then it reads the tuple with Wu’s data and conflicts with the update because Wu salary is initially is 90,000. but if the update happens then the select query is run, there are no conflict. </a:t>
-            </a:r>
-          </a:p>
-          <a:p>
-            <a:pPr marL="285750" indent="-285750">
+              <a:rPr lang="en-US" dirty="0"/>
+              <a:t>So the same transaction, if run more than once, might reference different data items each time it is run if the values in the database change between runs.</a:t>
+            </a:r>
+          </a:p>
+          <a:p>
+            <a:pPr marL="171450" indent="-171450">
               <a:buFont typeface="Arial" panose="020B0604020202020204" pitchFamily="34" charset="0"/>
               <a:buChar char="•"/>
             </a:pPr>
-            <a:r>
-              <a:rPr lang="en-US" sz="1800" dirty="0"/>
-              <a:t>However, if an index were available that allowed our query direct access to those tuples with salary &gt; 90000, then our query would not have accessed Wu’s data at all because Wu’s salary is initially $90,000 in our example instructor relation and reduces to $81,000 after the update</a:t>
-            </a:r>
-          </a:p>
-          <a:p>
-            <a:pPr marL="285750" indent="-285750">
+            <a:endParaRPr lang="en-US" dirty="0"/>
+          </a:p>
+          <a:p>
+            <a:pPr marL="171450" indent="-171450">
               <a:buFont typeface="Arial" panose="020B0604020202020204" pitchFamily="34" charset="0"/>
               <a:buChar char="•"/>
             </a:pPr>
             <a:r>
-              <a:rPr lang="en-US" sz="2800" dirty="0"/>
-              <a:t>if an </a:t>
-            </a:r>
-            <a:r>
-              <a:rPr lang="en-US" sz="2800" b="1" dirty="0"/>
-              <a:t>index</a:t>
-            </a:r>
-            <a:r>
-              <a:rPr lang="en-US" sz="2800" dirty="0"/>
-              <a:t> </a:t>
-            </a:r>
-            <a:r>
-              <a:rPr lang="en-US" sz="2800" b="1" dirty="0"/>
-              <a:t>were available that allowed our query direct access to those tuples with salary &gt; 90000</a:t>
-            </a:r>
-            <a:r>
-              <a:rPr lang="en-US" sz="2800" dirty="0"/>
-              <a:t>, then our query would not have </a:t>
-            </a:r>
-            <a:r>
-              <a:rPr lang="en-US" sz="2800" b="1" dirty="0"/>
-              <a:t>accessed Wu’s data at all because Wu’s salary is initially $90,000 </a:t>
-            </a:r>
-            <a:r>
-              <a:rPr lang="en-US" sz="2800" dirty="0"/>
-              <a:t>in our example instructor relation and reduces to $81,000 after the update</a:t>
-            </a:r>
-            <a:endParaRPr lang="en-US" sz="1800" dirty="0"/>
-          </a:p>
-          <a:p>
-            <a:pPr marL="285750" indent="-285750">
+              <a:rPr lang="en-US" dirty="0"/>
+              <a:t>In our example, the 'James' tuple is referenced only if our query comes after the insertion. Let </a:t>
+            </a:r>
+            <a:r>
+              <a:rPr lang="en-US" b="1" dirty="0"/>
+              <a:t>T </a:t>
+            </a:r>
+            <a:r>
+              <a:rPr lang="en-US" dirty="0"/>
+              <a:t>denote the </a:t>
+            </a:r>
+            <a:r>
+              <a:rPr lang="en-US" b="1" dirty="0"/>
+              <a:t>select query</a:t>
+            </a:r>
+            <a:r>
+              <a:rPr lang="en-US" dirty="0"/>
+              <a:t> and let </a:t>
+            </a:r>
+            <a:r>
+              <a:rPr lang="en-US" b="1" dirty="0"/>
+              <a:t>T′</a:t>
+            </a:r>
+            <a:r>
+              <a:rPr lang="en-US" dirty="0"/>
+              <a:t> denote the </a:t>
+            </a:r>
+            <a:r>
+              <a:rPr lang="en-US" b="1" dirty="0"/>
+              <a:t>insert</a:t>
+            </a:r>
+            <a:r>
+              <a:rPr lang="en-US" dirty="0"/>
+              <a:t>. </a:t>
+            </a:r>
+          </a:p>
+          <a:p>
+            <a:pPr marL="628650" lvl="1" indent="-171450">
               <a:buFont typeface="Arial" panose="020B0604020202020204" pitchFamily="34" charset="0"/>
               <a:buChar char="•"/>
             </a:pPr>
             <a:r>
-              <a:rPr lang="en-IN" sz="1800" b="1" kern="0" dirty="0">
-                <a:solidFill>
-                  <a:srgbClr val="002060"/>
-                </a:solidFill>
-              </a:rPr>
-              <a:t>predicate locking</a:t>
-            </a:r>
-            <a:r>
-              <a:rPr lang="en-IN" sz="1800" kern="0" dirty="0"/>
-              <a:t>”. Meaning that where clause should be locked. </a:t>
-            </a:r>
-            <a:endParaRPr lang="en-US" sz="1800" dirty="0"/>
+              <a:rPr lang="en-US" dirty="0"/>
+              <a:t>If </a:t>
+            </a:r>
+            <a:r>
+              <a:rPr lang="en-US" b="1" dirty="0"/>
+              <a:t>T′</a:t>
+            </a:r>
+            <a:r>
+              <a:rPr lang="en-US" dirty="0"/>
+              <a:t> comes first, then there is an edge </a:t>
+            </a:r>
+            <a:r>
+              <a:rPr lang="en-US" b="1" dirty="0"/>
+              <a:t>T′ → T </a:t>
+            </a:r>
+            <a:r>
+              <a:rPr lang="en-US" dirty="0"/>
+              <a:t>in the precedence graph. However, in the case where the query T comes first, there is no edge in the precedence graph between T and T′ despite the actual conflict on phantom data that forces T to be serialized before T′ </a:t>
+            </a:r>
+          </a:p>
+          <a:p>
+            <a:pPr marL="171450" indent="-171450">
+              <a:buFont typeface="Arial" panose="020B0604020202020204" pitchFamily="34" charset="0"/>
+              <a:buChar char="•"/>
+            </a:pPr>
+            <a:endParaRPr lang="en-US" dirty="0"/>
           </a:p>
         </p:txBody>
       </p:sp>
@@ -20945,6 +21284,162 @@
               <a:rPr lang="en-US" altLang="en-US" smtClean="0"/>
               <a:pPr/>
               <a:t>45</a:t>
+            </a:fld>
+            <a:endParaRPr lang="en-US" altLang="en-US"/>
+          </a:p>
+        </p:txBody>
+      </p:sp>
+    </p:spTree>
+    <p:extLst>
+      <p:ext uri="{BB962C8B-B14F-4D97-AF65-F5344CB8AC3E}">
+        <p14:creationId xmlns:p14="http://schemas.microsoft.com/office/powerpoint/2010/main" val="3362093316"/>
+      </p:ext>
+    </p:extLst>
+  </p:cSld>
+  <p:clrMapOvr>
+    <a:masterClrMapping/>
+  </p:clrMapOvr>
+</p:notes>
+</file>
+
+<file path=ppt/notesSlides/notesSlide46.xml><?xml version="1.0" encoding="utf-8"?>
+<p:notes xmlns:a="http://schemas.openxmlformats.org/drawingml/2006/main" xmlns:r="http://schemas.openxmlformats.org/officeDocument/2006/relationships" xmlns:p="http://schemas.openxmlformats.org/presentationml/2006/main">
+  <p:cSld>
+    <p:spTree>
+      <p:nvGrpSpPr>
+        <p:cNvPr id="1" name=""/>
+        <p:cNvGrpSpPr/>
+        <p:nvPr/>
+      </p:nvGrpSpPr>
+      <p:grpSpPr>
+        <a:xfrm>
+          <a:off x="0" y="0"/>
+          <a:ext cx="0" cy="0"/>
+          <a:chOff x="0" y="0"/>
+          <a:chExt cx="0" cy="0"/>
+        </a:xfrm>
+      </p:grpSpPr>
+      <p:sp>
+        <p:nvSpPr>
+          <p:cNvPr id="2" name="Slide Image Placeholder 1"/>
+          <p:cNvSpPr>
+            <a:spLocks noGrp="1" noRot="1" noChangeAspect="1"/>
+          </p:cNvSpPr>
+          <p:nvPr>
+            <p:ph type="sldImg"/>
+          </p:nvPr>
+        </p:nvSpPr>
+        <p:spPr/>
+      </p:sp>
+      <p:sp>
+        <p:nvSpPr>
+          <p:cNvPr id="3" name="Notes Placeholder 2"/>
+          <p:cNvSpPr>
+            <a:spLocks noGrp="1"/>
+          </p:cNvSpPr>
+          <p:nvPr>
+            <p:ph type="body" idx="1"/>
+          </p:nvPr>
+        </p:nvSpPr>
+        <p:spPr/>
+        <p:txBody>
+          <a:bodyPr/>
+          <a:lstStyle/>
+          <a:p>
+            <a:pPr marL="285750" indent="-285750">
+              <a:buFont typeface="Arial" panose="020B0604020202020204" pitchFamily="34" charset="0"/>
+              <a:buChar char="•"/>
+            </a:pPr>
+            <a:r>
+              <a:rPr lang="en-US" sz="1800" dirty="0"/>
+              <a:t>If our query reads the entire instructor relation, then it reads the tuple with Wu’s data and conflicts with the update because Wu salary is initially is 90,000. but if the update happens then the select query is run, there are no conflict. </a:t>
+            </a:r>
+          </a:p>
+          <a:p>
+            <a:pPr marL="285750" indent="-285750">
+              <a:buFont typeface="Arial" panose="020B0604020202020204" pitchFamily="34" charset="0"/>
+              <a:buChar char="•"/>
+            </a:pPr>
+            <a:r>
+              <a:rPr lang="en-US" sz="1800" dirty="0"/>
+              <a:t>However, if an index were available that allowed our query direct access to those tuples with salary &gt; 90000, then our query would not have accessed Wu’s data at all because Wu’s salary is initially $90,000 in our example instructor relation and reduces to $81,000 after the update</a:t>
+            </a:r>
+          </a:p>
+          <a:p>
+            <a:pPr marL="285750" indent="-285750">
+              <a:buFont typeface="Arial" panose="020B0604020202020204" pitchFamily="34" charset="0"/>
+              <a:buChar char="•"/>
+            </a:pPr>
+            <a:r>
+              <a:rPr lang="en-US" sz="2800" dirty="0"/>
+              <a:t>if an </a:t>
+            </a:r>
+            <a:r>
+              <a:rPr lang="en-US" sz="2800" b="1" dirty="0"/>
+              <a:t>index</a:t>
+            </a:r>
+            <a:r>
+              <a:rPr lang="en-US" sz="2800" dirty="0"/>
+              <a:t> </a:t>
+            </a:r>
+            <a:r>
+              <a:rPr lang="en-US" sz="2800" b="1" dirty="0"/>
+              <a:t>were available that allowed our query direct access to those tuples with salary &gt; 90000</a:t>
+            </a:r>
+            <a:r>
+              <a:rPr lang="en-US" sz="2800" dirty="0"/>
+              <a:t>, then our query would not have </a:t>
+            </a:r>
+            <a:r>
+              <a:rPr lang="en-US" sz="2800" b="1" dirty="0"/>
+              <a:t>accessed Wu’s data at all because Wu’s salary is initially $90,000 </a:t>
+            </a:r>
+            <a:r>
+              <a:rPr lang="en-US" sz="2800" dirty="0"/>
+              <a:t>in our example instructor relation and reduces to $81,000 after the update</a:t>
+            </a:r>
+            <a:endParaRPr lang="en-US" sz="1800" dirty="0"/>
+          </a:p>
+          <a:p>
+            <a:pPr marL="285750" indent="-285750">
+              <a:buFont typeface="Arial" panose="020B0604020202020204" pitchFamily="34" charset="0"/>
+              <a:buChar char="•"/>
+            </a:pPr>
+            <a:r>
+              <a:rPr lang="en-IN" sz="1800" b="1" kern="0" dirty="0">
+                <a:solidFill>
+                  <a:srgbClr val="002060"/>
+                </a:solidFill>
+              </a:rPr>
+              <a:t>predicate locking</a:t>
+            </a:r>
+            <a:r>
+              <a:rPr lang="en-IN" sz="1800" kern="0" dirty="0"/>
+              <a:t>”. Meaning that where clause should be locked. </a:t>
+            </a:r>
+            <a:endParaRPr lang="en-US" sz="1800" dirty="0"/>
+          </a:p>
+        </p:txBody>
+      </p:sp>
+      <p:sp>
+        <p:nvSpPr>
+          <p:cNvPr id="4" name="Slide Number Placeholder 3"/>
+          <p:cNvSpPr>
+            <a:spLocks noGrp="1"/>
+          </p:cNvSpPr>
+          <p:nvPr>
+            <p:ph type="sldNum" sz="quarter" idx="5"/>
+          </p:nvPr>
+        </p:nvSpPr>
+        <p:spPr/>
+        <p:txBody>
+          <a:bodyPr/>
+          <a:lstStyle/>
+          <a:p>
+            <a:fld id="{5B7CC90F-195F-4DEF-A4DA-F5B0A181CF9F}" type="slidenum">
+              <a:rPr lang="en-US" altLang="en-US" smtClean="0"/>
+              <a:pPr/>
+              <a:t>46</a:t>
             </a:fld>
             <a:endParaRPr lang="en-US" altLang="en-US"/>
           </a:p>
@@ -38908,6 +39403,2013 @@
       </p:grpSpPr>
       <p:sp>
         <p:nvSpPr>
+          <p:cNvPr id="406530" name="Rectangle 2"/>
+          <p:cNvSpPr>
+            <a:spLocks noGrp="1" noChangeArrowheads="1"/>
+          </p:cNvSpPr>
+          <p:nvPr>
+            <p:ph type="title"/>
+          </p:nvPr>
+        </p:nvSpPr>
+        <p:spPr/>
+        <p:txBody>
+          <a:bodyPr/>
+          <a:lstStyle/>
+          <a:p>
+            <a:pPr>
+              <a:defRPr/>
+            </a:pPr>
+            <a:r>
+              <a:rPr lang="en-US">
+                <a:effectLst>
+                  <a:outerShdw blurRad="38100" dist="38100" dir="2700000" algn="tl">
+                    <a:srgbClr val="C0C0C0"/>
+                  </a:outerShdw>
+                </a:effectLst>
+              </a:rPr>
+              <a:t>Levels of Consistency in SQL-92</a:t>
+            </a:r>
+          </a:p>
+        </p:txBody>
+      </p:sp>
+      <p:sp>
+        <p:nvSpPr>
+          <p:cNvPr id="38915" name="Rectangle 3"/>
+          <p:cNvSpPr>
+            <a:spLocks noGrp="1" noChangeArrowheads="1"/>
+          </p:cNvSpPr>
+          <p:nvPr>
+            <p:ph idx="1"/>
+          </p:nvPr>
+        </p:nvSpPr>
+        <p:spPr>
+          <a:xfrm>
+            <a:off x="145035" y="1227225"/>
+            <a:ext cx="8845550" cy="4846253"/>
+          </a:xfrm>
+        </p:spPr>
+        <p:txBody>
+          <a:bodyPr/>
+          <a:lstStyle/>
+          <a:p>
+            <a:r>
+              <a:rPr lang="en-US" altLang="en-US" sz="2000" b="1" dirty="0">
+                <a:solidFill>
+                  <a:srgbClr val="000099"/>
+                </a:solidFill>
+              </a:rPr>
+              <a:t>Repeatable read</a:t>
+            </a:r>
+            <a:r>
+              <a:rPr lang="en-US" altLang="en-US" sz="2000" b="1" dirty="0"/>
+              <a:t> problem</a:t>
+            </a:r>
+            <a:r>
+              <a:rPr lang="en-US" altLang="en-US" sz="2000" dirty="0"/>
+              <a:t>—</a:t>
+            </a:r>
+          </a:p>
+          <a:p>
+            <a:r>
+              <a:rPr lang="en-US" altLang="en-US" sz="2000" dirty="0"/>
+              <a:t>Transaction A. </a:t>
+            </a:r>
+          </a:p>
+          <a:p>
+            <a:endParaRPr lang="en-US" altLang="en-US" sz="2000" dirty="0"/>
+          </a:p>
+          <a:p>
+            <a:endParaRPr lang="en-US" altLang="en-US" sz="2000" dirty="0"/>
+          </a:p>
+          <a:p>
+            <a:endParaRPr lang="en-US" altLang="en-US" sz="2000" dirty="0"/>
+          </a:p>
+          <a:p>
+            <a:endParaRPr lang="en-US" altLang="en-US" sz="2000" dirty="0"/>
+          </a:p>
+          <a:p>
+            <a:endParaRPr lang="en-US" altLang="en-US" sz="2000" dirty="0"/>
+          </a:p>
+          <a:p>
+            <a:endParaRPr lang="en-US" altLang="en-US" sz="2000" dirty="0"/>
+          </a:p>
+          <a:p>
+            <a:r>
+              <a:rPr lang="en-US" altLang="en-US" sz="2000" dirty="0"/>
+              <a:t>Transaction B, commits while A is running:</a:t>
+            </a:r>
+          </a:p>
+          <a:p>
+            <a:endParaRPr lang="en-US" altLang="en-US" sz="2000" dirty="0"/>
+          </a:p>
+          <a:p>
+            <a:pPr marL="0" indent="0">
+              <a:buNone/>
+            </a:pPr>
+            <a:endParaRPr lang="en-US" altLang="en-US" sz="2000" dirty="0"/>
+          </a:p>
+          <a:p>
+            <a:pPr algn="l"/>
+            <a:r>
+              <a:rPr lang="en-US" sz="2000" b="0" i="0" dirty="0">
+                <a:solidFill>
+                  <a:srgbClr val="404040"/>
+                </a:solidFill>
+                <a:effectLst/>
+                <a:latin typeface="DeepSeek-CJK-patch"/>
+              </a:rPr>
+              <a:t>Repeatable Read allows this inconsistent partial visibility, which is why it doesn't guarantee full serializability.</a:t>
+            </a:r>
+            <a:endParaRPr lang="en-US" altLang="en-US" sz="2000" dirty="0"/>
+          </a:p>
+        </p:txBody>
+      </p:sp>
+      <p:sp>
+        <p:nvSpPr>
+          <p:cNvPr id="38916" name="Rectangle 5"/>
+          <p:cNvSpPr>
+            <a:spLocks noChangeArrowheads="1"/>
+          </p:cNvSpPr>
+          <p:nvPr/>
+        </p:nvSpPr>
+        <p:spPr bwMode="auto">
+          <a:xfrm>
+            <a:off x="538163" y="4135438"/>
+            <a:ext cx="7527925" cy="1476375"/>
+          </a:xfrm>
+          <a:prstGeom prst="rect">
+            <a:avLst/>
+          </a:prstGeom>
+          <a:noFill/>
+          <a:ln>
+            <a:noFill/>
+          </a:ln>
+          <a:extLst>
+            <a:ext uri="{909E8E84-426E-40DD-AFC4-6F175D3DCCD1}">
+              <a14:hiddenFill xmlns:a14="http://schemas.microsoft.com/office/drawing/2010/main">
+                <a:solidFill>
+                  <a:srgbClr val="FFFFFF"/>
+                </a:solidFill>
+              </a14:hiddenFill>
+            </a:ext>
+            <a:ext uri="{91240B29-F687-4F45-9708-019B960494DF}">
+              <a14:hiddenLine xmlns:a14="http://schemas.microsoft.com/office/drawing/2010/main" w="9525">
+                <a:solidFill>
+                  <a:srgbClr val="000000"/>
+                </a:solidFill>
+                <a:miter lim="800000"/>
+                <a:headEnd/>
+                <a:tailEnd/>
+              </a14:hiddenLine>
+            </a:ext>
+          </a:extLst>
+        </p:spPr>
+        <p:txBody>
+          <a:bodyPr/>
+          <a:lstStyle>
+            <a:lvl1pPr marL="342900" indent="-342900">
+              <a:defRPr sz="1600">
+                <a:solidFill>
+                  <a:schemeClr val="tx1"/>
+                </a:solidFill>
+                <a:latin typeface="Helvetica" panose="020B0604020202020204" pitchFamily="34" charset="0"/>
+                <a:ea typeface="MS PGothic" panose="020B0600070205080204" pitchFamily="34" charset="-128"/>
+              </a:defRPr>
+            </a:lvl1pPr>
+            <a:lvl2pPr marL="742950" indent="-285750">
+              <a:defRPr sz="1600">
+                <a:solidFill>
+                  <a:schemeClr val="tx1"/>
+                </a:solidFill>
+                <a:latin typeface="Helvetica" panose="020B0604020202020204" pitchFamily="34" charset="0"/>
+                <a:ea typeface="MS PGothic" panose="020B0600070205080204" pitchFamily="34" charset="-128"/>
+              </a:defRPr>
+            </a:lvl2pPr>
+            <a:lvl3pPr marL="1143000" indent="-228600">
+              <a:defRPr sz="1600">
+                <a:solidFill>
+                  <a:schemeClr val="tx1"/>
+                </a:solidFill>
+                <a:latin typeface="Helvetica" panose="020B0604020202020204" pitchFamily="34" charset="0"/>
+                <a:ea typeface="MS PGothic" panose="020B0600070205080204" pitchFamily="34" charset="-128"/>
+              </a:defRPr>
+            </a:lvl3pPr>
+            <a:lvl4pPr marL="1600200" indent="-228600">
+              <a:defRPr sz="1600">
+                <a:solidFill>
+                  <a:schemeClr val="tx1"/>
+                </a:solidFill>
+                <a:latin typeface="Helvetica" panose="020B0604020202020204" pitchFamily="34" charset="0"/>
+                <a:ea typeface="MS PGothic" panose="020B0600070205080204" pitchFamily="34" charset="-128"/>
+              </a:defRPr>
+            </a:lvl4pPr>
+            <a:lvl5pPr marL="2057400" indent="-228600">
+              <a:defRPr sz="1600">
+                <a:solidFill>
+                  <a:schemeClr val="tx1"/>
+                </a:solidFill>
+                <a:latin typeface="Helvetica" panose="020B0604020202020204" pitchFamily="34" charset="0"/>
+                <a:ea typeface="MS PGothic" panose="020B0600070205080204" pitchFamily="34" charset="-128"/>
+              </a:defRPr>
+            </a:lvl5pPr>
+            <a:lvl6pPr marL="2514600" indent="-228600" eaLnBrk="0" fontAlgn="base" hangingPunct="0">
+              <a:spcBef>
+                <a:spcPct val="0"/>
+              </a:spcBef>
+              <a:spcAft>
+                <a:spcPct val="0"/>
+              </a:spcAft>
+              <a:defRPr sz="1600">
+                <a:solidFill>
+                  <a:schemeClr val="tx1"/>
+                </a:solidFill>
+                <a:latin typeface="Helvetica" panose="020B0604020202020204" pitchFamily="34" charset="0"/>
+                <a:ea typeface="MS PGothic" panose="020B0600070205080204" pitchFamily="34" charset="-128"/>
+              </a:defRPr>
+            </a:lvl6pPr>
+            <a:lvl7pPr marL="2971800" indent="-228600" eaLnBrk="0" fontAlgn="base" hangingPunct="0">
+              <a:spcBef>
+                <a:spcPct val="0"/>
+              </a:spcBef>
+              <a:spcAft>
+                <a:spcPct val="0"/>
+              </a:spcAft>
+              <a:defRPr sz="1600">
+                <a:solidFill>
+                  <a:schemeClr val="tx1"/>
+                </a:solidFill>
+                <a:latin typeface="Helvetica" panose="020B0604020202020204" pitchFamily="34" charset="0"/>
+                <a:ea typeface="MS PGothic" panose="020B0600070205080204" pitchFamily="34" charset="-128"/>
+              </a:defRPr>
+            </a:lvl7pPr>
+            <a:lvl8pPr marL="3429000" indent="-228600" eaLnBrk="0" fontAlgn="base" hangingPunct="0">
+              <a:spcBef>
+                <a:spcPct val="0"/>
+              </a:spcBef>
+              <a:spcAft>
+                <a:spcPct val="0"/>
+              </a:spcAft>
+              <a:defRPr sz="1600">
+                <a:solidFill>
+                  <a:schemeClr val="tx1"/>
+                </a:solidFill>
+                <a:latin typeface="Helvetica" panose="020B0604020202020204" pitchFamily="34" charset="0"/>
+                <a:ea typeface="MS PGothic" panose="020B0600070205080204" pitchFamily="34" charset="-128"/>
+              </a:defRPr>
+            </a:lvl8pPr>
+            <a:lvl9pPr marL="3886200" indent="-228600" eaLnBrk="0" fontAlgn="base" hangingPunct="0">
+              <a:spcBef>
+                <a:spcPct val="0"/>
+              </a:spcBef>
+              <a:spcAft>
+                <a:spcPct val="0"/>
+              </a:spcAft>
+              <a:defRPr sz="1600">
+                <a:solidFill>
+                  <a:schemeClr val="tx1"/>
+                </a:solidFill>
+                <a:latin typeface="Helvetica" panose="020B0604020202020204" pitchFamily="34" charset="0"/>
+                <a:ea typeface="MS PGothic" panose="020B0600070205080204" pitchFamily="34" charset="-128"/>
+              </a:defRPr>
+            </a:lvl9pPr>
+          </a:lstStyle>
+          <a:p>
+            <a:pPr>
+              <a:spcBef>
+                <a:spcPct val="35000"/>
+              </a:spcBef>
+              <a:buClr>
+                <a:schemeClr val="tx2"/>
+              </a:buClr>
+              <a:buSzPct val="90000"/>
+              <a:buFont typeface="Monotype Sorts" charset="2"/>
+              <a:buChar char="n"/>
+            </a:pPr>
+            <a:endParaRPr lang="en-US" altLang="en-US" sz="1800"/>
+          </a:p>
+        </p:txBody>
+      </p:sp>
+      <p:sp>
+        <p:nvSpPr>
+          <p:cNvPr id="6" name="TextBox 5">
+            <a:extLst>
+              <a:ext uri="{FF2B5EF4-FFF2-40B4-BE49-F238E27FC236}">
+                <a16:creationId xmlns:a16="http://schemas.microsoft.com/office/drawing/2014/main" id="{CFDA0211-2C09-4E1E-92E2-9777FF63C95A}"/>
+              </a:ext>
+            </a:extLst>
+          </p:cNvPr>
+          <p:cNvSpPr txBox="1"/>
+          <p:nvPr/>
+        </p:nvSpPr>
+        <p:spPr>
+          <a:xfrm>
+            <a:off x="145035" y="784522"/>
+            <a:ext cx="9323829" cy="461665"/>
+          </a:xfrm>
+          <a:prstGeom prst="rect">
+            <a:avLst/>
+          </a:prstGeom>
+          <a:noFill/>
+        </p:spPr>
+        <p:txBody>
+          <a:bodyPr wrap="square">
+            <a:spAutoFit/>
+          </a:bodyPr>
+          <a:lstStyle/>
+          <a:p>
+            <a:r>
+              <a:rPr kumimoji="1" lang="en-US" sz="2400" dirty="0">
+                <a:latin typeface="+mn-lt"/>
+                <a:ea typeface="MS PGothic" charset="0"/>
+              </a:rPr>
+              <a:t>The </a:t>
+            </a:r>
+            <a:r>
+              <a:rPr kumimoji="1" lang="en-US" sz="2400" b="1" dirty="0">
+                <a:latin typeface="+mn-lt"/>
+                <a:ea typeface="MS PGothic" charset="0"/>
+              </a:rPr>
+              <a:t>isolation levels </a:t>
+            </a:r>
+            <a:r>
+              <a:rPr kumimoji="1" lang="en-US" sz="2400" dirty="0">
+                <a:latin typeface="+mn-lt"/>
+                <a:ea typeface="MS PGothic" charset="0"/>
+              </a:rPr>
+              <a:t>specified by the SQL standard are as follows:</a:t>
+            </a:r>
+          </a:p>
+        </p:txBody>
+      </p:sp>
+      <p:sp>
+        <p:nvSpPr>
+          <p:cNvPr id="3" name="TextBox 2">
+            <a:extLst>
+              <a:ext uri="{FF2B5EF4-FFF2-40B4-BE49-F238E27FC236}">
+                <a16:creationId xmlns:a16="http://schemas.microsoft.com/office/drawing/2014/main" id="{1EE93960-91A3-4685-A070-04B00FA78AE9}"/>
+              </a:ext>
+            </a:extLst>
+          </p:cNvPr>
+          <p:cNvSpPr txBox="1"/>
+          <p:nvPr/>
+        </p:nvSpPr>
+        <p:spPr>
+          <a:xfrm>
+            <a:off x="284931" y="2069887"/>
+            <a:ext cx="8705654" cy="2941831"/>
+          </a:xfrm>
+          <a:prstGeom prst="rect">
+            <a:avLst/>
+          </a:prstGeom>
+          <a:noFill/>
+        </p:spPr>
+        <p:txBody>
+          <a:bodyPr wrap="square" rtlCol="0">
+            <a:spAutoFit/>
+          </a:bodyPr>
+          <a:lstStyle/>
+          <a:p>
+            <a:pPr marL="0" marR="0" latinLnBrk="1">
+              <a:lnSpc>
+                <a:spcPts val="1510"/>
+              </a:lnSpc>
+              <a:spcBef>
+                <a:spcPts val="0"/>
+              </a:spcBef>
+              <a:spcAft>
+                <a:spcPts val="0"/>
+              </a:spcAft>
+              <a:tabLst>
+                <a:tab pos="581660" algn="l"/>
+                <a:tab pos="1163320" algn="l"/>
+                <a:tab pos="1744980" algn="l"/>
+                <a:tab pos="2326640" algn="l"/>
+                <a:tab pos="2908300" algn="l"/>
+                <a:tab pos="3489960" algn="l"/>
+                <a:tab pos="4071620" algn="l"/>
+                <a:tab pos="4653280" algn="l"/>
+                <a:tab pos="5234940" algn="l"/>
+                <a:tab pos="5816600" algn="l"/>
+                <a:tab pos="6398260" algn="l"/>
+                <a:tab pos="6979920" algn="l"/>
+                <a:tab pos="7561580" algn="l"/>
+                <a:tab pos="8143240" algn="l"/>
+                <a:tab pos="8724900" algn="l"/>
+                <a:tab pos="9306560" algn="l"/>
+              </a:tabLst>
+            </a:pPr>
+            <a:r>
+              <a:rPr lang="en-US" sz="1800" b="1" dirty="0">
+                <a:solidFill>
+                  <a:srgbClr val="81A1C1"/>
+                </a:solidFill>
+                <a:effectLst/>
+                <a:latin typeface="Courier New" panose="02070309020205020404" pitchFamily="49" charset="0"/>
+                <a:ea typeface="Times New Roman" panose="02020603050405020304" pitchFamily="18" charset="0"/>
+                <a:cs typeface="Arial" panose="020B0604020202020204" pitchFamily="34" charset="0"/>
+              </a:rPr>
+              <a:t>BEGIN</a:t>
+            </a:r>
+            <a:r>
+              <a:rPr lang="en-US" sz="1800" b="1" dirty="0">
+                <a:solidFill>
+                  <a:srgbClr val="FFFFFF"/>
+                </a:solidFill>
+                <a:effectLst/>
+                <a:latin typeface="Courier New" panose="02070309020205020404" pitchFamily="49" charset="0"/>
+                <a:ea typeface="Times New Roman" panose="02020603050405020304" pitchFamily="18" charset="0"/>
+                <a:cs typeface="Arial" panose="020B0604020202020204" pitchFamily="34" charset="0"/>
+              </a:rPr>
+              <a:t> </a:t>
+            </a:r>
+            <a:r>
+              <a:rPr lang="en-US" sz="1800" b="1" dirty="0">
+                <a:solidFill>
+                  <a:srgbClr val="81A1C1"/>
+                </a:solidFill>
+                <a:effectLst/>
+                <a:latin typeface="Courier New" panose="02070309020205020404" pitchFamily="49" charset="0"/>
+                <a:ea typeface="Times New Roman" panose="02020603050405020304" pitchFamily="18" charset="0"/>
+                <a:cs typeface="Arial" panose="020B0604020202020204" pitchFamily="34" charset="0"/>
+              </a:rPr>
+              <a:t>TRANSACTION</a:t>
+            </a:r>
+            <a:r>
+              <a:rPr lang="en-US" sz="1800" b="1" dirty="0">
+                <a:solidFill>
+                  <a:srgbClr val="FFFFFF"/>
+                </a:solidFill>
+                <a:effectLst/>
+                <a:latin typeface="Courier New" panose="02070309020205020404" pitchFamily="49" charset="0"/>
+                <a:ea typeface="Times New Roman" panose="02020603050405020304" pitchFamily="18" charset="0"/>
+                <a:cs typeface="Arial" panose="020B0604020202020204" pitchFamily="34" charset="0"/>
+              </a:rPr>
+              <a:t> </a:t>
+            </a:r>
+            <a:r>
+              <a:rPr lang="en-US" sz="1800" b="1" dirty="0">
+                <a:solidFill>
+                  <a:srgbClr val="81A1C1"/>
+                </a:solidFill>
+                <a:effectLst/>
+                <a:latin typeface="Courier New" panose="02070309020205020404" pitchFamily="49" charset="0"/>
+                <a:ea typeface="Times New Roman" panose="02020603050405020304" pitchFamily="18" charset="0"/>
+                <a:cs typeface="Arial" panose="020B0604020202020204" pitchFamily="34" charset="0"/>
+              </a:rPr>
+              <a:t>ISOLATION</a:t>
+            </a:r>
+            <a:r>
+              <a:rPr lang="en-US" sz="1800" b="1" dirty="0">
+                <a:solidFill>
+                  <a:srgbClr val="FFFFFF"/>
+                </a:solidFill>
+                <a:effectLst/>
+                <a:latin typeface="Courier New" panose="02070309020205020404" pitchFamily="49" charset="0"/>
+                <a:ea typeface="Times New Roman" panose="02020603050405020304" pitchFamily="18" charset="0"/>
+                <a:cs typeface="Arial" panose="020B0604020202020204" pitchFamily="34" charset="0"/>
+              </a:rPr>
+              <a:t> </a:t>
+            </a:r>
+            <a:r>
+              <a:rPr lang="en-US" sz="1800" b="1" dirty="0">
+                <a:solidFill>
+                  <a:srgbClr val="81A1C1"/>
+                </a:solidFill>
+                <a:effectLst/>
+                <a:latin typeface="Courier New" panose="02070309020205020404" pitchFamily="49" charset="0"/>
+                <a:ea typeface="Times New Roman" panose="02020603050405020304" pitchFamily="18" charset="0"/>
+                <a:cs typeface="Arial" panose="020B0604020202020204" pitchFamily="34" charset="0"/>
+              </a:rPr>
+              <a:t>LEVEL</a:t>
+            </a:r>
+            <a:r>
+              <a:rPr lang="en-US" sz="1800" b="1" dirty="0">
+                <a:solidFill>
+                  <a:srgbClr val="FFFFFF"/>
+                </a:solidFill>
+                <a:effectLst/>
+                <a:latin typeface="Courier New" panose="02070309020205020404" pitchFamily="49" charset="0"/>
+                <a:ea typeface="Times New Roman" panose="02020603050405020304" pitchFamily="18" charset="0"/>
+                <a:cs typeface="Arial" panose="020B0604020202020204" pitchFamily="34" charset="0"/>
+              </a:rPr>
+              <a:t> </a:t>
+            </a:r>
+            <a:r>
+              <a:rPr lang="en-US" sz="1800" b="1" dirty="0">
+                <a:solidFill>
+                  <a:srgbClr val="81A1C1"/>
+                </a:solidFill>
+                <a:effectLst/>
+                <a:latin typeface="Courier New" panose="02070309020205020404" pitchFamily="49" charset="0"/>
+                <a:ea typeface="Times New Roman" panose="02020603050405020304" pitchFamily="18" charset="0"/>
+                <a:cs typeface="Arial" panose="020B0604020202020204" pitchFamily="34" charset="0"/>
+              </a:rPr>
+              <a:t>REPEATABLE</a:t>
+            </a:r>
+            <a:r>
+              <a:rPr lang="en-US" sz="1800" b="1" dirty="0">
+                <a:solidFill>
+                  <a:srgbClr val="FFFFFF"/>
+                </a:solidFill>
+                <a:effectLst/>
+                <a:latin typeface="Courier New" panose="02070309020205020404" pitchFamily="49" charset="0"/>
+                <a:ea typeface="Times New Roman" panose="02020603050405020304" pitchFamily="18" charset="0"/>
+                <a:cs typeface="Arial" panose="020B0604020202020204" pitchFamily="34" charset="0"/>
+              </a:rPr>
+              <a:t> </a:t>
+            </a:r>
+            <a:r>
+              <a:rPr lang="en-US" sz="1800" b="1" dirty="0">
+                <a:solidFill>
+                  <a:srgbClr val="81A1C1"/>
+                </a:solidFill>
+                <a:effectLst/>
+                <a:latin typeface="Courier New" panose="02070309020205020404" pitchFamily="49" charset="0"/>
+                <a:ea typeface="Times New Roman" panose="02020603050405020304" pitchFamily="18" charset="0"/>
+                <a:cs typeface="Arial" panose="020B0604020202020204" pitchFamily="34" charset="0"/>
+              </a:rPr>
+              <a:t>READ;</a:t>
+            </a:r>
+            <a:endParaRPr lang="en-US" sz="1800" b="1" dirty="0">
+              <a:effectLst/>
+              <a:latin typeface="Calibri" panose="020F0502020204030204" pitchFamily="34" charset="0"/>
+              <a:ea typeface="Calibri" panose="020F0502020204030204" pitchFamily="34" charset="0"/>
+              <a:cs typeface="Arial" panose="020B0604020202020204" pitchFamily="34" charset="0"/>
+            </a:endParaRPr>
+          </a:p>
+          <a:p>
+            <a:pPr marL="0" marR="0" latinLnBrk="1">
+              <a:lnSpc>
+                <a:spcPts val="1510"/>
+              </a:lnSpc>
+              <a:spcBef>
+                <a:spcPts val="0"/>
+              </a:spcBef>
+              <a:spcAft>
+                <a:spcPts val="0"/>
+              </a:spcAft>
+              <a:tabLst>
+                <a:tab pos="581660" algn="l"/>
+                <a:tab pos="1163320" algn="l"/>
+                <a:tab pos="1744980" algn="l"/>
+                <a:tab pos="2326640" algn="l"/>
+                <a:tab pos="2908300" algn="l"/>
+                <a:tab pos="3489960" algn="l"/>
+                <a:tab pos="4071620" algn="l"/>
+                <a:tab pos="4653280" algn="l"/>
+                <a:tab pos="5234940" algn="l"/>
+                <a:tab pos="5816600" algn="l"/>
+                <a:tab pos="6398260" algn="l"/>
+                <a:tab pos="6979920" algn="l"/>
+                <a:tab pos="7561580" algn="l"/>
+                <a:tab pos="8143240" algn="l"/>
+                <a:tab pos="8724900" algn="l"/>
+                <a:tab pos="9306560" algn="l"/>
+              </a:tabLst>
+            </a:pPr>
+            <a:r>
+              <a:rPr lang="en-US" sz="1800" b="1" dirty="0">
+                <a:solidFill>
+                  <a:srgbClr val="FFFFFF"/>
+                </a:solidFill>
+                <a:effectLst/>
+                <a:latin typeface="Courier New" panose="02070309020205020404" pitchFamily="49" charset="0"/>
+                <a:ea typeface="Times New Roman" panose="02020603050405020304" pitchFamily="18" charset="0"/>
+                <a:cs typeface="Arial" panose="020B0604020202020204" pitchFamily="34" charset="0"/>
+              </a:rPr>
+              <a:t> </a:t>
+            </a:r>
+            <a:endParaRPr lang="en-US" sz="1800" b="1" dirty="0">
+              <a:effectLst/>
+              <a:latin typeface="Calibri" panose="020F0502020204030204" pitchFamily="34" charset="0"/>
+              <a:ea typeface="Calibri" panose="020F0502020204030204" pitchFamily="34" charset="0"/>
+              <a:cs typeface="Arial" panose="020B0604020202020204" pitchFamily="34" charset="0"/>
+            </a:endParaRPr>
+          </a:p>
+          <a:p>
+            <a:pPr marL="0" marR="0" latinLnBrk="1">
+              <a:lnSpc>
+                <a:spcPts val="1510"/>
+              </a:lnSpc>
+              <a:spcBef>
+                <a:spcPts val="0"/>
+              </a:spcBef>
+              <a:spcAft>
+                <a:spcPts val="0"/>
+              </a:spcAft>
+              <a:tabLst>
+                <a:tab pos="581660" algn="l"/>
+                <a:tab pos="1163320" algn="l"/>
+                <a:tab pos="1744980" algn="l"/>
+                <a:tab pos="2326640" algn="l"/>
+                <a:tab pos="2908300" algn="l"/>
+                <a:tab pos="3489960" algn="l"/>
+                <a:tab pos="4071620" algn="l"/>
+                <a:tab pos="4653280" algn="l"/>
+                <a:tab pos="5234940" algn="l"/>
+                <a:tab pos="5816600" algn="l"/>
+                <a:tab pos="6398260" algn="l"/>
+                <a:tab pos="6979920" algn="l"/>
+                <a:tab pos="7561580" algn="l"/>
+                <a:tab pos="8143240" algn="l"/>
+                <a:tab pos="8724900" algn="l"/>
+                <a:tab pos="9306560" algn="l"/>
+              </a:tabLst>
+            </a:pPr>
+            <a:r>
+              <a:rPr lang="en-US" sz="1800" b="1" dirty="0">
+                <a:solidFill>
+                  <a:srgbClr val="636F88"/>
+                </a:solidFill>
+                <a:effectLst/>
+                <a:latin typeface="Courier New" panose="02070309020205020404" pitchFamily="49" charset="0"/>
+                <a:ea typeface="Times New Roman" panose="02020603050405020304" pitchFamily="18" charset="0"/>
+                <a:cs typeface="Arial" panose="020B0604020202020204" pitchFamily="34" charset="0"/>
+              </a:rPr>
+              <a:t>-- First read</a:t>
+            </a:r>
+            <a:endParaRPr lang="en-US" sz="1800" b="1" dirty="0">
+              <a:effectLst/>
+              <a:latin typeface="Calibri" panose="020F0502020204030204" pitchFamily="34" charset="0"/>
+              <a:ea typeface="Calibri" panose="020F0502020204030204" pitchFamily="34" charset="0"/>
+              <a:cs typeface="Arial" panose="020B0604020202020204" pitchFamily="34" charset="0"/>
+            </a:endParaRPr>
+          </a:p>
+          <a:p>
+            <a:pPr marL="0" marR="0" latinLnBrk="1">
+              <a:lnSpc>
+                <a:spcPts val="1510"/>
+              </a:lnSpc>
+              <a:spcBef>
+                <a:spcPts val="0"/>
+              </a:spcBef>
+              <a:spcAft>
+                <a:spcPts val="0"/>
+              </a:spcAft>
+              <a:tabLst>
+                <a:tab pos="581660" algn="l"/>
+                <a:tab pos="1163320" algn="l"/>
+                <a:tab pos="1744980" algn="l"/>
+                <a:tab pos="2326640" algn="l"/>
+                <a:tab pos="2908300" algn="l"/>
+                <a:tab pos="3489960" algn="l"/>
+                <a:tab pos="4071620" algn="l"/>
+                <a:tab pos="4653280" algn="l"/>
+                <a:tab pos="5234940" algn="l"/>
+                <a:tab pos="5816600" algn="l"/>
+                <a:tab pos="6398260" algn="l"/>
+                <a:tab pos="6979920" algn="l"/>
+                <a:tab pos="7561580" algn="l"/>
+                <a:tab pos="8143240" algn="l"/>
+                <a:tab pos="8724900" algn="l"/>
+                <a:tab pos="9306560" algn="l"/>
+              </a:tabLst>
+            </a:pPr>
+            <a:r>
+              <a:rPr lang="en-US" sz="1800" b="1" dirty="0">
+                <a:solidFill>
+                  <a:srgbClr val="81A1C1"/>
+                </a:solidFill>
+                <a:effectLst/>
+                <a:latin typeface="Courier New" panose="02070309020205020404" pitchFamily="49" charset="0"/>
+                <a:ea typeface="Times New Roman" panose="02020603050405020304" pitchFamily="18" charset="0"/>
+                <a:cs typeface="Arial" panose="020B0604020202020204" pitchFamily="34" charset="0"/>
+              </a:rPr>
+              <a:t>SELECT</a:t>
+            </a:r>
+            <a:r>
+              <a:rPr lang="en-US" sz="1800" b="1" dirty="0">
+                <a:solidFill>
+                  <a:srgbClr val="FFFFFF"/>
+                </a:solidFill>
+                <a:effectLst/>
+                <a:latin typeface="Courier New" panose="02070309020205020404" pitchFamily="49" charset="0"/>
+                <a:ea typeface="Times New Roman" panose="02020603050405020304" pitchFamily="18" charset="0"/>
+                <a:cs typeface="Arial" panose="020B0604020202020204" pitchFamily="34" charset="0"/>
+              </a:rPr>
+              <a:t> </a:t>
+            </a:r>
+            <a:r>
+              <a:rPr lang="en-US" sz="1800" b="1" dirty="0">
+                <a:solidFill>
+                  <a:srgbClr val="88C0D0"/>
+                </a:solidFill>
+                <a:effectLst/>
+                <a:latin typeface="Courier New" panose="02070309020205020404" pitchFamily="49" charset="0"/>
+                <a:ea typeface="Times New Roman" panose="02020603050405020304" pitchFamily="18" charset="0"/>
+                <a:cs typeface="Arial" panose="020B0604020202020204" pitchFamily="34" charset="0"/>
+              </a:rPr>
+              <a:t>SUM</a:t>
+            </a:r>
+            <a:r>
+              <a:rPr lang="en-US" sz="1800" b="1" dirty="0">
+                <a:solidFill>
+                  <a:srgbClr val="81A1C1"/>
+                </a:solidFill>
+                <a:effectLst/>
+                <a:latin typeface="Courier New" panose="02070309020205020404" pitchFamily="49" charset="0"/>
+                <a:ea typeface="Times New Roman" panose="02020603050405020304" pitchFamily="18" charset="0"/>
+                <a:cs typeface="Arial" panose="020B0604020202020204" pitchFamily="34" charset="0"/>
+              </a:rPr>
+              <a:t>(</a:t>
+            </a:r>
+            <a:r>
+              <a:rPr lang="en-US" sz="1800" b="1" dirty="0">
+                <a:solidFill>
+                  <a:srgbClr val="FFFFFF"/>
+                </a:solidFill>
+                <a:effectLst/>
+                <a:latin typeface="Courier New" panose="02070309020205020404" pitchFamily="49" charset="0"/>
+                <a:ea typeface="Times New Roman" panose="02020603050405020304" pitchFamily="18" charset="0"/>
+                <a:cs typeface="Arial" panose="020B0604020202020204" pitchFamily="34" charset="0"/>
+              </a:rPr>
+              <a:t>balance</a:t>
+            </a:r>
+            <a:r>
+              <a:rPr lang="en-US" sz="1800" b="1" dirty="0">
+                <a:solidFill>
+                  <a:srgbClr val="81A1C1"/>
+                </a:solidFill>
+                <a:effectLst/>
+                <a:latin typeface="Courier New" panose="02070309020205020404" pitchFamily="49" charset="0"/>
+                <a:ea typeface="Times New Roman" panose="02020603050405020304" pitchFamily="18" charset="0"/>
+                <a:cs typeface="Arial" panose="020B0604020202020204" pitchFamily="34" charset="0"/>
+              </a:rPr>
+              <a:t>)</a:t>
+            </a:r>
+            <a:r>
+              <a:rPr lang="en-US" sz="1800" b="1" dirty="0">
+                <a:solidFill>
+                  <a:srgbClr val="FFFFFF"/>
+                </a:solidFill>
+                <a:effectLst/>
+                <a:latin typeface="Courier New" panose="02070309020205020404" pitchFamily="49" charset="0"/>
+                <a:ea typeface="Times New Roman" panose="02020603050405020304" pitchFamily="18" charset="0"/>
+                <a:cs typeface="Arial" panose="020B0604020202020204" pitchFamily="34" charset="0"/>
+              </a:rPr>
+              <a:t> </a:t>
+            </a:r>
+            <a:r>
+              <a:rPr lang="en-US" sz="1800" b="1" dirty="0">
+                <a:solidFill>
+                  <a:srgbClr val="81A1C1"/>
+                </a:solidFill>
+                <a:effectLst/>
+                <a:latin typeface="Courier New" panose="02070309020205020404" pitchFamily="49" charset="0"/>
+                <a:ea typeface="Times New Roman" panose="02020603050405020304" pitchFamily="18" charset="0"/>
+                <a:cs typeface="Arial" panose="020B0604020202020204" pitchFamily="34" charset="0"/>
+              </a:rPr>
+              <a:t>FROM</a:t>
+            </a:r>
+            <a:r>
+              <a:rPr lang="en-US" sz="1800" b="1" dirty="0">
+                <a:solidFill>
+                  <a:srgbClr val="FFFFFF"/>
+                </a:solidFill>
+                <a:effectLst/>
+                <a:latin typeface="Courier New" panose="02070309020205020404" pitchFamily="49" charset="0"/>
+                <a:ea typeface="Times New Roman" panose="02020603050405020304" pitchFamily="18" charset="0"/>
+                <a:cs typeface="Arial" panose="020B0604020202020204" pitchFamily="34" charset="0"/>
+              </a:rPr>
+              <a:t> accounts </a:t>
+            </a:r>
+            <a:r>
+              <a:rPr lang="en-US" sz="1800" b="1" dirty="0">
+                <a:solidFill>
+                  <a:srgbClr val="81A1C1"/>
+                </a:solidFill>
+                <a:effectLst/>
+                <a:latin typeface="Courier New" panose="02070309020205020404" pitchFamily="49" charset="0"/>
+                <a:ea typeface="Times New Roman" panose="02020603050405020304" pitchFamily="18" charset="0"/>
+                <a:cs typeface="Arial" panose="020B0604020202020204" pitchFamily="34" charset="0"/>
+              </a:rPr>
+              <a:t>WHERE</a:t>
+            </a:r>
+            <a:r>
+              <a:rPr lang="en-US" sz="1800" b="1" dirty="0">
+                <a:solidFill>
+                  <a:srgbClr val="FFFFFF"/>
+                </a:solidFill>
+                <a:effectLst/>
+                <a:latin typeface="Courier New" panose="02070309020205020404" pitchFamily="49" charset="0"/>
+                <a:ea typeface="Times New Roman" panose="02020603050405020304" pitchFamily="18" charset="0"/>
+                <a:cs typeface="Arial" panose="020B0604020202020204" pitchFamily="34" charset="0"/>
+              </a:rPr>
+              <a:t> name </a:t>
+            </a:r>
+            <a:r>
+              <a:rPr lang="en-US" sz="1800" b="1" dirty="0">
+                <a:solidFill>
+                  <a:srgbClr val="81A1C1"/>
+                </a:solidFill>
+                <a:effectLst/>
+                <a:latin typeface="Courier New" panose="02070309020205020404" pitchFamily="49" charset="0"/>
+                <a:ea typeface="Times New Roman" panose="02020603050405020304" pitchFamily="18" charset="0"/>
+                <a:cs typeface="Arial" panose="020B0604020202020204" pitchFamily="34" charset="0"/>
+              </a:rPr>
+              <a:t>LIKE</a:t>
+            </a:r>
+            <a:r>
+              <a:rPr lang="en-US" sz="1800" b="1" dirty="0">
+                <a:solidFill>
+                  <a:srgbClr val="FFFFFF"/>
+                </a:solidFill>
+                <a:effectLst/>
+                <a:latin typeface="Courier New" panose="02070309020205020404" pitchFamily="49" charset="0"/>
+                <a:ea typeface="Times New Roman" panose="02020603050405020304" pitchFamily="18" charset="0"/>
+                <a:cs typeface="Arial" panose="020B0604020202020204" pitchFamily="34" charset="0"/>
+              </a:rPr>
+              <a:t> </a:t>
+            </a:r>
+            <a:r>
+              <a:rPr lang="en-US" sz="1800" b="1" dirty="0">
+                <a:solidFill>
+                  <a:srgbClr val="A3BE8C"/>
+                </a:solidFill>
+                <a:effectLst/>
+                <a:latin typeface="Courier New" panose="02070309020205020404" pitchFamily="49" charset="0"/>
+                <a:ea typeface="Times New Roman" panose="02020603050405020304" pitchFamily="18" charset="0"/>
+                <a:cs typeface="Arial" panose="020B0604020202020204" pitchFamily="34" charset="0"/>
+              </a:rPr>
+              <a:t>'John%'</a:t>
+            </a:r>
+            <a:r>
+              <a:rPr lang="en-US" sz="1800" b="1" dirty="0">
+                <a:solidFill>
+                  <a:srgbClr val="81A1C1"/>
+                </a:solidFill>
+                <a:effectLst/>
+                <a:latin typeface="Courier New" panose="02070309020205020404" pitchFamily="49" charset="0"/>
+                <a:ea typeface="Times New Roman" panose="02020603050405020304" pitchFamily="18" charset="0"/>
+                <a:cs typeface="Arial" panose="020B0604020202020204" pitchFamily="34" charset="0"/>
+              </a:rPr>
+              <a:t>;</a:t>
+            </a:r>
+            <a:endParaRPr lang="en-US" sz="1800" b="1" dirty="0">
+              <a:effectLst/>
+              <a:latin typeface="Calibri" panose="020F0502020204030204" pitchFamily="34" charset="0"/>
+              <a:ea typeface="Calibri" panose="020F0502020204030204" pitchFamily="34" charset="0"/>
+              <a:cs typeface="Arial" panose="020B0604020202020204" pitchFamily="34" charset="0"/>
+            </a:endParaRPr>
+          </a:p>
+          <a:p>
+            <a:pPr marL="0" marR="0" latinLnBrk="1">
+              <a:lnSpc>
+                <a:spcPts val="1510"/>
+              </a:lnSpc>
+              <a:spcBef>
+                <a:spcPts val="0"/>
+              </a:spcBef>
+              <a:spcAft>
+                <a:spcPts val="0"/>
+              </a:spcAft>
+              <a:tabLst>
+                <a:tab pos="581660" algn="l"/>
+                <a:tab pos="1163320" algn="l"/>
+                <a:tab pos="1744980" algn="l"/>
+                <a:tab pos="2326640" algn="l"/>
+                <a:tab pos="2908300" algn="l"/>
+                <a:tab pos="3489960" algn="l"/>
+                <a:tab pos="4071620" algn="l"/>
+                <a:tab pos="4653280" algn="l"/>
+                <a:tab pos="5234940" algn="l"/>
+                <a:tab pos="5816600" algn="l"/>
+                <a:tab pos="6398260" algn="l"/>
+                <a:tab pos="6979920" algn="l"/>
+                <a:tab pos="7561580" algn="l"/>
+                <a:tab pos="8143240" algn="l"/>
+                <a:tab pos="8724900" algn="l"/>
+                <a:tab pos="9306560" algn="l"/>
+              </a:tabLst>
+            </a:pPr>
+            <a:r>
+              <a:rPr lang="en-US" sz="1800" b="1" dirty="0">
+                <a:solidFill>
+                  <a:srgbClr val="636F88"/>
+                </a:solidFill>
+                <a:effectLst/>
+                <a:latin typeface="Courier New" panose="02070309020205020404" pitchFamily="49" charset="0"/>
+                <a:ea typeface="Times New Roman" panose="02020603050405020304" pitchFamily="18" charset="0"/>
+                <a:cs typeface="Arial" panose="020B0604020202020204" pitchFamily="34" charset="0"/>
+              </a:rPr>
+              <a:t>-- Returns 5000 (sum of John Doe and John Smith)</a:t>
+            </a:r>
+            <a:endParaRPr lang="en-US" sz="1800" b="1" dirty="0">
+              <a:effectLst/>
+              <a:latin typeface="Calibri" panose="020F0502020204030204" pitchFamily="34" charset="0"/>
+              <a:ea typeface="Calibri" panose="020F0502020204030204" pitchFamily="34" charset="0"/>
+              <a:cs typeface="Arial" panose="020B0604020202020204" pitchFamily="34" charset="0"/>
+            </a:endParaRPr>
+          </a:p>
+          <a:p>
+            <a:pPr marL="0" marR="0" latinLnBrk="1">
+              <a:lnSpc>
+                <a:spcPts val="1510"/>
+              </a:lnSpc>
+              <a:spcBef>
+                <a:spcPts val="0"/>
+              </a:spcBef>
+              <a:spcAft>
+                <a:spcPts val="0"/>
+              </a:spcAft>
+              <a:tabLst>
+                <a:tab pos="581660" algn="l"/>
+                <a:tab pos="1163320" algn="l"/>
+                <a:tab pos="1744980" algn="l"/>
+                <a:tab pos="2326640" algn="l"/>
+                <a:tab pos="2908300" algn="l"/>
+                <a:tab pos="3489960" algn="l"/>
+                <a:tab pos="4071620" algn="l"/>
+                <a:tab pos="4653280" algn="l"/>
+                <a:tab pos="5234940" algn="l"/>
+                <a:tab pos="5816600" algn="l"/>
+                <a:tab pos="6398260" algn="l"/>
+                <a:tab pos="6979920" algn="l"/>
+                <a:tab pos="7561580" algn="l"/>
+                <a:tab pos="8143240" algn="l"/>
+                <a:tab pos="8724900" algn="l"/>
+                <a:tab pos="9306560" algn="l"/>
+              </a:tabLst>
+            </a:pPr>
+            <a:r>
+              <a:rPr lang="en-US" sz="1800" b="1" dirty="0">
+                <a:solidFill>
+                  <a:srgbClr val="FFFFFF"/>
+                </a:solidFill>
+                <a:effectLst/>
+                <a:latin typeface="Courier New" panose="02070309020205020404" pitchFamily="49" charset="0"/>
+                <a:ea typeface="Times New Roman" panose="02020603050405020304" pitchFamily="18" charset="0"/>
+                <a:cs typeface="Arial" panose="020B0604020202020204" pitchFamily="34" charset="0"/>
+              </a:rPr>
+              <a:t> </a:t>
+            </a:r>
+            <a:endParaRPr lang="en-US" sz="1800" b="1" dirty="0">
+              <a:effectLst/>
+              <a:latin typeface="Calibri" panose="020F0502020204030204" pitchFamily="34" charset="0"/>
+              <a:ea typeface="Calibri" panose="020F0502020204030204" pitchFamily="34" charset="0"/>
+              <a:cs typeface="Arial" panose="020B0604020202020204" pitchFamily="34" charset="0"/>
+            </a:endParaRPr>
+          </a:p>
+          <a:p>
+            <a:pPr marL="0" marR="0" latinLnBrk="1">
+              <a:lnSpc>
+                <a:spcPts val="1510"/>
+              </a:lnSpc>
+              <a:spcBef>
+                <a:spcPts val="0"/>
+              </a:spcBef>
+              <a:spcAft>
+                <a:spcPts val="0"/>
+              </a:spcAft>
+              <a:tabLst>
+                <a:tab pos="581660" algn="l"/>
+                <a:tab pos="1163320" algn="l"/>
+                <a:tab pos="1744980" algn="l"/>
+                <a:tab pos="2326640" algn="l"/>
+                <a:tab pos="2908300" algn="l"/>
+                <a:tab pos="3489960" algn="l"/>
+                <a:tab pos="4071620" algn="l"/>
+                <a:tab pos="4653280" algn="l"/>
+                <a:tab pos="5234940" algn="l"/>
+                <a:tab pos="5816600" algn="l"/>
+                <a:tab pos="6398260" algn="l"/>
+                <a:tab pos="6979920" algn="l"/>
+                <a:tab pos="7561580" algn="l"/>
+                <a:tab pos="8143240" algn="l"/>
+                <a:tab pos="8724900" algn="l"/>
+                <a:tab pos="9306560" algn="l"/>
+              </a:tabLst>
+            </a:pPr>
+            <a:r>
+              <a:rPr lang="en-US" sz="1800" b="1" dirty="0">
+                <a:solidFill>
+                  <a:srgbClr val="636F88"/>
+                </a:solidFill>
+                <a:effectLst/>
+                <a:latin typeface="Courier New" panose="02070309020205020404" pitchFamily="49" charset="0"/>
+                <a:ea typeface="Times New Roman" panose="02020603050405020304" pitchFamily="18" charset="0"/>
+                <a:cs typeface="Arial" panose="020B0604020202020204" pitchFamily="34" charset="0"/>
+              </a:rPr>
+              <a:t>-- [Transaction B commits here]</a:t>
+            </a:r>
+            <a:endParaRPr lang="en-US" sz="1800" b="1" dirty="0">
+              <a:effectLst/>
+              <a:latin typeface="Calibri" panose="020F0502020204030204" pitchFamily="34" charset="0"/>
+              <a:ea typeface="Calibri" panose="020F0502020204030204" pitchFamily="34" charset="0"/>
+              <a:cs typeface="Arial" panose="020B0604020202020204" pitchFamily="34" charset="0"/>
+            </a:endParaRPr>
+          </a:p>
+          <a:p>
+            <a:pPr marL="0" marR="0" latinLnBrk="1">
+              <a:lnSpc>
+                <a:spcPts val="1510"/>
+              </a:lnSpc>
+              <a:spcBef>
+                <a:spcPts val="0"/>
+              </a:spcBef>
+              <a:spcAft>
+                <a:spcPts val="0"/>
+              </a:spcAft>
+              <a:tabLst>
+                <a:tab pos="581660" algn="l"/>
+                <a:tab pos="1163320" algn="l"/>
+                <a:tab pos="1744980" algn="l"/>
+                <a:tab pos="2326640" algn="l"/>
+                <a:tab pos="2908300" algn="l"/>
+                <a:tab pos="3489960" algn="l"/>
+                <a:tab pos="4071620" algn="l"/>
+                <a:tab pos="4653280" algn="l"/>
+                <a:tab pos="5234940" algn="l"/>
+                <a:tab pos="5816600" algn="l"/>
+                <a:tab pos="6398260" algn="l"/>
+                <a:tab pos="6979920" algn="l"/>
+                <a:tab pos="7561580" algn="l"/>
+                <a:tab pos="8143240" algn="l"/>
+                <a:tab pos="8724900" algn="l"/>
+                <a:tab pos="9306560" algn="l"/>
+              </a:tabLst>
+            </a:pPr>
+            <a:r>
+              <a:rPr lang="en-US" sz="1800" b="1" dirty="0">
+                <a:solidFill>
+                  <a:srgbClr val="FFFFFF"/>
+                </a:solidFill>
+                <a:effectLst/>
+                <a:latin typeface="Courier New" panose="02070309020205020404" pitchFamily="49" charset="0"/>
+                <a:ea typeface="Times New Roman" panose="02020603050405020304" pitchFamily="18" charset="0"/>
+                <a:cs typeface="Arial" panose="020B0604020202020204" pitchFamily="34" charset="0"/>
+              </a:rPr>
+              <a:t> </a:t>
+            </a:r>
+            <a:endParaRPr lang="en-US" sz="1800" b="1" dirty="0">
+              <a:effectLst/>
+              <a:latin typeface="Calibri" panose="020F0502020204030204" pitchFamily="34" charset="0"/>
+              <a:ea typeface="Calibri" panose="020F0502020204030204" pitchFamily="34" charset="0"/>
+              <a:cs typeface="Arial" panose="020B0604020202020204" pitchFamily="34" charset="0"/>
+            </a:endParaRPr>
+          </a:p>
+          <a:p>
+            <a:pPr marL="0" marR="0" latinLnBrk="1">
+              <a:lnSpc>
+                <a:spcPts val="1510"/>
+              </a:lnSpc>
+              <a:spcBef>
+                <a:spcPts val="0"/>
+              </a:spcBef>
+              <a:spcAft>
+                <a:spcPts val="0"/>
+              </a:spcAft>
+              <a:tabLst>
+                <a:tab pos="581660" algn="l"/>
+                <a:tab pos="1163320" algn="l"/>
+                <a:tab pos="1744980" algn="l"/>
+                <a:tab pos="2326640" algn="l"/>
+                <a:tab pos="2908300" algn="l"/>
+                <a:tab pos="3489960" algn="l"/>
+                <a:tab pos="4071620" algn="l"/>
+                <a:tab pos="4653280" algn="l"/>
+                <a:tab pos="5234940" algn="l"/>
+                <a:tab pos="5816600" algn="l"/>
+                <a:tab pos="6398260" algn="l"/>
+                <a:tab pos="6979920" algn="l"/>
+                <a:tab pos="7561580" algn="l"/>
+                <a:tab pos="8143240" algn="l"/>
+                <a:tab pos="8724900" algn="l"/>
+                <a:tab pos="9306560" algn="l"/>
+              </a:tabLst>
+            </a:pPr>
+            <a:r>
+              <a:rPr lang="en-US" sz="1800" b="1" dirty="0">
+                <a:solidFill>
+                  <a:srgbClr val="636F88"/>
+                </a:solidFill>
+                <a:effectLst/>
+                <a:latin typeface="Courier New" panose="02070309020205020404" pitchFamily="49" charset="0"/>
+                <a:ea typeface="Times New Roman" panose="02020603050405020304" pitchFamily="18" charset="0"/>
+                <a:cs typeface="Arial" panose="020B0604020202020204" pitchFamily="34" charset="0"/>
+              </a:rPr>
+              <a:t>-- Second read</a:t>
+            </a:r>
+            <a:endParaRPr lang="en-US" sz="1800" b="1" dirty="0">
+              <a:effectLst/>
+              <a:latin typeface="Calibri" panose="020F0502020204030204" pitchFamily="34" charset="0"/>
+              <a:ea typeface="Calibri" panose="020F0502020204030204" pitchFamily="34" charset="0"/>
+              <a:cs typeface="Arial" panose="020B0604020202020204" pitchFamily="34" charset="0"/>
+            </a:endParaRPr>
+          </a:p>
+          <a:p>
+            <a:pPr marL="0" marR="0" latinLnBrk="1">
+              <a:lnSpc>
+                <a:spcPts val="1510"/>
+              </a:lnSpc>
+              <a:spcBef>
+                <a:spcPts val="0"/>
+              </a:spcBef>
+              <a:spcAft>
+                <a:spcPts val="0"/>
+              </a:spcAft>
+              <a:tabLst>
+                <a:tab pos="581660" algn="l"/>
+                <a:tab pos="1163320" algn="l"/>
+                <a:tab pos="1744980" algn="l"/>
+                <a:tab pos="2326640" algn="l"/>
+                <a:tab pos="2908300" algn="l"/>
+                <a:tab pos="3489960" algn="l"/>
+                <a:tab pos="4071620" algn="l"/>
+                <a:tab pos="4653280" algn="l"/>
+                <a:tab pos="5234940" algn="l"/>
+                <a:tab pos="5816600" algn="l"/>
+                <a:tab pos="6398260" algn="l"/>
+                <a:tab pos="6979920" algn="l"/>
+                <a:tab pos="7561580" algn="l"/>
+                <a:tab pos="8143240" algn="l"/>
+                <a:tab pos="8724900" algn="l"/>
+                <a:tab pos="9306560" algn="l"/>
+              </a:tabLst>
+            </a:pPr>
+            <a:r>
+              <a:rPr lang="en-US" sz="1800" b="1" dirty="0">
+                <a:solidFill>
+                  <a:srgbClr val="81A1C1"/>
+                </a:solidFill>
+                <a:effectLst/>
+                <a:latin typeface="Courier New" panose="02070309020205020404" pitchFamily="49" charset="0"/>
+                <a:ea typeface="Times New Roman" panose="02020603050405020304" pitchFamily="18" charset="0"/>
+                <a:cs typeface="Arial" panose="020B0604020202020204" pitchFamily="34" charset="0"/>
+              </a:rPr>
+              <a:t>SELECT</a:t>
+            </a:r>
+            <a:r>
+              <a:rPr lang="en-US" sz="1800" b="1" dirty="0">
+                <a:solidFill>
+                  <a:srgbClr val="FFFFFF"/>
+                </a:solidFill>
+                <a:effectLst/>
+                <a:latin typeface="Courier New" panose="02070309020205020404" pitchFamily="49" charset="0"/>
+                <a:ea typeface="Times New Roman" panose="02020603050405020304" pitchFamily="18" charset="0"/>
+                <a:cs typeface="Arial" panose="020B0604020202020204" pitchFamily="34" charset="0"/>
+              </a:rPr>
+              <a:t> </a:t>
+            </a:r>
+            <a:r>
+              <a:rPr lang="en-US" sz="1800" b="1" dirty="0">
+                <a:solidFill>
+                  <a:srgbClr val="88C0D0"/>
+                </a:solidFill>
+                <a:effectLst/>
+                <a:latin typeface="Courier New" panose="02070309020205020404" pitchFamily="49" charset="0"/>
+                <a:ea typeface="Times New Roman" panose="02020603050405020304" pitchFamily="18" charset="0"/>
+                <a:cs typeface="Arial" panose="020B0604020202020204" pitchFamily="34" charset="0"/>
+              </a:rPr>
+              <a:t>SUM</a:t>
+            </a:r>
+            <a:r>
+              <a:rPr lang="en-US" sz="1800" b="1" dirty="0">
+                <a:solidFill>
+                  <a:srgbClr val="81A1C1"/>
+                </a:solidFill>
+                <a:effectLst/>
+                <a:latin typeface="Courier New" panose="02070309020205020404" pitchFamily="49" charset="0"/>
+                <a:ea typeface="Times New Roman" panose="02020603050405020304" pitchFamily="18" charset="0"/>
+                <a:cs typeface="Arial" panose="020B0604020202020204" pitchFamily="34" charset="0"/>
+              </a:rPr>
+              <a:t>(</a:t>
+            </a:r>
+            <a:r>
+              <a:rPr lang="en-US" sz="1800" b="1" dirty="0">
+                <a:solidFill>
+                  <a:srgbClr val="FFFFFF"/>
+                </a:solidFill>
+                <a:effectLst/>
+                <a:latin typeface="Courier New" panose="02070309020205020404" pitchFamily="49" charset="0"/>
+                <a:ea typeface="Times New Roman" panose="02020603050405020304" pitchFamily="18" charset="0"/>
+                <a:cs typeface="Arial" panose="020B0604020202020204" pitchFamily="34" charset="0"/>
+              </a:rPr>
+              <a:t>balance</a:t>
+            </a:r>
+            <a:r>
+              <a:rPr lang="en-US" sz="1800" b="1" dirty="0">
+                <a:solidFill>
+                  <a:srgbClr val="81A1C1"/>
+                </a:solidFill>
+                <a:effectLst/>
+                <a:latin typeface="Courier New" panose="02070309020205020404" pitchFamily="49" charset="0"/>
+                <a:ea typeface="Times New Roman" panose="02020603050405020304" pitchFamily="18" charset="0"/>
+                <a:cs typeface="Arial" panose="020B0604020202020204" pitchFamily="34" charset="0"/>
+              </a:rPr>
+              <a:t>)</a:t>
+            </a:r>
+            <a:r>
+              <a:rPr lang="en-US" sz="1800" b="1" dirty="0">
+                <a:solidFill>
+                  <a:srgbClr val="FFFFFF"/>
+                </a:solidFill>
+                <a:effectLst/>
+                <a:latin typeface="Courier New" panose="02070309020205020404" pitchFamily="49" charset="0"/>
+                <a:ea typeface="Times New Roman" panose="02020603050405020304" pitchFamily="18" charset="0"/>
+                <a:cs typeface="Arial" panose="020B0604020202020204" pitchFamily="34" charset="0"/>
+              </a:rPr>
+              <a:t> </a:t>
+            </a:r>
+            <a:r>
+              <a:rPr lang="en-US" sz="1800" b="1" dirty="0">
+                <a:solidFill>
+                  <a:srgbClr val="81A1C1"/>
+                </a:solidFill>
+                <a:effectLst/>
+                <a:latin typeface="Courier New" panose="02070309020205020404" pitchFamily="49" charset="0"/>
+                <a:ea typeface="Times New Roman" panose="02020603050405020304" pitchFamily="18" charset="0"/>
+                <a:cs typeface="Arial" panose="020B0604020202020204" pitchFamily="34" charset="0"/>
+              </a:rPr>
+              <a:t>FROM</a:t>
+            </a:r>
+            <a:r>
+              <a:rPr lang="en-US" sz="1800" b="1" dirty="0">
+                <a:solidFill>
+                  <a:srgbClr val="FFFFFF"/>
+                </a:solidFill>
+                <a:effectLst/>
+                <a:latin typeface="Courier New" panose="02070309020205020404" pitchFamily="49" charset="0"/>
+                <a:ea typeface="Times New Roman" panose="02020603050405020304" pitchFamily="18" charset="0"/>
+                <a:cs typeface="Arial" panose="020B0604020202020204" pitchFamily="34" charset="0"/>
+              </a:rPr>
+              <a:t> accounts </a:t>
+            </a:r>
+            <a:r>
+              <a:rPr lang="en-US" sz="1800" b="1" dirty="0">
+                <a:solidFill>
+                  <a:srgbClr val="81A1C1"/>
+                </a:solidFill>
+                <a:effectLst/>
+                <a:latin typeface="Courier New" panose="02070309020205020404" pitchFamily="49" charset="0"/>
+                <a:ea typeface="Times New Roman" panose="02020603050405020304" pitchFamily="18" charset="0"/>
+                <a:cs typeface="Arial" panose="020B0604020202020204" pitchFamily="34" charset="0"/>
+              </a:rPr>
+              <a:t>WHERE</a:t>
+            </a:r>
+            <a:r>
+              <a:rPr lang="en-US" sz="1800" b="1" dirty="0">
+                <a:solidFill>
+                  <a:srgbClr val="FFFFFF"/>
+                </a:solidFill>
+                <a:effectLst/>
+                <a:latin typeface="Courier New" panose="02070309020205020404" pitchFamily="49" charset="0"/>
+                <a:ea typeface="Times New Roman" panose="02020603050405020304" pitchFamily="18" charset="0"/>
+                <a:cs typeface="Arial" panose="020B0604020202020204" pitchFamily="34" charset="0"/>
+              </a:rPr>
+              <a:t> name </a:t>
+            </a:r>
+            <a:r>
+              <a:rPr lang="en-US" sz="1800" b="1" dirty="0">
+                <a:solidFill>
+                  <a:srgbClr val="81A1C1"/>
+                </a:solidFill>
+                <a:effectLst/>
+                <a:latin typeface="Courier New" panose="02070309020205020404" pitchFamily="49" charset="0"/>
+                <a:ea typeface="Times New Roman" panose="02020603050405020304" pitchFamily="18" charset="0"/>
+                <a:cs typeface="Arial" panose="020B0604020202020204" pitchFamily="34" charset="0"/>
+              </a:rPr>
+              <a:t>LIKE</a:t>
+            </a:r>
+            <a:r>
+              <a:rPr lang="en-US" sz="1800" b="1" dirty="0">
+                <a:solidFill>
+                  <a:srgbClr val="FFFFFF"/>
+                </a:solidFill>
+                <a:effectLst/>
+                <a:latin typeface="Courier New" panose="02070309020205020404" pitchFamily="49" charset="0"/>
+                <a:ea typeface="Times New Roman" panose="02020603050405020304" pitchFamily="18" charset="0"/>
+                <a:cs typeface="Arial" panose="020B0604020202020204" pitchFamily="34" charset="0"/>
+              </a:rPr>
+              <a:t> </a:t>
+            </a:r>
+            <a:r>
+              <a:rPr lang="en-US" sz="1800" b="1" dirty="0">
+                <a:solidFill>
+                  <a:srgbClr val="A3BE8C"/>
+                </a:solidFill>
+                <a:effectLst/>
+                <a:latin typeface="Courier New" panose="02070309020205020404" pitchFamily="49" charset="0"/>
+                <a:ea typeface="Times New Roman" panose="02020603050405020304" pitchFamily="18" charset="0"/>
+                <a:cs typeface="Arial" panose="020B0604020202020204" pitchFamily="34" charset="0"/>
+              </a:rPr>
+              <a:t>'John%'</a:t>
+            </a:r>
+            <a:r>
+              <a:rPr lang="en-US" sz="1800" b="1" dirty="0">
+                <a:solidFill>
+                  <a:srgbClr val="81A1C1"/>
+                </a:solidFill>
+                <a:effectLst/>
+                <a:latin typeface="Courier New" panose="02070309020205020404" pitchFamily="49" charset="0"/>
+                <a:ea typeface="Times New Roman" panose="02020603050405020304" pitchFamily="18" charset="0"/>
+                <a:cs typeface="Arial" panose="020B0604020202020204" pitchFamily="34" charset="0"/>
+              </a:rPr>
+              <a:t>;</a:t>
+            </a:r>
+            <a:endParaRPr lang="en-US" sz="1800" b="1" dirty="0">
+              <a:effectLst/>
+              <a:latin typeface="Calibri" panose="020F0502020204030204" pitchFamily="34" charset="0"/>
+              <a:ea typeface="Calibri" panose="020F0502020204030204" pitchFamily="34" charset="0"/>
+              <a:cs typeface="Arial" panose="020B0604020202020204" pitchFamily="34" charset="0"/>
+            </a:endParaRPr>
+          </a:p>
+          <a:p>
+            <a:pPr marL="0" marR="0" latinLnBrk="1">
+              <a:lnSpc>
+                <a:spcPts val="1510"/>
+              </a:lnSpc>
+              <a:spcBef>
+                <a:spcPts val="0"/>
+              </a:spcBef>
+              <a:spcAft>
+                <a:spcPts val="0"/>
+              </a:spcAft>
+              <a:tabLst>
+                <a:tab pos="581660" algn="l"/>
+                <a:tab pos="1163320" algn="l"/>
+                <a:tab pos="1744980" algn="l"/>
+                <a:tab pos="2326640" algn="l"/>
+                <a:tab pos="2908300" algn="l"/>
+                <a:tab pos="3489960" algn="l"/>
+                <a:tab pos="4071620" algn="l"/>
+                <a:tab pos="4653280" algn="l"/>
+                <a:tab pos="5234940" algn="l"/>
+                <a:tab pos="5816600" algn="l"/>
+                <a:tab pos="6398260" algn="l"/>
+                <a:tab pos="6979920" algn="l"/>
+                <a:tab pos="7561580" algn="l"/>
+                <a:tab pos="8143240" algn="l"/>
+                <a:tab pos="8724900" algn="l"/>
+                <a:tab pos="9306560" algn="l"/>
+              </a:tabLst>
+            </a:pPr>
+            <a:r>
+              <a:rPr lang="en-US" sz="1800" b="1" dirty="0">
+                <a:solidFill>
+                  <a:srgbClr val="636F88"/>
+                </a:solidFill>
+                <a:effectLst/>
+                <a:latin typeface="Courier New" panose="02070309020205020404" pitchFamily="49" charset="0"/>
+                <a:ea typeface="Times New Roman" panose="02020603050405020304" pitchFamily="18" charset="0"/>
+                <a:cs typeface="Arial" panose="020B0604020202020204" pitchFamily="34" charset="0"/>
+              </a:rPr>
+              <a:t>-- Still returns 5000, even if Transaction B added a new John account</a:t>
+            </a:r>
+            <a:endParaRPr lang="en-US" sz="1800" b="1" dirty="0">
+              <a:effectLst/>
+              <a:latin typeface="Calibri" panose="020F0502020204030204" pitchFamily="34" charset="0"/>
+              <a:ea typeface="Calibri" panose="020F0502020204030204" pitchFamily="34" charset="0"/>
+              <a:cs typeface="Arial" panose="020B0604020202020204" pitchFamily="34" charset="0"/>
+            </a:endParaRPr>
+          </a:p>
+          <a:p>
+            <a:pPr marL="0" marR="0" latinLnBrk="1">
+              <a:lnSpc>
+                <a:spcPts val="1510"/>
+              </a:lnSpc>
+              <a:spcBef>
+                <a:spcPts val="0"/>
+              </a:spcBef>
+              <a:spcAft>
+                <a:spcPts val="800"/>
+              </a:spcAft>
+              <a:tabLst>
+                <a:tab pos="581660" algn="l"/>
+                <a:tab pos="1163320" algn="l"/>
+                <a:tab pos="1744980" algn="l"/>
+                <a:tab pos="2326640" algn="l"/>
+                <a:tab pos="2908300" algn="l"/>
+                <a:tab pos="3489960" algn="l"/>
+                <a:tab pos="4071620" algn="l"/>
+                <a:tab pos="4653280" algn="l"/>
+                <a:tab pos="5234940" algn="l"/>
+                <a:tab pos="5816600" algn="l"/>
+                <a:tab pos="6398260" algn="l"/>
+                <a:tab pos="6979920" algn="l"/>
+                <a:tab pos="7561580" algn="l"/>
+                <a:tab pos="8143240" algn="l"/>
+                <a:tab pos="8724900" algn="l"/>
+                <a:tab pos="9306560" algn="l"/>
+              </a:tabLst>
+            </a:pPr>
+            <a:r>
+              <a:rPr lang="en-US" sz="1800" b="1" dirty="0">
+                <a:solidFill>
+                  <a:srgbClr val="81A1C1"/>
+                </a:solidFill>
+                <a:effectLst/>
+                <a:latin typeface="Courier New" panose="02070309020205020404" pitchFamily="49" charset="0"/>
+                <a:ea typeface="Times New Roman" panose="02020603050405020304" pitchFamily="18" charset="0"/>
+                <a:cs typeface="Arial" panose="020B0604020202020204" pitchFamily="34" charset="0"/>
+              </a:rPr>
+              <a:t>COMMIT;</a:t>
+            </a:r>
+            <a:endParaRPr lang="en-US" sz="1800" b="1" dirty="0">
+              <a:effectLst/>
+              <a:latin typeface="Calibri" panose="020F0502020204030204" pitchFamily="34" charset="0"/>
+              <a:ea typeface="Calibri" panose="020F0502020204030204" pitchFamily="34" charset="0"/>
+              <a:cs typeface="Arial" panose="020B0604020202020204" pitchFamily="34" charset="0"/>
+            </a:endParaRPr>
+          </a:p>
+          <a:p>
+            <a:endParaRPr lang="en-US" b="1" dirty="0"/>
+          </a:p>
+        </p:txBody>
+      </p:sp>
+      <p:sp>
+        <p:nvSpPr>
+          <p:cNvPr id="9" name="TextBox 8">
+            <a:extLst>
+              <a:ext uri="{FF2B5EF4-FFF2-40B4-BE49-F238E27FC236}">
+                <a16:creationId xmlns:a16="http://schemas.microsoft.com/office/drawing/2014/main" id="{74BFE5DD-9C13-42A4-91E4-90584A08E3EA}"/>
+              </a:ext>
+            </a:extLst>
+          </p:cNvPr>
+          <p:cNvSpPr txBox="1"/>
+          <p:nvPr/>
+        </p:nvSpPr>
+        <p:spPr>
+          <a:xfrm>
+            <a:off x="428984" y="5011718"/>
+            <a:ext cx="7673353" cy="875240"/>
+          </a:xfrm>
+          <a:prstGeom prst="rect">
+            <a:avLst/>
+          </a:prstGeom>
+          <a:noFill/>
+        </p:spPr>
+        <p:txBody>
+          <a:bodyPr wrap="square">
+            <a:spAutoFit/>
+          </a:bodyPr>
+          <a:lstStyle/>
+          <a:p>
+            <a:pPr marL="0" marR="0" latinLnBrk="1">
+              <a:lnSpc>
+                <a:spcPts val="1510"/>
+              </a:lnSpc>
+              <a:spcBef>
+                <a:spcPts val="0"/>
+              </a:spcBef>
+              <a:spcAft>
+                <a:spcPts val="0"/>
+              </a:spcAft>
+              <a:tabLst>
+                <a:tab pos="581660" algn="l"/>
+                <a:tab pos="1163320" algn="l"/>
+                <a:tab pos="1744980" algn="l"/>
+                <a:tab pos="2326640" algn="l"/>
+                <a:tab pos="2908300" algn="l"/>
+                <a:tab pos="3489960" algn="l"/>
+                <a:tab pos="4071620" algn="l"/>
+                <a:tab pos="4653280" algn="l"/>
+                <a:tab pos="5234940" algn="l"/>
+                <a:tab pos="5816600" algn="l"/>
+                <a:tab pos="6398260" algn="l"/>
+                <a:tab pos="6979920" algn="l"/>
+                <a:tab pos="7561580" algn="l"/>
+                <a:tab pos="8143240" algn="l"/>
+                <a:tab pos="8724900" algn="l"/>
+                <a:tab pos="9306560" algn="l"/>
+              </a:tabLst>
+            </a:pPr>
+            <a:r>
+              <a:rPr lang="en-US" sz="1600" b="1" dirty="0">
+                <a:solidFill>
+                  <a:srgbClr val="81A1C1"/>
+                </a:solidFill>
+                <a:effectLst/>
+                <a:latin typeface="Courier New" panose="02070309020205020404" pitchFamily="49" charset="0"/>
+                <a:ea typeface="Times New Roman" panose="02020603050405020304" pitchFamily="18" charset="0"/>
+                <a:cs typeface="Arial" panose="020B0604020202020204" pitchFamily="34" charset="0"/>
+              </a:rPr>
+              <a:t>BEGIN;</a:t>
+            </a:r>
+            <a:endParaRPr lang="en-US" sz="2000" b="1" dirty="0">
+              <a:effectLst/>
+              <a:latin typeface="Calibri" panose="020F0502020204030204" pitchFamily="34" charset="0"/>
+              <a:ea typeface="Calibri" panose="020F0502020204030204" pitchFamily="34" charset="0"/>
+              <a:cs typeface="Arial" panose="020B0604020202020204" pitchFamily="34" charset="0"/>
+            </a:endParaRPr>
+          </a:p>
+          <a:p>
+            <a:pPr marL="0" marR="0" latinLnBrk="1">
+              <a:lnSpc>
+                <a:spcPts val="1510"/>
+              </a:lnSpc>
+              <a:spcBef>
+                <a:spcPts val="0"/>
+              </a:spcBef>
+              <a:spcAft>
+                <a:spcPts val="0"/>
+              </a:spcAft>
+              <a:tabLst>
+                <a:tab pos="581660" algn="l"/>
+                <a:tab pos="1163320" algn="l"/>
+                <a:tab pos="1744980" algn="l"/>
+                <a:tab pos="2326640" algn="l"/>
+                <a:tab pos="2908300" algn="l"/>
+                <a:tab pos="3489960" algn="l"/>
+                <a:tab pos="4071620" algn="l"/>
+                <a:tab pos="4653280" algn="l"/>
+                <a:tab pos="5234940" algn="l"/>
+                <a:tab pos="5816600" algn="l"/>
+                <a:tab pos="6398260" algn="l"/>
+                <a:tab pos="6979920" algn="l"/>
+                <a:tab pos="7561580" algn="l"/>
+                <a:tab pos="8143240" algn="l"/>
+                <a:tab pos="8724900" algn="l"/>
+                <a:tab pos="9306560" algn="l"/>
+              </a:tabLst>
+            </a:pPr>
+            <a:r>
+              <a:rPr lang="en-US" sz="1600" b="1" dirty="0">
+                <a:solidFill>
+                  <a:srgbClr val="81A1C1"/>
+                </a:solidFill>
+                <a:effectLst/>
+                <a:latin typeface="Courier New" panose="02070309020205020404" pitchFamily="49" charset="0"/>
+                <a:ea typeface="Times New Roman" panose="02020603050405020304" pitchFamily="18" charset="0"/>
+                <a:cs typeface="Arial" panose="020B0604020202020204" pitchFamily="34" charset="0"/>
+              </a:rPr>
+              <a:t>INSERT</a:t>
+            </a:r>
+            <a:r>
+              <a:rPr lang="en-US" sz="1600" b="1" dirty="0">
+                <a:solidFill>
+                  <a:srgbClr val="FFFFFF"/>
+                </a:solidFill>
+                <a:effectLst/>
+                <a:latin typeface="Courier New" panose="02070309020205020404" pitchFamily="49" charset="0"/>
+                <a:ea typeface="Times New Roman" panose="02020603050405020304" pitchFamily="18" charset="0"/>
+                <a:cs typeface="Arial" panose="020B0604020202020204" pitchFamily="34" charset="0"/>
+              </a:rPr>
+              <a:t> </a:t>
+            </a:r>
+            <a:r>
+              <a:rPr lang="en-US" sz="1600" b="1" dirty="0">
+                <a:solidFill>
+                  <a:srgbClr val="81A1C1"/>
+                </a:solidFill>
+                <a:effectLst/>
+                <a:latin typeface="Courier New" panose="02070309020205020404" pitchFamily="49" charset="0"/>
+                <a:ea typeface="Times New Roman" panose="02020603050405020304" pitchFamily="18" charset="0"/>
+                <a:cs typeface="Arial" panose="020B0604020202020204" pitchFamily="34" charset="0"/>
+              </a:rPr>
+              <a:t>INTO</a:t>
+            </a:r>
+            <a:r>
+              <a:rPr lang="en-US" sz="1600" b="1" dirty="0">
+                <a:solidFill>
+                  <a:srgbClr val="FFFFFF"/>
+                </a:solidFill>
+                <a:effectLst/>
+                <a:latin typeface="Courier New" panose="02070309020205020404" pitchFamily="49" charset="0"/>
+                <a:ea typeface="Times New Roman" panose="02020603050405020304" pitchFamily="18" charset="0"/>
+                <a:cs typeface="Arial" panose="020B0604020202020204" pitchFamily="34" charset="0"/>
+              </a:rPr>
+              <a:t> accounts </a:t>
+            </a:r>
+            <a:r>
+              <a:rPr lang="en-US" sz="1600" b="1" dirty="0">
+                <a:solidFill>
+                  <a:srgbClr val="81A1C1"/>
+                </a:solidFill>
+                <a:effectLst/>
+                <a:latin typeface="Courier New" panose="02070309020205020404" pitchFamily="49" charset="0"/>
+                <a:ea typeface="Times New Roman" panose="02020603050405020304" pitchFamily="18" charset="0"/>
+                <a:cs typeface="Arial" panose="020B0604020202020204" pitchFamily="34" charset="0"/>
+              </a:rPr>
+              <a:t>VALUES</a:t>
+            </a:r>
+            <a:r>
+              <a:rPr lang="en-US" sz="1600" b="1" dirty="0">
+                <a:solidFill>
+                  <a:srgbClr val="FFFFFF"/>
+                </a:solidFill>
+                <a:effectLst/>
+                <a:latin typeface="Courier New" panose="02070309020205020404" pitchFamily="49" charset="0"/>
+                <a:ea typeface="Times New Roman" panose="02020603050405020304" pitchFamily="18" charset="0"/>
+                <a:cs typeface="Arial" panose="020B0604020202020204" pitchFamily="34" charset="0"/>
+              </a:rPr>
+              <a:t> </a:t>
+            </a:r>
+            <a:r>
+              <a:rPr lang="en-US" sz="1600" b="1" dirty="0">
+                <a:solidFill>
+                  <a:srgbClr val="81A1C1"/>
+                </a:solidFill>
+                <a:effectLst/>
+                <a:latin typeface="Courier New" panose="02070309020205020404" pitchFamily="49" charset="0"/>
+                <a:ea typeface="Times New Roman" panose="02020603050405020304" pitchFamily="18" charset="0"/>
+                <a:cs typeface="Arial" panose="020B0604020202020204" pitchFamily="34" charset="0"/>
+              </a:rPr>
+              <a:t>(</a:t>
+            </a:r>
+            <a:r>
+              <a:rPr lang="en-US" sz="1600" b="1" dirty="0">
+                <a:solidFill>
+                  <a:srgbClr val="B48EAD"/>
+                </a:solidFill>
+                <a:effectLst/>
+                <a:latin typeface="Courier New" panose="02070309020205020404" pitchFamily="49" charset="0"/>
+                <a:ea typeface="Times New Roman" panose="02020603050405020304" pitchFamily="18" charset="0"/>
+                <a:cs typeface="Arial" panose="020B0604020202020204" pitchFamily="34" charset="0"/>
+              </a:rPr>
+              <a:t>3</a:t>
+            </a:r>
+            <a:r>
+              <a:rPr lang="en-US" sz="1600" b="1" dirty="0">
+                <a:solidFill>
+                  <a:srgbClr val="81A1C1"/>
+                </a:solidFill>
+                <a:effectLst/>
+                <a:latin typeface="Courier New" panose="02070309020205020404" pitchFamily="49" charset="0"/>
+                <a:ea typeface="Times New Roman" panose="02020603050405020304" pitchFamily="18" charset="0"/>
+                <a:cs typeface="Arial" panose="020B0604020202020204" pitchFamily="34" charset="0"/>
+              </a:rPr>
+              <a:t>,</a:t>
+            </a:r>
+            <a:r>
+              <a:rPr lang="en-US" sz="1600" b="1" dirty="0">
+                <a:solidFill>
+                  <a:srgbClr val="FFFFFF"/>
+                </a:solidFill>
+                <a:effectLst/>
+                <a:latin typeface="Courier New" panose="02070309020205020404" pitchFamily="49" charset="0"/>
+                <a:ea typeface="Times New Roman" panose="02020603050405020304" pitchFamily="18" charset="0"/>
+                <a:cs typeface="Arial" panose="020B0604020202020204" pitchFamily="34" charset="0"/>
+              </a:rPr>
+              <a:t> </a:t>
+            </a:r>
+            <a:r>
+              <a:rPr lang="en-US" sz="1600" b="1" dirty="0">
+                <a:solidFill>
+                  <a:srgbClr val="A3BE8C"/>
+                </a:solidFill>
+                <a:effectLst/>
+                <a:latin typeface="Courier New" panose="02070309020205020404" pitchFamily="49" charset="0"/>
+                <a:ea typeface="Times New Roman" panose="02020603050405020304" pitchFamily="18" charset="0"/>
+                <a:cs typeface="Arial" panose="020B0604020202020204" pitchFamily="34" charset="0"/>
+              </a:rPr>
+              <a:t>'John Brown'</a:t>
+            </a:r>
+            <a:r>
+              <a:rPr lang="en-US" sz="1600" b="1" dirty="0">
+                <a:solidFill>
+                  <a:srgbClr val="81A1C1"/>
+                </a:solidFill>
+                <a:effectLst/>
+                <a:latin typeface="Courier New" panose="02070309020205020404" pitchFamily="49" charset="0"/>
+                <a:ea typeface="Times New Roman" panose="02020603050405020304" pitchFamily="18" charset="0"/>
+                <a:cs typeface="Arial" panose="020B0604020202020204" pitchFamily="34" charset="0"/>
+              </a:rPr>
+              <a:t>,</a:t>
+            </a:r>
+            <a:r>
+              <a:rPr lang="en-US" sz="1600" b="1" dirty="0">
+                <a:solidFill>
+                  <a:srgbClr val="FFFFFF"/>
+                </a:solidFill>
+                <a:effectLst/>
+                <a:latin typeface="Courier New" panose="02070309020205020404" pitchFamily="49" charset="0"/>
+                <a:ea typeface="Times New Roman" panose="02020603050405020304" pitchFamily="18" charset="0"/>
+                <a:cs typeface="Arial" panose="020B0604020202020204" pitchFamily="34" charset="0"/>
+              </a:rPr>
+              <a:t> </a:t>
+            </a:r>
+            <a:r>
+              <a:rPr lang="en-US" sz="1600" b="1" dirty="0">
+                <a:solidFill>
+                  <a:srgbClr val="B48EAD"/>
+                </a:solidFill>
+                <a:effectLst/>
+                <a:latin typeface="Courier New" panose="02070309020205020404" pitchFamily="49" charset="0"/>
+                <a:ea typeface="Times New Roman" panose="02020603050405020304" pitchFamily="18" charset="0"/>
+                <a:cs typeface="Arial" panose="020B0604020202020204" pitchFamily="34" charset="0"/>
+              </a:rPr>
+              <a:t>2000</a:t>
+            </a:r>
+            <a:r>
+              <a:rPr lang="en-US" sz="1600" b="1" dirty="0">
+                <a:solidFill>
+                  <a:srgbClr val="81A1C1"/>
+                </a:solidFill>
+                <a:effectLst/>
+                <a:latin typeface="Courier New" panose="02070309020205020404" pitchFamily="49" charset="0"/>
+                <a:ea typeface="Times New Roman" panose="02020603050405020304" pitchFamily="18" charset="0"/>
+                <a:cs typeface="Arial" panose="020B0604020202020204" pitchFamily="34" charset="0"/>
+              </a:rPr>
+              <a:t>);</a:t>
+            </a:r>
+            <a:endParaRPr lang="en-US" sz="2000" b="1" dirty="0">
+              <a:effectLst/>
+              <a:latin typeface="Calibri" panose="020F0502020204030204" pitchFamily="34" charset="0"/>
+              <a:ea typeface="Calibri" panose="020F0502020204030204" pitchFamily="34" charset="0"/>
+              <a:cs typeface="Arial" panose="020B0604020202020204" pitchFamily="34" charset="0"/>
+            </a:endParaRPr>
+          </a:p>
+          <a:p>
+            <a:pPr marL="0" marR="0" latinLnBrk="1">
+              <a:lnSpc>
+                <a:spcPts val="1510"/>
+              </a:lnSpc>
+              <a:spcBef>
+                <a:spcPts val="0"/>
+              </a:spcBef>
+              <a:spcAft>
+                <a:spcPts val="0"/>
+              </a:spcAft>
+              <a:tabLst>
+                <a:tab pos="581660" algn="l"/>
+                <a:tab pos="1163320" algn="l"/>
+                <a:tab pos="1744980" algn="l"/>
+                <a:tab pos="2326640" algn="l"/>
+                <a:tab pos="2908300" algn="l"/>
+                <a:tab pos="3489960" algn="l"/>
+                <a:tab pos="4071620" algn="l"/>
+                <a:tab pos="4653280" algn="l"/>
+                <a:tab pos="5234940" algn="l"/>
+                <a:tab pos="5816600" algn="l"/>
+                <a:tab pos="6398260" algn="l"/>
+                <a:tab pos="6979920" algn="l"/>
+                <a:tab pos="7561580" algn="l"/>
+                <a:tab pos="8143240" algn="l"/>
+                <a:tab pos="8724900" algn="l"/>
+                <a:tab pos="9306560" algn="l"/>
+              </a:tabLst>
+            </a:pPr>
+            <a:r>
+              <a:rPr lang="en-US" sz="1600" b="1" dirty="0">
+                <a:solidFill>
+                  <a:srgbClr val="81A1C1"/>
+                </a:solidFill>
+                <a:effectLst/>
+                <a:latin typeface="Courier New" panose="02070309020205020404" pitchFamily="49" charset="0"/>
+                <a:ea typeface="Times New Roman" panose="02020603050405020304" pitchFamily="18" charset="0"/>
+                <a:cs typeface="Arial" panose="020B0604020202020204" pitchFamily="34" charset="0"/>
+              </a:rPr>
+              <a:t>INSERT</a:t>
+            </a:r>
+            <a:r>
+              <a:rPr lang="en-US" sz="1600" b="1" dirty="0">
+                <a:solidFill>
+                  <a:srgbClr val="FFFFFF"/>
+                </a:solidFill>
+                <a:effectLst/>
+                <a:latin typeface="Courier New" panose="02070309020205020404" pitchFamily="49" charset="0"/>
+                <a:ea typeface="Times New Roman" panose="02020603050405020304" pitchFamily="18" charset="0"/>
+                <a:cs typeface="Arial" panose="020B0604020202020204" pitchFamily="34" charset="0"/>
+              </a:rPr>
+              <a:t> </a:t>
+            </a:r>
+            <a:r>
+              <a:rPr lang="en-US" sz="1600" b="1" dirty="0">
+                <a:solidFill>
+                  <a:srgbClr val="81A1C1"/>
+                </a:solidFill>
+                <a:effectLst/>
+                <a:latin typeface="Courier New" panose="02070309020205020404" pitchFamily="49" charset="0"/>
+                <a:ea typeface="Times New Roman" panose="02020603050405020304" pitchFamily="18" charset="0"/>
+                <a:cs typeface="Arial" panose="020B0604020202020204" pitchFamily="34" charset="0"/>
+              </a:rPr>
+              <a:t>INTO</a:t>
+            </a:r>
+            <a:r>
+              <a:rPr lang="en-US" sz="1600" b="1" dirty="0">
+                <a:solidFill>
+                  <a:srgbClr val="FFFFFF"/>
+                </a:solidFill>
+                <a:effectLst/>
+                <a:latin typeface="Courier New" panose="02070309020205020404" pitchFamily="49" charset="0"/>
+                <a:ea typeface="Times New Roman" panose="02020603050405020304" pitchFamily="18" charset="0"/>
+                <a:cs typeface="Arial" panose="020B0604020202020204" pitchFamily="34" charset="0"/>
+              </a:rPr>
+              <a:t> accounts </a:t>
+            </a:r>
+            <a:r>
+              <a:rPr lang="en-US" sz="1600" b="1" dirty="0">
+                <a:solidFill>
+                  <a:srgbClr val="81A1C1"/>
+                </a:solidFill>
+                <a:effectLst/>
+                <a:latin typeface="Courier New" panose="02070309020205020404" pitchFamily="49" charset="0"/>
+                <a:ea typeface="Times New Roman" panose="02020603050405020304" pitchFamily="18" charset="0"/>
+                <a:cs typeface="Arial" panose="020B0604020202020204" pitchFamily="34" charset="0"/>
+              </a:rPr>
+              <a:t>VALUES</a:t>
+            </a:r>
+            <a:r>
+              <a:rPr lang="en-US" sz="1600" b="1" dirty="0">
+                <a:solidFill>
+                  <a:srgbClr val="FFFFFF"/>
+                </a:solidFill>
+                <a:effectLst/>
+                <a:latin typeface="Courier New" panose="02070309020205020404" pitchFamily="49" charset="0"/>
+                <a:ea typeface="Times New Roman" panose="02020603050405020304" pitchFamily="18" charset="0"/>
+                <a:cs typeface="Arial" panose="020B0604020202020204" pitchFamily="34" charset="0"/>
+              </a:rPr>
+              <a:t> </a:t>
+            </a:r>
+            <a:r>
+              <a:rPr lang="en-US" sz="1600" b="1" dirty="0">
+                <a:solidFill>
+                  <a:srgbClr val="81A1C1"/>
+                </a:solidFill>
+                <a:effectLst/>
+                <a:latin typeface="Courier New" panose="02070309020205020404" pitchFamily="49" charset="0"/>
+                <a:ea typeface="Times New Roman" panose="02020603050405020304" pitchFamily="18" charset="0"/>
+                <a:cs typeface="Arial" panose="020B0604020202020204" pitchFamily="34" charset="0"/>
+              </a:rPr>
+              <a:t>(</a:t>
+            </a:r>
+            <a:r>
+              <a:rPr lang="en-US" sz="1600" b="1" dirty="0">
+                <a:solidFill>
+                  <a:srgbClr val="B48EAD"/>
+                </a:solidFill>
+                <a:effectLst/>
+                <a:latin typeface="Courier New" panose="02070309020205020404" pitchFamily="49" charset="0"/>
+                <a:ea typeface="Times New Roman" panose="02020603050405020304" pitchFamily="18" charset="0"/>
+                <a:cs typeface="Arial" panose="020B0604020202020204" pitchFamily="34" charset="0"/>
+              </a:rPr>
+              <a:t>4</a:t>
+            </a:r>
+            <a:r>
+              <a:rPr lang="en-US" sz="1600" b="1" dirty="0">
+                <a:solidFill>
+                  <a:srgbClr val="81A1C1"/>
+                </a:solidFill>
+                <a:effectLst/>
+                <a:latin typeface="Courier New" panose="02070309020205020404" pitchFamily="49" charset="0"/>
+                <a:ea typeface="Times New Roman" panose="02020603050405020304" pitchFamily="18" charset="0"/>
+                <a:cs typeface="Arial" panose="020B0604020202020204" pitchFamily="34" charset="0"/>
+              </a:rPr>
+              <a:t>,</a:t>
+            </a:r>
+            <a:r>
+              <a:rPr lang="en-US" sz="1600" b="1" dirty="0">
+                <a:solidFill>
+                  <a:srgbClr val="FFFFFF"/>
+                </a:solidFill>
+                <a:effectLst/>
+                <a:latin typeface="Courier New" panose="02070309020205020404" pitchFamily="49" charset="0"/>
+                <a:ea typeface="Times New Roman" panose="02020603050405020304" pitchFamily="18" charset="0"/>
+                <a:cs typeface="Arial" panose="020B0604020202020204" pitchFamily="34" charset="0"/>
+              </a:rPr>
+              <a:t> </a:t>
+            </a:r>
+            <a:r>
+              <a:rPr lang="en-US" sz="1600" b="1" dirty="0">
+                <a:solidFill>
+                  <a:srgbClr val="A3BE8C"/>
+                </a:solidFill>
+                <a:effectLst/>
+                <a:latin typeface="Courier New" panose="02070309020205020404" pitchFamily="49" charset="0"/>
+                <a:ea typeface="Times New Roman" panose="02020603050405020304" pitchFamily="18" charset="0"/>
+                <a:cs typeface="Arial" panose="020B0604020202020204" pitchFamily="34" charset="0"/>
+              </a:rPr>
+              <a:t>'William Green'</a:t>
+            </a:r>
+            <a:r>
+              <a:rPr lang="en-US" sz="1600" b="1" dirty="0">
+                <a:solidFill>
+                  <a:srgbClr val="81A1C1"/>
+                </a:solidFill>
+                <a:effectLst/>
+                <a:latin typeface="Courier New" panose="02070309020205020404" pitchFamily="49" charset="0"/>
+                <a:ea typeface="Times New Roman" panose="02020603050405020304" pitchFamily="18" charset="0"/>
+                <a:cs typeface="Arial" panose="020B0604020202020204" pitchFamily="34" charset="0"/>
+              </a:rPr>
+              <a:t>,</a:t>
+            </a:r>
+            <a:r>
+              <a:rPr lang="en-US" sz="1600" b="1" dirty="0">
+                <a:solidFill>
+                  <a:srgbClr val="FFFFFF"/>
+                </a:solidFill>
+                <a:effectLst/>
+                <a:latin typeface="Courier New" panose="02070309020205020404" pitchFamily="49" charset="0"/>
+                <a:ea typeface="Times New Roman" panose="02020603050405020304" pitchFamily="18" charset="0"/>
+                <a:cs typeface="Arial" panose="020B0604020202020204" pitchFamily="34" charset="0"/>
+              </a:rPr>
+              <a:t> </a:t>
+            </a:r>
+            <a:r>
+              <a:rPr lang="en-US" sz="1600" b="1" dirty="0">
+                <a:solidFill>
+                  <a:srgbClr val="B48EAD"/>
+                </a:solidFill>
+                <a:effectLst/>
+                <a:latin typeface="Courier New" panose="02070309020205020404" pitchFamily="49" charset="0"/>
+                <a:ea typeface="Times New Roman" panose="02020603050405020304" pitchFamily="18" charset="0"/>
+                <a:cs typeface="Arial" panose="020B0604020202020204" pitchFamily="34" charset="0"/>
+              </a:rPr>
+              <a:t>3000</a:t>
+            </a:r>
+            <a:r>
+              <a:rPr lang="en-US" sz="1600" b="1" dirty="0">
+                <a:solidFill>
+                  <a:srgbClr val="81A1C1"/>
+                </a:solidFill>
+                <a:effectLst/>
+                <a:latin typeface="Courier New" panose="02070309020205020404" pitchFamily="49" charset="0"/>
+                <a:ea typeface="Times New Roman" panose="02020603050405020304" pitchFamily="18" charset="0"/>
+                <a:cs typeface="Arial" panose="020B0604020202020204" pitchFamily="34" charset="0"/>
+              </a:rPr>
+              <a:t>);</a:t>
+            </a:r>
+            <a:endParaRPr lang="en-US" sz="2000" b="1" dirty="0">
+              <a:effectLst/>
+              <a:latin typeface="Calibri" panose="020F0502020204030204" pitchFamily="34" charset="0"/>
+              <a:ea typeface="Calibri" panose="020F0502020204030204" pitchFamily="34" charset="0"/>
+              <a:cs typeface="Arial" panose="020B0604020202020204" pitchFamily="34" charset="0"/>
+            </a:endParaRPr>
+          </a:p>
+          <a:p>
+            <a:pPr marL="0" marR="0" latinLnBrk="1">
+              <a:lnSpc>
+                <a:spcPts val="1510"/>
+              </a:lnSpc>
+              <a:spcBef>
+                <a:spcPts val="0"/>
+              </a:spcBef>
+              <a:spcAft>
+                <a:spcPts val="800"/>
+              </a:spcAft>
+              <a:tabLst>
+                <a:tab pos="581660" algn="l"/>
+                <a:tab pos="1163320" algn="l"/>
+                <a:tab pos="1744980" algn="l"/>
+                <a:tab pos="2326640" algn="l"/>
+                <a:tab pos="2908300" algn="l"/>
+                <a:tab pos="3489960" algn="l"/>
+                <a:tab pos="4071620" algn="l"/>
+                <a:tab pos="4653280" algn="l"/>
+                <a:tab pos="5234940" algn="l"/>
+                <a:tab pos="5816600" algn="l"/>
+                <a:tab pos="6398260" algn="l"/>
+                <a:tab pos="6979920" algn="l"/>
+                <a:tab pos="7561580" algn="l"/>
+                <a:tab pos="8143240" algn="l"/>
+                <a:tab pos="8724900" algn="l"/>
+                <a:tab pos="9306560" algn="l"/>
+              </a:tabLst>
+            </a:pPr>
+            <a:r>
+              <a:rPr lang="en-US" sz="1600" b="1" dirty="0">
+                <a:solidFill>
+                  <a:srgbClr val="81A1C1"/>
+                </a:solidFill>
+                <a:effectLst/>
+                <a:latin typeface="Courier New" panose="02070309020205020404" pitchFamily="49" charset="0"/>
+                <a:ea typeface="Times New Roman" panose="02020603050405020304" pitchFamily="18" charset="0"/>
+                <a:cs typeface="Arial" panose="020B0604020202020204" pitchFamily="34" charset="0"/>
+              </a:rPr>
+              <a:t>COMMIT;</a:t>
+            </a:r>
+            <a:endParaRPr lang="en-US" sz="2000" b="1" dirty="0">
+              <a:effectLst/>
+              <a:latin typeface="Calibri" panose="020F0502020204030204" pitchFamily="34" charset="0"/>
+              <a:ea typeface="Calibri" panose="020F0502020204030204" pitchFamily="34" charset="0"/>
+              <a:cs typeface="Arial" panose="020B0604020202020204" pitchFamily="34" charset="0"/>
+            </a:endParaRPr>
+          </a:p>
+        </p:txBody>
+      </p:sp>
+    </p:spTree>
+    <p:extLst>
+      <p:ext uri="{BB962C8B-B14F-4D97-AF65-F5344CB8AC3E}">
+        <p14:creationId xmlns:p14="http://schemas.microsoft.com/office/powerpoint/2010/main" val="2972224567"/>
+      </p:ext>
+    </p:extLst>
+  </p:cSld>
+  <p:clrMapOvr>
+    <a:masterClrMapping/>
+  </p:clrMapOvr>
+</p:sld>
+</file>
+
+<file path=ppt/slides/slide41.xml><?xml version="1.0" encoding="utf-8"?>
+<p:sld xmlns:a="http://schemas.openxmlformats.org/drawingml/2006/main" xmlns:r="http://schemas.openxmlformats.org/officeDocument/2006/relationships" xmlns:p="http://schemas.openxmlformats.org/presentationml/2006/main">
+  <p:cSld>
+    <p:spTree>
+      <p:nvGrpSpPr>
+        <p:cNvPr id="1" name=""/>
+        <p:cNvGrpSpPr/>
+        <p:nvPr/>
+      </p:nvGrpSpPr>
+      <p:grpSpPr>
+        <a:xfrm>
+          <a:off x="0" y="0"/>
+          <a:ext cx="0" cy="0"/>
+          <a:chOff x="0" y="0"/>
+          <a:chExt cx="0" cy="0"/>
+        </a:xfrm>
+      </p:grpSpPr>
+      <p:sp>
+        <p:nvSpPr>
           <p:cNvPr id="2" name="Title 1">
             <a:extLst>
               <a:ext uri="{FF2B5EF4-FFF2-40B4-BE49-F238E27FC236}">
@@ -39140,7 +41642,7 @@
 </p:sld>
 </file>
 
-<file path=ppt/slides/slide41.xml><?xml version="1.0" encoding="utf-8"?>
+<file path=ppt/slides/slide42.xml><?xml version="1.0" encoding="utf-8"?>
 <p:sld xmlns:a="http://schemas.openxmlformats.org/drawingml/2006/main" xmlns:r="http://schemas.openxmlformats.org/officeDocument/2006/relationships" xmlns:p="http://schemas.openxmlformats.org/presentationml/2006/main">
   <p:cSld>
     <p:spTree>
@@ -39413,7 +41915,7 @@
 </p:sld>
 </file>
 
-<file path=ppt/slides/slide42.xml><?xml version="1.0" encoding="utf-8"?>
+<file path=ppt/slides/slide43.xml><?xml version="1.0" encoding="utf-8"?>
 <p:sld xmlns:a="http://schemas.openxmlformats.org/drawingml/2006/main" xmlns:r="http://schemas.openxmlformats.org/officeDocument/2006/relationships" xmlns:p="http://schemas.openxmlformats.org/presentationml/2006/main">
   <p:cSld>
     <p:spTree>
@@ -39653,7 +42155,7 @@
 </p:sld>
 </file>
 
-<file path=ppt/slides/slide43.xml><?xml version="1.0" encoding="utf-8"?>
+<file path=ppt/slides/slide44.xml><?xml version="1.0" encoding="utf-8"?>
 <p:sld xmlns:a="http://schemas.openxmlformats.org/drawingml/2006/main" xmlns:r="http://schemas.openxmlformats.org/officeDocument/2006/relationships" xmlns:p="http://schemas.openxmlformats.org/presentationml/2006/main">
   <p:cSld>
     <p:spTree>
@@ -39835,7 +42337,7 @@
 </p:sld>
 </file>
 
-<file path=ppt/slides/slide44.xml><?xml version="1.0" encoding="utf-8"?>
+<file path=ppt/slides/slide45.xml><?xml version="1.0" encoding="utf-8"?>
 <p:sld xmlns:a="http://schemas.openxmlformats.org/drawingml/2006/main" xmlns:r="http://schemas.openxmlformats.org/officeDocument/2006/relationships" xmlns:p="http://schemas.openxmlformats.org/presentationml/2006/main">
   <p:cSld>
     <p:spTree>
@@ -40115,7 +42617,7 @@
 </p:sld>
 </file>
 
-<file path=ppt/slides/slide45.xml><?xml version="1.0" encoding="utf-8"?>
+<file path=ppt/slides/slide46.xml><?xml version="1.0" encoding="utf-8"?>
 <p:sld xmlns:a="http://schemas.openxmlformats.org/drawingml/2006/main" xmlns:r="http://schemas.openxmlformats.org/officeDocument/2006/relationships" xmlns:p="http://schemas.openxmlformats.org/presentationml/2006/main">
   <p:cSld>
     <p:spTree>
@@ -40712,7 +43214,7 @@
 </p:sld>
 </file>
 
-<file path=ppt/slides/slide46.xml><?xml version="1.0" encoding="utf-8"?>
+<file path=ppt/slides/slide47.xml><?xml version="1.0" encoding="utf-8"?>
 <p:sld xmlns:a="http://schemas.openxmlformats.org/drawingml/2006/main" xmlns:r="http://schemas.openxmlformats.org/officeDocument/2006/relationships" xmlns:p="http://schemas.openxmlformats.org/presentationml/2006/main">
   <p:cSld>
     <p:spTree>
